--- a/Pitch/PITCH.pptx
+++ b/Pitch/PITCH.pptx
@@ -4996,8 +4996,16 @@
         <a:lstStyle/>
         <a:p>
           <a:r>
+            <a:rPr lang="en-US" dirty="0">
+              <a:solidFill>
+                <a:srgbClr val="2E2B21"/>
+              </a:solidFill>
+            </a:rPr>
+            <a:t>Multiplayer</a:t>
+          </a:r>
+          <a:r>
             <a:rPr lang="en-US" dirty="0"/>
-            <a:t>Multiplayer competitiv</a:t>
+            <a:t> competitiv</a:t>
           </a:r>
           <a:r>
             <a:rPr lang="it-IT" dirty="0"/>
@@ -5274,10 +5282,18 @@
         <a:lstStyle/>
         <a:p>
           <a:r>
-            <a:rPr lang="it-IT" sz="1800"/>
+            <a:rPr lang="it-IT" sz="1800">
+              <a:solidFill>
+                <a:schemeClr val="tx1"/>
+              </a:solidFill>
+            </a:rPr>
             <a:t>Network</a:t>
           </a:r>
-          <a:endParaRPr lang="en-US" sz="1800"/>
+          <a:endParaRPr lang="en-US" sz="1800">
+            <a:solidFill>
+              <a:schemeClr val="tx1"/>
+            </a:solidFill>
+          </a:endParaRPr>
         </a:p>
       </dgm:t>
     </dgm:pt>
@@ -5288,7 +5304,11 @@
         <a:bodyPr/>
         <a:lstStyle/>
         <a:p>
-          <a:endParaRPr lang="en-US" sz="2400"/>
+          <a:endParaRPr lang="en-US" sz="2400">
+            <a:solidFill>
+              <a:schemeClr val="tx1"/>
+            </a:solidFill>
+          </a:endParaRPr>
         </a:p>
       </dgm:t>
     </dgm:pt>
@@ -5299,7 +5319,11 @@
         <a:bodyPr/>
         <a:lstStyle/>
         <a:p>
-          <a:endParaRPr lang="en-US" sz="4400"/>
+          <a:endParaRPr lang="en-US" sz="4400">
+            <a:solidFill>
+              <a:schemeClr val="tx1"/>
+            </a:solidFill>
+          </a:endParaRPr>
         </a:p>
       </dgm:t>
     </dgm:pt>
@@ -5311,10 +5335,18 @@
         <a:lstStyle/>
         <a:p>
           <a:r>
-            <a:rPr lang="it-IT" sz="1800" dirty="0"/>
+            <a:rPr lang="it-IT" sz="1800" dirty="0">
+              <a:solidFill>
+                <a:schemeClr val="tx1"/>
+              </a:solidFill>
+            </a:rPr>
             <a:t>Motore fisico JLiquidFun</a:t>
           </a:r>
-          <a:endParaRPr lang="en-US" sz="1800" dirty="0"/>
+          <a:endParaRPr lang="en-US" sz="1800" dirty="0">
+            <a:solidFill>
+              <a:schemeClr val="tx1"/>
+            </a:solidFill>
+          </a:endParaRPr>
         </a:p>
       </dgm:t>
     </dgm:pt>
@@ -5325,7 +5357,11 @@
         <a:bodyPr/>
         <a:lstStyle/>
         <a:p>
-          <a:endParaRPr lang="en-US" sz="2400"/>
+          <a:endParaRPr lang="en-US" sz="2400">
+            <a:solidFill>
+              <a:schemeClr val="tx1"/>
+            </a:solidFill>
+          </a:endParaRPr>
         </a:p>
       </dgm:t>
     </dgm:pt>
@@ -5336,7 +5372,11 @@
         <a:bodyPr/>
         <a:lstStyle/>
         <a:p>
-          <a:endParaRPr lang="en-US" sz="4400"/>
+          <a:endParaRPr lang="en-US" sz="4400">
+            <a:solidFill>
+              <a:schemeClr val="tx1"/>
+            </a:solidFill>
+          </a:endParaRPr>
         </a:p>
       </dgm:t>
     </dgm:pt>
@@ -5348,10 +5388,18 @@
         <a:lstStyle/>
         <a:p>
           <a:r>
-            <a:rPr lang="it-IT" sz="1800" dirty="0"/>
+            <a:rPr lang="it-IT" sz="1800" dirty="0">
+              <a:solidFill>
+                <a:schemeClr val="tx1"/>
+              </a:solidFill>
+            </a:rPr>
             <a:t>Render grafico Canvas</a:t>
           </a:r>
-          <a:endParaRPr lang="en-US" sz="1800" dirty="0"/>
+          <a:endParaRPr lang="en-US" sz="1800" dirty="0">
+            <a:solidFill>
+              <a:schemeClr val="tx1"/>
+            </a:solidFill>
+          </a:endParaRPr>
         </a:p>
       </dgm:t>
     </dgm:pt>
@@ -5362,7 +5410,11 @@
         <a:bodyPr/>
         <a:lstStyle/>
         <a:p>
-          <a:endParaRPr lang="en-US" sz="2400"/>
+          <a:endParaRPr lang="en-US" sz="2400">
+            <a:solidFill>
+              <a:schemeClr val="tx1"/>
+            </a:solidFill>
+          </a:endParaRPr>
         </a:p>
       </dgm:t>
     </dgm:pt>
@@ -5373,7 +5425,11 @@
         <a:bodyPr/>
         <a:lstStyle/>
         <a:p>
-          <a:endParaRPr lang="en-US" sz="4400"/>
+          <a:endParaRPr lang="en-US" sz="4400">
+            <a:solidFill>
+              <a:schemeClr val="tx1"/>
+            </a:solidFill>
+          </a:endParaRPr>
         </a:p>
       </dgm:t>
     </dgm:pt>
@@ -5784,17 +5840,33 @@
         <a:lstStyle/>
         <a:p>
           <a:r>
-            <a:rPr lang="it-IT" dirty="0"/>
+            <a:rPr lang="it-IT" dirty="0">
+              <a:solidFill>
+                <a:schemeClr val="tx1"/>
+              </a:solidFill>
+            </a:rPr>
             <a:t>Power-up</a:t>
           </a:r>
           <a:br>
-            <a:rPr lang="it-IT" dirty="0"/>
+            <a:rPr lang="it-IT" dirty="0">
+              <a:solidFill>
+                <a:schemeClr val="tx1"/>
+              </a:solidFill>
+            </a:rPr>
           </a:br>
           <a:r>
-            <a:rPr lang="it-IT" dirty="0"/>
+            <a:rPr lang="it-IT" dirty="0">
+              <a:solidFill>
+                <a:schemeClr val="tx1"/>
+              </a:solidFill>
+            </a:rPr>
             <a:t>(immagini sample?)</a:t>
           </a:r>
-          <a:endParaRPr lang="en-US" dirty="0"/>
+          <a:endParaRPr lang="en-US" dirty="0">
+            <a:solidFill>
+              <a:schemeClr val="tx1"/>
+            </a:solidFill>
+          </a:endParaRPr>
         </a:p>
       </dgm:t>
     </dgm:pt>
@@ -5805,7 +5877,11 @@
         <a:bodyPr/>
         <a:lstStyle/>
         <a:p>
-          <a:endParaRPr lang="en-US"/>
+          <a:endParaRPr lang="en-US">
+            <a:solidFill>
+              <a:schemeClr val="tx1"/>
+            </a:solidFill>
+          </a:endParaRPr>
         </a:p>
       </dgm:t>
     </dgm:pt>
@@ -5816,7 +5892,11 @@
         <a:bodyPr/>
         <a:lstStyle/>
         <a:p>
-          <a:endParaRPr lang="en-US"/>
+          <a:endParaRPr lang="en-US">
+            <a:solidFill>
+              <a:schemeClr val="tx1"/>
+            </a:solidFill>
+          </a:endParaRPr>
         </a:p>
       </dgm:t>
     </dgm:pt>
@@ -5828,10 +5908,18 @@
         <a:lstStyle/>
         <a:p>
           <a:r>
-            <a:rPr lang="it-IT"/>
+            <a:rPr lang="it-IT">
+              <a:solidFill>
+                <a:schemeClr val="tx1"/>
+              </a:solidFill>
+            </a:rPr>
             <a:t>Ridimensionamento del personaggio</a:t>
           </a:r>
-          <a:endParaRPr lang="en-US"/>
+          <a:endParaRPr lang="en-US">
+            <a:solidFill>
+              <a:schemeClr val="tx1"/>
+            </a:solidFill>
+          </a:endParaRPr>
         </a:p>
       </dgm:t>
     </dgm:pt>
@@ -5842,7 +5930,11 @@
         <a:bodyPr/>
         <a:lstStyle/>
         <a:p>
-          <a:endParaRPr lang="en-US"/>
+          <a:endParaRPr lang="en-US">
+            <a:solidFill>
+              <a:schemeClr val="tx1"/>
+            </a:solidFill>
+          </a:endParaRPr>
         </a:p>
       </dgm:t>
     </dgm:pt>
@@ -5853,7 +5945,11 @@
         <a:bodyPr/>
         <a:lstStyle/>
         <a:p>
-          <a:endParaRPr lang="en-US"/>
+          <a:endParaRPr lang="en-US">
+            <a:solidFill>
+              <a:schemeClr val="tx1"/>
+            </a:solidFill>
+          </a:endParaRPr>
         </a:p>
       </dgm:t>
     </dgm:pt>
@@ -5865,10 +5961,18 @@
         <a:lstStyle/>
         <a:p>
           <a:r>
-            <a:rPr lang="it-IT"/>
+            <a:rPr lang="it-IT">
+              <a:solidFill>
+                <a:schemeClr val="tx1"/>
+              </a:solidFill>
+            </a:rPr>
             <a:t>Cambio di velocità</a:t>
           </a:r>
-          <a:endParaRPr lang="en-US"/>
+          <a:endParaRPr lang="en-US">
+            <a:solidFill>
+              <a:schemeClr val="tx1"/>
+            </a:solidFill>
+          </a:endParaRPr>
         </a:p>
       </dgm:t>
     </dgm:pt>
@@ -5879,7 +5983,11 @@
         <a:bodyPr/>
         <a:lstStyle/>
         <a:p>
-          <a:endParaRPr lang="en-US"/>
+          <a:endParaRPr lang="en-US">
+            <a:solidFill>
+              <a:schemeClr val="tx1"/>
+            </a:solidFill>
+          </a:endParaRPr>
         </a:p>
       </dgm:t>
     </dgm:pt>
@@ -5890,7 +5998,11 @@
         <a:bodyPr/>
         <a:lstStyle/>
         <a:p>
-          <a:endParaRPr lang="en-US"/>
+          <a:endParaRPr lang="en-US">
+            <a:solidFill>
+              <a:schemeClr val="tx1"/>
+            </a:solidFill>
+          </a:endParaRPr>
         </a:p>
       </dgm:t>
     </dgm:pt>
@@ -5902,10 +6014,18 @@
         <a:lstStyle/>
         <a:p>
           <a:r>
-            <a:rPr lang="it-IT"/>
+            <a:rPr lang="it-IT">
+              <a:solidFill>
+                <a:schemeClr val="tx1"/>
+              </a:solidFill>
+            </a:rPr>
             <a:t>Armi</a:t>
           </a:r>
-          <a:endParaRPr lang="en-US"/>
+          <a:endParaRPr lang="en-US">
+            <a:solidFill>
+              <a:schemeClr val="tx1"/>
+            </a:solidFill>
+          </a:endParaRPr>
         </a:p>
       </dgm:t>
     </dgm:pt>
@@ -5916,7 +6036,11 @@
         <a:bodyPr/>
         <a:lstStyle/>
         <a:p>
-          <a:endParaRPr lang="en-US"/>
+          <a:endParaRPr lang="en-US">
+            <a:solidFill>
+              <a:schemeClr val="tx1"/>
+            </a:solidFill>
+          </a:endParaRPr>
         </a:p>
       </dgm:t>
     </dgm:pt>
@@ -5927,7 +6051,11 @@
         <a:bodyPr/>
         <a:lstStyle/>
         <a:p>
-          <a:endParaRPr lang="en-US"/>
+          <a:endParaRPr lang="en-US">
+            <a:solidFill>
+              <a:schemeClr val="tx1"/>
+            </a:solidFill>
+          </a:endParaRPr>
         </a:p>
       </dgm:t>
     </dgm:pt>
@@ -5939,25 +6067,49 @@
         <a:lstStyle/>
         <a:p>
           <a:r>
-            <a:rPr lang="it-IT" dirty="0"/>
+            <a:rPr lang="it-IT" dirty="0">
+              <a:solidFill>
+                <a:schemeClr val="tx1"/>
+              </a:solidFill>
+            </a:rPr>
             <a:t>Diverse mappe</a:t>
           </a:r>
           <a:br>
-            <a:rPr lang="it-IT" dirty="0"/>
+            <a:rPr lang="it-IT" dirty="0">
+              <a:solidFill>
+                <a:schemeClr val="tx1"/>
+              </a:solidFill>
+            </a:rPr>
           </a:br>
           <a:r>
-            <a:rPr lang="it-IT" dirty="0"/>
+            <a:rPr lang="it-IT" dirty="0">
+              <a:solidFill>
+                <a:schemeClr val="tx1"/>
+              </a:solidFill>
+            </a:rPr>
             <a:t>(</a:t>
           </a:r>
           <a:r>
-            <a:rPr lang="it-IT" dirty="0" err="1"/>
+            <a:rPr lang="it-IT" dirty="0" err="1">
+              <a:solidFill>
+                <a:schemeClr val="tx1"/>
+              </a:solidFill>
+            </a:rPr>
             <a:t>parsing</a:t>
           </a:r>
           <a:r>
-            <a:rPr lang="it-IT" dirty="0"/>
+            <a:rPr lang="it-IT" dirty="0">
+              <a:solidFill>
+                <a:schemeClr val="tx1"/>
+              </a:solidFill>
+            </a:rPr>
             <a:t>?)</a:t>
           </a:r>
-          <a:endParaRPr lang="en-US" dirty="0"/>
+          <a:endParaRPr lang="en-US" dirty="0">
+            <a:solidFill>
+              <a:schemeClr val="tx1"/>
+            </a:solidFill>
+          </a:endParaRPr>
         </a:p>
       </dgm:t>
     </dgm:pt>
@@ -5968,7 +6120,11 @@
         <a:bodyPr/>
         <a:lstStyle/>
         <a:p>
-          <a:endParaRPr lang="en-US"/>
+          <a:endParaRPr lang="en-US">
+            <a:solidFill>
+              <a:schemeClr val="tx1"/>
+            </a:solidFill>
+          </a:endParaRPr>
         </a:p>
       </dgm:t>
     </dgm:pt>
@@ -5979,7 +6135,11 @@
         <a:bodyPr/>
         <a:lstStyle/>
         <a:p>
-          <a:endParaRPr lang="en-US"/>
+          <a:endParaRPr lang="en-US">
+            <a:solidFill>
+              <a:schemeClr val="tx1"/>
+            </a:solidFill>
+          </a:endParaRPr>
         </a:p>
       </dgm:t>
     </dgm:pt>
@@ -5991,10 +6151,18 @@
         <a:lstStyle/>
         <a:p>
           <a:r>
-            <a:rPr lang="it-IT"/>
+            <a:rPr lang="it-IT">
+              <a:solidFill>
+                <a:schemeClr val="tx1"/>
+              </a:solidFill>
+            </a:rPr>
             <a:t>Gravità</a:t>
           </a:r>
-          <a:endParaRPr lang="en-US"/>
+          <a:endParaRPr lang="en-US">
+            <a:solidFill>
+              <a:schemeClr val="tx1"/>
+            </a:solidFill>
+          </a:endParaRPr>
         </a:p>
       </dgm:t>
     </dgm:pt>
@@ -6005,7 +6173,11 @@
         <a:bodyPr/>
         <a:lstStyle/>
         <a:p>
-          <a:endParaRPr lang="en-US"/>
+          <a:endParaRPr lang="en-US">
+            <a:solidFill>
+              <a:schemeClr val="tx1"/>
+            </a:solidFill>
+          </a:endParaRPr>
         </a:p>
       </dgm:t>
     </dgm:pt>
@@ -6016,7 +6188,11 @@
         <a:bodyPr/>
         <a:lstStyle/>
         <a:p>
-          <a:endParaRPr lang="en-US"/>
+          <a:endParaRPr lang="en-US">
+            <a:solidFill>
+              <a:schemeClr val="tx1"/>
+            </a:solidFill>
+          </a:endParaRPr>
         </a:p>
       </dgm:t>
     </dgm:pt>
@@ -6028,10 +6204,18 @@
         <a:lstStyle/>
         <a:p>
           <a:r>
-            <a:rPr lang="it-IT"/>
+            <a:rPr lang="it-IT">
+              <a:solidFill>
+                <a:schemeClr val="tx1"/>
+              </a:solidFill>
+            </a:rPr>
             <a:t>Buchi(?) all’interno dell’arena</a:t>
           </a:r>
-          <a:endParaRPr lang="en-US"/>
+          <a:endParaRPr lang="en-US">
+            <a:solidFill>
+              <a:schemeClr val="tx1"/>
+            </a:solidFill>
+          </a:endParaRPr>
         </a:p>
       </dgm:t>
     </dgm:pt>
@@ -6042,7 +6226,11 @@
         <a:bodyPr/>
         <a:lstStyle/>
         <a:p>
-          <a:endParaRPr lang="en-US"/>
+          <a:endParaRPr lang="en-US">
+            <a:solidFill>
+              <a:schemeClr val="tx1"/>
+            </a:solidFill>
+          </a:endParaRPr>
         </a:p>
       </dgm:t>
     </dgm:pt>
@@ -6053,7 +6241,11 @@
         <a:bodyPr/>
         <a:lstStyle/>
         <a:p>
-          <a:endParaRPr lang="en-US"/>
+          <a:endParaRPr lang="en-US">
+            <a:solidFill>
+              <a:schemeClr val="tx1"/>
+            </a:solidFill>
+          </a:endParaRPr>
         </a:p>
       </dgm:t>
     </dgm:pt>
@@ -6305,17 +6497,40 @@
       </dgm:t>
     </dgm:pt>
     <dgm:pt modelId="{38741C01-7851-42BE-87DC-D3978DB2949C}">
-      <dgm:prSet/>
+      <dgm:prSet>
+        <dgm:style>
+          <a:lnRef idx="1">
+            <a:schemeClr val="accent2"/>
+          </a:lnRef>
+          <a:fillRef idx="3">
+            <a:schemeClr val="accent2"/>
+          </a:fillRef>
+          <a:effectRef idx="2">
+            <a:schemeClr val="accent2"/>
+          </a:effectRef>
+          <a:fontRef idx="minor">
+            <a:schemeClr val="lt1"/>
+          </a:fontRef>
+        </dgm:style>
+      </dgm:prSet>
       <dgm:spPr/>
       <dgm:t>
         <a:bodyPr/>
         <a:lstStyle/>
         <a:p>
           <a:r>
-            <a:rPr lang="it-IT" dirty="0"/>
+            <a:rPr lang="it-IT" dirty="0">
+              <a:solidFill>
+                <a:schemeClr val="tx1"/>
+              </a:solidFill>
+            </a:rPr>
             <a:t>GRAFICA</a:t>
           </a:r>
-          <a:endParaRPr lang="en-US" dirty="0"/>
+          <a:endParaRPr lang="en-US" dirty="0">
+            <a:solidFill>
+              <a:schemeClr val="tx1"/>
+            </a:solidFill>
+          </a:endParaRPr>
         </a:p>
       </dgm:t>
     </dgm:pt>
@@ -6326,7 +6541,11 @@
         <a:bodyPr/>
         <a:lstStyle/>
         <a:p>
-          <a:endParaRPr lang="en-US"/>
+          <a:endParaRPr lang="en-US">
+            <a:solidFill>
+              <a:schemeClr val="tx1"/>
+            </a:solidFill>
+          </a:endParaRPr>
         </a:p>
       </dgm:t>
     </dgm:pt>
@@ -6337,22 +6556,49 @@
         <a:bodyPr/>
         <a:lstStyle/>
         <a:p>
-          <a:endParaRPr lang="en-US"/>
+          <a:endParaRPr lang="en-US">
+            <a:solidFill>
+              <a:schemeClr val="tx1"/>
+            </a:solidFill>
+          </a:endParaRPr>
         </a:p>
       </dgm:t>
     </dgm:pt>
     <dgm:pt modelId="{E651F29D-8135-4A76-862C-D9B25D85C42B}">
-      <dgm:prSet/>
+      <dgm:prSet>
+        <dgm:style>
+          <a:lnRef idx="3">
+            <a:schemeClr val="lt1"/>
+          </a:lnRef>
+          <a:fillRef idx="1">
+            <a:schemeClr val="accent4"/>
+          </a:fillRef>
+          <a:effectRef idx="1">
+            <a:schemeClr val="accent4"/>
+          </a:effectRef>
+          <a:fontRef idx="minor">
+            <a:schemeClr val="lt1"/>
+          </a:fontRef>
+        </dgm:style>
+      </dgm:prSet>
       <dgm:spPr/>
       <dgm:t>
         <a:bodyPr/>
         <a:lstStyle/>
         <a:p>
           <a:r>
-            <a:rPr lang="it-IT"/>
+            <a:rPr lang="it-IT">
+              <a:solidFill>
+                <a:schemeClr val="tx1"/>
+              </a:solidFill>
+            </a:rPr>
             <a:t>Bird’s eye view</a:t>
           </a:r>
-          <a:endParaRPr lang="en-US"/>
+          <a:endParaRPr lang="en-US">
+            <a:solidFill>
+              <a:schemeClr val="tx1"/>
+            </a:solidFill>
+          </a:endParaRPr>
         </a:p>
       </dgm:t>
     </dgm:pt>
@@ -6363,7 +6609,11 @@
         <a:bodyPr/>
         <a:lstStyle/>
         <a:p>
-          <a:endParaRPr lang="en-US"/>
+          <a:endParaRPr lang="en-US">
+            <a:solidFill>
+              <a:schemeClr val="tx1"/>
+            </a:solidFill>
+          </a:endParaRPr>
         </a:p>
       </dgm:t>
     </dgm:pt>
@@ -6374,19 +6624,42 @@
         <a:bodyPr/>
         <a:lstStyle/>
         <a:p>
-          <a:endParaRPr lang="en-US"/>
+          <a:endParaRPr lang="en-US">
+            <a:solidFill>
+              <a:schemeClr val="tx1"/>
+            </a:solidFill>
+          </a:endParaRPr>
         </a:p>
       </dgm:t>
     </dgm:pt>
     <dgm:pt modelId="{C1F0885D-5AEF-473C-A6C6-22B5A865203D}">
-      <dgm:prSet/>
+      <dgm:prSet>
+        <dgm:style>
+          <a:lnRef idx="1">
+            <a:schemeClr val="accent2"/>
+          </a:lnRef>
+          <a:fillRef idx="3">
+            <a:schemeClr val="accent2"/>
+          </a:fillRef>
+          <a:effectRef idx="2">
+            <a:schemeClr val="accent2"/>
+          </a:effectRef>
+          <a:fontRef idx="minor">
+            <a:schemeClr val="lt1"/>
+          </a:fontRef>
+        </dgm:style>
+      </dgm:prSet>
       <dgm:spPr/>
       <dgm:t>
         <a:bodyPr/>
         <a:lstStyle/>
         <a:p>
           <a:r>
-            <a:rPr lang="en-US" dirty="0"/>
+            <a:rPr lang="en-US" dirty="0">
+              <a:solidFill>
+                <a:schemeClr val="tx1"/>
+              </a:solidFill>
+            </a:rPr>
             <a:t>SONORO</a:t>
           </a:r>
         </a:p>
@@ -6399,7 +6672,11 @@
         <a:bodyPr/>
         <a:lstStyle/>
         <a:p>
-          <a:endParaRPr lang="en-US"/>
+          <a:endParaRPr lang="en-US">
+            <a:solidFill>
+              <a:schemeClr val="tx1"/>
+            </a:solidFill>
+          </a:endParaRPr>
         </a:p>
       </dgm:t>
     </dgm:pt>
@@ -6410,22 +6687,49 @@
         <a:bodyPr/>
         <a:lstStyle/>
         <a:p>
-          <a:endParaRPr lang="en-US"/>
+          <a:endParaRPr lang="en-US">
+            <a:solidFill>
+              <a:schemeClr val="tx1"/>
+            </a:solidFill>
+          </a:endParaRPr>
         </a:p>
       </dgm:t>
     </dgm:pt>
     <dgm:pt modelId="{9215BA6D-8996-4552-B2B9-EBE86864C6A3}">
-      <dgm:prSet/>
+      <dgm:prSet>
+        <dgm:style>
+          <a:lnRef idx="3">
+            <a:schemeClr val="lt1"/>
+          </a:lnRef>
+          <a:fillRef idx="1">
+            <a:schemeClr val="accent4"/>
+          </a:fillRef>
+          <a:effectRef idx="1">
+            <a:schemeClr val="accent4"/>
+          </a:effectRef>
+          <a:fontRef idx="minor">
+            <a:schemeClr val="lt1"/>
+          </a:fontRef>
+        </dgm:style>
+      </dgm:prSet>
       <dgm:spPr/>
       <dgm:t>
         <a:bodyPr/>
         <a:lstStyle/>
         <a:p>
           <a:r>
-            <a:rPr lang="it-IT"/>
+            <a:rPr lang="it-IT">
+              <a:solidFill>
+                <a:schemeClr val="tx1"/>
+              </a:solidFill>
+            </a:rPr>
             <a:t>Urti</a:t>
           </a:r>
-          <a:endParaRPr lang="en-US"/>
+          <a:endParaRPr lang="en-US">
+            <a:solidFill>
+              <a:schemeClr val="tx1"/>
+            </a:solidFill>
+          </a:endParaRPr>
         </a:p>
       </dgm:t>
     </dgm:pt>
@@ -6436,7 +6740,11 @@
         <a:bodyPr/>
         <a:lstStyle/>
         <a:p>
-          <a:endParaRPr lang="en-US"/>
+          <a:endParaRPr lang="en-US">
+            <a:solidFill>
+              <a:schemeClr val="tx1"/>
+            </a:solidFill>
+          </a:endParaRPr>
         </a:p>
       </dgm:t>
     </dgm:pt>
@@ -6447,22 +6755,49 @@
         <a:bodyPr/>
         <a:lstStyle/>
         <a:p>
-          <a:endParaRPr lang="en-US"/>
+          <a:endParaRPr lang="en-US">
+            <a:solidFill>
+              <a:schemeClr val="tx1"/>
+            </a:solidFill>
+          </a:endParaRPr>
         </a:p>
       </dgm:t>
     </dgm:pt>
     <dgm:pt modelId="{0BF9EA02-BE00-4AB9-BA6A-9D53253188E9}">
-      <dgm:prSet/>
+      <dgm:prSet>
+        <dgm:style>
+          <a:lnRef idx="3">
+            <a:schemeClr val="lt1"/>
+          </a:lnRef>
+          <a:fillRef idx="1">
+            <a:schemeClr val="accent4"/>
+          </a:fillRef>
+          <a:effectRef idx="1">
+            <a:schemeClr val="accent4"/>
+          </a:effectRef>
+          <a:fontRef idx="minor">
+            <a:schemeClr val="lt1"/>
+          </a:fontRef>
+        </dgm:style>
+      </dgm:prSet>
       <dgm:spPr/>
       <dgm:t>
         <a:bodyPr/>
         <a:lstStyle/>
         <a:p>
           <a:r>
-            <a:rPr lang="it-IT"/>
+            <a:rPr lang="it-IT">
+              <a:solidFill>
+                <a:schemeClr val="tx1"/>
+              </a:solidFill>
+            </a:rPr>
             <a:t>Eliminazione</a:t>
           </a:r>
-          <a:endParaRPr lang="en-US"/>
+          <a:endParaRPr lang="en-US">
+            <a:solidFill>
+              <a:schemeClr val="tx1"/>
+            </a:solidFill>
+          </a:endParaRPr>
         </a:p>
       </dgm:t>
     </dgm:pt>
@@ -6473,7 +6808,11 @@
         <a:bodyPr/>
         <a:lstStyle/>
         <a:p>
-          <a:endParaRPr lang="en-US"/>
+          <a:endParaRPr lang="en-US">
+            <a:solidFill>
+              <a:schemeClr val="tx1"/>
+            </a:solidFill>
+          </a:endParaRPr>
         </a:p>
       </dgm:t>
     </dgm:pt>
@@ -6484,22 +6823,49 @@
         <a:bodyPr/>
         <a:lstStyle/>
         <a:p>
-          <a:endParaRPr lang="en-US"/>
+          <a:endParaRPr lang="en-US">
+            <a:solidFill>
+              <a:schemeClr val="tx1"/>
+            </a:solidFill>
+          </a:endParaRPr>
         </a:p>
       </dgm:t>
     </dgm:pt>
     <dgm:pt modelId="{3DD5A0AF-F711-4D43-BF1C-06E725B90460}">
-      <dgm:prSet/>
+      <dgm:prSet>
+        <dgm:style>
+          <a:lnRef idx="3">
+            <a:schemeClr val="lt1"/>
+          </a:lnRef>
+          <a:fillRef idx="1">
+            <a:schemeClr val="accent4"/>
+          </a:fillRef>
+          <a:effectRef idx="1">
+            <a:schemeClr val="accent4"/>
+          </a:effectRef>
+          <a:fontRef idx="minor">
+            <a:schemeClr val="lt1"/>
+          </a:fontRef>
+        </dgm:style>
+      </dgm:prSet>
       <dgm:spPr/>
       <dgm:t>
         <a:bodyPr/>
         <a:lstStyle/>
         <a:p>
           <a:r>
-            <a:rPr lang="it-IT"/>
+            <a:rPr lang="it-IT">
+              <a:solidFill>
+                <a:schemeClr val="tx1"/>
+              </a:solidFill>
+            </a:rPr>
             <a:t>Power-ups</a:t>
           </a:r>
-          <a:endParaRPr lang="en-US"/>
+          <a:endParaRPr lang="en-US">
+            <a:solidFill>
+              <a:schemeClr val="tx1"/>
+            </a:solidFill>
+          </a:endParaRPr>
         </a:p>
       </dgm:t>
     </dgm:pt>
@@ -6510,7 +6876,11 @@
         <a:bodyPr/>
         <a:lstStyle/>
         <a:p>
-          <a:endParaRPr lang="en-US"/>
+          <a:endParaRPr lang="en-US">
+            <a:solidFill>
+              <a:schemeClr val="tx1"/>
+            </a:solidFill>
+          </a:endParaRPr>
         </a:p>
       </dgm:t>
     </dgm:pt>
@@ -6521,22 +6891,49 @@
         <a:bodyPr/>
         <a:lstStyle/>
         <a:p>
-          <a:endParaRPr lang="en-US"/>
+          <a:endParaRPr lang="en-US">
+            <a:solidFill>
+              <a:schemeClr val="tx1"/>
+            </a:solidFill>
+          </a:endParaRPr>
         </a:p>
       </dgm:t>
     </dgm:pt>
     <dgm:pt modelId="{BDEA307F-1F3F-4232-AA73-432316802C5C}">
-      <dgm:prSet/>
+      <dgm:prSet>
+        <dgm:style>
+          <a:lnRef idx="3">
+            <a:schemeClr val="lt1"/>
+          </a:lnRef>
+          <a:fillRef idx="1">
+            <a:schemeClr val="accent4"/>
+          </a:fillRef>
+          <a:effectRef idx="1">
+            <a:schemeClr val="accent4"/>
+          </a:effectRef>
+          <a:fontRef idx="minor">
+            <a:schemeClr val="lt1"/>
+          </a:fontRef>
+        </dgm:style>
+      </dgm:prSet>
       <dgm:spPr/>
       <dgm:t>
         <a:bodyPr/>
         <a:lstStyle/>
         <a:p>
           <a:r>
-            <a:rPr lang="it-IT"/>
+            <a:rPr lang="it-IT">
+              <a:solidFill>
+                <a:schemeClr val="tx1"/>
+              </a:solidFill>
+            </a:rPr>
             <a:t>Musica jungle/elettronico</a:t>
           </a:r>
-          <a:endParaRPr lang="en-US"/>
+          <a:endParaRPr lang="en-US">
+            <a:solidFill>
+              <a:schemeClr val="tx1"/>
+            </a:solidFill>
+          </a:endParaRPr>
         </a:p>
       </dgm:t>
     </dgm:pt>
@@ -6547,7 +6944,11 @@
         <a:bodyPr/>
         <a:lstStyle/>
         <a:p>
-          <a:endParaRPr lang="en-US"/>
+          <a:endParaRPr lang="en-US">
+            <a:solidFill>
+              <a:schemeClr val="tx1"/>
+            </a:solidFill>
+          </a:endParaRPr>
         </a:p>
       </dgm:t>
     </dgm:pt>
@@ -6558,7 +6959,11 @@
         <a:bodyPr/>
         <a:lstStyle/>
         <a:p>
-          <a:endParaRPr lang="en-US"/>
+          <a:endParaRPr lang="en-US">
+            <a:solidFill>
+              <a:schemeClr val="tx1"/>
+            </a:solidFill>
+          </a:endParaRPr>
         </a:p>
       </dgm:t>
     </dgm:pt>
@@ -6697,10 +7102,18 @@
         <a:lstStyle/>
         <a:p>
           <a:r>
-            <a:rPr lang="it-IT" sz="2800"/>
+            <a:rPr lang="it-IT" sz="2800" dirty="0">
+              <a:solidFill>
+                <a:schemeClr val="tx1"/>
+              </a:solidFill>
+            </a:rPr>
             <a:t>Free-to-play</a:t>
           </a:r>
-          <a:endParaRPr lang="en-US" sz="2800"/>
+          <a:endParaRPr lang="en-US" sz="2800" dirty="0">
+            <a:solidFill>
+              <a:schemeClr val="tx1"/>
+            </a:solidFill>
+          </a:endParaRPr>
         </a:p>
       </dgm:t>
     </dgm:pt>
@@ -6711,7 +7124,11 @@
         <a:bodyPr/>
         <a:lstStyle/>
         <a:p>
-          <a:endParaRPr lang="en-US" sz="1200"/>
+          <a:endParaRPr lang="en-US" sz="1200">
+            <a:solidFill>
+              <a:schemeClr val="tx1"/>
+            </a:solidFill>
+          </a:endParaRPr>
         </a:p>
       </dgm:t>
     </dgm:pt>
@@ -6722,7 +7139,11 @@
         <a:bodyPr/>
         <a:lstStyle/>
         <a:p>
-          <a:endParaRPr lang="en-US" sz="1200"/>
+          <a:endParaRPr lang="en-US" sz="1200">
+            <a:solidFill>
+              <a:schemeClr val="tx1"/>
+            </a:solidFill>
+          </a:endParaRPr>
         </a:p>
       </dgm:t>
     </dgm:pt>
@@ -6734,10 +7155,18 @@
         <a:lstStyle/>
         <a:p>
           <a:r>
-            <a:rPr lang="it-IT" sz="2800"/>
+            <a:rPr lang="it-IT" sz="2800">
+              <a:solidFill>
+                <a:schemeClr val="tx1"/>
+              </a:solidFill>
+            </a:rPr>
             <a:t>Acquisti in-game</a:t>
           </a:r>
-          <a:endParaRPr lang="en-US" sz="2800"/>
+          <a:endParaRPr lang="en-US" sz="2800">
+            <a:solidFill>
+              <a:schemeClr val="tx1"/>
+            </a:solidFill>
+          </a:endParaRPr>
         </a:p>
       </dgm:t>
     </dgm:pt>
@@ -6748,7 +7177,11 @@
         <a:bodyPr/>
         <a:lstStyle/>
         <a:p>
-          <a:endParaRPr lang="en-US" sz="1200"/>
+          <a:endParaRPr lang="en-US" sz="1200">
+            <a:solidFill>
+              <a:schemeClr val="tx1"/>
+            </a:solidFill>
+          </a:endParaRPr>
         </a:p>
       </dgm:t>
     </dgm:pt>
@@ -6759,7 +7192,11 @@
         <a:bodyPr/>
         <a:lstStyle/>
         <a:p>
-          <a:endParaRPr lang="en-US" sz="1200"/>
+          <a:endParaRPr lang="en-US" sz="1200">
+            <a:solidFill>
+              <a:schemeClr val="tx1"/>
+            </a:solidFill>
+          </a:endParaRPr>
         </a:p>
       </dgm:t>
     </dgm:pt>
@@ -6771,10 +7208,18 @@
         <a:lstStyle/>
         <a:p>
           <a:r>
-            <a:rPr lang="it-IT" sz="2800" dirty="0" err="1"/>
+            <a:rPr lang="it-IT" sz="2800" dirty="0" err="1">
+              <a:solidFill>
+                <a:schemeClr val="tx1"/>
+              </a:solidFill>
+            </a:rPr>
             <a:t>AdMob</a:t>
           </a:r>
-          <a:endParaRPr lang="en-US" sz="2800" dirty="0"/>
+          <a:endParaRPr lang="en-US" sz="2800" dirty="0">
+            <a:solidFill>
+              <a:schemeClr val="tx1"/>
+            </a:solidFill>
+          </a:endParaRPr>
         </a:p>
       </dgm:t>
     </dgm:pt>
@@ -6785,7 +7230,11 @@
         <a:bodyPr/>
         <a:lstStyle/>
         <a:p>
-          <a:endParaRPr lang="en-US" sz="1200"/>
+          <a:endParaRPr lang="en-US" sz="1200">
+            <a:solidFill>
+              <a:schemeClr val="tx1"/>
+            </a:solidFill>
+          </a:endParaRPr>
         </a:p>
       </dgm:t>
     </dgm:pt>
@@ -6796,7 +7245,11 @@
         <a:bodyPr/>
         <a:lstStyle/>
         <a:p>
-          <a:endParaRPr lang="en-US" sz="1200"/>
+          <a:endParaRPr lang="en-US" sz="1200">
+            <a:solidFill>
+              <a:schemeClr val="tx1"/>
+            </a:solidFill>
+          </a:endParaRPr>
         </a:p>
       </dgm:t>
     </dgm:pt>
@@ -6974,8 +7427,16 @@
             <a:buNone/>
           </a:pPr>
           <a:r>
+            <a:rPr lang="en-US" sz="3700" kern="1200" dirty="0">
+              <a:solidFill>
+                <a:srgbClr val="2E2B21"/>
+              </a:solidFill>
+            </a:rPr>
+            <a:t>Multiplayer</a:t>
+          </a:r>
+          <a:r>
             <a:rPr lang="en-US" sz="3700" kern="1200" dirty="0"/>
-            <a:t>Multiplayer competitiv</a:t>
+            <a:t> competitiv</a:t>
           </a:r>
           <a:r>
             <a:rPr lang="it-IT" sz="3700" kern="1200" dirty="0"/>
@@ -7401,10 +7862,18 @@
             <a:buNone/>
           </a:pPr>
           <a:r>
-            <a:rPr lang="it-IT" sz="1800" kern="1200"/>
+            <a:rPr lang="it-IT" sz="1800" kern="1200">
+              <a:solidFill>
+                <a:schemeClr val="tx1"/>
+              </a:solidFill>
+            </a:rPr>
             <a:t>Network</a:t>
           </a:r>
-          <a:endParaRPr lang="en-US" sz="1800" kern="1200"/>
+          <a:endParaRPr lang="en-US" sz="1800" kern="1200">
+            <a:solidFill>
+              <a:schemeClr val="tx1"/>
+            </a:solidFill>
+          </a:endParaRPr>
         </a:p>
       </dsp:txBody>
       <dsp:txXfrm rot="-5400000">
@@ -7513,7 +7982,11 @@
             </a:spcAft>
             <a:buNone/>
           </a:pPr>
-          <a:endParaRPr lang="en-US" sz="4400" kern="1200"/>
+          <a:endParaRPr lang="en-US" sz="4400" kern="1200">
+            <a:solidFill>
+              <a:schemeClr val="tx1"/>
+            </a:solidFill>
+          </a:endParaRPr>
         </a:p>
       </dsp:txBody>
       <dsp:txXfrm rot="-5400000">
@@ -7591,10 +8064,18 @@
             <a:buNone/>
           </a:pPr>
           <a:r>
-            <a:rPr lang="it-IT" sz="1800" kern="1200" dirty="0"/>
+            <a:rPr lang="it-IT" sz="1800" kern="1200" dirty="0">
+              <a:solidFill>
+                <a:schemeClr val="tx1"/>
+              </a:solidFill>
+            </a:rPr>
             <a:t>Motore fisico JLiquidFun</a:t>
           </a:r>
-          <a:endParaRPr lang="en-US" sz="1800" kern="1200" dirty="0"/>
+          <a:endParaRPr lang="en-US" sz="1800" kern="1200" dirty="0">
+            <a:solidFill>
+              <a:schemeClr val="tx1"/>
+            </a:solidFill>
+          </a:endParaRPr>
         </a:p>
       </dsp:txBody>
       <dsp:txXfrm rot="-5400000">
@@ -7703,7 +8184,11 @@
             </a:spcAft>
             <a:buNone/>
           </a:pPr>
-          <a:endParaRPr lang="en-US" sz="4400" kern="1200"/>
+          <a:endParaRPr lang="en-US" sz="4400" kern="1200">
+            <a:solidFill>
+              <a:schemeClr val="tx1"/>
+            </a:solidFill>
+          </a:endParaRPr>
         </a:p>
       </dsp:txBody>
       <dsp:txXfrm rot="-5400000">
@@ -7781,10 +8266,18 @@
             <a:buNone/>
           </a:pPr>
           <a:r>
-            <a:rPr lang="it-IT" sz="1800" kern="1200" dirty="0"/>
+            <a:rPr lang="it-IT" sz="1800" kern="1200" dirty="0">
+              <a:solidFill>
+                <a:schemeClr val="tx1"/>
+              </a:solidFill>
+            </a:rPr>
             <a:t>Render grafico Canvas</a:t>
           </a:r>
-          <a:endParaRPr lang="en-US" sz="1800" kern="1200" dirty="0"/>
+          <a:endParaRPr lang="en-US" sz="1800" kern="1200" dirty="0">
+            <a:solidFill>
+              <a:schemeClr val="tx1"/>
+            </a:solidFill>
+          </a:endParaRPr>
         </a:p>
       </dsp:txBody>
       <dsp:txXfrm rot="-5400000">
@@ -7893,7 +8386,11 @@
             </a:spcAft>
             <a:buNone/>
           </a:pPr>
-          <a:endParaRPr lang="en-US" sz="4400" kern="1200"/>
+          <a:endParaRPr lang="en-US" sz="4400" kern="1200">
+            <a:solidFill>
+              <a:schemeClr val="tx1"/>
+            </a:solidFill>
+          </a:endParaRPr>
         </a:p>
       </dsp:txBody>
       <dsp:txXfrm rot="-5400000">
@@ -8324,17 +8821,33 @@
             <a:buNone/>
           </a:pPr>
           <a:r>
-            <a:rPr lang="it-IT" sz="2300" kern="1200" dirty="0"/>
+            <a:rPr lang="it-IT" sz="2300" kern="1200" dirty="0">
+              <a:solidFill>
+                <a:schemeClr val="tx1"/>
+              </a:solidFill>
+            </a:rPr>
             <a:t>Power-up</a:t>
           </a:r>
           <a:br>
-            <a:rPr lang="it-IT" sz="2300" kern="1200" dirty="0"/>
+            <a:rPr lang="it-IT" sz="2300" kern="1200" dirty="0">
+              <a:solidFill>
+                <a:schemeClr val="tx1"/>
+              </a:solidFill>
+            </a:rPr>
           </a:br>
           <a:r>
-            <a:rPr lang="it-IT" sz="2300" kern="1200" dirty="0"/>
+            <a:rPr lang="it-IT" sz="2300" kern="1200" dirty="0">
+              <a:solidFill>
+                <a:schemeClr val="tx1"/>
+              </a:solidFill>
+            </a:rPr>
             <a:t>(immagini sample?)</a:t>
           </a:r>
-          <a:endParaRPr lang="en-US" sz="2300" kern="1200" dirty="0"/>
+          <a:endParaRPr lang="en-US" sz="2300" kern="1200" dirty="0">
+            <a:solidFill>
+              <a:schemeClr val="tx1"/>
+            </a:solidFill>
+          </a:endParaRPr>
         </a:p>
       </dsp:txBody>
       <dsp:txXfrm>
@@ -8413,7 +8926,11 @@
             </a:spcAft>
             <a:buNone/>
           </a:pPr>
-          <a:endParaRPr lang="en-US" sz="600" kern="1200"/>
+          <a:endParaRPr lang="en-US" sz="600" kern="1200">
+            <a:solidFill>
+              <a:schemeClr val="tx1"/>
+            </a:solidFill>
+          </a:endParaRPr>
         </a:p>
       </dsp:txBody>
       <dsp:txXfrm>
@@ -8490,10 +9007,18 @@
             <a:buNone/>
           </a:pPr>
           <a:r>
-            <a:rPr lang="it-IT" sz="2300" kern="1200"/>
+            <a:rPr lang="it-IT" sz="2300" kern="1200">
+              <a:solidFill>
+                <a:schemeClr val="tx1"/>
+              </a:solidFill>
+            </a:rPr>
             <a:t>Ridimensionamento del personaggio</a:t>
           </a:r>
-          <a:endParaRPr lang="en-US" sz="2300" kern="1200"/>
+          <a:endParaRPr lang="en-US" sz="2300" kern="1200">
+            <a:solidFill>
+              <a:schemeClr val="tx1"/>
+            </a:solidFill>
+          </a:endParaRPr>
         </a:p>
       </dsp:txBody>
       <dsp:txXfrm>
@@ -8572,7 +9097,11 @@
             </a:spcAft>
             <a:buNone/>
           </a:pPr>
-          <a:endParaRPr lang="en-US" sz="500" kern="1200"/>
+          <a:endParaRPr lang="en-US" sz="500" kern="1200">
+            <a:solidFill>
+              <a:schemeClr val="tx1"/>
+            </a:solidFill>
+          </a:endParaRPr>
         </a:p>
       </dsp:txBody>
       <dsp:txXfrm>
@@ -8649,10 +9178,18 @@
             <a:buNone/>
           </a:pPr>
           <a:r>
-            <a:rPr lang="it-IT" sz="2300" kern="1200"/>
+            <a:rPr lang="it-IT" sz="2300" kern="1200">
+              <a:solidFill>
+                <a:schemeClr val="tx1"/>
+              </a:solidFill>
+            </a:rPr>
             <a:t>Cambio di velocità</a:t>
           </a:r>
-          <a:endParaRPr lang="en-US" sz="2300" kern="1200"/>
+          <a:endParaRPr lang="en-US" sz="2300" kern="1200">
+            <a:solidFill>
+              <a:schemeClr val="tx1"/>
+            </a:solidFill>
+          </a:endParaRPr>
         </a:p>
       </dsp:txBody>
       <dsp:txXfrm>
@@ -8731,7 +9268,11 @@
             </a:spcAft>
             <a:buNone/>
           </a:pPr>
-          <a:endParaRPr lang="en-US" sz="600" kern="1200"/>
+          <a:endParaRPr lang="en-US" sz="600" kern="1200">
+            <a:solidFill>
+              <a:schemeClr val="tx1"/>
+            </a:solidFill>
+          </a:endParaRPr>
         </a:p>
       </dsp:txBody>
       <dsp:txXfrm>
@@ -8808,10 +9349,18 @@
             <a:buNone/>
           </a:pPr>
           <a:r>
-            <a:rPr lang="it-IT" sz="2300" kern="1200"/>
+            <a:rPr lang="it-IT" sz="2300" kern="1200">
+              <a:solidFill>
+                <a:schemeClr val="tx1"/>
+              </a:solidFill>
+            </a:rPr>
             <a:t>Armi</a:t>
           </a:r>
-          <a:endParaRPr lang="en-US" sz="2300" kern="1200"/>
+          <a:endParaRPr lang="en-US" sz="2300" kern="1200">
+            <a:solidFill>
+              <a:schemeClr val="tx1"/>
+            </a:solidFill>
+          </a:endParaRPr>
         </a:p>
       </dsp:txBody>
       <dsp:txXfrm>
@@ -8888,25 +9437,49 @@
             <a:buNone/>
           </a:pPr>
           <a:r>
-            <a:rPr lang="it-IT" sz="2300" kern="1200" dirty="0"/>
+            <a:rPr lang="it-IT" sz="2300" kern="1200" dirty="0">
+              <a:solidFill>
+                <a:schemeClr val="tx1"/>
+              </a:solidFill>
+            </a:rPr>
             <a:t>Diverse mappe</a:t>
           </a:r>
           <a:br>
-            <a:rPr lang="it-IT" sz="2300" kern="1200" dirty="0"/>
+            <a:rPr lang="it-IT" sz="2300" kern="1200" dirty="0">
+              <a:solidFill>
+                <a:schemeClr val="tx1"/>
+              </a:solidFill>
+            </a:rPr>
           </a:br>
           <a:r>
-            <a:rPr lang="it-IT" sz="2300" kern="1200" dirty="0"/>
+            <a:rPr lang="it-IT" sz="2300" kern="1200" dirty="0">
+              <a:solidFill>
+                <a:schemeClr val="tx1"/>
+              </a:solidFill>
+            </a:rPr>
             <a:t>(</a:t>
           </a:r>
           <a:r>
-            <a:rPr lang="it-IT" sz="2300" kern="1200" dirty="0" err="1"/>
+            <a:rPr lang="it-IT" sz="2300" kern="1200" dirty="0" err="1">
+              <a:solidFill>
+                <a:schemeClr val="tx1"/>
+              </a:solidFill>
+            </a:rPr>
             <a:t>parsing</a:t>
           </a:r>
           <a:r>
-            <a:rPr lang="it-IT" sz="2300" kern="1200" dirty="0"/>
+            <a:rPr lang="it-IT" sz="2300" kern="1200" dirty="0">
+              <a:solidFill>
+                <a:schemeClr val="tx1"/>
+              </a:solidFill>
+            </a:rPr>
             <a:t>?)</a:t>
           </a:r>
-          <a:endParaRPr lang="en-US" sz="2300" kern="1200" dirty="0"/>
+          <a:endParaRPr lang="en-US" sz="2300" kern="1200" dirty="0">
+            <a:solidFill>
+              <a:schemeClr val="tx1"/>
+            </a:solidFill>
+          </a:endParaRPr>
         </a:p>
       </dsp:txBody>
       <dsp:txXfrm>
@@ -8985,7 +9558,11 @@
             </a:spcAft>
             <a:buNone/>
           </a:pPr>
-          <a:endParaRPr lang="en-US" sz="500" kern="1200"/>
+          <a:endParaRPr lang="en-US" sz="500" kern="1200">
+            <a:solidFill>
+              <a:schemeClr val="tx1"/>
+            </a:solidFill>
+          </a:endParaRPr>
         </a:p>
       </dsp:txBody>
       <dsp:txXfrm>
@@ -9062,10 +9639,18 @@
             <a:buNone/>
           </a:pPr>
           <a:r>
-            <a:rPr lang="it-IT" sz="2300" kern="1200"/>
+            <a:rPr lang="it-IT" sz="2300" kern="1200">
+              <a:solidFill>
+                <a:schemeClr val="tx1"/>
+              </a:solidFill>
+            </a:rPr>
             <a:t>Gravità</a:t>
           </a:r>
-          <a:endParaRPr lang="en-US" sz="2300" kern="1200"/>
+          <a:endParaRPr lang="en-US" sz="2300" kern="1200">
+            <a:solidFill>
+              <a:schemeClr val="tx1"/>
+            </a:solidFill>
+          </a:endParaRPr>
         </a:p>
       </dsp:txBody>
       <dsp:txXfrm>
@@ -9144,7 +9729,11 @@
             </a:spcAft>
             <a:buNone/>
           </a:pPr>
-          <a:endParaRPr lang="en-US" sz="500" kern="1200"/>
+          <a:endParaRPr lang="en-US" sz="500" kern="1200">
+            <a:solidFill>
+              <a:schemeClr val="tx1"/>
+            </a:solidFill>
+          </a:endParaRPr>
         </a:p>
       </dsp:txBody>
       <dsp:txXfrm>
@@ -9221,10 +9810,18 @@
             <a:buNone/>
           </a:pPr>
           <a:r>
-            <a:rPr lang="it-IT" sz="2300" kern="1200"/>
+            <a:rPr lang="it-IT" sz="2300" kern="1200">
+              <a:solidFill>
+                <a:schemeClr val="tx1"/>
+              </a:solidFill>
+            </a:rPr>
             <a:t>Buchi(?) all’interno dell’arena</a:t>
           </a:r>
-          <a:endParaRPr lang="en-US" sz="2300" kern="1200"/>
+          <a:endParaRPr lang="en-US" sz="2300" kern="1200">
+            <a:solidFill>
+              <a:schemeClr val="tx1"/>
+            </a:solidFill>
+          </a:endParaRPr>
         </a:p>
       </dsp:txBody>
       <dsp:txXfrm>
@@ -9258,39 +9855,29 @@
           <a:avLst/>
         </a:prstGeom>
         <a:solidFill>
-          <a:schemeClr val="accent6">
-            <a:alpha val="90000"/>
-            <a:tint val="40000"/>
-            <a:hueOff val="0"/>
-            <a:satOff val="0"/>
-            <a:lumOff val="0"/>
-            <a:alphaOff val="0"/>
-          </a:schemeClr>
+          <a:schemeClr val="accent4"/>
         </a:solidFill>
-        <a:ln w="9525" cap="flat" cmpd="sng" algn="ctr">
+        <a:ln w="19050" cap="flat" cmpd="sng" algn="ctr">
           <a:solidFill>
-            <a:schemeClr val="accent6">
-              <a:hueOff val="0"/>
-              <a:satOff val="0"/>
-              <a:lumOff val="0"/>
-              <a:alphaOff val="0"/>
-            </a:schemeClr>
+            <a:schemeClr val="lt1"/>
           </a:solidFill>
           <a:prstDash val="solid"/>
         </a:ln>
         <a:effectLst/>
       </dsp:spPr>
       <dsp:style>
-        <a:lnRef idx="1">
-          <a:scrgbClr r="0" g="0" b="0"/>
+        <a:lnRef idx="3">
+          <a:schemeClr val="lt1"/>
         </a:lnRef>
         <a:fillRef idx="1">
-          <a:scrgbClr r="0" g="0" b="0"/>
+          <a:schemeClr val="accent4"/>
         </a:fillRef>
-        <a:effectRef idx="0">
-          <a:scrgbClr r="0" g="0" b="0"/>
+        <a:effectRef idx="1">
+          <a:schemeClr val="accent4"/>
         </a:effectRef>
-        <a:fontRef idx="minor"/>
+        <a:fontRef idx="minor">
+          <a:schemeClr val="lt1"/>
+        </a:fontRef>
       </dsp:style>
       <dsp:txBody>
         <a:bodyPr spcFirstLastPara="0" vert="horz" wrap="square" lIns="437880" tIns="624840" rIns="437880" bIns="213360" numCol="1" spcCol="1270" anchor="t" anchorCtr="0">
@@ -9311,10 +9898,18 @@
             <a:buChar char="•"/>
           </a:pPr>
           <a:r>
-            <a:rPr lang="it-IT" sz="3000" kern="1200"/>
+            <a:rPr lang="it-IT" sz="3000" kern="1200">
+              <a:solidFill>
+                <a:schemeClr val="tx1"/>
+              </a:solidFill>
+            </a:rPr>
             <a:t>Bird’s eye view</a:t>
           </a:r>
-          <a:endParaRPr lang="en-US" sz="3000" kern="1200"/>
+          <a:endParaRPr lang="en-US" sz="3000" kern="1200">
+            <a:solidFill>
+              <a:schemeClr val="tx1"/>
+            </a:solidFill>
+          </a:endParaRPr>
         </a:p>
       </dsp:txBody>
       <dsp:txXfrm>
@@ -9335,14 +9930,10 @@
         <a:prstGeom prst="roundRect">
           <a:avLst/>
         </a:prstGeom>
-        <a:gradFill rotWithShape="0">
+        <a:gradFill rotWithShape="1">
           <a:gsLst>
             <a:gs pos="0">
-              <a:schemeClr val="lt1">
-                <a:hueOff val="0"/>
-                <a:satOff val="0"/>
-                <a:lumOff val="0"/>
-                <a:alphaOff val="0"/>
+              <a:schemeClr val="accent2">
                 <a:tint val="100000"/>
                 <a:shade val="85000"/>
                 <a:satMod val="100000"/>
@@ -9350,11 +9941,7 @@
               </a:schemeClr>
             </a:gs>
             <a:gs pos="100000">
-              <a:schemeClr val="lt1">
-                <a:hueOff val="0"/>
-                <a:satOff val="0"/>
-                <a:lumOff val="0"/>
-                <a:alphaOff val="0"/>
+              <a:schemeClr val="accent2">
                 <a:tint val="90000"/>
                 <a:shade val="100000"/>
                 <a:satMod val="150000"/>
@@ -9366,8 +9953,11 @@
             <a:fillToRect l="100000" t="100000" r="100000" b="100000"/>
           </a:path>
         </a:gradFill>
-        <a:ln>
-          <a:noFill/>
+        <a:ln w="9525" cap="flat" cmpd="sng" algn="ctr">
+          <a:solidFill>
+            <a:schemeClr val="accent2"/>
+          </a:solidFill>
+          <a:prstDash val="solid"/>
         </a:ln>
         <a:effectLst>
           <a:outerShdw blurRad="50800" dist="12700" dir="5400000" algn="ctr" rotWithShape="0">
@@ -9378,14 +9968,14 @@
         </a:effectLst>
       </dsp:spPr>
       <dsp:style>
-        <a:lnRef idx="0">
-          <a:scrgbClr r="0" g="0" b="0"/>
+        <a:lnRef idx="1">
+          <a:schemeClr val="accent2"/>
         </a:lnRef>
         <a:fillRef idx="3">
-          <a:scrgbClr r="0" g="0" b="0"/>
+          <a:schemeClr val="accent2"/>
         </a:fillRef>
         <a:effectRef idx="2">
-          <a:scrgbClr r="0" g="0" b="0"/>
+          <a:schemeClr val="accent2"/>
         </a:effectRef>
         <a:fontRef idx="minor">
           <a:schemeClr val="lt1"/>
@@ -9410,10 +10000,18 @@
             <a:buNone/>
           </a:pPr>
           <a:r>
-            <a:rPr lang="it-IT" sz="3000" kern="1200" dirty="0"/>
+            <a:rPr lang="it-IT" sz="3000" kern="1200" dirty="0">
+              <a:solidFill>
+                <a:schemeClr val="tx1"/>
+              </a:solidFill>
+            </a:rPr>
             <a:t>GRAFICA</a:t>
           </a:r>
-          <a:endParaRPr lang="en-US" sz="3000" kern="1200" dirty="0"/>
+          <a:endParaRPr lang="en-US" sz="3000" kern="1200" dirty="0">
+            <a:solidFill>
+              <a:schemeClr val="tx1"/>
+            </a:solidFill>
+          </a:endParaRPr>
         </a:p>
       </dsp:txBody>
       <dsp:txXfrm>
@@ -9435,39 +10033,29 @@
           <a:avLst/>
         </a:prstGeom>
         <a:solidFill>
-          <a:schemeClr val="accent6">
-            <a:alpha val="90000"/>
-            <a:tint val="40000"/>
-            <a:hueOff val="0"/>
-            <a:satOff val="0"/>
-            <a:lumOff val="0"/>
-            <a:alphaOff val="0"/>
-          </a:schemeClr>
+          <a:schemeClr val="accent4"/>
         </a:solidFill>
-        <a:ln w="9525" cap="flat" cmpd="sng" algn="ctr">
+        <a:ln w="19050" cap="flat" cmpd="sng" algn="ctr">
           <a:solidFill>
-            <a:schemeClr val="accent6">
-              <a:hueOff val="0"/>
-              <a:satOff val="0"/>
-              <a:lumOff val="0"/>
-              <a:alphaOff val="0"/>
-            </a:schemeClr>
+            <a:schemeClr val="lt1"/>
           </a:solidFill>
           <a:prstDash val="solid"/>
         </a:ln>
         <a:effectLst/>
       </dsp:spPr>
       <dsp:style>
-        <a:lnRef idx="1">
-          <a:scrgbClr r="0" g="0" b="0"/>
+        <a:lnRef idx="3">
+          <a:schemeClr val="lt1"/>
         </a:lnRef>
         <a:fillRef idx="1">
-          <a:scrgbClr r="0" g="0" b="0"/>
+          <a:schemeClr val="accent4"/>
         </a:fillRef>
-        <a:effectRef idx="0">
-          <a:scrgbClr r="0" g="0" b="0"/>
+        <a:effectRef idx="1">
+          <a:schemeClr val="accent4"/>
         </a:effectRef>
-        <a:fontRef idx="minor"/>
+        <a:fontRef idx="minor">
+          <a:schemeClr val="lt1"/>
+        </a:fontRef>
       </dsp:style>
       <dsp:txBody>
         <a:bodyPr spcFirstLastPara="0" vert="horz" wrap="square" lIns="437880" tIns="624840" rIns="437880" bIns="213360" numCol="1" spcCol="1270" anchor="t" anchorCtr="0">
@@ -9488,10 +10076,18 @@
             <a:buChar char="•"/>
           </a:pPr>
           <a:r>
-            <a:rPr lang="it-IT" sz="3000" kern="1200"/>
+            <a:rPr lang="it-IT" sz="3000" kern="1200">
+              <a:solidFill>
+                <a:schemeClr val="tx1"/>
+              </a:solidFill>
+            </a:rPr>
             <a:t>Urti</a:t>
           </a:r>
-          <a:endParaRPr lang="en-US" sz="3000" kern="1200"/>
+          <a:endParaRPr lang="en-US" sz="3000" kern="1200">
+            <a:solidFill>
+              <a:schemeClr val="tx1"/>
+            </a:solidFill>
+          </a:endParaRPr>
         </a:p>
         <a:p>
           <a:pPr marL="285750" lvl="1" indent="-285750" algn="l" defTabSz="1333500">
@@ -9507,10 +10103,18 @@
             <a:buChar char="•"/>
           </a:pPr>
           <a:r>
-            <a:rPr lang="it-IT" sz="3000" kern="1200"/>
+            <a:rPr lang="it-IT" sz="3000" kern="1200">
+              <a:solidFill>
+                <a:schemeClr val="tx1"/>
+              </a:solidFill>
+            </a:rPr>
             <a:t>Eliminazione</a:t>
           </a:r>
-          <a:endParaRPr lang="en-US" sz="3000" kern="1200"/>
+          <a:endParaRPr lang="en-US" sz="3000" kern="1200">
+            <a:solidFill>
+              <a:schemeClr val="tx1"/>
+            </a:solidFill>
+          </a:endParaRPr>
         </a:p>
         <a:p>
           <a:pPr marL="285750" lvl="1" indent="-285750" algn="l" defTabSz="1333500">
@@ -9526,10 +10130,18 @@
             <a:buChar char="•"/>
           </a:pPr>
           <a:r>
-            <a:rPr lang="it-IT" sz="3000" kern="1200"/>
+            <a:rPr lang="it-IT" sz="3000" kern="1200">
+              <a:solidFill>
+                <a:schemeClr val="tx1"/>
+              </a:solidFill>
+            </a:rPr>
             <a:t>Power-ups</a:t>
           </a:r>
-          <a:endParaRPr lang="en-US" sz="3000" kern="1200"/>
+          <a:endParaRPr lang="en-US" sz="3000" kern="1200">
+            <a:solidFill>
+              <a:schemeClr val="tx1"/>
+            </a:solidFill>
+          </a:endParaRPr>
         </a:p>
         <a:p>
           <a:pPr marL="285750" lvl="1" indent="-285750" algn="l" defTabSz="1333500">
@@ -9545,10 +10157,18 @@
             <a:buChar char="•"/>
           </a:pPr>
           <a:r>
-            <a:rPr lang="it-IT" sz="3000" kern="1200"/>
+            <a:rPr lang="it-IT" sz="3000" kern="1200">
+              <a:solidFill>
+                <a:schemeClr val="tx1"/>
+              </a:solidFill>
+            </a:rPr>
             <a:t>Musica jungle/elettronico</a:t>
           </a:r>
-          <a:endParaRPr lang="en-US" sz="3000" kern="1200"/>
+          <a:endParaRPr lang="en-US" sz="3000" kern="1200">
+            <a:solidFill>
+              <a:schemeClr val="tx1"/>
+            </a:solidFill>
+          </a:endParaRPr>
         </a:p>
       </dsp:txBody>
       <dsp:txXfrm>
@@ -9569,14 +10189,10 @@
         <a:prstGeom prst="roundRect">
           <a:avLst/>
         </a:prstGeom>
-        <a:gradFill rotWithShape="0">
+        <a:gradFill rotWithShape="1">
           <a:gsLst>
             <a:gs pos="0">
-              <a:schemeClr val="lt1">
-                <a:hueOff val="0"/>
-                <a:satOff val="0"/>
-                <a:lumOff val="0"/>
-                <a:alphaOff val="0"/>
+              <a:schemeClr val="accent2">
                 <a:tint val="100000"/>
                 <a:shade val="85000"/>
                 <a:satMod val="100000"/>
@@ -9584,11 +10200,7 @@
               </a:schemeClr>
             </a:gs>
             <a:gs pos="100000">
-              <a:schemeClr val="lt1">
-                <a:hueOff val="0"/>
-                <a:satOff val="0"/>
-                <a:lumOff val="0"/>
-                <a:alphaOff val="0"/>
+              <a:schemeClr val="accent2">
                 <a:tint val="90000"/>
                 <a:shade val="100000"/>
                 <a:satMod val="150000"/>
@@ -9600,8 +10212,11 @@
             <a:fillToRect l="100000" t="100000" r="100000" b="100000"/>
           </a:path>
         </a:gradFill>
-        <a:ln>
-          <a:noFill/>
+        <a:ln w="9525" cap="flat" cmpd="sng" algn="ctr">
+          <a:solidFill>
+            <a:schemeClr val="accent2"/>
+          </a:solidFill>
+          <a:prstDash val="solid"/>
         </a:ln>
         <a:effectLst>
           <a:outerShdw blurRad="50800" dist="12700" dir="5400000" algn="ctr" rotWithShape="0">
@@ -9612,14 +10227,14 @@
         </a:effectLst>
       </dsp:spPr>
       <dsp:style>
-        <a:lnRef idx="0">
-          <a:scrgbClr r="0" g="0" b="0"/>
+        <a:lnRef idx="1">
+          <a:schemeClr val="accent2"/>
         </a:lnRef>
         <a:fillRef idx="3">
-          <a:scrgbClr r="0" g="0" b="0"/>
+          <a:schemeClr val="accent2"/>
         </a:fillRef>
         <a:effectRef idx="2">
-          <a:scrgbClr r="0" g="0" b="0"/>
+          <a:schemeClr val="accent2"/>
         </a:effectRef>
         <a:fontRef idx="minor">
           <a:schemeClr val="lt1"/>
@@ -9644,7 +10259,11 @@
             <a:buNone/>
           </a:pPr>
           <a:r>
-            <a:rPr lang="en-US" sz="3000" kern="1200" dirty="0"/>
+            <a:rPr lang="en-US" sz="3000" kern="1200" dirty="0">
+              <a:solidFill>
+                <a:schemeClr val="tx1"/>
+              </a:solidFill>
+            </a:rPr>
             <a:t>SONORO</a:t>
           </a:r>
         </a:p>
@@ -9779,10 +10398,18 @@
             <a:buNone/>
           </a:pPr>
           <a:r>
-            <a:rPr lang="it-IT" sz="2800" kern="1200"/>
+            <a:rPr lang="it-IT" sz="2800" kern="1200" dirty="0">
+              <a:solidFill>
+                <a:schemeClr val="tx1"/>
+              </a:solidFill>
+            </a:rPr>
             <a:t>Free-to-play</a:t>
           </a:r>
-          <a:endParaRPr lang="en-US" sz="2800" kern="1200"/>
+          <a:endParaRPr lang="en-US" sz="2800" kern="1200" dirty="0">
+            <a:solidFill>
+              <a:schemeClr val="tx1"/>
+            </a:solidFill>
+          </a:endParaRPr>
         </a:p>
       </dsp:txBody>
       <dsp:txXfrm>
@@ -9857,10 +10484,18 @@
             <a:buNone/>
           </a:pPr>
           <a:r>
-            <a:rPr lang="it-IT" sz="2800" kern="1200"/>
+            <a:rPr lang="it-IT" sz="2800" kern="1200">
+              <a:solidFill>
+                <a:schemeClr val="tx1"/>
+              </a:solidFill>
+            </a:rPr>
             <a:t>Acquisti in-game</a:t>
           </a:r>
-          <a:endParaRPr lang="en-US" sz="2800" kern="1200"/>
+          <a:endParaRPr lang="en-US" sz="2800" kern="1200">
+            <a:solidFill>
+              <a:schemeClr val="tx1"/>
+            </a:solidFill>
+          </a:endParaRPr>
         </a:p>
       </dsp:txBody>
       <dsp:txXfrm>
@@ -9935,10 +10570,18 @@
             <a:buNone/>
           </a:pPr>
           <a:r>
-            <a:rPr lang="it-IT" sz="2800" kern="1200" dirty="0" err="1"/>
+            <a:rPr lang="it-IT" sz="2800" kern="1200" dirty="0" err="1">
+              <a:solidFill>
+                <a:schemeClr val="tx1"/>
+              </a:solidFill>
+            </a:rPr>
             <a:t>AdMob</a:t>
           </a:r>
-          <a:endParaRPr lang="en-US" sz="2800" kern="1200" dirty="0"/>
+          <a:endParaRPr lang="en-US" sz="2800" kern="1200" dirty="0">
+            <a:solidFill>
+              <a:schemeClr val="tx1"/>
+            </a:solidFill>
+          </a:endParaRPr>
         </a:p>
       </dsp:txBody>
       <dsp:txXfrm>
@@ -22190,7 +22833,7 @@
           <p:nvPr>
             <p:extLst>
               <p:ext uri="{D42A27DB-BD31-4B8C-83A1-F6EECF244321}">
-                <p14:modId xmlns:p14="http://schemas.microsoft.com/office/powerpoint/2010/main" val="3347050955"/>
+                <p14:modId xmlns:p14="http://schemas.microsoft.com/office/powerpoint/2010/main" val="1960872785"/>
               </p:ext>
             </p:extLst>
           </p:nvPr>
@@ -22994,7 +23637,7 @@
             <p:ph idx="1"/>
             <p:extLst>
               <p:ext uri="{D42A27DB-BD31-4B8C-83A1-F6EECF244321}">
-                <p14:modId xmlns:p14="http://schemas.microsoft.com/office/powerpoint/2010/main" val="3208947521"/>
+                <p14:modId xmlns:p14="http://schemas.microsoft.com/office/powerpoint/2010/main" val="1895618581"/>
               </p:ext>
             </p:extLst>
           </p:nvPr>
@@ -23332,7 +23975,7 @@
             <p:ph idx="1"/>
             <p:extLst>
               <p:ext uri="{D42A27DB-BD31-4B8C-83A1-F6EECF244321}">
-                <p14:modId xmlns:p14="http://schemas.microsoft.com/office/powerpoint/2010/main" val="3726780222"/>
+                <p14:modId xmlns:p14="http://schemas.microsoft.com/office/powerpoint/2010/main" val="524930453"/>
               </p:ext>
             </p:extLst>
           </p:nvPr>
@@ -23501,7 +24144,7 @@
             <p:ph idx="1"/>
             <p:extLst>
               <p:ext uri="{D42A27DB-BD31-4B8C-83A1-F6EECF244321}">
-                <p14:modId xmlns:p14="http://schemas.microsoft.com/office/powerpoint/2010/main" val="2614841906"/>
+                <p14:modId xmlns:p14="http://schemas.microsoft.com/office/powerpoint/2010/main" val="2101711921"/>
               </p:ext>
             </p:extLst>
           </p:nvPr>
@@ -23670,7 +24313,7 @@
             <p:ph idx="1"/>
             <p:extLst>
               <p:ext uri="{D42A27DB-BD31-4B8C-83A1-F6EECF244321}">
-                <p14:modId xmlns:p14="http://schemas.microsoft.com/office/powerpoint/2010/main" val="3466496369"/>
+                <p14:modId xmlns:p14="http://schemas.microsoft.com/office/powerpoint/2010/main" val="867868538"/>
               </p:ext>
             </p:extLst>
           </p:nvPr>

--- a/Pitch/PITCH.pptx
+++ b/Pitch/PITCH.pptx
@@ -3,17 +3,19 @@
 <p:presentation xmlns:a="http://schemas.openxmlformats.org/drawingml/2006/main" xmlns:r="http://schemas.openxmlformats.org/officeDocument/2006/relationships" xmlns:p="http://schemas.openxmlformats.org/presentationml/2006/main" autoCompressPictures="0">
   <p:sldMasterIdLst>
     <p:sldMasterId id="2147483783" r:id="rId1"/>
+    <p:sldMasterId id="2147483795" r:id="rId2"/>
   </p:sldMasterIdLst>
   <p:sldIdLst>
-    <p:sldId id="256" r:id="rId2"/>
-    <p:sldId id="257" r:id="rId3"/>
-    <p:sldId id="266" r:id="rId4"/>
-    <p:sldId id="261" r:id="rId5"/>
-    <p:sldId id="262" r:id="rId6"/>
-    <p:sldId id="263" r:id="rId7"/>
-    <p:sldId id="264" r:id="rId8"/>
-    <p:sldId id="265" r:id="rId9"/>
-    <p:sldId id="258" r:id="rId10"/>
+    <p:sldId id="256" r:id="rId3"/>
+    <p:sldId id="257" r:id="rId4"/>
+    <p:sldId id="266" r:id="rId5"/>
+    <p:sldId id="261" r:id="rId6"/>
+    <p:sldId id="262" r:id="rId7"/>
+    <p:sldId id="263" r:id="rId8"/>
+    <p:sldId id="264" r:id="rId9"/>
+    <p:sldId id="265" r:id="rId10"/>
+    <p:sldId id="258" r:id="rId11"/>
+    <p:sldId id="269" r:id="rId12"/>
   </p:sldIdLst>
   <p:sldSz cx="12192000" cy="6858000"/>
   <p:notesSz cx="6858000" cy="9144000"/>
@@ -4978,7 +4980,7 @@
 <dgm:dataModel xmlns:dgm="http://schemas.openxmlformats.org/drawingml/2006/diagram" xmlns:a="http://schemas.openxmlformats.org/drawingml/2006/main">
   <dgm:ptLst>
     <dgm:pt modelId="{46CE9741-B9A2-420A-837B-B325638F8986}" type="doc">
-      <dgm:prSet loTypeId="urn:microsoft.com/office/officeart/2008/layout/LinedList" loCatId="list" qsTypeId="urn:microsoft.com/office/officeart/2005/8/quickstyle/simple1" qsCatId="simple" csTypeId="urn:microsoft.com/office/officeart/2005/8/colors/colorful3" csCatId="colorful" phldr="1"/>
+      <dgm:prSet loTypeId="urn:microsoft.com/office/officeart/2005/8/layout/vList5" loCatId="list" qsTypeId="urn:microsoft.com/office/officeart/2005/8/quickstyle/simple1" qsCatId="simple" csTypeId="urn:microsoft.com/office/officeart/2005/8/colors/colorful3" csCatId="colorful" phldr="1"/>
       <dgm:spPr/>
       <dgm:t>
         <a:bodyPr/>
@@ -4996,16 +4998,8 @@
         <a:lstStyle/>
         <a:p>
           <a:r>
-            <a:rPr lang="en-US" dirty="0">
-              <a:solidFill>
-                <a:srgbClr val="2E2B21"/>
-              </a:solidFill>
-            </a:rPr>
-            <a:t>Multiplayer</a:t>
-          </a:r>
-          <a:r>
             <a:rPr lang="en-US" dirty="0"/>
-            <a:t> competitiv</a:t>
+            <a:t>Multigiocatore competitiv</a:t>
           </a:r>
           <a:r>
             <a:rPr lang="it-IT" dirty="0"/>
@@ -5046,9 +5040,8 @@
         <a:p>
           <a:r>
             <a:rPr lang="it-IT" dirty="0"/>
-            <a:t>Obbiettivo di sopravvivenza</a:t>
+            <a:t>Obbiettivo di gioco</a:t>
           </a:r>
-          <a:endParaRPr lang="en-US" dirty="0"/>
         </a:p>
       </dgm:t>
     </dgm:pt>
@@ -5074,43 +5067,6 @@
         </a:p>
       </dgm:t>
     </dgm:pt>
-    <dgm:pt modelId="{8FF3E9DE-D607-4B4A-AAAB-41E3C478F8C9}">
-      <dgm:prSet/>
-      <dgm:spPr/>
-      <dgm:t>
-        <a:bodyPr/>
-        <a:lstStyle/>
-        <a:p>
-          <a:r>
-            <a:rPr lang="it-IT" dirty="0"/>
-            <a:t>Meccaniche di gioco</a:t>
-          </a:r>
-          <a:endParaRPr lang="en-US" dirty="0"/>
-        </a:p>
-      </dgm:t>
-    </dgm:pt>
-    <dgm:pt modelId="{BC0F549F-987B-4293-AD4D-9D9E766A1FB7}" type="parTrans" cxnId="{C8EF91E6-D184-4DBE-AFB1-4E5D2C084B93}">
-      <dgm:prSet/>
-      <dgm:spPr/>
-      <dgm:t>
-        <a:bodyPr/>
-        <a:lstStyle/>
-        <a:p>
-          <a:endParaRPr lang="it-IT"/>
-        </a:p>
-      </dgm:t>
-    </dgm:pt>
-    <dgm:pt modelId="{C053DF27-E058-4858-B27D-6348813B2C31}" type="sibTrans" cxnId="{C8EF91E6-D184-4DBE-AFB1-4E5D2C084B93}">
-      <dgm:prSet/>
-      <dgm:spPr/>
-      <dgm:t>
-        <a:bodyPr/>
-        <a:lstStyle/>
-        <a:p>
-          <a:endParaRPr lang="it-IT"/>
-        </a:p>
-      </dgm:t>
-    </dgm:pt>
     <dgm:pt modelId="{6842B79D-6C2F-4C3C-B027-7B47744ED5B6}">
       <dgm:prSet/>
       <dgm:spPr/>
@@ -5118,9 +5074,12 @@
         <a:bodyPr/>
         <a:lstStyle/>
         <a:p>
+          <a:pPr>
+            <a:buNone/>
+          </a:pPr>
           <a:r>
             <a:rPr lang="it-IT" dirty="0"/>
-            <a:t>Partite brevi a round</a:t>
+            <a:t>	Partite brevi</a:t>
           </a:r>
           <a:endParaRPr lang="en-US" dirty="0"/>
         </a:p>
@@ -5148,107 +5107,299 @@
         </a:p>
       </dgm:t>
     </dgm:pt>
-    <dgm:pt modelId="{AF5A414A-3B9F-4964-B218-74BD759ACFB9}" type="pres">
-      <dgm:prSet presAssocID="{46CE9741-B9A2-420A-837B-B325638F8986}" presName="vert0" presStyleCnt="0">
+    <dgm:pt modelId="{8FF3E9DE-D607-4B4A-AAAB-41E3C478F8C9}">
+      <dgm:prSet/>
+      <dgm:spPr/>
+      <dgm:t>
+        <a:bodyPr/>
+        <a:lstStyle/>
+        <a:p>
+          <a:r>
+            <a:rPr lang="en-US" dirty="0" err="1"/>
+            <a:t>Durata</a:t>
+          </a:r>
+          <a:r>
+            <a:rPr lang="en-US" baseline="0" dirty="0"/>
+            <a:t> </a:t>
+          </a:r>
+          <a:r>
+            <a:rPr lang="en-US" baseline="0" dirty="0" err="1"/>
+            <a:t>attesa</a:t>
+          </a:r>
+          <a:r>
+            <a:rPr lang="en-US" baseline="0" dirty="0"/>
+            <a:t> </a:t>
+          </a:r>
+          <a:r>
+            <a:rPr lang="en-US" baseline="0" dirty="0" err="1"/>
+            <a:t>della</a:t>
+          </a:r>
+          <a:r>
+            <a:rPr lang="en-US" baseline="0" dirty="0"/>
+            <a:t> partita</a:t>
+          </a:r>
+          <a:endParaRPr lang="en-US" dirty="0"/>
+        </a:p>
+      </dgm:t>
+    </dgm:pt>
+    <dgm:pt modelId="{C053DF27-E058-4858-B27D-6348813B2C31}" type="sibTrans" cxnId="{C8EF91E6-D184-4DBE-AFB1-4E5D2C084B93}">
+      <dgm:prSet/>
+      <dgm:spPr/>
+      <dgm:t>
+        <a:bodyPr/>
+        <a:lstStyle/>
+        <a:p>
+          <a:endParaRPr lang="it-IT"/>
+        </a:p>
+      </dgm:t>
+    </dgm:pt>
+    <dgm:pt modelId="{BC0F549F-987B-4293-AD4D-9D9E766A1FB7}" type="parTrans" cxnId="{C8EF91E6-D184-4DBE-AFB1-4E5D2C084B93}">
+      <dgm:prSet/>
+      <dgm:spPr/>
+      <dgm:t>
+        <a:bodyPr/>
+        <a:lstStyle/>
+        <a:p>
+          <a:endParaRPr lang="it-IT"/>
+        </a:p>
+      </dgm:t>
+    </dgm:pt>
+    <dgm:pt modelId="{92965BE6-5048-4E54-87CC-6B73F4C83565}">
+      <dgm:prSet/>
+      <dgm:spPr/>
+      <dgm:t>
+        <a:bodyPr/>
+        <a:lstStyle/>
+        <a:p>
+          <a:pPr>
+            <a:buNone/>
+          </a:pPr>
+          <a:r>
+            <a:rPr lang="it-IT" dirty="0"/>
+            <a:t>	Restare all’interno dell’arena</a:t>
+          </a:r>
+        </a:p>
+      </dgm:t>
+    </dgm:pt>
+    <dgm:pt modelId="{3AC53A0B-0505-47E3-85D1-FA33F4721F23}" type="parTrans" cxnId="{EEA42BA0-C4F7-4166-A342-96F2038365FA}">
+      <dgm:prSet/>
+      <dgm:spPr/>
+      <dgm:t>
+        <a:bodyPr/>
+        <a:lstStyle/>
+        <a:p>
+          <a:endParaRPr lang="it-IT"/>
+        </a:p>
+      </dgm:t>
+    </dgm:pt>
+    <dgm:pt modelId="{2B1B09FF-445F-4CF9-BA54-BCC4306CE003}" type="sibTrans" cxnId="{EEA42BA0-C4F7-4166-A342-96F2038365FA}">
+      <dgm:prSet/>
+      <dgm:spPr/>
+      <dgm:t>
+        <a:bodyPr/>
+        <a:lstStyle/>
+        <a:p>
+          <a:endParaRPr lang="it-IT"/>
+        </a:p>
+      </dgm:t>
+    </dgm:pt>
+    <dgm:pt modelId="{B30093D6-39BC-4513-BD9D-1F769A9DB556}">
+      <dgm:prSet/>
+      <dgm:spPr/>
+      <dgm:t>
+        <a:bodyPr/>
+        <a:lstStyle/>
+        <a:p>
+          <a:pPr>
+            <a:buNone/>
+          </a:pPr>
+          <a:r>
+            <a:rPr lang="en-US" dirty="0"/>
+            <a:t>	2+ </a:t>
+          </a:r>
+          <a:r>
+            <a:rPr lang="en-US" dirty="0" err="1"/>
+            <a:t>giocatori</a:t>
+          </a:r>
+          <a:endParaRPr lang="en-US" dirty="0"/>
+        </a:p>
+      </dgm:t>
+    </dgm:pt>
+    <dgm:pt modelId="{F225584A-1CDC-48FA-9ADF-F61D4ED6ED31}" type="sibTrans" cxnId="{15836E0E-0410-40E8-93CD-AEB5E4415083}">
+      <dgm:prSet/>
+      <dgm:spPr/>
+      <dgm:t>
+        <a:bodyPr/>
+        <a:lstStyle/>
+        <a:p>
+          <a:endParaRPr lang="it-IT"/>
+        </a:p>
+      </dgm:t>
+    </dgm:pt>
+    <dgm:pt modelId="{415E2382-138D-4966-9431-334AC53C7E1C}" type="parTrans" cxnId="{15836E0E-0410-40E8-93CD-AEB5E4415083}">
+      <dgm:prSet/>
+      <dgm:spPr/>
+      <dgm:t>
+        <a:bodyPr/>
+        <a:lstStyle/>
+        <a:p>
+          <a:endParaRPr lang="it-IT"/>
+        </a:p>
+      </dgm:t>
+    </dgm:pt>
+    <dgm:pt modelId="{9C879B40-84B2-40AF-99D5-C9E0AC92153B}">
+      <dgm:prSet/>
+      <dgm:spPr/>
+      <dgm:t>
+        <a:bodyPr/>
+        <a:lstStyle/>
+        <a:p>
+          <a:pPr>
+            <a:buNone/>
+          </a:pPr>
+          <a:r>
+            <a:rPr lang="it-IT"/>
+            <a:t>con eventuali </a:t>
+          </a:r>
+          <a:r>
+            <a:rPr lang="it-IT" dirty="0"/>
+            <a:t>round</a:t>
+          </a:r>
+          <a:endParaRPr lang="en-US" dirty="0"/>
+        </a:p>
+      </dgm:t>
+    </dgm:pt>
+    <dgm:pt modelId="{B5EDBB23-5B85-4FCC-BE8C-85E91B57F14F}" type="parTrans" cxnId="{CD9B70FC-9B97-4901-A088-9AE9D63797F9}">
+      <dgm:prSet/>
+      <dgm:spPr/>
+      <dgm:t>
+        <a:bodyPr/>
+        <a:lstStyle/>
+        <a:p>
+          <a:endParaRPr lang="it-IT"/>
+        </a:p>
+      </dgm:t>
+    </dgm:pt>
+    <dgm:pt modelId="{C30B6D7E-9A10-410D-9C63-60FA06DFC242}" type="sibTrans" cxnId="{CD9B70FC-9B97-4901-A088-9AE9D63797F9}">
+      <dgm:prSet/>
+      <dgm:spPr/>
+      <dgm:t>
+        <a:bodyPr/>
+        <a:lstStyle/>
+        <a:p>
+          <a:endParaRPr lang="it-IT"/>
+        </a:p>
+      </dgm:t>
+    </dgm:pt>
+    <dgm:pt modelId="{BA38D88E-6EB8-40AA-9A3D-F834459011E2}" type="pres">
+      <dgm:prSet presAssocID="{46CE9741-B9A2-420A-837B-B325638F8986}" presName="Name0" presStyleCnt="0">
         <dgm:presLayoutVars>
           <dgm:dir/>
-          <dgm:animOne val="branch"/>
           <dgm:animLvl val="lvl"/>
+          <dgm:resizeHandles val="exact"/>
         </dgm:presLayoutVars>
       </dgm:prSet>
       <dgm:spPr/>
     </dgm:pt>
-    <dgm:pt modelId="{A7C227C9-2EF2-422D-A553-EFAB1275279B}" type="pres">
-      <dgm:prSet presAssocID="{902BDFA5-4545-4BDF-8E80-C69CDA2FA02D}" presName="thickLine" presStyleLbl="alignNode1" presStyleIdx="0" presStyleCnt="4"/>
+    <dgm:pt modelId="{655CD655-21F8-4C9B-A5F4-A8DA94DD71B5}" type="pres">
+      <dgm:prSet presAssocID="{902BDFA5-4545-4BDF-8E80-C69CDA2FA02D}" presName="linNode" presStyleCnt="0"/>
       <dgm:spPr/>
     </dgm:pt>
-    <dgm:pt modelId="{357D03E8-1A71-4D81-BA2F-E9D5CB0517C7}" type="pres">
-      <dgm:prSet presAssocID="{902BDFA5-4545-4BDF-8E80-C69CDA2FA02D}" presName="horz1" presStyleCnt="0"/>
+    <dgm:pt modelId="{69BBF87B-F064-4B5E-B4F2-8232D01996F0}" type="pres">
+      <dgm:prSet presAssocID="{902BDFA5-4545-4BDF-8E80-C69CDA2FA02D}" presName="parentText" presStyleLbl="node1" presStyleIdx="0" presStyleCnt="3">
+        <dgm:presLayoutVars>
+          <dgm:chMax val="1"/>
+          <dgm:bulletEnabled val="1"/>
+        </dgm:presLayoutVars>
+      </dgm:prSet>
       <dgm:spPr/>
     </dgm:pt>
-    <dgm:pt modelId="{EF05D060-309D-4634-9322-5FF085ED7A7A}" type="pres">
-      <dgm:prSet presAssocID="{902BDFA5-4545-4BDF-8E80-C69CDA2FA02D}" presName="tx1" presStyleLbl="revTx" presStyleIdx="0" presStyleCnt="4"/>
+    <dgm:pt modelId="{8FEA6096-2EF6-4E92-BA22-897D9BCCCB08}" type="pres">
+      <dgm:prSet presAssocID="{902BDFA5-4545-4BDF-8E80-C69CDA2FA02D}" presName="descendantText" presStyleLbl="alignAccFollowNode1" presStyleIdx="0" presStyleCnt="3">
+        <dgm:presLayoutVars>
+          <dgm:bulletEnabled val="1"/>
+        </dgm:presLayoutVars>
+      </dgm:prSet>
       <dgm:spPr/>
     </dgm:pt>
-    <dgm:pt modelId="{59C529D9-FF7F-466A-A56B-4A035C375389}" type="pres">
-      <dgm:prSet presAssocID="{902BDFA5-4545-4BDF-8E80-C69CDA2FA02D}" presName="vert1" presStyleCnt="0"/>
+    <dgm:pt modelId="{F796001E-792B-4E31-A19D-F0D2B51FDE4E}" type="pres">
+      <dgm:prSet presAssocID="{1D7B49A5-A7F1-4579-A3C2-D568516EB359}" presName="sp" presStyleCnt="0"/>
       <dgm:spPr/>
     </dgm:pt>
-    <dgm:pt modelId="{DA701766-B22A-4A0E-BC77-7674BF9520B1}" type="pres">
-      <dgm:prSet presAssocID="{6D164D89-87DA-47A3-B679-71755B67AD00}" presName="thickLine" presStyleLbl="alignNode1" presStyleIdx="1" presStyleCnt="4"/>
+    <dgm:pt modelId="{2A40389D-E069-43AB-8231-647247E439AA}" type="pres">
+      <dgm:prSet presAssocID="{6D164D89-87DA-47A3-B679-71755B67AD00}" presName="linNode" presStyleCnt="0"/>
       <dgm:spPr/>
     </dgm:pt>
-    <dgm:pt modelId="{BA2F9A39-4F72-4CBE-BF0D-6548F9CD22A8}" type="pres">
-      <dgm:prSet presAssocID="{6D164D89-87DA-47A3-B679-71755B67AD00}" presName="horz1" presStyleCnt="0"/>
+    <dgm:pt modelId="{CE01FE29-B941-4E39-BBE1-72D1538BAC12}" type="pres">
+      <dgm:prSet presAssocID="{6D164D89-87DA-47A3-B679-71755B67AD00}" presName="parentText" presStyleLbl="node1" presStyleIdx="1" presStyleCnt="3">
+        <dgm:presLayoutVars>
+          <dgm:chMax val="1"/>
+          <dgm:bulletEnabled val="1"/>
+        </dgm:presLayoutVars>
+      </dgm:prSet>
       <dgm:spPr/>
     </dgm:pt>
-    <dgm:pt modelId="{4AE7C8A9-59C6-4ABF-B8BE-EC3C30558125}" type="pres">
-      <dgm:prSet presAssocID="{6D164D89-87DA-47A3-B679-71755B67AD00}" presName="tx1" presStyleLbl="revTx" presStyleIdx="1" presStyleCnt="4"/>
+    <dgm:pt modelId="{1980D77B-A273-4472-BC7A-5D90A40E9D15}" type="pres">
+      <dgm:prSet presAssocID="{6D164D89-87DA-47A3-B679-71755B67AD00}" presName="descendantText" presStyleLbl="alignAccFollowNode1" presStyleIdx="1" presStyleCnt="3">
+        <dgm:presLayoutVars>
+          <dgm:bulletEnabled val="1"/>
+        </dgm:presLayoutVars>
+      </dgm:prSet>
       <dgm:spPr/>
     </dgm:pt>
-    <dgm:pt modelId="{9C59F2DA-7037-4539-A225-E450843B4508}" type="pres">
-      <dgm:prSet presAssocID="{6D164D89-87DA-47A3-B679-71755B67AD00}" presName="vert1" presStyleCnt="0"/>
+    <dgm:pt modelId="{F3AF7BB3-62F5-4650-B057-294A8075795C}" type="pres">
+      <dgm:prSet presAssocID="{3FA9ECAD-D53F-4208-B214-FEA20106C3B2}" presName="sp" presStyleCnt="0"/>
       <dgm:spPr/>
     </dgm:pt>
-    <dgm:pt modelId="{02B79417-7470-4CB1-BE6A-76149A86AD07}" type="pres">
-      <dgm:prSet presAssocID="{8FF3E9DE-D607-4B4A-AAAB-41E3C478F8C9}" presName="thickLine" presStyleLbl="alignNode1" presStyleIdx="2" presStyleCnt="4"/>
+    <dgm:pt modelId="{20BA6B36-7638-40F3-94A5-9AF6A98F93A0}" type="pres">
+      <dgm:prSet presAssocID="{8FF3E9DE-D607-4B4A-AAAB-41E3C478F8C9}" presName="linNode" presStyleCnt="0"/>
       <dgm:spPr/>
     </dgm:pt>
-    <dgm:pt modelId="{E192D3AF-C435-4B9B-B121-202431A8AE7F}" type="pres">
-      <dgm:prSet presAssocID="{8FF3E9DE-D607-4B4A-AAAB-41E3C478F8C9}" presName="horz1" presStyleCnt="0"/>
+    <dgm:pt modelId="{113621EB-C68E-499B-A4BC-FF6D87F7C8D5}" type="pres">
+      <dgm:prSet presAssocID="{8FF3E9DE-D607-4B4A-AAAB-41E3C478F8C9}" presName="parentText" presStyleLbl="node1" presStyleIdx="2" presStyleCnt="3">
+        <dgm:presLayoutVars>
+          <dgm:chMax val="1"/>
+          <dgm:bulletEnabled val="1"/>
+        </dgm:presLayoutVars>
+      </dgm:prSet>
       <dgm:spPr/>
     </dgm:pt>
-    <dgm:pt modelId="{92D415AB-7266-4B92-9BFE-0478FCBB111D}" type="pres">
-      <dgm:prSet presAssocID="{8FF3E9DE-D607-4B4A-AAAB-41E3C478F8C9}" presName="tx1" presStyleLbl="revTx" presStyleIdx="2" presStyleCnt="4"/>
-      <dgm:spPr/>
-    </dgm:pt>
-    <dgm:pt modelId="{0B522FE3-9298-4679-88C2-84E4F822F7DB}" type="pres">
-      <dgm:prSet presAssocID="{8FF3E9DE-D607-4B4A-AAAB-41E3C478F8C9}" presName="vert1" presStyleCnt="0"/>
-      <dgm:spPr/>
-    </dgm:pt>
-    <dgm:pt modelId="{D603B7DE-C5FA-44EE-AD22-B84A1C05194A}" type="pres">
-      <dgm:prSet presAssocID="{6842B79D-6C2F-4C3C-B027-7B47744ED5B6}" presName="thickLine" presStyleLbl="alignNode1" presStyleIdx="3" presStyleCnt="4"/>
-      <dgm:spPr/>
-    </dgm:pt>
-    <dgm:pt modelId="{4808C70D-B423-4533-A889-718BA25CC8EC}" type="pres">
-      <dgm:prSet presAssocID="{6842B79D-6C2F-4C3C-B027-7B47744ED5B6}" presName="horz1" presStyleCnt="0"/>
-      <dgm:spPr/>
-    </dgm:pt>
-    <dgm:pt modelId="{5A8C4A00-122C-46F5-9693-81BA974C23F5}" type="pres">
-      <dgm:prSet presAssocID="{6842B79D-6C2F-4C3C-B027-7B47744ED5B6}" presName="tx1" presStyleLbl="revTx" presStyleIdx="3" presStyleCnt="4"/>
-      <dgm:spPr/>
-    </dgm:pt>
-    <dgm:pt modelId="{FEB49607-D573-44B3-9E56-EE56D0FC0E2A}" type="pres">
-      <dgm:prSet presAssocID="{6842B79D-6C2F-4C3C-B027-7B47744ED5B6}" presName="vert1" presStyleCnt="0"/>
+    <dgm:pt modelId="{7C8EF106-1455-4C04-9590-92ABEB5830F5}" type="pres">
+      <dgm:prSet presAssocID="{8FF3E9DE-D607-4B4A-AAAB-41E3C478F8C9}" presName="descendantText" presStyleLbl="alignAccFollowNode1" presStyleIdx="2" presStyleCnt="3">
+        <dgm:presLayoutVars>
+          <dgm:bulletEnabled val="1"/>
+        </dgm:presLayoutVars>
+      </dgm:prSet>
       <dgm:spPr/>
     </dgm:pt>
   </dgm:ptLst>
   <dgm:cxnLst>
-    <dgm:cxn modelId="{37720702-9DDB-4D27-BF12-8EF41009765A}" type="presOf" srcId="{902BDFA5-4545-4BDF-8E80-C69CDA2FA02D}" destId="{EF05D060-309D-4634-9322-5FF085ED7A7A}" srcOrd="0" destOrd="0" presId="urn:microsoft.com/office/officeart/2008/layout/LinedList"/>
+    <dgm:cxn modelId="{15836E0E-0410-40E8-93CD-AEB5E4415083}" srcId="{902BDFA5-4545-4BDF-8E80-C69CDA2FA02D}" destId="{B30093D6-39BC-4513-BD9D-1F769A9DB556}" srcOrd="0" destOrd="0" parTransId="{415E2382-138D-4966-9431-334AC53C7E1C}" sibTransId="{F225584A-1CDC-48FA-9ADF-F61D4ED6ED31}"/>
+    <dgm:cxn modelId="{73B92C15-4D07-4F75-897E-33E461429EE7}" type="presOf" srcId="{6D164D89-87DA-47A3-B679-71755B67AD00}" destId="{CE01FE29-B941-4E39-BBE1-72D1538BAC12}" srcOrd="0" destOrd="0" presId="urn:microsoft.com/office/officeart/2005/8/layout/vList5"/>
     <dgm:cxn modelId="{EF36941E-A035-45D3-B068-7685E34A54ED}" srcId="{46CE9741-B9A2-420A-837B-B325638F8986}" destId="{6D164D89-87DA-47A3-B679-71755B67AD00}" srcOrd="1" destOrd="0" parTransId="{4D226B7F-C716-4FA3-BDD4-D12C9FBD6B06}" sibTransId="{3FA9ECAD-D53F-4208-B214-FEA20106C3B2}"/>
-    <dgm:cxn modelId="{378EC34F-912C-42F6-ABBB-2A6E70CFC7AF}" srcId="{46CE9741-B9A2-420A-837B-B325638F8986}" destId="{6842B79D-6C2F-4C3C-B027-7B47744ED5B6}" srcOrd="3" destOrd="0" parTransId="{20AB6825-9F47-4A6F-A58D-31D61D872B3A}" sibTransId="{D81D908B-D3ED-4175-B023-60D3A85AA2E7}"/>
-    <dgm:cxn modelId="{7A761678-E2F0-4FD5-A685-A1D838309F34}" type="presOf" srcId="{46CE9741-B9A2-420A-837B-B325638F8986}" destId="{AF5A414A-3B9F-4964-B218-74BD759ACFB9}" srcOrd="0" destOrd="0" presId="urn:microsoft.com/office/officeart/2008/layout/LinedList"/>
+    <dgm:cxn modelId="{7C07A768-7711-4F9A-92C0-F5AB7ED1359D}" type="presOf" srcId="{92965BE6-5048-4E54-87CC-6B73F4C83565}" destId="{1980D77B-A273-4472-BC7A-5D90A40E9D15}" srcOrd="0" destOrd="0" presId="urn:microsoft.com/office/officeart/2005/8/layout/vList5"/>
+    <dgm:cxn modelId="{378EC34F-912C-42F6-ABBB-2A6E70CFC7AF}" srcId="{8FF3E9DE-D607-4B4A-AAAB-41E3C478F8C9}" destId="{6842B79D-6C2F-4C3C-B027-7B47744ED5B6}" srcOrd="0" destOrd="0" parTransId="{20AB6825-9F47-4A6F-A58D-31D61D872B3A}" sibTransId="{D81D908B-D3ED-4175-B023-60D3A85AA2E7}"/>
+    <dgm:cxn modelId="{97FE4558-1A78-4941-A83F-792C297EE970}" type="presOf" srcId="{46CE9741-B9A2-420A-837B-B325638F8986}" destId="{BA38D88E-6EB8-40AA-9A3D-F834459011E2}" srcOrd="0" destOrd="0" presId="urn:microsoft.com/office/officeart/2005/8/layout/vList5"/>
     <dgm:cxn modelId="{1343FA8C-EDC5-41F4-8D63-FFBE2C1DE7A9}" srcId="{46CE9741-B9A2-420A-837B-B325638F8986}" destId="{902BDFA5-4545-4BDF-8E80-C69CDA2FA02D}" srcOrd="0" destOrd="0" parTransId="{9108B73E-A704-47C5-89F7-3C5FAD5DFB21}" sibTransId="{1D7B49A5-A7F1-4579-A3C2-D568516EB359}"/>
-    <dgm:cxn modelId="{7FBAC3A9-67C2-45E9-9C30-4F1BC62BA86C}" type="presOf" srcId="{8FF3E9DE-D607-4B4A-AAAB-41E3C478F8C9}" destId="{92D415AB-7266-4B92-9BFE-0478FCBB111D}" srcOrd="0" destOrd="0" presId="urn:microsoft.com/office/officeart/2008/layout/LinedList"/>
-    <dgm:cxn modelId="{2E26B8D9-6F71-42AE-8A70-600474125DF4}" type="presOf" srcId="{6842B79D-6C2F-4C3C-B027-7B47744ED5B6}" destId="{5A8C4A00-122C-46F5-9693-81BA974C23F5}" srcOrd="0" destOrd="0" presId="urn:microsoft.com/office/officeart/2008/layout/LinedList"/>
+    <dgm:cxn modelId="{EEA42BA0-C4F7-4166-A342-96F2038365FA}" srcId="{6D164D89-87DA-47A3-B679-71755B67AD00}" destId="{92965BE6-5048-4E54-87CC-6B73F4C83565}" srcOrd="0" destOrd="0" parTransId="{3AC53A0B-0505-47E3-85D1-FA33F4721F23}" sibTransId="{2B1B09FF-445F-4CF9-BA54-BCC4306CE003}"/>
+    <dgm:cxn modelId="{D1914CB8-6565-4DC5-8308-9D86FC6D03B7}" type="presOf" srcId="{9C879B40-84B2-40AF-99D5-C9E0AC92153B}" destId="{7C8EF106-1455-4C04-9590-92ABEB5830F5}" srcOrd="0" destOrd="1" presId="urn:microsoft.com/office/officeart/2005/8/layout/vList5"/>
+    <dgm:cxn modelId="{CD24B3B8-6305-4998-9A73-A2CB3A0D8F3D}" type="presOf" srcId="{902BDFA5-4545-4BDF-8E80-C69CDA2FA02D}" destId="{69BBF87B-F064-4B5E-B4F2-8232D01996F0}" srcOrd="0" destOrd="0" presId="urn:microsoft.com/office/officeart/2005/8/layout/vList5"/>
+    <dgm:cxn modelId="{273E07E2-E0D0-4B49-BCB0-E33480047164}" type="presOf" srcId="{8FF3E9DE-D607-4B4A-AAAB-41E3C478F8C9}" destId="{113621EB-C68E-499B-A4BC-FF6D87F7C8D5}" srcOrd="0" destOrd="0" presId="urn:microsoft.com/office/officeart/2005/8/layout/vList5"/>
     <dgm:cxn modelId="{C8EF91E6-D184-4DBE-AFB1-4E5D2C084B93}" srcId="{46CE9741-B9A2-420A-837B-B325638F8986}" destId="{8FF3E9DE-D607-4B4A-AAAB-41E3C478F8C9}" srcOrd="2" destOrd="0" parTransId="{BC0F549F-987B-4293-AD4D-9D9E766A1FB7}" sibTransId="{C053DF27-E058-4858-B27D-6348813B2C31}"/>
-    <dgm:cxn modelId="{DA6CB6FC-EA29-4EA8-9B9C-B7D226627955}" type="presOf" srcId="{6D164D89-87DA-47A3-B679-71755B67AD00}" destId="{4AE7C8A9-59C6-4ABF-B8BE-EC3C30558125}" srcOrd="0" destOrd="0" presId="urn:microsoft.com/office/officeart/2008/layout/LinedList"/>
-    <dgm:cxn modelId="{4068E4DE-54D1-4BF8-8975-7DC924AACF61}" type="presParOf" srcId="{AF5A414A-3B9F-4964-B218-74BD759ACFB9}" destId="{A7C227C9-2EF2-422D-A553-EFAB1275279B}" srcOrd="0" destOrd="0" presId="urn:microsoft.com/office/officeart/2008/layout/LinedList"/>
-    <dgm:cxn modelId="{046E43D8-FE7C-4F80-92C0-E9DC03879FF8}" type="presParOf" srcId="{AF5A414A-3B9F-4964-B218-74BD759ACFB9}" destId="{357D03E8-1A71-4D81-BA2F-E9D5CB0517C7}" srcOrd="1" destOrd="0" presId="urn:microsoft.com/office/officeart/2008/layout/LinedList"/>
-    <dgm:cxn modelId="{985D5659-E54A-4152-A179-20C96370A4AC}" type="presParOf" srcId="{357D03E8-1A71-4D81-BA2F-E9D5CB0517C7}" destId="{EF05D060-309D-4634-9322-5FF085ED7A7A}" srcOrd="0" destOrd="0" presId="urn:microsoft.com/office/officeart/2008/layout/LinedList"/>
-    <dgm:cxn modelId="{6D2C5AE9-A8D6-4A3F-890E-4B6957819271}" type="presParOf" srcId="{357D03E8-1A71-4D81-BA2F-E9D5CB0517C7}" destId="{59C529D9-FF7F-466A-A56B-4A035C375389}" srcOrd="1" destOrd="0" presId="urn:microsoft.com/office/officeart/2008/layout/LinedList"/>
-    <dgm:cxn modelId="{E2EEF22C-6D29-4120-9977-0F3EBB86DB22}" type="presParOf" srcId="{AF5A414A-3B9F-4964-B218-74BD759ACFB9}" destId="{DA701766-B22A-4A0E-BC77-7674BF9520B1}" srcOrd="2" destOrd="0" presId="urn:microsoft.com/office/officeart/2008/layout/LinedList"/>
-    <dgm:cxn modelId="{26AA9424-6CB5-4A9B-AD8A-C128F46049C8}" type="presParOf" srcId="{AF5A414A-3B9F-4964-B218-74BD759ACFB9}" destId="{BA2F9A39-4F72-4CBE-BF0D-6548F9CD22A8}" srcOrd="3" destOrd="0" presId="urn:microsoft.com/office/officeart/2008/layout/LinedList"/>
-    <dgm:cxn modelId="{6F503BA2-9794-42CF-BB7B-682841F7AE6F}" type="presParOf" srcId="{BA2F9A39-4F72-4CBE-BF0D-6548F9CD22A8}" destId="{4AE7C8A9-59C6-4ABF-B8BE-EC3C30558125}" srcOrd="0" destOrd="0" presId="urn:microsoft.com/office/officeart/2008/layout/LinedList"/>
-    <dgm:cxn modelId="{F108966F-3766-4D51-B047-6EF5F56D6956}" type="presParOf" srcId="{BA2F9A39-4F72-4CBE-BF0D-6548F9CD22A8}" destId="{9C59F2DA-7037-4539-A225-E450843B4508}" srcOrd="1" destOrd="0" presId="urn:microsoft.com/office/officeart/2008/layout/LinedList"/>
-    <dgm:cxn modelId="{9DF2D79A-7B46-49E4-8E9B-D0CA11357D0C}" type="presParOf" srcId="{AF5A414A-3B9F-4964-B218-74BD759ACFB9}" destId="{02B79417-7470-4CB1-BE6A-76149A86AD07}" srcOrd="4" destOrd="0" presId="urn:microsoft.com/office/officeart/2008/layout/LinedList"/>
-    <dgm:cxn modelId="{9513C522-27BA-4C9C-AF47-AF4CC81B145C}" type="presParOf" srcId="{AF5A414A-3B9F-4964-B218-74BD759ACFB9}" destId="{E192D3AF-C435-4B9B-B121-202431A8AE7F}" srcOrd="5" destOrd="0" presId="urn:microsoft.com/office/officeart/2008/layout/LinedList"/>
-    <dgm:cxn modelId="{1E2731A2-D22B-4EDA-AD4A-2B7ECF4B060F}" type="presParOf" srcId="{E192D3AF-C435-4B9B-B121-202431A8AE7F}" destId="{92D415AB-7266-4B92-9BFE-0478FCBB111D}" srcOrd="0" destOrd="0" presId="urn:microsoft.com/office/officeart/2008/layout/LinedList"/>
-    <dgm:cxn modelId="{BE90B91B-FBAD-4DF3-A000-C7F17F55AE1C}" type="presParOf" srcId="{E192D3AF-C435-4B9B-B121-202431A8AE7F}" destId="{0B522FE3-9298-4679-88C2-84E4F822F7DB}" srcOrd="1" destOrd="0" presId="urn:microsoft.com/office/officeart/2008/layout/LinedList"/>
-    <dgm:cxn modelId="{9940124F-5A14-4AB2-98AC-4DCE197FA67D}" type="presParOf" srcId="{AF5A414A-3B9F-4964-B218-74BD759ACFB9}" destId="{D603B7DE-C5FA-44EE-AD22-B84A1C05194A}" srcOrd="6" destOrd="0" presId="urn:microsoft.com/office/officeart/2008/layout/LinedList"/>
-    <dgm:cxn modelId="{4D3FF3D8-F459-4A25-BD21-7FF2638B4F57}" type="presParOf" srcId="{AF5A414A-3B9F-4964-B218-74BD759ACFB9}" destId="{4808C70D-B423-4533-A889-718BA25CC8EC}" srcOrd="7" destOrd="0" presId="urn:microsoft.com/office/officeart/2008/layout/LinedList"/>
-    <dgm:cxn modelId="{4AA09BDA-30DD-4537-AD83-C597172C6DF4}" type="presParOf" srcId="{4808C70D-B423-4533-A889-718BA25CC8EC}" destId="{5A8C4A00-122C-46F5-9693-81BA974C23F5}" srcOrd="0" destOrd="0" presId="urn:microsoft.com/office/officeart/2008/layout/LinedList"/>
-    <dgm:cxn modelId="{7AC4AAA0-06E3-4B0B-9593-A4DD4F06B7B6}" type="presParOf" srcId="{4808C70D-B423-4533-A889-718BA25CC8EC}" destId="{FEB49607-D573-44B3-9E56-EE56D0FC0E2A}" srcOrd="1" destOrd="0" presId="urn:microsoft.com/office/officeart/2008/layout/LinedList"/>
+    <dgm:cxn modelId="{9E48E3EF-243D-40BA-9B1B-851BD69CE40B}" type="presOf" srcId="{6842B79D-6C2F-4C3C-B027-7B47744ED5B6}" destId="{7C8EF106-1455-4C04-9590-92ABEB5830F5}" srcOrd="0" destOrd="0" presId="urn:microsoft.com/office/officeart/2005/8/layout/vList5"/>
+    <dgm:cxn modelId="{ADA1E4F2-DB3C-4620-8108-E44BD93757E6}" type="presOf" srcId="{B30093D6-39BC-4513-BD9D-1F769A9DB556}" destId="{8FEA6096-2EF6-4E92-BA22-897D9BCCCB08}" srcOrd="0" destOrd="0" presId="urn:microsoft.com/office/officeart/2005/8/layout/vList5"/>
+    <dgm:cxn modelId="{CD9B70FC-9B97-4901-A088-9AE9D63797F9}" srcId="{6842B79D-6C2F-4C3C-B027-7B47744ED5B6}" destId="{9C879B40-84B2-40AF-99D5-C9E0AC92153B}" srcOrd="0" destOrd="0" parTransId="{B5EDBB23-5B85-4FCC-BE8C-85E91B57F14F}" sibTransId="{C30B6D7E-9A10-410D-9C63-60FA06DFC242}"/>
+    <dgm:cxn modelId="{569276F4-1B94-4CF0-8444-616B0E8E1D75}" type="presParOf" srcId="{BA38D88E-6EB8-40AA-9A3D-F834459011E2}" destId="{655CD655-21F8-4C9B-A5F4-A8DA94DD71B5}" srcOrd="0" destOrd="0" presId="urn:microsoft.com/office/officeart/2005/8/layout/vList5"/>
+    <dgm:cxn modelId="{F4FF5767-C21E-455D-A8EA-84D01D5DCA31}" type="presParOf" srcId="{655CD655-21F8-4C9B-A5F4-A8DA94DD71B5}" destId="{69BBF87B-F064-4B5E-B4F2-8232D01996F0}" srcOrd="0" destOrd="0" presId="urn:microsoft.com/office/officeart/2005/8/layout/vList5"/>
+    <dgm:cxn modelId="{521DA0F7-AE46-4F5E-B79B-1B3C339ECF56}" type="presParOf" srcId="{655CD655-21F8-4C9B-A5F4-A8DA94DD71B5}" destId="{8FEA6096-2EF6-4E92-BA22-897D9BCCCB08}" srcOrd="1" destOrd="0" presId="urn:microsoft.com/office/officeart/2005/8/layout/vList5"/>
+    <dgm:cxn modelId="{3FB14DB3-B44C-4FB4-A198-E8EC9135FDE7}" type="presParOf" srcId="{BA38D88E-6EB8-40AA-9A3D-F834459011E2}" destId="{F796001E-792B-4E31-A19D-F0D2B51FDE4E}" srcOrd="1" destOrd="0" presId="urn:microsoft.com/office/officeart/2005/8/layout/vList5"/>
+    <dgm:cxn modelId="{57EC9627-6E8E-4146-B2B3-AC7368BBC030}" type="presParOf" srcId="{BA38D88E-6EB8-40AA-9A3D-F834459011E2}" destId="{2A40389D-E069-43AB-8231-647247E439AA}" srcOrd="2" destOrd="0" presId="urn:microsoft.com/office/officeart/2005/8/layout/vList5"/>
+    <dgm:cxn modelId="{6DDF8718-642B-4E08-877C-5F9480A5CD9C}" type="presParOf" srcId="{2A40389D-E069-43AB-8231-647247E439AA}" destId="{CE01FE29-B941-4E39-BBE1-72D1538BAC12}" srcOrd="0" destOrd="0" presId="urn:microsoft.com/office/officeart/2005/8/layout/vList5"/>
+    <dgm:cxn modelId="{07AF7C4C-25EB-4DD3-A5A2-B586DD79AA49}" type="presParOf" srcId="{2A40389D-E069-43AB-8231-647247E439AA}" destId="{1980D77B-A273-4472-BC7A-5D90A40E9D15}" srcOrd="1" destOrd="0" presId="urn:microsoft.com/office/officeart/2005/8/layout/vList5"/>
+    <dgm:cxn modelId="{EE40F9DC-9BAB-4276-9679-ACAE7CE27BE0}" type="presParOf" srcId="{BA38D88E-6EB8-40AA-9A3D-F834459011E2}" destId="{F3AF7BB3-62F5-4650-B057-294A8075795C}" srcOrd="3" destOrd="0" presId="urn:microsoft.com/office/officeart/2005/8/layout/vList5"/>
+    <dgm:cxn modelId="{1673B6C3-FC93-4E4F-8F7B-4395FC564209}" type="presParOf" srcId="{BA38D88E-6EB8-40AA-9A3D-F834459011E2}" destId="{20BA6B36-7638-40F3-94A5-9AF6A98F93A0}" srcOrd="4" destOrd="0" presId="urn:microsoft.com/office/officeart/2005/8/layout/vList5"/>
+    <dgm:cxn modelId="{329CE008-6360-4A0D-9800-015939316A79}" type="presParOf" srcId="{20BA6B36-7638-40F3-94A5-9AF6A98F93A0}" destId="{113621EB-C68E-499B-A4BC-FF6D87F7C8D5}" srcOrd="0" destOrd="0" presId="urn:microsoft.com/office/officeart/2005/8/layout/vList5"/>
+    <dgm:cxn modelId="{3C232C7C-5A13-454E-B061-2EC1491727F2}" type="presParOf" srcId="{20BA6B36-7638-40F3-94A5-9AF6A98F93A0}" destId="{7C8EF106-1455-4C04-9590-92ABEB5830F5}" srcOrd="1" destOrd="0" presId="urn:microsoft.com/office/officeart/2005/8/layout/vList5"/>
   </dgm:cxnLst>
   <dgm:bg/>
   <dgm:whole/>
@@ -5335,7 +5486,7 @@
         <a:lstStyle/>
         <a:p>
           <a:r>
-            <a:rPr lang="it-IT" sz="1800" dirty="0">
+            <a:rPr lang="it-IT" sz="1800">
               <a:solidFill>
                 <a:schemeClr val="tx1"/>
               </a:solidFill>
@@ -5388,7 +5539,7 @@
         <a:lstStyle/>
         <a:p>
           <a:r>
-            <a:rPr lang="it-IT" sz="1800" dirty="0">
+            <a:rPr lang="it-IT" sz="1800">
               <a:solidFill>
                 <a:schemeClr val="tx1"/>
               </a:solidFill>
@@ -5562,36 +5713,36 @@
     </dgm:pt>
   </dgm:ptLst>
   <dgm:cxnLst>
-    <dgm:cxn modelId="{FF75CB25-099F-4906-A5EF-DDADC301F630}" type="presOf" srcId="{33A7CC06-2AA9-4F54-95B3-A31CFEBB9C11}" destId="{F0CC7F86-F857-4666-9D47-5542A477F260}" srcOrd="0" destOrd="0" presId="urn:microsoft.com/office/officeart/2008/layout/AlternatingHexagons"/>
+    <dgm:cxn modelId="{FD1AD136-2578-4137-8F59-5A707F365C24}" type="presOf" srcId="{0961B3F2-3455-4611-908A-58A72D011675}" destId="{E10FD32E-E9FF-4726-B3D5-16EF91C67D89}" srcOrd="0" destOrd="0" presId="urn:microsoft.com/office/officeart/2008/layout/AlternatingHexagons"/>
+    <dgm:cxn modelId="{185FAD5E-C5E7-4EC3-9E6D-40C4DED86DFA}" type="presOf" srcId="{33A7CC06-2AA9-4F54-95B3-A31CFEBB9C11}" destId="{F0CC7F86-F857-4666-9D47-5542A477F260}" srcOrd="0" destOrd="0" presId="urn:microsoft.com/office/officeart/2008/layout/AlternatingHexagons"/>
     <dgm:cxn modelId="{4EB94F63-1FA0-4D03-A1D3-022CD5EC2169}" srcId="{843D5484-A716-4CDC-9356-03D64D90720A}" destId="{0961B3F2-3455-4611-908A-58A72D011675}" srcOrd="1" destOrd="0" parTransId="{45233F1A-2AB6-478E-8357-3DF0139BBC3D}" sibTransId="{9353B957-A1F7-46B7-9B32-71E97ACCD7A6}"/>
-    <dgm:cxn modelId="{9EC5A563-5512-4730-A7D2-3D4DD5E821C7}" type="presOf" srcId="{FA36E754-EA3B-423E-A396-1FB785356CE6}" destId="{CEE954A6-E8C6-4797-BB76-8F840CE01219}" srcOrd="0" destOrd="0" presId="urn:microsoft.com/office/officeart/2008/layout/AlternatingHexagons"/>
-    <dgm:cxn modelId="{86FD4244-CA77-447F-BEE7-FE1F77D1F442}" type="presOf" srcId="{B8B14BAC-0C9F-4DE8-A89B-AA4B7BDA4158}" destId="{23D2BDAE-5028-47DE-BC3B-6E8C51E380F7}" srcOrd="0" destOrd="0" presId="urn:microsoft.com/office/officeart/2008/layout/AlternatingHexagons"/>
     <dgm:cxn modelId="{6C39A964-AA65-4E10-AEE2-7C83CB30D203}" srcId="{843D5484-A716-4CDC-9356-03D64D90720A}" destId="{33A7CC06-2AA9-4F54-95B3-A31CFEBB9C11}" srcOrd="2" destOrd="0" parTransId="{3DE8795E-89D6-4D6B-A455-4145083E1C6C}" sibTransId="{B0AB45E9-E75C-4061-AD72-674E4FF958F8}"/>
-    <dgm:cxn modelId="{0713934B-8A8E-4AF1-8240-1ED56450F782}" type="presOf" srcId="{843D5484-A716-4CDC-9356-03D64D90720A}" destId="{6B18337B-D108-470B-9EE6-8AC6B2145C7C}" srcOrd="0" destOrd="0" presId="urn:microsoft.com/office/officeart/2008/layout/AlternatingHexagons"/>
-    <dgm:cxn modelId="{80D63A4C-BE6B-49CD-BDE3-74E6192A0BA7}" type="presOf" srcId="{9353B957-A1F7-46B7-9B32-71E97ACCD7A6}" destId="{4D3E869C-7FA2-4E6A-B148-6BA19B38B081}" srcOrd="0" destOrd="0" presId="urn:microsoft.com/office/officeart/2008/layout/AlternatingHexagons"/>
-    <dgm:cxn modelId="{B425D991-7FB5-4BF1-B704-8BD4420B0CAF}" type="presOf" srcId="{B0AB45E9-E75C-4061-AD72-674E4FF958F8}" destId="{7B55E856-4EF6-4F52-9A87-995F261E642B}" srcOrd="0" destOrd="0" presId="urn:microsoft.com/office/officeart/2008/layout/AlternatingHexagons"/>
-    <dgm:cxn modelId="{175989CE-31FA-4CC6-A103-A277B84CE84F}" type="presOf" srcId="{0961B3F2-3455-4611-908A-58A72D011675}" destId="{E10FD32E-E9FF-4726-B3D5-16EF91C67D89}" srcOrd="0" destOrd="0" presId="urn:microsoft.com/office/officeart/2008/layout/AlternatingHexagons"/>
+    <dgm:cxn modelId="{B4379650-94FB-4AC1-97F2-94C336F6C438}" type="presOf" srcId="{B8B14BAC-0C9F-4DE8-A89B-AA4B7BDA4158}" destId="{23D2BDAE-5028-47DE-BC3B-6E8C51E380F7}" srcOrd="0" destOrd="0" presId="urn:microsoft.com/office/officeart/2008/layout/AlternatingHexagons"/>
+    <dgm:cxn modelId="{47CA2A76-EB9F-4726-8AC0-012DAE94F251}" type="presOf" srcId="{B0AB45E9-E75C-4061-AD72-674E4FF958F8}" destId="{7B55E856-4EF6-4F52-9A87-995F261E642B}" srcOrd="0" destOrd="0" presId="urn:microsoft.com/office/officeart/2008/layout/AlternatingHexagons"/>
+    <dgm:cxn modelId="{488E7485-8541-44FE-8BDD-874AF55681D6}" type="presOf" srcId="{9353B957-A1F7-46B7-9B32-71E97ACCD7A6}" destId="{4D3E869C-7FA2-4E6A-B148-6BA19B38B081}" srcOrd="0" destOrd="0" presId="urn:microsoft.com/office/officeart/2008/layout/AlternatingHexagons"/>
+    <dgm:cxn modelId="{BC3B6891-58FF-419A-A179-A3DB96A3DD28}" type="presOf" srcId="{843D5484-A716-4CDC-9356-03D64D90720A}" destId="{6B18337B-D108-470B-9EE6-8AC6B2145C7C}" srcOrd="0" destOrd="0" presId="urn:microsoft.com/office/officeart/2008/layout/AlternatingHexagons"/>
+    <dgm:cxn modelId="{E67DEDEC-16D6-4E57-8125-E50C9AD81F17}" type="presOf" srcId="{FA36E754-EA3B-423E-A396-1FB785356CE6}" destId="{CEE954A6-E8C6-4797-BB76-8F840CE01219}" srcOrd="0" destOrd="0" presId="urn:microsoft.com/office/officeart/2008/layout/AlternatingHexagons"/>
     <dgm:cxn modelId="{986918F8-3C17-4FFE-B0AE-20F5CA14B027}" srcId="{843D5484-A716-4CDC-9356-03D64D90720A}" destId="{B8B14BAC-0C9F-4DE8-A89B-AA4B7BDA4158}" srcOrd="0" destOrd="0" parTransId="{29712234-7DC1-45D1-951F-17096731C618}" sibTransId="{FA36E754-EA3B-423E-A396-1FB785356CE6}"/>
-    <dgm:cxn modelId="{E69EFC28-87C3-4ABD-BB42-5102E06B04EA}" type="presParOf" srcId="{6B18337B-D108-470B-9EE6-8AC6B2145C7C}" destId="{96FD0C0B-4351-49B1-8544-E7D9371D96BB}" srcOrd="0" destOrd="0" presId="urn:microsoft.com/office/officeart/2008/layout/AlternatingHexagons"/>
-    <dgm:cxn modelId="{35CDF51D-E9BA-4F6E-82A8-ECE1B500807B}" type="presParOf" srcId="{96FD0C0B-4351-49B1-8544-E7D9371D96BB}" destId="{23D2BDAE-5028-47DE-BC3B-6E8C51E380F7}" srcOrd="0" destOrd="0" presId="urn:microsoft.com/office/officeart/2008/layout/AlternatingHexagons"/>
-    <dgm:cxn modelId="{2B247443-1949-4EA5-A00A-EAFBD8F5909C}" type="presParOf" srcId="{96FD0C0B-4351-49B1-8544-E7D9371D96BB}" destId="{1CAF334F-6692-45CC-AEAC-6FB14EAA427F}" srcOrd="1" destOrd="0" presId="urn:microsoft.com/office/officeart/2008/layout/AlternatingHexagons"/>
-    <dgm:cxn modelId="{C3A4D75F-01B6-422B-B4BB-D8CE20CD8AE4}" type="presParOf" srcId="{96FD0C0B-4351-49B1-8544-E7D9371D96BB}" destId="{FD1F0AF3-A55B-4B7D-A947-077D1AC8E499}" srcOrd="2" destOrd="0" presId="urn:microsoft.com/office/officeart/2008/layout/AlternatingHexagons"/>
-    <dgm:cxn modelId="{AAB3AE79-274B-48CA-9CD4-8F883652AAC5}" type="presParOf" srcId="{96FD0C0B-4351-49B1-8544-E7D9371D96BB}" destId="{D83EF371-771C-4C9A-ACAE-A37C2FB40BD6}" srcOrd="3" destOrd="0" presId="urn:microsoft.com/office/officeart/2008/layout/AlternatingHexagons"/>
-    <dgm:cxn modelId="{35A9CBE9-19E9-4B71-853F-E98EB1E13C6E}" type="presParOf" srcId="{96FD0C0B-4351-49B1-8544-E7D9371D96BB}" destId="{CEE954A6-E8C6-4797-BB76-8F840CE01219}" srcOrd="4" destOrd="0" presId="urn:microsoft.com/office/officeart/2008/layout/AlternatingHexagons"/>
-    <dgm:cxn modelId="{9C639426-C423-4FB4-A459-C15A98829D22}" type="presParOf" srcId="{6B18337B-D108-470B-9EE6-8AC6B2145C7C}" destId="{06CEE55B-CB8B-44B3-BB9B-9361A6D2D9E7}" srcOrd="1" destOrd="0" presId="urn:microsoft.com/office/officeart/2008/layout/AlternatingHexagons"/>
-    <dgm:cxn modelId="{90307CCF-8AC5-4ED3-A117-9A6FC7ECE8CD}" type="presParOf" srcId="{6B18337B-D108-470B-9EE6-8AC6B2145C7C}" destId="{7D5EB529-A321-451F-A921-BD83C503618A}" srcOrd="2" destOrd="0" presId="urn:microsoft.com/office/officeart/2008/layout/AlternatingHexagons"/>
-    <dgm:cxn modelId="{5137786A-DECF-414E-88F8-340521A06326}" type="presParOf" srcId="{7D5EB529-A321-451F-A921-BD83C503618A}" destId="{E10FD32E-E9FF-4726-B3D5-16EF91C67D89}" srcOrd="0" destOrd="0" presId="urn:microsoft.com/office/officeart/2008/layout/AlternatingHexagons"/>
-    <dgm:cxn modelId="{548AC348-2B92-4FFC-A9DD-ED3D44E4D6F9}" type="presParOf" srcId="{7D5EB529-A321-451F-A921-BD83C503618A}" destId="{5944B7DC-03EC-4E2C-A003-2E30E2832B2F}" srcOrd="1" destOrd="0" presId="urn:microsoft.com/office/officeart/2008/layout/AlternatingHexagons"/>
-    <dgm:cxn modelId="{5324C618-B448-468E-9D13-E40DCF515638}" type="presParOf" srcId="{7D5EB529-A321-451F-A921-BD83C503618A}" destId="{67F6AAD8-9F38-47B1-BAA1-45A2422581C2}" srcOrd="2" destOrd="0" presId="urn:microsoft.com/office/officeart/2008/layout/AlternatingHexagons"/>
-    <dgm:cxn modelId="{85843039-E6C1-49EE-8F1C-D6903CCB8617}" type="presParOf" srcId="{7D5EB529-A321-451F-A921-BD83C503618A}" destId="{D87BC289-97C0-4095-91EC-C115364083F4}" srcOrd="3" destOrd="0" presId="urn:microsoft.com/office/officeart/2008/layout/AlternatingHexagons"/>
-    <dgm:cxn modelId="{756C055E-1DF2-4225-8B06-73FC1FC13CA2}" type="presParOf" srcId="{7D5EB529-A321-451F-A921-BD83C503618A}" destId="{4D3E869C-7FA2-4E6A-B148-6BA19B38B081}" srcOrd="4" destOrd="0" presId="urn:microsoft.com/office/officeart/2008/layout/AlternatingHexagons"/>
-    <dgm:cxn modelId="{7BF9643D-D74E-4784-BE05-8B7F667F1E1A}" type="presParOf" srcId="{6B18337B-D108-470B-9EE6-8AC6B2145C7C}" destId="{D5CF826E-2A28-426E-8CE2-CD5BA8D8C364}" srcOrd="3" destOrd="0" presId="urn:microsoft.com/office/officeart/2008/layout/AlternatingHexagons"/>
-    <dgm:cxn modelId="{98C2540A-5991-41FE-ADB8-7CE7935E7C5B}" type="presParOf" srcId="{6B18337B-D108-470B-9EE6-8AC6B2145C7C}" destId="{5D814BF2-2FFC-44D1-B504-949697F2D486}" srcOrd="4" destOrd="0" presId="urn:microsoft.com/office/officeart/2008/layout/AlternatingHexagons"/>
-    <dgm:cxn modelId="{AF4DE8A3-0093-4B6C-987E-378003F35717}" type="presParOf" srcId="{5D814BF2-2FFC-44D1-B504-949697F2D486}" destId="{F0CC7F86-F857-4666-9D47-5542A477F260}" srcOrd="0" destOrd="0" presId="urn:microsoft.com/office/officeart/2008/layout/AlternatingHexagons"/>
-    <dgm:cxn modelId="{0E74F0A3-AA47-4665-9DCF-FD344A29EF36}" type="presParOf" srcId="{5D814BF2-2FFC-44D1-B504-949697F2D486}" destId="{B98A7503-E98D-4A3C-9824-E4F543F990AD}" srcOrd="1" destOrd="0" presId="urn:microsoft.com/office/officeart/2008/layout/AlternatingHexagons"/>
-    <dgm:cxn modelId="{65BDB5B8-0170-45DD-AF3C-D770DC5EC98A}" type="presParOf" srcId="{5D814BF2-2FFC-44D1-B504-949697F2D486}" destId="{588949C9-0841-4E32-9D15-3A6753991B1A}" srcOrd="2" destOrd="0" presId="urn:microsoft.com/office/officeart/2008/layout/AlternatingHexagons"/>
-    <dgm:cxn modelId="{1C92C24E-A881-4F69-BB65-F3CE3F461144}" type="presParOf" srcId="{5D814BF2-2FFC-44D1-B504-949697F2D486}" destId="{0D60F265-AA6C-4B36-8248-3262F95422BE}" srcOrd="3" destOrd="0" presId="urn:microsoft.com/office/officeart/2008/layout/AlternatingHexagons"/>
-    <dgm:cxn modelId="{6F43D2F1-F8F0-4808-9647-89C819F300B9}" type="presParOf" srcId="{5D814BF2-2FFC-44D1-B504-949697F2D486}" destId="{7B55E856-4EF6-4F52-9A87-995F261E642B}" srcOrd="4" destOrd="0" presId="urn:microsoft.com/office/officeart/2008/layout/AlternatingHexagons"/>
+    <dgm:cxn modelId="{5DF0D854-4491-4B3C-B568-8F90AA79985B}" type="presParOf" srcId="{6B18337B-D108-470B-9EE6-8AC6B2145C7C}" destId="{96FD0C0B-4351-49B1-8544-E7D9371D96BB}" srcOrd="0" destOrd="0" presId="urn:microsoft.com/office/officeart/2008/layout/AlternatingHexagons"/>
+    <dgm:cxn modelId="{6D505825-148D-4E36-B9DD-50305B141E2E}" type="presParOf" srcId="{96FD0C0B-4351-49B1-8544-E7D9371D96BB}" destId="{23D2BDAE-5028-47DE-BC3B-6E8C51E380F7}" srcOrd="0" destOrd="0" presId="urn:microsoft.com/office/officeart/2008/layout/AlternatingHexagons"/>
+    <dgm:cxn modelId="{52E0AD47-F30F-41F4-8E04-7BC445B68FD0}" type="presParOf" srcId="{96FD0C0B-4351-49B1-8544-E7D9371D96BB}" destId="{1CAF334F-6692-45CC-AEAC-6FB14EAA427F}" srcOrd="1" destOrd="0" presId="urn:microsoft.com/office/officeart/2008/layout/AlternatingHexagons"/>
+    <dgm:cxn modelId="{1A825806-531B-431F-81E8-126EC3ED9232}" type="presParOf" srcId="{96FD0C0B-4351-49B1-8544-E7D9371D96BB}" destId="{FD1F0AF3-A55B-4B7D-A947-077D1AC8E499}" srcOrd="2" destOrd="0" presId="urn:microsoft.com/office/officeart/2008/layout/AlternatingHexagons"/>
+    <dgm:cxn modelId="{751C81F1-8084-463F-B35C-99BA16357121}" type="presParOf" srcId="{96FD0C0B-4351-49B1-8544-E7D9371D96BB}" destId="{D83EF371-771C-4C9A-ACAE-A37C2FB40BD6}" srcOrd="3" destOrd="0" presId="urn:microsoft.com/office/officeart/2008/layout/AlternatingHexagons"/>
+    <dgm:cxn modelId="{05FE4DB1-B50A-4CE8-A4D9-E662807B10A7}" type="presParOf" srcId="{96FD0C0B-4351-49B1-8544-E7D9371D96BB}" destId="{CEE954A6-E8C6-4797-BB76-8F840CE01219}" srcOrd="4" destOrd="0" presId="urn:microsoft.com/office/officeart/2008/layout/AlternatingHexagons"/>
+    <dgm:cxn modelId="{FBCA40EA-03A5-474E-A1D4-8DF17BC70DF4}" type="presParOf" srcId="{6B18337B-D108-470B-9EE6-8AC6B2145C7C}" destId="{06CEE55B-CB8B-44B3-BB9B-9361A6D2D9E7}" srcOrd="1" destOrd="0" presId="urn:microsoft.com/office/officeart/2008/layout/AlternatingHexagons"/>
+    <dgm:cxn modelId="{71656ABB-DC23-4680-92BE-62576405AED2}" type="presParOf" srcId="{6B18337B-D108-470B-9EE6-8AC6B2145C7C}" destId="{7D5EB529-A321-451F-A921-BD83C503618A}" srcOrd="2" destOrd="0" presId="urn:microsoft.com/office/officeart/2008/layout/AlternatingHexagons"/>
+    <dgm:cxn modelId="{A15DA67A-50D0-41E6-94FB-568A42B86F85}" type="presParOf" srcId="{7D5EB529-A321-451F-A921-BD83C503618A}" destId="{E10FD32E-E9FF-4726-B3D5-16EF91C67D89}" srcOrd="0" destOrd="0" presId="urn:microsoft.com/office/officeart/2008/layout/AlternatingHexagons"/>
+    <dgm:cxn modelId="{CA802917-4EC5-46B3-904B-09EEFE7F3542}" type="presParOf" srcId="{7D5EB529-A321-451F-A921-BD83C503618A}" destId="{5944B7DC-03EC-4E2C-A003-2E30E2832B2F}" srcOrd="1" destOrd="0" presId="urn:microsoft.com/office/officeart/2008/layout/AlternatingHexagons"/>
+    <dgm:cxn modelId="{4FEB648E-2509-45EE-8070-21131C984526}" type="presParOf" srcId="{7D5EB529-A321-451F-A921-BD83C503618A}" destId="{67F6AAD8-9F38-47B1-BAA1-45A2422581C2}" srcOrd="2" destOrd="0" presId="urn:microsoft.com/office/officeart/2008/layout/AlternatingHexagons"/>
+    <dgm:cxn modelId="{2FCC07D4-D7B2-4D08-9CAC-632D82E645A9}" type="presParOf" srcId="{7D5EB529-A321-451F-A921-BD83C503618A}" destId="{D87BC289-97C0-4095-91EC-C115364083F4}" srcOrd="3" destOrd="0" presId="urn:microsoft.com/office/officeart/2008/layout/AlternatingHexagons"/>
+    <dgm:cxn modelId="{C9D70F10-6C40-4A07-9CA7-B1EC4CC88000}" type="presParOf" srcId="{7D5EB529-A321-451F-A921-BD83C503618A}" destId="{4D3E869C-7FA2-4E6A-B148-6BA19B38B081}" srcOrd="4" destOrd="0" presId="urn:microsoft.com/office/officeart/2008/layout/AlternatingHexagons"/>
+    <dgm:cxn modelId="{F15AC977-1BA4-42CE-BAC8-52B923350A4C}" type="presParOf" srcId="{6B18337B-D108-470B-9EE6-8AC6B2145C7C}" destId="{D5CF826E-2A28-426E-8CE2-CD5BA8D8C364}" srcOrd="3" destOrd="0" presId="urn:microsoft.com/office/officeart/2008/layout/AlternatingHexagons"/>
+    <dgm:cxn modelId="{4849573D-86BF-4FB4-B5E5-67DDE6C6D6F7}" type="presParOf" srcId="{6B18337B-D108-470B-9EE6-8AC6B2145C7C}" destId="{5D814BF2-2FFC-44D1-B504-949697F2D486}" srcOrd="4" destOrd="0" presId="urn:microsoft.com/office/officeart/2008/layout/AlternatingHexagons"/>
+    <dgm:cxn modelId="{02BE6809-EE63-4E0D-ABF2-5FE31E2FAA28}" type="presParOf" srcId="{5D814BF2-2FFC-44D1-B504-949697F2D486}" destId="{F0CC7F86-F857-4666-9D47-5542A477F260}" srcOrd="0" destOrd="0" presId="urn:microsoft.com/office/officeart/2008/layout/AlternatingHexagons"/>
+    <dgm:cxn modelId="{757008C3-FBB3-4BDF-B9B7-3130E219DFE3}" type="presParOf" srcId="{5D814BF2-2FFC-44D1-B504-949697F2D486}" destId="{B98A7503-E98D-4A3C-9824-E4F543F990AD}" srcOrd="1" destOrd="0" presId="urn:microsoft.com/office/officeart/2008/layout/AlternatingHexagons"/>
+    <dgm:cxn modelId="{159EDA1B-1AAB-4500-82C8-B2D5DACBB7D4}" type="presParOf" srcId="{5D814BF2-2FFC-44D1-B504-949697F2D486}" destId="{588949C9-0841-4E32-9D15-3A6753991B1A}" srcOrd="2" destOrd="0" presId="urn:microsoft.com/office/officeart/2008/layout/AlternatingHexagons"/>
+    <dgm:cxn modelId="{C8658326-4DFC-42F6-869B-2F5A213F62AE}" type="presParOf" srcId="{5D814BF2-2FFC-44D1-B504-949697F2D486}" destId="{0D60F265-AA6C-4B36-8248-3262F95422BE}" srcOrd="3" destOrd="0" presId="urn:microsoft.com/office/officeart/2008/layout/AlternatingHexagons"/>
+    <dgm:cxn modelId="{E909E126-C3CC-498D-977E-8F4526A19EDF}" type="presParOf" srcId="{5D814BF2-2FFC-44D1-B504-949697F2D486}" destId="{7B55E856-4EF6-4F52-9A87-995F261E642B}" srcOrd="4" destOrd="0" presId="urn:microsoft.com/office/officeart/2008/layout/AlternatingHexagons"/>
   </dgm:cxnLst>
   <dgm:bg/>
   <dgm:whole/>
@@ -5607,7 +5758,7 @@
 <dgm:dataModel xmlns:dgm="http://schemas.openxmlformats.org/drawingml/2006/diagram" xmlns:a="http://schemas.openxmlformats.org/drawingml/2006/main">
   <dgm:ptLst>
     <dgm:pt modelId="{46CE9741-B9A2-420A-837B-B325638F8986}" type="doc">
-      <dgm:prSet loTypeId="urn:microsoft.com/office/officeart/2008/layout/LinedList" loCatId="list" qsTypeId="urn:microsoft.com/office/officeart/2005/8/quickstyle/simple1" qsCatId="simple" csTypeId="urn:microsoft.com/office/officeart/2005/8/colors/colorful3" csCatId="colorful"/>
+      <dgm:prSet loTypeId="urn:microsoft.com/office/officeart/2008/layout/AlternatingPictureBlocks" loCatId="list" qsTypeId="urn:microsoft.com/office/officeart/2005/8/quickstyle/simple1" qsCatId="simple" csTypeId="urn:microsoft.com/office/officeart/2005/8/colors/colorful3" csCatId="colorful" phldr="1"/>
       <dgm:spPr/>
       <dgm:t>
         <a:bodyPr/>
@@ -5625,10 +5776,10 @@
         <a:lstStyle/>
         <a:p>
           <a:r>
-            <a:rPr lang="it-IT"/>
-            <a:t>Pad analogico</a:t>
+            <a:rPr lang="it-IT" dirty="0"/>
+            <a:t>Pad virtuale</a:t>
           </a:r>
-          <a:endParaRPr lang="en-US"/>
+          <a:endParaRPr lang="en-US" dirty="0"/>
         </a:p>
       </dgm:t>
     </dgm:pt>
@@ -5699,10 +5850,10 @@
         <a:lstStyle/>
         <a:p>
           <a:r>
-            <a:rPr lang="it-IT"/>
+            <a:rPr lang="it-IT" dirty="0"/>
             <a:t>Touch</a:t>
           </a:r>
-          <a:endParaRPr lang="en-US"/>
+          <a:endParaRPr lang="en-US" dirty="0"/>
         </a:p>
       </dgm:t>
     </dgm:pt>
@@ -5728,85 +5879,127 @@
         </a:p>
       </dgm:t>
     </dgm:pt>
-    <dgm:pt modelId="{AF5A414A-3B9F-4964-B218-74BD759ACFB9}" type="pres">
-      <dgm:prSet presAssocID="{46CE9741-B9A2-420A-837B-B325638F8986}" presName="vert0" presStyleCnt="0">
+    <dgm:pt modelId="{5DC4793F-E732-423A-AD29-3013D9E2986E}" type="pres">
+      <dgm:prSet presAssocID="{46CE9741-B9A2-420A-837B-B325638F8986}" presName="linearFlow" presStyleCnt="0">
         <dgm:presLayoutVars>
           <dgm:dir/>
-          <dgm:animOne val="branch"/>
-          <dgm:animLvl val="lvl"/>
+          <dgm:resizeHandles val="exact"/>
         </dgm:presLayoutVars>
       </dgm:prSet>
       <dgm:spPr/>
     </dgm:pt>
-    <dgm:pt modelId="{A7C227C9-2EF2-422D-A553-EFAB1275279B}" type="pres">
-      <dgm:prSet presAssocID="{902BDFA5-4545-4BDF-8E80-C69CDA2FA02D}" presName="thickLine" presStyleLbl="alignNode1" presStyleIdx="0" presStyleCnt="3"/>
+    <dgm:pt modelId="{F379749C-C450-40B4-A93C-BC9786F13B33}" type="pres">
+      <dgm:prSet presAssocID="{902BDFA5-4545-4BDF-8E80-C69CDA2FA02D}" presName="comp" presStyleCnt="0"/>
       <dgm:spPr/>
     </dgm:pt>
-    <dgm:pt modelId="{357D03E8-1A71-4D81-BA2F-E9D5CB0517C7}" type="pres">
-      <dgm:prSet presAssocID="{902BDFA5-4545-4BDF-8E80-C69CDA2FA02D}" presName="horz1" presStyleCnt="0"/>
+    <dgm:pt modelId="{7AF65430-6DF5-4C06-B292-B06F86A6B689}" type="pres">
+      <dgm:prSet presAssocID="{902BDFA5-4545-4BDF-8E80-C69CDA2FA02D}" presName="rect2" presStyleLbl="node1" presStyleIdx="0" presStyleCnt="3">
+        <dgm:presLayoutVars>
+          <dgm:bulletEnabled val="1"/>
+        </dgm:presLayoutVars>
+      </dgm:prSet>
       <dgm:spPr/>
     </dgm:pt>
-    <dgm:pt modelId="{EF05D060-309D-4634-9322-5FF085ED7A7A}" type="pres">
-      <dgm:prSet presAssocID="{902BDFA5-4545-4BDF-8E80-C69CDA2FA02D}" presName="tx1" presStyleLbl="revTx" presStyleIdx="0" presStyleCnt="3"/>
+    <dgm:pt modelId="{6615AE13-DADB-408C-878F-A3C04FFD44E0}" type="pres">
+      <dgm:prSet presAssocID="{902BDFA5-4545-4BDF-8E80-C69CDA2FA02D}" presName="rect1" presStyleLbl="lnNode1" presStyleIdx="0" presStyleCnt="3"/>
+      <dgm:spPr>
+        <a:blipFill>
+          <a:blip xmlns:r="http://schemas.openxmlformats.org/officeDocument/2006/relationships" r:embed="rId1">
+            <a:extLst>
+              <a:ext uri="{28A0092B-C50C-407E-A947-70E740481C1C}">
+                <a14:useLocalDpi xmlns:a14="http://schemas.microsoft.com/office/drawing/2010/main" val="0"/>
+              </a:ext>
+            </a:extLst>
+          </a:blip>
+          <a:srcRect/>
+          <a:stretch>
+            <a:fillRect l="-1000" r="-1000"/>
+          </a:stretch>
+        </a:blipFill>
+      </dgm:spPr>
+    </dgm:pt>
+    <dgm:pt modelId="{D6254B84-AD0B-4841-8500-44C806B45AB6}" type="pres">
+      <dgm:prSet presAssocID="{1D7B49A5-A7F1-4579-A3C2-D568516EB359}" presName="sibTrans" presStyleCnt="0"/>
       <dgm:spPr/>
     </dgm:pt>
-    <dgm:pt modelId="{59C529D9-FF7F-466A-A56B-4A035C375389}" type="pres">
-      <dgm:prSet presAssocID="{902BDFA5-4545-4BDF-8E80-C69CDA2FA02D}" presName="vert1" presStyleCnt="0"/>
+    <dgm:pt modelId="{34190160-4D70-4F3A-AC9F-DC6544982043}" type="pres">
+      <dgm:prSet presAssocID="{7E15A335-F6E2-41A3-BF49-0BF215FEE8A3}" presName="comp" presStyleCnt="0"/>
       <dgm:spPr/>
     </dgm:pt>
-    <dgm:pt modelId="{B8ECCB16-BB18-4CFE-9682-F4F6B5E258A7}" type="pres">
-      <dgm:prSet presAssocID="{7E15A335-F6E2-41A3-BF49-0BF215FEE8A3}" presName="thickLine" presStyleLbl="alignNode1" presStyleIdx="1" presStyleCnt="3"/>
+    <dgm:pt modelId="{9EFBF4AF-54CD-4C99-B851-6C18713ADCB0}" type="pres">
+      <dgm:prSet presAssocID="{7E15A335-F6E2-41A3-BF49-0BF215FEE8A3}" presName="rect2" presStyleLbl="node1" presStyleIdx="1" presStyleCnt="3">
+        <dgm:presLayoutVars>
+          <dgm:bulletEnabled val="1"/>
+        </dgm:presLayoutVars>
+      </dgm:prSet>
       <dgm:spPr/>
     </dgm:pt>
-    <dgm:pt modelId="{EBF24904-0C03-40B8-86A9-46D34EB00472}" type="pres">
-      <dgm:prSet presAssocID="{7E15A335-F6E2-41A3-BF49-0BF215FEE8A3}" presName="horz1" presStyleCnt="0"/>
+    <dgm:pt modelId="{6B46CE6A-0794-448F-8C0F-4EBC54F864F0}" type="pres">
+      <dgm:prSet presAssocID="{7E15A335-F6E2-41A3-BF49-0BF215FEE8A3}" presName="rect1" presStyleLbl="lnNode1" presStyleIdx="1" presStyleCnt="3"/>
+      <dgm:spPr>
+        <a:blipFill>
+          <a:blip xmlns:r="http://schemas.openxmlformats.org/officeDocument/2006/relationships" r:embed="rId2">
+            <a:extLst>
+              <a:ext uri="{28A0092B-C50C-407E-A947-70E740481C1C}">
+                <a14:useLocalDpi xmlns:a14="http://schemas.microsoft.com/office/drawing/2010/main" val="0"/>
+              </a:ext>
+            </a:extLst>
+          </a:blip>
+          <a:srcRect/>
+          <a:stretch>
+            <a:fillRect l="-3000" r="-3000"/>
+          </a:stretch>
+        </a:blipFill>
+      </dgm:spPr>
+    </dgm:pt>
+    <dgm:pt modelId="{850CA876-A683-4D30-995D-908323DC092E}" type="pres">
+      <dgm:prSet presAssocID="{C236D074-8B66-41B0-B9D3-86C2DD093570}" presName="sibTrans" presStyleCnt="0"/>
       <dgm:spPr/>
     </dgm:pt>
-    <dgm:pt modelId="{335E9F79-6EEE-43AF-8933-99AB983C9B41}" type="pres">
-      <dgm:prSet presAssocID="{7E15A335-F6E2-41A3-BF49-0BF215FEE8A3}" presName="tx1" presStyleLbl="revTx" presStyleIdx="1" presStyleCnt="3"/>
+    <dgm:pt modelId="{DDA1C4C8-F497-4A8D-B40D-4025892D53DA}" type="pres">
+      <dgm:prSet presAssocID="{0FDB3CA2-B550-477E-8828-F4F8CCA53DCC}" presName="comp" presStyleCnt="0"/>
       <dgm:spPr/>
     </dgm:pt>
-    <dgm:pt modelId="{19165A58-871B-44A9-8B21-66FE86C91785}" type="pres">
-      <dgm:prSet presAssocID="{7E15A335-F6E2-41A3-BF49-0BF215FEE8A3}" presName="vert1" presStyleCnt="0"/>
+    <dgm:pt modelId="{4DF9692B-83D4-464F-83FF-4DCB9C0F9F4B}" type="pres">
+      <dgm:prSet presAssocID="{0FDB3CA2-B550-477E-8828-F4F8CCA53DCC}" presName="rect2" presStyleLbl="node1" presStyleIdx="2" presStyleCnt="3">
+        <dgm:presLayoutVars>
+          <dgm:bulletEnabled val="1"/>
+        </dgm:presLayoutVars>
+      </dgm:prSet>
       <dgm:spPr/>
     </dgm:pt>
-    <dgm:pt modelId="{74B6E048-0F68-4555-B98F-31559B8D8432}" type="pres">
-      <dgm:prSet presAssocID="{0FDB3CA2-B550-477E-8828-F4F8CCA53DCC}" presName="thickLine" presStyleLbl="alignNode1" presStyleIdx="2" presStyleCnt="3"/>
-      <dgm:spPr/>
-    </dgm:pt>
-    <dgm:pt modelId="{8FD9C281-D8C8-48D0-9F16-95D132F36620}" type="pres">
-      <dgm:prSet presAssocID="{0FDB3CA2-B550-477E-8828-F4F8CCA53DCC}" presName="horz1" presStyleCnt="0"/>
-      <dgm:spPr/>
-    </dgm:pt>
-    <dgm:pt modelId="{6BFC4677-E8DA-4361-91CA-742C1904CC5C}" type="pres">
-      <dgm:prSet presAssocID="{0FDB3CA2-B550-477E-8828-F4F8CCA53DCC}" presName="tx1" presStyleLbl="revTx" presStyleIdx="2" presStyleCnt="3"/>
-      <dgm:spPr/>
-    </dgm:pt>
-    <dgm:pt modelId="{24D31AED-DD0A-43F0-B627-242C91344DA4}" type="pres">
-      <dgm:prSet presAssocID="{0FDB3CA2-B550-477E-8828-F4F8CCA53DCC}" presName="vert1" presStyleCnt="0"/>
-      <dgm:spPr/>
+    <dgm:pt modelId="{9A153E09-57F1-4AD2-B166-D5C485B31811}" type="pres">
+      <dgm:prSet presAssocID="{0FDB3CA2-B550-477E-8828-F4F8CCA53DCC}" presName="rect1" presStyleLbl="lnNode1" presStyleIdx="2" presStyleCnt="3"/>
+      <dgm:spPr>
+        <a:blipFill>
+          <a:blip xmlns:r="http://schemas.openxmlformats.org/officeDocument/2006/relationships" r:embed="rId3"/>
+          <a:srcRect/>
+          <a:stretch>
+            <a:fillRect t="-2000" b="-2000"/>
+          </a:stretch>
+        </a:blipFill>
+      </dgm:spPr>
     </dgm:pt>
   </dgm:ptLst>
   <dgm:cxnLst>
-    <dgm:cxn modelId="{37720702-9DDB-4D27-BF12-8EF41009765A}" type="presOf" srcId="{902BDFA5-4545-4BDF-8E80-C69CDA2FA02D}" destId="{EF05D060-309D-4634-9322-5FF085ED7A7A}" srcOrd="0" destOrd="0" presId="urn:microsoft.com/office/officeart/2008/layout/LinedList"/>
-    <dgm:cxn modelId="{F402A72C-8E09-46A9-B394-65DF3CEFE97F}" type="presOf" srcId="{7E15A335-F6E2-41A3-BF49-0BF215FEE8A3}" destId="{335E9F79-6EEE-43AF-8933-99AB983C9B41}" srcOrd="0" destOrd="0" presId="urn:microsoft.com/office/officeart/2008/layout/LinedList"/>
-    <dgm:cxn modelId="{42A40648-8A11-4311-A8DC-390C66303481}" type="presOf" srcId="{0FDB3CA2-B550-477E-8828-F4F8CCA53DCC}" destId="{6BFC4677-E8DA-4361-91CA-742C1904CC5C}" srcOrd="0" destOrd="0" presId="urn:microsoft.com/office/officeart/2008/layout/LinedList"/>
-    <dgm:cxn modelId="{7A761678-E2F0-4FD5-A685-A1D838309F34}" type="presOf" srcId="{46CE9741-B9A2-420A-837B-B325638F8986}" destId="{AF5A414A-3B9F-4964-B218-74BD759ACFB9}" srcOrd="0" destOrd="0" presId="urn:microsoft.com/office/officeart/2008/layout/LinedList"/>
+    <dgm:cxn modelId="{AFF25818-EAE5-44DD-AD5D-750A9D7EAC33}" type="presOf" srcId="{0FDB3CA2-B550-477E-8828-F4F8CCA53DCC}" destId="{4DF9692B-83D4-464F-83FF-4DCB9C0F9F4B}" srcOrd="0" destOrd="0" presId="urn:microsoft.com/office/officeart/2008/layout/AlternatingPictureBlocks"/>
+    <dgm:cxn modelId="{43DFB650-DC9B-4C2B-9DAC-D24370AEBB81}" type="presOf" srcId="{46CE9741-B9A2-420A-837B-B325638F8986}" destId="{5DC4793F-E732-423A-AD29-3013D9E2986E}" srcOrd="0" destOrd="0" presId="urn:microsoft.com/office/officeart/2008/layout/AlternatingPictureBlocks"/>
+    <dgm:cxn modelId="{1555418B-8131-4608-B243-7A5969A5EC3F}" type="presOf" srcId="{902BDFA5-4545-4BDF-8E80-C69CDA2FA02D}" destId="{7AF65430-6DF5-4C06-B292-B06F86A6B689}" srcOrd="0" destOrd="0" presId="urn:microsoft.com/office/officeart/2008/layout/AlternatingPictureBlocks"/>
     <dgm:cxn modelId="{1343FA8C-EDC5-41F4-8D63-FFBE2C1DE7A9}" srcId="{46CE9741-B9A2-420A-837B-B325638F8986}" destId="{902BDFA5-4545-4BDF-8E80-C69CDA2FA02D}" srcOrd="0" destOrd="0" parTransId="{9108B73E-A704-47C5-89F7-3C5FAD5DFB21}" sibTransId="{1D7B49A5-A7F1-4579-A3C2-D568516EB359}"/>
+    <dgm:cxn modelId="{04F94298-48DE-4744-BE50-324EE24254F8}" type="presOf" srcId="{7E15A335-F6E2-41A3-BF49-0BF215FEE8A3}" destId="{9EFBF4AF-54CD-4C99-B851-6C18713ADCB0}" srcOrd="0" destOrd="0" presId="urn:microsoft.com/office/officeart/2008/layout/AlternatingPictureBlocks"/>
     <dgm:cxn modelId="{9F029AD2-0FE2-4CB4-AA23-564B1D4FABAC}" srcId="{46CE9741-B9A2-420A-837B-B325638F8986}" destId="{0FDB3CA2-B550-477E-8828-F4F8CCA53DCC}" srcOrd="2" destOrd="0" parTransId="{A446840C-F169-4413-9546-89796FD2F7BF}" sibTransId="{41561159-FD3F-40E4-A204-2E3C4D1DECD3}"/>
     <dgm:cxn modelId="{14D055F6-5023-4F60-8995-4D0D2B05DC4A}" srcId="{46CE9741-B9A2-420A-837B-B325638F8986}" destId="{7E15A335-F6E2-41A3-BF49-0BF215FEE8A3}" srcOrd="1" destOrd="0" parTransId="{ED742A27-76A0-42ED-8F2F-605D6864EA89}" sibTransId="{C236D074-8B66-41B0-B9D3-86C2DD093570}"/>
-    <dgm:cxn modelId="{4068E4DE-54D1-4BF8-8975-7DC924AACF61}" type="presParOf" srcId="{AF5A414A-3B9F-4964-B218-74BD759ACFB9}" destId="{A7C227C9-2EF2-422D-A553-EFAB1275279B}" srcOrd="0" destOrd="0" presId="urn:microsoft.com/office/officeart/2008/layout/LinedList"/>
-    <dgm:cxn modelId="{046E43D8-FE7C-4F80-92C0-E9DC03879FF8}" type="presParOf" srcId="{AF5A414A-3B9F-4964-B218-74BD759ACFB9}" destId="{357D03E8-1A71-4D81-BA2F-E9D5CB0517C7}" srcOrd="1" destOrd="0" presId="urn:microsoft.com/office/officeart/2008/layout/LinedList"/>
-    <dgm:cxn modelId="{985D5659-E54A-4152-A179-20C96370A4AC}" type="presParOf" srcId="{357D03E8-1A71-4D81-BA2F-E9D5CB0517C7}" destId="{EF05D060-309D-4634-9322-5FF085ED7A7A}" srcOrd="0" destOrd="0" presId="urn:microsoft.com/office/officeart/2008/layout/LinedList"/>
-    <dgm:cxn modelId="{6D2C5AE9-A8D6-4A3F-890E-4B6957819271}" type="presParOf" srcId="{357D03E8-1A71-4D81-BA2F-E9D5CB0517C7}" destId="{59C529D9-FF7F-466A-A56B-4A035C375389}" srcOrd="1" destOrd="0" presId="urn:microsoft.com/office/officeart/2008/layout/LinedList"/>
-    <dgm:cxn modelId="{172CE1BE-C48E-462E-B43B-834D53DA659D}" type="presParOf" srcId="{AF5A414A-3B9F-4964-B218-74BD759ACFB9}" destId="{B8ECCB16-BB18-4CFE-9682-F4F6B5E258A7}" srcOrd="2" destOrd="0" presId="urn:microsoft.com/office/officeart/2008/layout/LinedList"/>
-    <dgm:cxn modelId="{236F81B5-DAB9-4034-A020-9700EC0CD923}" type="presParOf" srcId="{AF5A414A-3B9F-4964-B218-74BD759ACFB9}" destId="{EBF24904-0C03-40B8-86A9-46D34EB00472}" srcOrd="3" destOrd="0" presId="urn:microsoft.com/office/officeart/2008/layout/LinedList"/>
-    <dgm:cxn modelId="{E90A2194-B22C-451A-B5B1-235AB85E7F26}" type="presParOf" srcId="{EBF24904-0C03-40B8-86A9-46D34EB00472}" destId="{335E9F79-6EEE-43AF-8933-99AB983C9B41}" srcOrd="0" destOrd="0" presId="urn:microsoft.com/office/officeart/2008/layout/LinedList"/>
-    <dgm:cxn modelId="{F4A9D568-065C-4A94-BFCA-74BACB6229AB}" type="presParOf" srcId="{EBF24904-0C03-40B8-86A9-46D34EB00472}" destId="{19165A58-871B-44A9-8B21-66FE86C91785}" srcOrd="1" destOrd="0" presId="urn:microsoft.com/office/officeart/2008/layout/LinedList"/>
-    <dgm:cxn modelId="{2C4B2AF5-C36B-404A-9BC5-A8B49A76205D}" type="presParOf" srcId="{AF5A414A-3B9F-4964-B218-74BD759ACFB9}" destId="{74B6E048-0F68-4555-B98F-31559B8D8432}" srcOrd="4" destOrd="0" presId="urn:microsoft.com/office/officeart/2008/layout/LinedList"/>
-    <dgm:cxn modelId="{311919D8-4C4C-4BB7-A686-B17D2F405D59}" type="presParOf" srcId="{AF5A414A-3B9F-4964-B218-74BD759ACFB9}" destId="{8FD9C281-D8C8-48D0-9F16-95D132F36620}" srcOrd="5" destOrd="0" presId="urn:microsoft.com/office/officeart/2008/layout/LinedList"/>
-    <dgm:cxn modelId="{2AC599C7-B965-4424-9FB0-C62BC8B853C0}" type="presParOf" srcId="{8FD9C281-D8C8-48D0-9F16-95D132F36620}" destId="{6BFC4677-E8DA-4361-91CA-742C1904CC5C}" srcOrd="0" destOrd="0" presId="urn:microsoft.com/office/officeart/2008/layout/LinedList"/>
-    <dgm:cxn modelId="{61E85501-86BD-4E09-B1AA-3C4586165944}" type="presParOf" srcId="{8FD9C281-D8C8-48D0-9F16-95D132F36620}" destId="{24D31AED-DD0A-43F0-B627-242C91344DA4}" srcOrd="1" destOrd="0" presId="urn:microsoft.com/office/officeart/2008/layout/LinedList"/>
+    <dgm:cxn modelId="{5F4772BD-C835-4449-90FB-580DFB6D103F}" type="presParOf" srcId="{5DC4793F-E732-423A-AD29-3013D9E2986E}" destId="{F379749C-C450-40B4-A93C-BC9786F13B33}" srcOrd="0" destOrd="0" presId="urn:microsoft.com/office/officeart/2008/layout/AlternatingPictureBlocks"/>
+    <dgm:cxn modelId="{CF2828FD-DB22-404C-938A-6AF9D0FD094A}" type="presParOf" srcId="{F379749C-C450-40B4-A93C-BC9786F13B33}" destId="{7AF65430-6DF5-4C06-B292-B06F86A6B689}" srcOrd="0" destOrd="0" presId="urn:microsoft.com/office/officeart/2008/layout/AlternatingPictureBlocks"/>
+    <dgm:cxn modelId="{5B599B62-BB8B-4B50-BDEF-74ED5DEE1EBD}" type="presParOf" srcId="{F379749C-C450-40B4-A93C-BC9786F13B33}" destId="{6615AE13-DADB-408C-878F-A3C04FFD44E0}" srcOrd="1" destOrd="0" presId="urn:microsoft.com/office/officeart/2008/layout/AlternatingPictureBlocks"/>
+    <dgm:cxn modelId="{06E4F4B7-F2F4-4B5F-8ADE-2D967EA07C80}" type="presParOf" srcId="{5DC4793F-E732-423A-AD29-3013D9E2986E}" destId="{D6254B84-AD0B-4841-8500-44C806B45AB6}" srcOrd="1" destOrd="0" presId="urn:microsoft.com/office/officeart/2008/layout/AlternatingPictureBlocks"/>
+    <dgm:cxn modelId="{A151728E-6973-4E68-A1DE-3F76ED4F10E4}" type="presParOf" srcId="{5DC4793F-E732-423A-AD29-3013D9E2986E}" destId="{34190160-4D70-4F3A-AC9F-DC6544982043}" srcOrd="2" destOrd="0" presId="urn:microsoft.com/office/officeart/2008/layout/AlternatingPictureBlocks"/>
+    <dgm:cxn modelId="{47049BC2-AB7A-463C-9557-8899C59438DB}" type="presParOf" srcId="{34190160-4D70-4F3A-AC9F-DC6544982043}" destId="{9EFBF4AF-54CD-4C99-B851-6C18713ADCB0}" srcOrd="0" destOrd="0" presId="urn:microsoft.com/office/officeart/2008/layout/AlternatingPictureBlocks"/>
+    <dgm:cxn modelId="{C711E1DE-B22C-427B-B494-0446B30366FB}" type="presParOf" srcId="{34190160-4D70-4F3A-AC9F-DC6544982043}" destId="{6B46CE6A-0794-448F-8C0F-4EBC54F864F0}" srcOrd="1" destOrd="0" presId="urn:microsoft.com/office/officeart/2008/layout/AlternatingPictureBlocks"/>
+    <dgm:cxn modelId="{249FFF5F-4B8D-4A05-9F49-EA0BC94B4E23}" type="presParOf" srcId="{5DC4793F-E732-423A-AD29-3013D9E2986E}" destId="{850CA876-A683-4D30-995D-908323DC092E}" srcOrd="3" destOrd="0" presId="urn:microsoft.com/office/officeart/2008/layout/AlternatingPictureBlocks"/>
+    <dgm:cxn modelId="{DBE3C207-AED1-4EC7-97F3-192EC2BA0E02}" type="presParOf" srcId="{5DC4793F-E732-423A-AD29-3013D9E2986E}" destId="{DDA1C4C8-F497-4A8D-B40D-4025892D53DA}" srcOrd="4" destOrd="0" presId="urn:microsoft.com/office/officeart/2008/layout/AlternatingPictureBlocks"/>
+    <dgm:cxn modelId="{F2994FB4-1898-4352-A693-44215A5F507E}" type="presParOf" srcId="{DDA1C4C8-F497-4A8D-B40D-4025892D53DA}" destId="{4DF9692B-83D4-464F-83FF-4DCB9C0F9F4B}" srcOrd="0" destOrd="0" presId="urn:microsoft.com/office/officeart/2008/layout/AlternatingPictureBlocks"/>
+    <dgm:cxn modelId="{B239AFDF-2F65-4215-B6E3-DE6D8A9912FB}" type="presParOf" srcId="{DDA1C4C8-F497-4A8D-B40D-4025892D53DA}" destId="{9A153E09-57F1-4AD2-B166-D5C485B31811}" srcOrd="1" destOrd="0" presId="urn:microsoft.com/office/officeart/2008/layout/AlternatingPictureBlocks"/>
   </dgm:cxnLst>
   <dgm:bg/>
   <dgm:whole/>
@@ -5845,22 +6038,15 @@
                 <a:schemeClr val="tx1"/>
               </a:solidFill>
             </a:rPr>
-            <a:t>Power-up</a:t>
+            <a:t>Power-</a:t>
           </a:r>
-          <a:br>
-            <a:rPr lang="it-IT" dirty="0">
+          <a:r>
+            <a:rPr lang="it-IT" dirty="0" err="1">
               <a:solidFill>
                 <a:schemeClr val="tx1"/>
               </a:solidFill>
             </a:rPr>
-          </a:br>
-          <a:r>
-            <a:rPr lang="it-IT" dirty="0">
-              <a:solidFill>
-                <a:schemeClr val="tx1"/>
-              </a:solidFill>
-            </a:rPr>
-            <a:t>(immagini sample?)</a:t>
+            <a:t>ups</a:t>
           </a:r>
           <a:endParaRPr lang="en-US" dirty="0">
             <a:solidFill>
@@ -5908,14 +6094,14 @@
         <a:lstStyle/>
         <a:p>
           <a:r>
-            <a:rPr lang="it-IT">
+            <a:rPr lang="it-IT" dirty="0">
               <a:solidFill>
                 <a:schemeClr val="tx1"/>
               </a:solidFill>
             </a:rPr>
             <a:t>Ridimensionamento del personaggio</a:t>
           </a:r>
-          <a:endParaRPr lang="en-US">
+          <a:endParaRPr lang="en-US" dirty="0">
             <a:solidFill>
               <a:schemeClr val="tx1"/>
             </a:solidFill>
@@ -6014,14 +6200,14 @@
         <a:lstStyle/>
         <a:p>
           <a:r>
-            <a:rPr lang="it-IT">
+            <a:rPr lang="it-IT" dirty="0">
               <a:solidFill>
                 <a:schemeClr val="tx1"/>
               </a:solidFill>
             </a:rPr>
             <a:t>Armi</a:t>
           </a:r>
-          <a:endParaRPr lang="en-US">
+          <a:endParaRPr lang="en-US" dirty="0">
             <a:solidFill>
               <a:schemeClr val="tx1"/>
             </a:solidFill>
@@ -6072,38 +6258,7 @@
                 <a:schemeClr val="tx1"/>
               </a:solidFill>
             </a:rPr>
-            <a:t>Diverse mappe</a:t>
-          </a:r>
-          <a:br>
-            <a:rPr lang="it-IT" dirty="0">
-              <a:solidFill>
-                <a:schemeClr val="tx1"/>
-              </a:solidFill>
-            </a:rPr>
-          </a:br>
-          <a:r>
-            <a:rPr lang="it-IT" dirty="0">
-              <a:solidFill>
-                <a:schemeClr val="tx1"/>
-              </a:solidFill>
-            </a:rPr>
-            <a:t>(</a:t>
-          </a:r>
-          <a:r>
-            <a:rPr lang="it-IT" dirty="0" err="1">
-              <a:solidFill>
-                <a:schemeClr val="tx1"/>
-              </a:solidFill>
-            </a:rPr>
-            <a:t>parsing</a:t>
-          </a:r>
-          <a:r>
-            <a:rPr lang="it-IT" dirty="0">
-              <a:solidFill>
-                <a:schemeClr val="tx1"/>
-              </a:solidFill>
-            </a:rPr>
-            <a:t>?)</a:t>
+            <a:t>Mappe personalizzabili</a:t>
           </a:r>
           <a:endParaRPr lang="en-US" dirty="0">
             <a:solidFill>
@@ -6204,14 +6359,14 @@
         <a:lstStyle/>
         <a:p>
           <a:r>
-            <a:rPr lang="it-IT">
+            <a:rPr lang="it-IT" dirty="0" err="1">
               <a:solidFill>
                 <a:schemeClr val="tx1"/>
               </a:solidFill>
             </a:rPr>
-            <a:t>Buchi(?) all’interno dell’arena</a:t>
+            <a:t>Parsing</a:t>
           </a:r>
-          <a:endParaRPr lang="en-US">
+          <a:endParaRPr lang="en-US" dirty="0">
             <a:solidFill>
               <a:schemeClr val="tx1"/>
             </a:solidFill>
@@ -7084,7 +7239,7 @@
 <dgm:dataModel xmlns:dgm="http://schemas.openxmlformats.org/drawingml/2006/diagram" xmlns:a="http://schemas.openxmlformats.org/drawingml/2006/main">
   <dgm:ptLst>
     <dgm:pt modelId="{B1E9ECE6-58FE-48CD-80DA-7D768C70EB03}" type="doc">
-      <dgm:prSet loTypeId="urn:microsoft.com/office/officeart/2005/8/layout/cycle3" loCatId="cycle" qsTypeId="urn:microsoft.com/office/officeart/2005/8/quickstyle/simple2" qsCatId="simple" csTypeId="urn:microsoft.com/office/officeart/2005/8/colors/colorful1" csCatId="colorful"/>
+      <dgm:prSet loTypeId="urn:microsoft.com/office/officeart/2005/8/layout/cycle6" loCatId="cycle" qsTypeId="urn:microsoft.com/office/officeart/2005/8/quickstyle/simple2" qsCatId="simple" csTypeId="urn:microsoft.com/office/officeart/2005/8/colors/colorful1" csCatId="colorful" phldr="1"/>
       <dgm:spPr/>
       <dgm:t>
         <a:bodyPr/>
@@ -7102,7 +7257,7 @@
         <a:lstStyle/>
         <a:p>
           <a:r>
-            <a:rPr lang="it-IT" sz="2800" dirty="0">
+            <a:rPr lang="it-IT" sz="2800">
               <a:solidFill>
                 <a:schemeClr val="tx1"/>
               </a:solidFill>
@@ -7134,7 +7289,13 @@
     </dgm:pt>
     <dgm:pt modelId="{2FD610B2-7B93-4CD9-A134-41C3E4B042E1}" type="sibTrans" cxnId="{1DC7DA82-1AFE-45D6-9CB1-A732A556E089}">
       <dgm:prSet/>
-      <dgm:spPr/>
+      <dgm:spPr>
+        <a:ln w="47625">
+          <a:solidFill>
+            <a:schemeClr val="accent4"/>
+          </a:solidFill>
+        </a:ln>
+      </dgm:spPr>
       <dgm:t>
         <a:bodyPr/>
         <a:lstStyle/>
@@ -7155,14 +7316,14 @@
         <a:lstStyle/>
         <a:p>
           <a:r>
-            <a:rPr lang="it-IT" sz="2800">
+            <a:rPr lang="it-IT" sz="2800" dirty="0">
               <a:solidFill>
                 <a:schemeClr val="tx1"/>
               </a:solidFill>
             </a:rPr>
             <a:t>Acquisti in-game</a:t>
           </a:r>
-          <a:endParaRPr lang="en-US" sz="2800">
+          <a:endParaRPr lang="en-US" sz="2800" dirty="0">
             <a:solidFill>
               <a:schemeClr val="tx1"/>
             </a:solidFill>
@@ -7187,7 +7348,13 @@
     </dgm:pt>
     <dgm:pt modelId="{7D7F8390-5B7F-4527-8DB6-C825C3F66E49}" type="sibTrans" cxnId="{E4A74015-B0D8-4716-B93F-32355963A4AA}">
       <dgm:prSet/>
-      <dgm:spPr/>
+      <dgm:spPr>
+        <a:ln w="47625">
+          <a:solidFill>
+            <a:schemeClr val="accent4"/>
+          </a:solidFill>
+        </a:ln>
+      </dgm:spPr>
       <dgm:t>
         <a:bodyPr/>
         <a:lstStyle/>
@@ -7240,7 +7407,13 @@
     </dgm:pt>
     <dgm:pt modelId="{48C0B384-52A4-4458-9809-A2C92F4C19FA}" type="sibTrans" cxnId="{AD36711F-2A46-42AC-9975-6E98B9F9FDF2}">
       <dgm:prSet/>
-      <dgm:spPr/>
+      <dgm:spPr>
+        <a:ln w="47625">
+          <a:solidFill>
+            <a:schemeClr val="accent4"/>
+          </a:solidFill>
+        </a:ln>
+      </dgm:spPr>
       <dgm:t>
         <a:bodyPr/>
         <a:lstStyle/>
@@ -7253,8 +7426,8 @@
         </a:p>
       </dgm:t>
     </dgm:pt>
-    <dgm:pt modelId="{6B56D4F2-9B89-4E2E-9769-246F1BA4714B}" type="pres">
-      <dgm:prSet presAssocID="{B1E9ECE6-58FE-48CD-80DA-7D768C70EB03}" presName="Name0" presStyleCnt="0">
+    <dgm:pt modelId="{965E6937-DD2F-46E2-A57B-B1236E5A1361}" type="pres">
+      <dgm:prSet presAssocID="{B1E9ECE6-58FE-48CD-80DA-7D768C70EB03}" presName="cycle" presStyleCnt="0">
         <dgm:presLayoutVars>
           <dgm:dir/>
           <dgm:resizeHandles val="exact"/>
@@ -7262,59 +7435,81 @@
       </dgm:prSet>
       <dgm:spPr/>
     </dgm:pt>
-    <dgm:pt modelId="{055727CB-2845-4F1C-95F8-C4C82000D115}" type="pres">
-      <dgm:prSet presAssocID="{B1E9ECE6-58FE-48CD-80DA-7D768C70EB03}" presName="cycle" presStyleCnt="0"/>
-      <dgm:spPr/>
-    </dgm:pt>
-    <dgm:pt modelId="{52768F7E-BD7E-4167-BC7A-FC65F1642B8E}" type="pres">
-      <dgm:prSet presAssocID="{CE2D8355-110D-45CE-B1C3-1174BD59F1E6}" presName="nodeFirstNode" presStyleLbl="node1" presStyleIdx="0" presStyleCnt="3">
+    <dgm:pt modelId="{74FC9ED7-D990-4814-A054-AE148C30F4DC}" type="pres">
+      <dgm:prSet presAssocID="{CE2D8355-110D-45CE-B1C3-1174BD59F1E6}" presName="node" presStyleLbl="node1" presStyleIdx="0" presStyleCnt="3">
         <dgm:presLayoutVars>
           <dgm:bulletEnabled val="1"/>
         </dgm:presLayoutVars>
       </dgm:prSet>
       <dgm:spPr/>
     </dgm:pt>
-    <dgm:pt modelId="{72DB71F7-73DA-4727-B313-E6F983EDB695}" type="pres">
-      <dgm:prSet presAssocID="{2FD610B2-7B93-4CD9-A134-41C3E4B042E1}" presName="sibTransFirstNode" presStyleLbl="bgShp" presStyleIdx="0" presStyleCnt="1"/>
+    <dgm:pt modelId="{317B7459-7BC4-4A6F-96D0-FD113ACC4DB0}" type="pres">
+      <dgm:prSet presAssocID="{CE2D8355-110D-45CE-B1C3-1174BD59F1E6}" presName="spNode" presStyleCnt="0"/>
       <dgm:spPr/>
     </dgm:pt>
-    <dgm:pt modelId="{010623FE-216F-4081-8670-B75101B52B4D}" type="pres">
-      <dgm:prSet presAssocID="{953E1C86-3A6A-4599-9849-EEDF580FCA68}" presName="nodeFollowingNodes" presStyleLbl="node1" presStyleIdx="1" presStyleCnt="3">
+    <dgm:pt modelId="{D68DF34B-9698-46B2-BBA3-9CF8166FA70E}" type="pres">
+      <dgm:prSet presAssocID="{2FD610B2-7B93-4CD9-A134-41C3E4B042E1}" presName="sibTrans" presStyleLbl="sibTrans1D1" presStyleIdx="0" presStyleCnt="3"/>
+      <dgm:spPr/>
+    </dgm:pt>
+    <dgm:pt modelId="{118C35C8-6D28-405F-9F90-882A922C0339}" type="pres">
+      <dgm:prSet presAssocID="{953E1C86-3A6A-4599-9849-EEDF580FCA68}" presName="node" presStyleLbl="node1" presStyleIdx="1" presStyleCnt="3">
         <dgm:presLayoutVars>
           <dgm:bulletEnabled val="1"/>
         </dgm:presLayoutVars>
       </dgm:prSet>
       <dgm:spPr/>
     </dgm:pt>
-    <dgm:pt modelId="{99FCF7B2-52D8-4887-967E-AA378188AE65}" type="pres">
-      <dgm:prSet presAssocID="{3AACC79B-FA1E-4E9F-9FC1-F35212EFDFBD}" presName="nodeFollowingNodes" presStyleLbl="node1" presStyleIdx="2" presStyleCnt="3">
+    <dgm:pt modelId="{6D8AA601-88AE-4298-9367-8D78BF7981E2}" type="pres">
+      <dgm:prSet presAssocID="{953E1C86-3A6A-4599-9849-EEDF580FCA68}" presName="spNode" presStyleCnt="0"/>
+      <dgm:spPr/>
+    </dgm:pt>
+    <dgm:pt modelId="{010224C5-1D98-421A-9D0E-977EDEE49BFC}" type="pres">
+      <dgm:prSet presAssocID="{7D7F8390-5B7F-4527-8DB6-C825C3F66E49}" presName="sibTrans" presStyleLbl="sibTrans1D1" presStyleIdx="1" presStyleCnt="3"/>
+      <dgm:spPr/>
+    </dgm:pt>
+    <dgm:pt modelId="{B9B56481-0832-4D5E-945A-BF5D992FF97D}" type="pres">
+      <dgm:prSet presAssocID="{3AACC79B-FA1E-4E9F-9FC1-F35212EFDFBD}" presName="node" presStyleLbl="node1" presStyleIdx="2" presStyleCnt="3">
         <dgm:presLayoutVars>
           <dgm:bulletEnabled val="1"/>
         </dgm:presLayoutVars>
       </dgm:prSet>
       <dgm:spPr/>
     </dgm:pt>
+    <dgm:pt modelId="{3C725D14-E6B3-4DAB-A14B-F5A0BC031452}" type="pres">
+      <dgm:prSet presAssocID="{3AACC79B-FA1E-4E9F-9FC1-F35212EFDFBD}" presName="spNode" presStyleCnt="0"/>
+      <dgm:spPr/>
+    </dgm:pt>
+    <dgm:pt modelId="{263FFAC3-7509-4CAC-818C-2BE327C5AD5D}" type="pres">
+      <dgm:prSet presAssocID="{48C0B384-52A4-4458-9809-A2C92F4C19FA}" presName="sibTrans" presStyleLbl="sibTrans1D1" presStyleIdx="2" presStyleCnt="3"/>
+      <dgm:spPr/>
+    </dgm:pt>
   </dgm:ptLst>
   <dgm:cxnLst>
-    <dgm:cxn modelId="{EF90D20B-4A8F-4D83-BD92-67ED9FFF4301}" type="presOf" srcId="{2FD610B2-7B93-4CD9-A134-41C3E4B042E1}" destId="{72DB71F7-73DA-4727-B313-E6F983EDB695}" srcOrd="0" destOrd="0" presId="urn:microsoft.com/office/officeart/2005/8/layout/cycle3"/>
     <dgm:cxn modelId="{E4A74015-B0D8-4716-B93F-32355963A4AA}" srcId="{B1E9ECE6-58FE-48CD-80DA-7D768C70EB03}" destId="{953E1C86-3A6A-4599-9849-EEDF580FCA68}" srcOrd="1" destOrd="0" parTransId="{9436A4CB-07FB-46C4-9A04-4243DEAC682A}" sibTransId="{7D7F8390-5B7F-4527-8DB6-C825C3F66E49}"/>
     <dgm:cxn modelId="{AD36711F-2A46-42AC-9975-6E98B9F9FDF2}" srcId="{B1E9ECE6-58FE-48CD-80DA-7D768C70EB03}" destId="{3AACC79B-FA1E-4E9F-9FC1-F35212EFDFBD}" srcOrd="2" destOrd="0" parTransId="{7350F93B-FD3A-4BB0-9368-60B492A351C6}" sibTransId="{48C0B384-52A4-4458-9809-A2C92F4C19FA}"/>
-    <dgm:cxn modelId="{2EBEF45F-6398-41C2-A756-2E45C8BDC3EE}" type="presOf" srcId="{CE2D8355-110D-45CE-B1C3-1174BD59F1E6}" destId="{52768F7E-BD7E-4167-BC7A-FC65F1642B8E}" srcOrd="0" destOrd="0" presId="urn:microsoft.com/office/officeart/2005/8/layout/cycle3"/>
+    <dgm:cxn modelId="{17F4C323-F14A-4176-A24A-63E9A73A3D3B}" type="presOf" srcId="{7D7F8390-5B7F-4527-8DB6-C825C3F66E49}" destId="{010224C5-1D98-421A-9D0E-977EDEE49BFC}" srcOrd="0" destOrd="0" presId="urn:microsoft.com/office/officeart/2005/8/layout/cycle6"/>
+    <dgm:cxn modelId="{E2C44237-7129-4DDC-8B20-F46C79AC5CAA}" type="presOf" srcId="{B1E9ECE6-58FE-48CD-80DA-7D768C70EB03}" destId="{965E6937-DD2F-46E2-A57B-B1236E5A1361}" srcOrd="0" destOrd="0" presId="urn:microsoft.com/office/officeart/2005/8/layout/cycle6"/>
+    <dgm:cxn modelId="{6B09273F-1E80-48D6-AC8F-60F99626CEF2}" type="presOf" srcId="{48C0B384-52A4-4458-9809-A2C92F4C19FA}" destId="{263FFAC3-7509-4CAC-818C-2BE327C5AD5D}" srcOrd="0" destOrd="0" presId="urn:microsoft.com/office/officeart/2005/8/layout/cycle6"/>
     <dgm:cxn modelId="{1DC7DA82-1AFE-45D6-9CB1-A732A556E089}" srcId="{B1E9ECE6-58FE-48CD-80DA-7D768C70EB03}" destId="{CE2D8355-110D-45CE-B1C3-1174BD59F1E6}" srcOrd="0" destOrd="0" parTransId="{8EF5B7EE-BB3E-4389-9744-84C90975090D}" sibTransId="{2FD610B2-7B93-4CD9-A134-41C3E4B042E1}"/>
-    <dgm:cxn modelId="{1E844EBB-B5FC-4AAD-888A-9F996F4EF446}" type="presOf" srcId="{3AACC79B-FA1E-4E9F-9FC1-F35212EFDFBD}" destId="{99FCF7B2-52D8-4887-967E-AA378188AE65}" srcOrd="0" destOrd="0" presId="urn:microsoft.com/office/officeart/2005/8/layout/cycle3"/>
-    <dgm:cxn modelId="{2EF20BDA-5C2B-4AF1-AC30-89E790185FE9}" type="presOf" srcId="{953E1C86-3A6A-4599-9849-EEDF580FCA68}" destId="{010623FE-216F-4081-8670-B75101B52B4D}" srcOrd="0" destOrd="0" presId="urn:microsoft.com/office/officeart/2005/8/layout/cycle3"/>
-    <dgm:cxn modelId="{28FAD5E0-6D4F-4D9C-B94A-F5AFF68BEEB5}" type="presOf" srcId="{B1E9ECE6-58FE-48CD-80DA-7D768C70EB03}" destId="{6B56D4F2-9B89-4E2E-9769-246F1BA4714B}" srcOrd="0" destOrd="0" presId="urn:microsoft.com/office/officeart/2005/8/layout/cycle3"/>
-    <dgm:cxn modelId="{789F42C5-C48C-4B6C-B405-921E763CBC2F}" type="presParOf" srcId="{6B56D4F2-9B89-4E2E-9769-246F1BA4714B}" destId="{055727CB-2845-4F1C-95F8-C4C82000D115}" srcOrd="0" destOrd="0" presId="urn:microsoft.com/office/officeart/2005/8/layout/cycle3"/>
-    <dgm:cxn modelId="{F9906544-A593-45E7-B3E2-3BAB15B6F184}" type="presParOf" srcId="{055727CB-2845-4F1C-95F8-C4C82000D115}" destId="{52768F7E-BD7E-4167-BC7A-FC65F1642B8E}" srcOrd="0" destOrd="0" presId="urn:microsoft.com/office/officeart/2005/8/layout/cycle3"/>
-    <dgm:cxn modelId="{C62C9959-AF8F-4427-8A96-2CE976474C16}" type="presParOf" srcId="{055727CB-2845-4F1C-95F8-C4C82000D115}" destId="{72DB71F7-73DA-4727-B313-E6F983EDB695}" srcOrd="1" destOrd="0" presId="urn:microsoft.com/office/officeart/2005/8/layout/cycle3"/>
-    <dgm:cxn modelId="{216380B8-AE35-4F13-B362-C4C8DB50324E}" type="presParOf" srcId="{055727CB-2845-4F1C-95F8-C4C82000D115}" destId="{010623FE-216F-4081-8670-B75101B52B4D}" srcOrd="2" destOrd="0" presId="urn:microsoft.com/office/officeart/2005/8/layout/cycle3"/>
-    <dgm:cxn modelId="{6B78E8C5-B174-48E4-9E2E-0EF7058C3CDA}" type="presParOf" srcId="{055727CB-2845-4F1C-95F8-C4C82000D115}" destId="{99FCF7B2-52D8-4887-967E-AA378188AE65}" srcOrd="3" destOrd="0" presId="urn:microsoft.com/office/officeart/2005/8/layout/cycle3"/>
+    <dgm:cxn modelId="{4E58CAB7-8C2A-47E2-A80C-F2C2611C14C0}" type="presOf" srcId="{CE2D8355-110D-45CE-B1C3-1174BD59F1E6}" destId="{74FC9ED7-D990-4814-A054-AE148C30F4DC}" srcOrd="0" destOrd="0" presId="urn:microsoft.com/office/officeart/2005/8/layout/cycle6"/>
+    <dgm:cxn modelId="{B092BCE9-703E-4147-B6E4-85303BF6A14A}" type="presOf" srcId="{3AACC79B-FA1E-4E9F-9FC1-F35212EFDFBD}" destId="{B9B56481-0832-4D5E-945A-BF5D992FF97D}" srcOrd="0" destOrd="0" presId="urn:microsoft.com/office/officeart/2005/8/layout/cycle6"/>
+    <dgm:cxn modelId="{E2D093ED-BE75-4EE2-9789-F2F404EDF4B4}" type="presOf" srcId="{953E1C86-3A6A-4599-9849-EEDF580FCA68}" destId="{118C35C8-6D28-405F-9F90-882A922C0339}" srcOrd="0" destOrd="0" presId="urn:microsoft.com/office/officeart/2005/8/layout/cycle6"/>
+    <dgm:cxn modelId="{71D23BF0-CB3C-4D97-BB74-DF1787EC22F0}" type="presOf" srcId="{2FD610B2-7B93-4CD9-A134-41C3E4B042E1}" destId="{D68DF34B-9698-46B2-BBA3-9CF8166FA70E}" srcOrd="0" destOrd="0" presId="urn:microsoft.com/office/officeart/2005/8/layout/cycle6"/>
+    <dgm:cxn modelId="{5475E427-B27B-4D51-8D9A-C2C8B51F4218}" type="presParOf" srcId="{965E6937-DD2F-46E2-A57B-B1236E5A1361}" destId="{74FC9ED7-D990-4814-A054-AE148C30F4DC}" srcOrd="0" destOrd="0" presId="urn:microsoft.com/office/officeart/2005/8/layout/cycle6"/>
+    <dgm:cxn modelId="{F58AFB06-BD40-401C-9CDE-EBA5BD00F795}" type="presParOf" srcId="{965E6937-DD2F-46E2-A57B-B1236E5A1361}" destId="{317B7459-7BC4-4A6F-96D0-FD113ACC4DB0}" srcOrd="1" destOrd="0" presId="urn:microsoft.com/office/officeart/2005/8/layout/cycle6"/>
+    <dgm:cxn modelId="{DE43319F-2286-4D6C-8F0A-7A9685552EA7}" type="presParOf" srcId="{965E6937-DD2F-46E2-A57B-B1236E5A1361}" destId="{D68DF34B-9698-46B2-BBA3-9CF8166FA70E}" srcOrd="2" destOrd="0" presId="urn:microsoft.com/office/officeart/2005/8/layout/cycle6"/>
+    <dgm:cxn modelId="{F7567679-B7BD-4BE2-B9D4-EE31845B19EB}" type="presParOf" srcId="{965E6937-DD2F-46E2-A57B-B1236E5A1361}" destId="{118C35C8-6D28-405F-9F90-882A922C0339}" srcOrd="3" destOrd="0" presId="urn:microsoft.com/office/officeart/2005/8/layout/cycle6"/>
+    <dgm:cxn modelId="{D1740320-BD88-414A-8E23-2CEB09641184}" type="presParOf" srcId="{965E6937-DD2F-46E2-A57B-B1236E5A1361}" destId="{6D8AA601-88AE-4298-9367-8D78BF7981E2}" srcOrd="4" destOrd="0" presId="urn:microsoft.com/office/officeart/2005/8/layout/cycle6"/>
+    <dgm:cxn modelId="{0163F707-B847-44EE-B18C-D56494FAC24D}" type="presParOf" srcId="{965E6937-DD2F-46E2-A57B-B1236E5A1361}" destId="{010224C5-1D98-421A-9D0E-977EDEE49BFC}" srcOrd="5" destOrd="0" presId="urn:microsoft.com/office/officeart/2005/8/layout/cycle6"/>
+    <dgm:cxn modelId="{56755AAD-67B2-4AFE-81B0-A5B3F3BDA845}" type="presParOf" srcId="{965E6937-DD2F-46E2-A57B-B1236E5A1361}" destId="{B9B56481-0832-4D5E-945A-BF5D992FF97D}" srcOrd="6" destOrd="0" presId="urn:microsoft.com/office/officeart/2005/8/layout/cycle6"/>
+    <dgm:cxn modelId="{6BF9119C-9050-4564-BF16-64C5404BB37C}" type="presParOf" srcId="{965E6937-DD2F-46E2-A57B-B1236E5A1361}" destId="{3C725D14-E6B3-4DAB-A14B-F5A0BC031452}" srcOrd="7" destOrd="0" presId="urn:microsoft.com/office/officeart/2005/8/layout/cycle6"/>
+    <dgm:cxn modelId="{B1EBA6E2-6D47-4D66-8DDC-F914C2BE97FD}" type="presParOf" srcId="{965E6937-DD2F-46E2-A57B-B1236E5A1361}" destId="{263FFAC3-7509-4CAC-818C-2BE327C5AD5D}" srcOrd="8" destOrd="0" presId="urn:microsoft.com/office/officeart/2005/8/layout/cycle6"/>
   </dgm:cxnLst>
   <dgm:bg/>
   <dgm:whole/>
   <dgm:extLst>
     <a:ext uri="http://schemas.microsoft.com/office/drawing/2008/diagram">
-      <dsp:dataModelExt xmlns:dsp="http://schemas.microsoft.com/office/drawing/2008/diagram" relId="rId6" minVer="http://schemas.openxmlformats.org/drawingml/2006/diagram"/>
+      <dsp:dataModelExt xmlns:dsp="http://schemas.microsoft.com/office/drawing/2008/diagram" relId="rId7" minVer="http://schemas.openxmlformats.org/drawingml/2006/diagram"/>
     </a:ext>
   </dgm:extLst>
 </dgm:dataModel>
@@ -7328,17 +7523,101 @@
       <dsp:cNvGrpSpPr/>
     </dsp:nvGrpSpPr>
     <dsp:grpSpPr/>
-    <dsp:sp modelId="{A7C227C9-2EF2-422D-A553-EFAB1275279B}">
+    <dsp:sp modelId="{8FEA6096-2EF6-4E92-BA22-897D9BCCCB08}">
+      <dsp:nvSpPr>
+        <dsp:cNvPr id="0" name=""/>
+        <dsp:cNvSpPr/>
+      </dsp:nvSpPr>
+      <dsp:spPr>
+        <a:xfrm rot="5400000">
+          <a:off x="3202163" y="-1010054"/>
+          <a:ext cx="1268759" cy="3610864"/>
+        </a:xfrm>
+        <a:prstGeom prst="round2SameRect">
+          <a:avLst/>
+        </a:prstGeom>
+        <a:solidFill>
+          <a:schemeClr val="accent3">
+            <a:tint val="40000"/>
+            <a:alpha val="90000"/>
+            <a:hueOff val="0"/>
+            <a:satOff val="0"/>
+            <a:lumOff val="0"/>
+            <a:alphaOff val="0"/>
+          </a:schemeClr>
+        </a:solidFill>
+        <a:ln w="15875" cap="flat" cmpd="sng" algn="ctr">
+          <a:solidFill>
+            <a:schemeClr val="accent3">
+              <a:tint val="40000"/>
+              <a:alpha val="90000"/>
+              <a:hueOff val="0"/>
+              <a:satOff val="0"/>
+              <a:lumOff val="0"/>
+              <a:alphaOff val="0"/>
+            </a:schemeClr>
+          </a:solidFill>
+          <a:prstDash val="solid"/>
+        </a:ln>
+        <a:effectLst/>
+      </dsp:spPr>
+      <dsp:style>
+        <a:lnRef idx="2">
+          <a:scrgbClr r="0" g="0" b="0"/>
+        </a:lnRef>
+        <a:fillRef idx="1">
+          <a:scrgbClr r="0" g="0" b="0"/>
+        </a:fillRef>
+        <a:effectRef idx="0">
+          <a:scrgbClr r="0" g="0" b="0"/>
+        </a:effectRef>
+        <a:fontRef idx="minor"/>
+      </dsp:style>
+      <dsp:txBody>
+        <a:bodyPr spcFirstLastPara="0" vert="horz" wrap="square" lIns="118110" tIns="59055" rIns="118110" bIns="59055" numCol="1" spcCol="1270" anchor="ctr" anchorCtr="0">
+          <a:noAutofit/>
+        </a:bodyPr>
+        <a:lstStyle/>
+        <a:p>
+          <a:pPr marL="285750" lvl="1" indent="-285750" algn="l" defTabSz="1377950">
+            <a:lnSpc>
+              <a:spcPct val="90000"/>
+            </a:lnSpc>
+            <a:spcBef>
+              <a:spcPct val="0"/>
+            </a:spcBef>
+            <a:spcAft>
+              <a:spcPct val="15000"/>
+            </a:spcAft>
+            <a:buNone/>
+          </a:pPr>
+          <a:r>
+            <a:rPr lang="en-US" sz="3100" kern="1200" dirty="0"/>
+            <a:t>	2+ </a:t>
+          </a:r>
+          <a:r>
+            <a:rPr lang="en-US" sz="3100" kern="1200" dirty="0" err="1"/>
+            <a:t>giocatori</a:t>
+          </a:r>
+          <a:endParaRPr lang="en-US" sz="3100" kern="1200" dirty="0"/>
+        </a:p>
+      </dsp:txBody>
+      <dsp:txXfrm rot="-5400000">
+        <a:off x="2031111" y="222934"/>
+        <a:ext cx="3548928" cy="1144887"/>
+      </dsp:txXfrm>
+    </dsp:sp>
+    <dsp:sp modelId="{69BBF87B-F064-4B5E-B4F2-8232D01996F0}">
       <dsp:nvSpPr>
         <dsp:cNvPr id="0" name=""/>
         <dsp:cNvSpPr/>
       </dsp:nvSpPr>
       <dsp:spPr>
         <a:xfrm>
-          <a:off x="0" y="0"/>
-          <a:ext cx="5641974" cy="0"/>
+          <a:off x="0" y="2402"/>
+          <a:ext cx="2031111" cy="1585949"/>
         </a:xfrm>
-        <a:prstGeom prst="line">
+        <a:prstGeom prst="roundRect">
           <a:avLst/>
         </a:prstGeom>
         <a:solidFill>
@@ -7351,7 +7630,7 @@
         </a:solidFill>
         <a:ln w="15875" cap="flat" cmpd="sng" algn="ctr">
           <a:solidFill>
-            <a:schemeClr val="accent3">
+            <a:schemeClr val="lt1">
               <a:hueOff val="0"/>
               <a:satOff val="0"/>
               <a:lumOff val="0"/>
@@ -7376,45 +7655,13 @@
           <a:schemeClr val="lt1"/>
         </a:fontRef>
       </dsp:style>
-    </dsp:sp>
-    <dsp:sp modelId="{EF05D060-309D-4634-9322-5FF085ED7A7A}">
-      <dsp:nvSpPr>
-        <dsp:cNvPr id="0" name=""/>
-        <dsp:cNvSpPr/>
-      </dsp:nvSpPr>
-      <dsp:spPr>
-        <a:xfrm>
-          <a:off x="0" y="0"/>
-          <a:ext cx="5641974" cy="1230312"/>
-        </a:xfrm>
-        <a:prstGeom prst="rect">
-          <a:avLst/>
-        </a:prstGeom>
-        <a:noFill/>
-        <a:ln>
-          <a:noFill/>
-        </a:ln>
-        <a:effectLst/>
-      </dsp:spPr>
-      <dsp:style>
-        <a:lnRef idx="0">
-          <a:scrgbClr r="0" g="0" b="0"/>
-        </a:lnRef>
-        <a:fillRef idx="0">
-          <a:scrgbClr r="0" g="0" b="0"/>
-        </a:fillRef>
-        <a:effectRef idx="0">
-          <a:scrgbClr r="0" g="0" b="0"/>
-        </a:effectRef>
-        <a:fontRef idx="minor"/>
-      </dsp:style>
       <dsp:txBody>
-        <a:bodyPr spcFirstLastPara="0" vert="horz" wrap="square" lIns="140970" tIns="140970" rIns="140970" bIns="140970" numCol="1" spcCol="1270" anchor="t" anchorCtr="0">
+        <a:bodyPr spcFirstLastPara="0" vert="horz" wrap="square" lIns="83820" tIns="41910" rIns="83820" bIns="41910" numCol="1" spcCol="1270" anchor="ctr" anchorCtr="0">
           <a:noAutofit/>
         </a:bodyPr>
         <a:lstStyle/>
         <a:p>
-          <a:pPr marL="0" lvl="0" indent="0" algn="l" defTabSz="1644650">
+          <a:pPr marL="0" lvl="0" indent="0" algn="ctr" defTabSz="977900">
             <a:lnSpc>
               <a:spcPct val="90000"/>
             </a:lnSpc>
@@ -7427,56 +7674,127 @@
             <a:buNone/>
           </a:pPr>
           <a:r>
-            <a:rPr lang="en-US" sz="3700" kern="1200" dirty="0">
-              <a:solidFill>
-                <a:srgbClr val="2E2B21"/>
-              </a:solidFill>
-            </a:rPr>
-            <a:t>Multiplayer</a:t>
+            <a:rPr lang="en-US" sz="2200" kern="1200" dirty="0"/>
+            <a:t>Multigiocatore competitiv</a:t>
           </a:r>
           <a:r>
-            <a:rPr lang="en-US" sz="3700" kern="1200" dirty="0"/>
-            <a:t> competitiv</a:t>
-          </a:r>
-          <a:r>
-            <a:rPr lang="it-IT" sz="3700" kern="1200" dirty="0"/>
+            <a:rPr lang="it-IT" sz="2200" kern="1200" dirty="0"/>
             <a:t>o</a:t>
           </a:r>
-          <a:endParaRPr lang="en-US" sz="3700" kern="1200" dirty="0"/>
+          <a:endParaRPr lang="en-US" sz="2200" kern="1200" dirty="0"/>
         </a:p>
       </dsp:txBody>
       <dsp:txXfrm>
-        <a:off x="0" y="0"/>
-        <a:ext cx="5641974" cy="1230312"/>
+        <a:off x="77420" y="79822"/>
+        <a:ext cx="1876271" cy="1431109"/>
       </dsp:txXfrm>
     </dsp:sp>
-    <dsp:sp modelId="{DA701766-B22A-4A0E-BC77-7674BF9520B1}">
+    <dsp:sp modelId="{1980D77B-A273-4472-BC7A-5D90A40E9D15}">
+      <dsp:nvSpPr>
+        <dsp:cNvPr id="0" name=""/>
+        <dsp:cNvSpPr/>
+      </dsp:nvSpPr>
+      <dsp:spPr>
+        <a:xfrm rot="5400000">
+          <a:off x="3202163" y="655192"/>
+          <a:ext cx="1268759" cy="3610864"/>
+        </a:xfrm>
+        <a:prstGeom prst="round2SameRect">
+          <a:avLst/>
+        </a:prstGeom>
+        <a:solidFill>
+          <a:schemeClr val="accent3">
+            <a:tint val="40000"/>
+            <a:alpha val="90000"/>
+            <a:hueOff val="2968201"/>
+            <a:satOff val="-19266"/>
+            <a:lumOff val="-570"/>
+            <a:alphaOff val="0"/>
+          </a:schemeClr>
+        </a:solidFill>
+        <a:ln w="15875" cap="flat" cmpd="sng" algn="ctr">
+          <a:solidFill>
+            <a:schemeClr val="accent3">
+              <a:tint val="40000"/>
+              <a:alpha val="90000"/>
+              <a:hueOff val="2968201"/>
+              <a:satOff val="-19266"/>
+              <a:lumOff val="-570"/>
+              <a:alphaOff val="0"/>
+            </a:schemeClr>
+          </a:solidFill>
+          <a:prstDash val="solid"/>
+        </a:ln>
+        <a:effectLst/>
+      </dsp:spPr>
+      <dsp:style>
+        <a:lnRef idx="2">
+          <a:scrgbClr r="0" g="0" b="0"/>
+        </a:lnRef>
+        <a:fillRef idx="1">
+          <a:scrgbClr r="0" g="0" b="0"/>
+        </a:fillRef>
+        <a:effectRef idx="0">
+          <a:scrgbClr r="0" g="0" b="0"/>
+        </a:effectRef>
+        <a:fontRef idx="minor"/>
+      </dsp:style>
+      <dsp:txBody>
+        <a:bodyPr spcFirstLastPara="0" vert="horz" wrap="square" lIns="118110" tIns="59055" rIns="118110" bIns="59055" numCol="1" spcCol="1270" anchor="ctr" anchorCtr="0">
+          <a:noAutofit/>
+        </a:bodyPr>
+        <a:lstStyle/>
+        <a:p>
+          <a:pPr marL="285750" lvl="1" indent="-285750" algn="l" defTabSz="1377950">
+            <a:lnSpc>
+              <a:spcPct val="90000"/>
+            </a:lnSpc>
+            <a:spcBef>
+              <a:spcPct val="0"/>
+            </a:spcBef>
+            <a:spcAft>
+              <a:spcPct val="15000"/>
+            </a:spcAft>
+            <a:buNone/>
+          </a:pPr>
+          <a:r>
+            <a:rPr lang="it-IT" sz="3100" kern="1200" dirty="0"/>
+            <a:t>	Restare all’interno dell’arena</a:t>
+          </a:r>
+        </a:p>
+      </dsp:txBody>
+      <dsp:txXfrm rot="-5400000">
+        <a:off x="2031111" y="1888180"/>
+        <a:ext cx="3548928" cy="1144887"/>
+      </dsp:txXfrm>
+    </dsp:sp>
+    <dsp:sp modelId="{CE01FE29-B941-4E39-BBE1-72D1538BAC12}">
       <dsp:nvSpPr>
         <dsp:cNvPr id="0" name=""/>
         <dsp:cNvSpPr/>
       </dsp:nvSpPr>
       <dsp:spPr>
         <a:xfrm>
-          <a:off x="0" y="1230312"/>
-          <a:ext cx="5641974" cy="0"/>
+          <a:off x="0" y="1667650"/>
+          <a:ext cx="2031111" cy="1585949"/>
         </a:xfrm>
-        <a:prstGeom prst="line">
+        <a:prstGeom prst="roundRect">
           <a:avLst/>
         </a:prstGeom>
         <a:solidFill>
           <a:schemeClr val="accent3">
-            <a:hueOff val="1968062"/>
-            <a:satOff val="-15351"/>
-            <a:lumOff val="-392"/>
+            <a:hueOff val="2952094"/>
+            <a:satOff val="-23027"/>
+            <a:lumOff val="-588"/>
             <a:alphaOff val="0"/>
           </a:schemeClr>
         </a:solidFill>
         <a:ln w="15875" cap="flat" cmpd="sng" algn="ctr">
           <a:solidFill>
-            <a:schemeClr val="accent3">
-              <a:hueOff val="1968062"/>
-              <a:satOff val="-15351"/>
-              <a:lumOff val="-392"/>
+            <a:schemeClr val="lt1">
+              <a:hueOff val="0"/>
+              <a:satOff val="0"/>
+              <a:lumOff val="0"/>
               <a:alphaOff val="0"/>
             </a:schemeClr>
           </a:solidFill>
@@ -7498,45 +7816,13 @@
           <a:schemeClr val="lt1"/>
         </a:fontRef>
       </dsp:style>
-    </dsp:sp>
-    <dsp:sp modelId="{4AE7C8A9-59C6-4ABF-B8BE-EC3C30558125}">
-      <dsp:nvSpPr>
-        <dsp:cNvPr id="0" name=""/>
-        <dsp:cNvSpPr/>
-      </dsp:nvSpPr>
-      <dsp:spPr>
-        <a:xfrm>
-          <a:off x="0" y="1230312"/>
-          <a:ext cx="5641974" cy="1230312"/>
-        </a:xfrm>
-        <a:prstGeom prst="rect">
-          <a:avLst/>
-        </a:prstGeom>
-        <a:noFill/>
-        <a:ln>
-          <a:noFill/>
-        </a:ln>
-        <a:effectLst/>
-      </dsp:spPr>
-      <dsp:style>
-        <a:lnRef idx="0">
-          <a:scrgbClr r="0" g="0" b="0"/>
-        </a:lnRef>
-        <a:fillRef idx="0">
-          <a:scrgbClr r="0" g="0" b="0"/>
-        </a:fillRef>
-        <a:effectRef idx="0">
-          <a:scrgbClr r="0" g="0" b="0"/>
-        </a:effectRef>
-        <a:fontRef idx="minor"/>
-      </dsp:style>
       <dsp:txBody>
-        <a:bodyPr spcFirstLastPara="0" vert="horz" wrap="square" lIns="140970" tIns="140970" rIns="140970" bIns="140970" numCol="1" spcCol="1270" anchor="t" anchorCtr="0">
+        <a:bodyPr spcFirstLastPara="0" vert="horz" wrap="square" lIns="83820" tIns="41910" rIns="83820" bIns="41910" numCol="1" spcCol="1270" anchor="ctr" anchorCtr="0">
           <a:noAutofit/>
         </a:bodyPr>
         <a:lstStyle/>
         <a:p>
-          <a:pPr marL="0" lvl="0" indent="0" algn="l" defTabSz="1644650">
+          <a:pPr marL="0" lvl="0" indent="0" algn="ctr" defTabSz="977900">
             <a:lnSpc>
               <a:spcPct val="90000"/>
             </a:lnSpc>
@@ -7549,44 +7835,146 @@
             <a:buNone/>
           </a:pPr>
           <a:r>
-            <a:rPr lang="it-IT" sz="3700" kern="1200" dirty="0"/>
-            <a:t>Obbiettivo di sopravvivenza</a:t>
+            <a:rPr lang="it-IT" sz="2200" kern="1200" dirty="0"/>
+            <a:t>Obbiettivo di gioco</a:t>
           </a:r>
-          <a:endParaRPr lang="en-US" sz="3700" kern="1200" dirty="0"/>
         </a:p>
       </dsp:txBody>
       <dsp:txXfrm>
-        <a:off x="0" y="1230312"/>
-        <a:ext cx="5641974" cy="1230312"/>
+        <a:off x="77420" y="1745070"/>
+        <a:ext cx="1876271" cy="1431109"/>
       </dsp:txXfrm>
     </dsp:sp>
-    <dsp:sp modelId="{02B79417-7470-4CB1-BE6A-76149A86AD07}">
+    <dsp:sp modelId="{7C8EF106-1455-4C04-9590-92ABEB5830F5}">
+      <dsp:nvSpPr>
+        <dsp:cNvPr id="0" name=""/>
+        <dsp:cNvSpPr/>
+      </dsp:nvSpPr>
+      <dsp:spPr>
+        <a:xfrm rot="5400000">
+          <a:off x="3202163" y="2320440"/>
+          <a:ext cx="1268759" cy="3610864"/>
+        </a:xfrm>
+        <a:prstGeom prst="round2SameRect">
+          <a:avLst/>
+        </a:prstGeom>
+        <a:solidFill>
+          <a:schemeClr val="accent3">
+            <a:tint val="40000"/>
+            <a:alpha val="90000"/>
+            <a:hueOff val="5936402"/>
+            <a:satOff val="-38531"/>
+            <a:lumOff val="-1140"/>
+            <a:alphaOff val="0"/>
+          </a:schemeClr>
+        </a:solidFill>
+        <a:ln w="15875" cap="flat" cmpd="sng" algn="ctr">
+          <a:solidFill>
+            <a:schemeClr val="accent3">
+              <a:tint val="40000"/>
+              <a:alpha val="90000"/>
+              <a:hueOff val="5936402"/>
+              <a:satOff val="-38531"/>
+              <a:lumOff val="-1140"/>
+              <a:alphaOff val="0"/>
+            </a:schemeClr>
+          </a:solidFill>
+          <a:prstDash val="solid"/>
+        </a:ln>
+        <a:effectLst/>
+      </dsp:spPr>
+      <dsp:style>
+        <a:lnRef idx="2">
+          <a:scrgbClr r="0" g="0" b="0"/>
+        </a:lnRef>
+        <a:fillRef idx="1">
+          <a:scrgbClr r="0" g="0" b="0"/>
+        </a:fillRef>
+        <a:effectRef idx="0">
+          <a:scrgbClr r="0" g="0" b="0"/>
+        </a:effectRef>
+        <a:fontRef idx="minor"/>
+      </dsp:style>
+      <dsp:txBody>
+        <a:bodyPr spcFirstLastPara="0" vert="horz" wrap="square" lIns="118110" tIns="59055" rIns="118110" bIns="59055" numCol="1" spcCol="1270" anchor="ctr" anchorCtr="0">
+          <a:noAutofit/>
+        </a:bodyPr>
+        <a:lstStyle/>
+        <a:p>
+          <a:pPr marL="285750" lvl="1" indent="-285750" algn="l" defTabSz="1377950">
+            <a:lnSpc>
+              <a:spcPct val="90000"/>
+            </a:lnSpc>
+            <a:spcBef>
+              <a:spcPct val="0"/>
+            </a:spcBef>
+            <a:spcAft>
+              <a:spcPct val="15000"/>
+            </a:spcAft>
+            <a:buNone/>
+          </a:pPr>
+          <a:r>
+            <a:rPr lang="it-IT" sz="3100" kern="1200" dirty="0"/>
+            <a:t>	Partite brevi</a:t>
+          </a:r>
+          <a:endParaRPr lang="en-US" sz="3100" kern="1200" dirty="0"/>
+        </a:p>
+        <a:p>
+          <a:pPr marL="571500" lvl="2" indent="-285750" algn="l" defTabSz="1377950">
+            <a:lnSpc>
+              <a:spcPct val="90000"/>
+            </a:lnSpc>
+            <a:spcBef>
+              <a:spcPct val="0"/>
+            </a:spcBef>
+            <a:spcAft>
+              <a:spcPct val="15000"/>
+            </a:spcAft>
+            <a:buNone/>
+          </a:pPr>
+          <a:r>
+            <a:rPr lang="it-IT" sz="3100" kern="1200"/>
+            <a:t>con eventuali </a:t>
+          </a:r>
+          <a:r>
+            <a:rPr lang="it-IT" sz="3100" kern="1200" dirty="0"/>
+            <a:t>round</a:t>
+          </a:r>
+          <a:endParaRPr lang="en-US" sz="3100" kern="1200" dirty="0"/>
+        </a:p>
+      </dsp:txBody>
+      <dsp:txXfrm rot="-5400000">
+        <a:off x="2031111" y="3553428"/>
+        <a:ext cx="3548928" cy="1144887"/>
+      </dsp:txXfrm>
+    </dsp:sp>
+    <dsp:sp modelId="{113621EB-C68E-499B-A4BC-FF6D87F7C8D5}">
       <dsp:nvSpPr>
         <dsp:cNvPr id="0" name=""/>
         <dsp:cNvSpPr/>
       </dsp:nvSpPr>
       <dsp:spPr>
         <a:xfrm>
-          <a:off x="0" y="2460625"/>
-          <a:ext cx="5641974" cy="0"/>
+          <a:off x="0" y="3332897"/>
+          <a:ext cx="2031111" cy="1585949"/>
         </a:xfrm>
-        <a:prstGeom prst="line">
+        <a:prstGeom prst="roundRect">
           <a:avLst/>
         </a:prstGeom>
         <a:solidFill>
           <a:schemeClr val="accent3">
-            <a:hueOff val="3936125"/>
-            <a:satOff val="-30703"/>
-            <a:lumOff val="-785"/>
+            <a:hueOff val="5904187"/>
+            <a:satOff val="-46054"/>
+            <a:lumOff val="-1177"/>
             <a:alphaOff val="0"/>
           </a:schemeClr>
         </a:solidFill>
         <a:ln w="15875" cap="flat" cmpd="sng" algn="ctr">
           <a:solidFill>
-            <a:schemeClr val="accent3">
-              <a:hueOff val="3936125"/>
-              <a:satOff val="-30703"/>
-              <a:lumOff val="-785"/>
+            <a:schemeClr val="lt1">
+              <a:hueOff val="0"/>
+              <a:satOff val="0"/>
+              <a:lumOff val="0"/>
               <a:alphaOff val="0"/>
             </a:schemeClr>
           </a:solidFill>
@@ -7608,45 +7996,13 @@
           <a:schemeClr val="lt1"/>
         </a:fontRef>
       </dsp:style>
-    </dsp:sp>
-    <dsp:sp modelId="{92D415AB-7266-4B92-9BFE-0478FCBB111D}">
-      <dsp:nvSpPr>
-        <dsp:cNvPr id="0" name=""/>
-        <dsp:cNvSpPr/>
-      </dsp:nvSpPr>
-      <dsp:spPr>
-        <a:xfrm>
-          <a:off x="0" y="2460625"/>
-          <a:ext cx="5641974" cy="1230312"/>
-        </a:xfrm>
-        <a:prstGeom prst="rect">
-          <a:avLst/>
-        </a:prstGeom>
-        <a:noFill/>
-        <a:ln>
-          <a:noFill/>
-        </a:ln>
-        <a:effectLst/>
-      </dsp:spPr>
-      <dsp:style>
-        <a:lnRef idx="0">
-          <a:scrgbClr r="0" g="0" b="0"/>
-        </a:lnRef>
-        <a:fillRef idx="0">
-          <a:scrgbClr r="0" g="0" b="0"/>
-        </a:fillRef>
-        <a:effectRef idx="0">
-          <a:scrgbClr r="0" g="0" b="0"/>
-        </a:effectRef>
-        <a:fontRef idx="minor"/>
-      </dsp:style>
       <dsp:txBody>
-        <a:bodyPr spcFirstLastPara="0" vert="horz" wrap="square" lIns="140970" tIns="140970" rIns="140970" bIns="140970" numCol="1" spcCol="1270" anchor="t" anchorCtr="0">
+        <a:bodyPr spcFirstLastPara="0" vert="horz" wrap="square" lIns="83820" tIns="41910" rIns="83820" bIns="41910" numCol="1" spcCol="1270" anchor="ctr" anchorCtr="0">
           <a:noAutofit/>
         </a:bodyPr>
         <a:lstStyle/>
         <a:p>
-          <a:pPr marL="0" lvl="0" indent="0" algn="l" defTabSz="1644650">
+          <a:pPr marL="0" lvl="0" indent="0" algn="ctr" defTabSz="977900">
             <a:lnSpc>
               <a:spcPct val="90000"/>
             </a:lnSpc>
@@ -7659,125 +8015,35 @@
             <a:buNone/>
           </a:pPr>
           <a:r>
-            <a:rPr lang="it-IT" sz="3700" kern="1200" dirty="0"/>
-            <a:t>Meccaniche di gioco</a:t>
+            <a:rPr lang="en-US" sz="2200" kern="1200" dirty="0" err="1"/>
+            <a:t>Durata</a:t>
           </a:r>
-          <a:endParaRPr lang="en-US" sz="3700" kern="1200" dirty="0"/>
+          <a:r>
+            <a:rPr lang="en-US" sz="2200" kern="1200" baseline="0" dirty="0"/>
+            <a:t> </a:t>
+          </a:r>
+          <a:r>
+            <a:rPr lang="en-US" sz="2200" kern="1200" baseline="0" dirty="0" err="1"/>
+            <a:t>attesa</a:t>
+          </a:r>
+          <a:r>
+            <a:rPr lang="en-US" sz="2200" kern="1200" baseline="0" dirty="0"/>
+            <a:t> </a:t>
+          </a:r>
+          <a:r>
+            <a:rPr lang="en-US" sz="2200" kern="1200" baseline="0" dirty="0" err="1"/>
+            <a:t>della</a:t>
+          </a:r>
+          <a:r>
+            <a:rPr lang="en-US" sz="2200" kern="1200" baseline="0" dirty="0"/>
+            <a:t> partita</a:t>
+          </a:r>
+          <a:endParaRPr lang="en-US" sz="2200" kern="1200" dirty="0"/>
         </a:p>
       </dsp:txBody>
       <dsp:txXfrm>
-        <a:off x="0" y="2460625"/>
-        <a:ext cx="5641974" cy="1230312"/>
-      </dsp:txXfrm>
-    </dsp:sp>
-    <dsp:sp modelId="{D603B7DE-C5FA-44EE-AD22-B84A1C05194A}">
-      <dsp:nvSpPr>
-        <dsp:cNvPr id="0" name=""/>
-        <dsp:cNvSpPr/>
-      </dsp:nvSpPr>
-      <dsp:spPr>
-        <a:xfrm>
-          <a:off x="0" y="3690937"/>
-          <a:ext cx="5641974" cy="0"/>
-        </a:xfrm>
-        <a:prstGeom prst="line">
-          <a:avLst/>
-        </a:prstGeom>
-        <a:solidFill>
-          <a:schemeClr val="accent3">
-            <a:hueOff val="5904187"/>
-            <a:satOff val="-46054"/>
-            <a:lumOff val="-1177"/>
-            <a:alphaOff val="0"/>
-          </a:schemeClr>
-        </a:solidFill>
-        <a:ln w="15875" cap="flat" cmpd="sng" algn="ctr">
-          <a:solidFill>
-            <a:schemeClr val="accent3">
-              <a:hueOff val="5904187"/>
-              <a:satOff val="-46054"/>
-              <a:lumOff val="-1177"/>
-              <a:alphaOff val="0"/>
-            </a:schemeClr>
-          </a:solidFill>
-          <a:prstDash val="solid"/>
-        </a:ln>
-        <a:effectLst/>
-      </dsp:spPr>
-      <dsp:style>
-        <a:lnRef idx="2">
-          <a:scrgbClr r="0" g="0" b="0"/>
-        </a:lnRef>
-        <a:fillRef idx="1">
-          <a:scrgbClr r="0" g="0" b="0"/>
-        </a:fillRef>
-        <a:effectRef idx="0">
-          <a:scrgbClr r="0" g="0" b="0"/>
-        </a:effectRef>
-        <a:fontRef idx="minor">
-          <a:schemeClr val="lt1"/>
-        </a:fontRef>
-      </dsp:style>
-    </dsp:sp>
-    <dsp:sp modelId="{5A8C4A00-122C-46F5-9693-81BA974C23F5}">
-      <dsp:nvSpPr>
-        <dsp:cNvPr id="0" name=""/>
-        <dsp:cNvSpPr/>
-      </dsp:nvSpPr>
-      <dsp:spPr>
-        <a:xfrm>
-          <a:off x="0" y="3690937"/>
-          <a:ext cx="5641974" cy="1230312"/>
-        </a:xfrm>
-        <a:prstGeom prst="rect">
-          <a:avLst/>
-        </a:prstGeom>
-        <a:noFill/>
-        <a:ln>
-          <a:noFill/>
-        </a:ln>
-        <a:effectLst/>
-      </dsp:spPr>
-      <dsp:style>
-        <a:lnRef idx="0">
-          <a:scrgbClr r="0" g="0" b="0"/>
-        </a:lnRef>
-        <a:fillRef idx="0">
-          <a:scrgbClr r="0" g="0" b="0"/>
-        </a:fillRef>
-        <a:effectRef idx="0">
-          <a:scrgbClr r="0" g="0" b="0"/>
-        </a:effectRef>
-        <a:fontRef idx="minor"/>
-      </dsp:style>
-      <dsp:txBody>
-        <a:bodyPr spcFirstLastPara="0" vert="horz" wrap="square" lIns="140970" tIns="140970" rIns="140970" bIns="140970" numCol="1" spcCol="1270" anchor="t" anchorCtr="0">
-          <a:noAutofit/>
-        </a:bodyPr>
-        <a:lstStyle/>
-        <a:p>
-          <a:pPr marL="0" lvl="0" indent="0" algn="l" defTabSz="1644650">
-            <a:lnSpc>
-              <a:spcPct val="90000"/>
-            </a:lnSpc>
-            <a:spcBef>
-              <a:spcPct val="0"/>
-            </a:spcBef>
-            <a:spcAft>
-              <a:spcPct val="35000"/>
-            </a:spcAft>
-            <a:buNone/>
-          </a:pPr>
-          <a:r>
-            <a:rPr lang="it-IT" sz="3700" kern="1200" dirty="0"/>
-            <a:t>Partite brevi a round</a:t>
-          </a:r>
-          <a:endParaRPr lang="en-US" sz="3700" kern="1200" dirty="0"/>
-        </a:p>
-      </dsp:txBody>
-      <dsp:txXfrm>
-        <a:off x="0" y="3690937"/>
-        <a:ext cx="5641974" cy="1230312"/>
+        <a:off x="77420" y="3410317"/>
+        <a:ext cx="1876271" cy="1431109"/>
       </dsp:txXfrm>
     </dsp:sp>
   </dsp:spTree>
@@ -8064,7 +8330,7 @@
             <a:buNone/>
           </a:pPr>
           <a:r>
-            <a:rPr lang="it-IT" sz="1800" kern="1200" dirty="0">
+            <a:rPr lang="it-IT" sz="1800" kern="1200">
               <a:solidFill>
                 <a:schemeClr val="tx1"/>
               </a:solidFill>
@@ -8266,7 +8532,7 @@
             <a:buNone/>
           </a:pPr>
           <a:r>
-            <a:rPr lang="it-IT" sz="1800" kern="1200" dirty="0">
+            <a:rPr lang="it-IT" sz="1800" kern="1200">
               <a:solidFill>
                 <a:schemeClr val="tx1"/>
               </a:solidFill>
@@ -8410,17 +8676,17 @@
       <dsp:cNvGrpSpPr/>
     </dsp:nvGrpSpPr>
     <dsp:grpSpPr/>
-    <dsp:sp modelId="{A7C227C9-2EF2-422D-A553-EFAB1275279B}">
+    <dsp:sp modelId="{7AF65430-6DF5-4C06-B292-B06F86A6B689}">
       <dsp:nvSpPr>
         <dsp:cNvPr id="0" name=""/>
         <dsp:cNvSpPr/>
       </dsp:nvSpPr>
       <dsp:spPr>
         <a:xfrm>
-          <a:off x="0" y="2402"/>
-          <a:ext cx="5641974" cy="0"/>
+          <a:off x="1992046" y="400"/>
+          <a:ext cx="3267001" cy="1477612"/>
         </a:xfrm>
-        <a:prstGeom prst="line">
+        <a:prstGeom prst="rect">
           <a:avLst/>
         </a:prstGeom>
         <a:solidFill>
@@ -8433,7 +8699,90 @@
         </a:solidFill>
         <a:ln w="15875" cap="flat" cmpd="sng" algn="ctr">
           <a:solidFill>
-            <a:schemeClr val="accent3">
+            <a:schemeClr val="lt1">
+              <a:hueOff val="0"/>
+              <a:satOff val="0"/>
+              <a:lumOff val="0"/>
+              <a:alphaOff val="0"/>
+            </a:schemeClr>
+          </a:solidFill>
+          <a:prstDash val="solid"/>
+        </a:ln>
+        <a:effectLst/>
+      </dsp:spPr>
+      <dsp:style>
+        <a:lnRef idx="2">
+          <a:scrgbClr r="0" g="0" b="0"/>
+        </a:lnRef>
+        <a:fillRef idx="1">
+          <a:scrgbClr r="0" g="0" b="0"/>
+        </a:fillRef>
+        <a:effectRef idx="0">
+          <a:scrgbClr r="0" g="0" b="0"/>
+        </a:effectRef>
+        <a:fontRef idx="minor">
+          <a:schemeClr val="lt1"/>
+        </a:fontRef>
+      </dsp:style>
+      <dsp:txBody>
+        <a:bodyPr spcFirstLastPara="0" vert="horz" wrap="square" lIns="179070" tIns="179070" rIns="179070" bIns="179070" numCol="1" spcCol="1270" anchor="ctr" anchorCtr="0">
+          <a:noAutofit/>
+        </a:bodyPr>
+        <a:lstStyle/>
+        <a:p>
+          <a:pPr marL="0" lvl="0" indent="0" algn="ctr" defTabSz="2089150">
+            <a:lnSpc>
+              <a:spcPct val="90000"/>
+            </a:lnSpc>
+            <a:spcBef>
+              <a:spcPct val="0"/>
+            </a:spcBef>
+            <a:spcAft>
+              <a:spcPct val="35000"/>
+            </a:spcAft>
+            <a:buNone/>
+          </a:pPr>
+          <a:r>
+            <a:rPr lang="it-IT" sz="4700" kern="1200" dirty="0"/>
+            <a:t>Pad virtuale</a:t>
+          </a:r>
+          <a:endParaRPr lang="en-US" sz="4700" kern="1200" dirty="0"/>
+        </a:p>
+      </dsp:txBody>
+      <dsp:txXfrm>
+        <a:off x="1992046" y="400"/>
+        <a:ext cx="3267001" cy="1477612"/>
+      </dsp:txXfrm>
+    </dsp:sp>
+    <dsp:sp modelId="{6615AE13-DADB-408C-878F-A3C04FFD44E0}">
+      <dsp:nvSpPr>
+        <dsp:cNvPr id="0" name=""/>
+        <dsp:cNvSpPr/>
+      </dsp:nvSpPr>
+      <dsp:spPr>
+        <a:xfrm>
+          <a:off x="382927" y="400"/>
+          <a:ext cx="1462836" cy="1477612"/>
+        </a:xfrm>
+        <a:prstGeom prst="rect">
+          <a:avLst/>
+        </a:prstGeom>
+        <a:blipFill>
+          <a:blip xmlns:r="http://schemas.openxmlformats.org/officeDocument/2006/relationships" r:embed="rId1">
+            <a:extLst>
+              <a:ext uri="{28A0092B-C50C-407E-A947-70E740481C1C}">
+                <a14:useLocalDpi xmlns:a14="http://schemas.microsoft.com/office/drawing/2010/main" val="0"/>
+              </a:ext>
+            </a:extLst>
+          </a:blip>
+          <a:srcRect/>
+          <a:stretch>
+            <a:fillRect l="-1000" r="-1000"/>
+          </a:stretch>
+        </a:blipFill>
+        <a:ln w="15875" cap="flat" cmpd="sng" algn="ctr">
+          <a:solidFill>
+            <a:schemeClr val="lt1">
               <a:hueOff val="0"/>
               <a:satOff val="0"/>
               <a:lumOff val="0"/>
@@ -8459,44 +8808,61 @@
         </a:fontRef>
       </dsp:style>
     </dsp:sp>
-    <dsp:sp modelId="{EF05D060-309D-4634-9322-5FF085ED7A7A}">
+    <dsp:sp modelId="{9EFBF4AF-54CD-4C99-B851-6C18713ADCB0}">
       <dsp:nvSpPr>
         <dsp:cNvPr id="0" name=""/>
         <dsp:cNvSpPr/>
       </dsp:nvSpPr>
       <dsp:spPr>
         <a:xfrm>
-          <a:off x="0" y="2402"/>
-          <a:ext cx="5641974" cy="1638814"/>
+          <a:off x="382927" y="1721818"/>
+          <a:ext cx="3267001" cy="1477612"/>
         </a:xfrm>
         <a:prstGeom prst="rect">
           <a:avLst/>
         </a:prstGeom>
-        <a:noFill/>
-        <a:ln>
-          <a:noFill/>
+        <a:solidFill>
+          <a:schemeClr val="accent3">
+            <a:hueOff val="2952094"/>
+            <a:satOff val="-23027"/>
+            <a:lumOff val="-588"/>
+            <a:alphaOff val="0"/>
+          </a:schemeClr>
+        </a:solidFill>
+        <a:ln w="15875" cap="flat" cmpd="sng" algn="ctr">
+          <a:solidFill>
+            <a:schemeClr val="lt1">
+              <a:hueOff val="0"/>
+              <a:satOff val="0"/>
+              <a:lumOff val="0"/>
+              <a:alphaOff val="0"/>
+            </a:schemeClr>
+          </a:solidFill>
+          <a:prstDash val="solid"/>
         </a:ln>
         <a:effectLst/>
       </dsp:spPr>
       <dsp:style>
-        <a:lnRef idx="0">
+        <a:lnRef idx="2">
           <a:scrgbClr r="0" g="0" b="0"/>
         </a:lnRef>
-        <a:fillRef idx="0">
+        <a:fillRef idx="1">
           <a:scrgbClr r="0" g="0" b="0"/>
         </a:fillRef>
         <a:effectRef idx="0">
           <a:scrgbClr r="0" g="0" b="0"/>
         </a:effectRef>
-        <a:fontRef idx="minor"/>
+        <a:fontRef idx="minor">
+          <a:schemeClr val="lt1"/>
+        </a:fontRef>
       </dsp:style>
       <dsp:txBody>
-        <a:bodyPr spcFirstLastPara="0" vert="horz" wrap="square" lIns="247650" tIns="247650" rIns="247650" bIns="247650" numCol="1" spcCol="1270" anchor="t" anchorCtr="0">
+        <a:bodyPr spcFirstLastPara="0" vert="horz" wrap="square" lIns="179070" tIns="179070" rIns="179070" bIns="179070" numCol="1" spcCol="1270" anchor="ctr" anchorCtr="0">
           <a:noAutofit/>
         </a:bodyPr>
         <a:lstStyle/>
         <a:p>
-          <a:pPr marL="0" lvl="0" indent="0" algn="l" defTabSz="2889250">
+          <a:pPr marL="0" lvl="0" indent="0" algn="ctr" defTabSz="2089150">
             <a:lnSpc>
               <a:spcPct val="90000"/>
             </a:lnSpc>
@@ -8509,44 +8875,49 @@
             <a:buNone/>
           </a:pPr>
           <a:r>
-            <a:rPr lang="it-IT" sz="6500" kern="1200"/>
-            <a:t>Pad analogico</a:t>
+            <a:rPr lang="it-IT" sz="4700" kern="1200" dirty="0"/>
+            <a:t>Giroscopio</a:t>
           </a:r>
-          <a:endParaRPr lang="en-US" sz="6500" kern="1200"/>
+          <a:endParaRPr lang="en-US" sz="4700" kern="1200" dirty="0"/>
         </a:p>
       </dsp:txBody>
       <dsp:txXfrm>
-        <a:off x="0" y="2402"/>
-        <a:ext cx="5641974" cy="1638814"/>
+        <a:off x="382927" y="1721818"/>
+        <a:ext cx="3267001" cy="1477612"/>
       </dsp:txXfrm>
     </dsp:sp>
-    <dsp:sp modelId="{B8ECCB16-BB18-4CFE-9682-F4F6B5E258A7}">
+    <dsp:sp modelId="{6B46CE6A-0794-448F-8C0F-4EBC54F864F0}">
       <dsp:nvSpPr>
         <dsp:cNvPr id="0" name=""/>
         <dsp:cNvSpPr/>
       </dsp:nvSpPr>
       <dsp:spPr>
         <a:xfrm>
-          <a:off x="0" y="1641217"/>
-          <a:ext cx="5641974" cy="0"/>
+          <a:off x="3796211" y="1721818"/>
+          <a:ext cx="1462836" cy="1477612"/>
         </a:xfrm>
-        <a:prstGeom prst="line">
+        <a:prstGeom prst="rect">
           <a:avLst/>
         </a:prstGeom>
-        <a:solidFill>
-          <a:schemeClr val="accent3">
-            <a:hueOff val="2952094"/>
-            <a:satOff val="-23027"/>
-            <a:lumOff val="-588"/>
-            <a:alphaOff val="0"/>
-          </a:schemeClr>
-        </a:solidFill>
+        <a:blipFill>
+          <a:blip xmlns:r="http://schemas.openxmlformats.org/officeDocument/2006/relationships" r:embed="rId2">
+            <a:extLst>
+              <a:ext uri="{28A0092B-C50C-407E-A947-70E740481C1C}">
+                <a14:useLocalDpi xmlns:a14="http://schemas.microsoft.com/office/drawing/2010/main" val="0"/>
+              </a:ext>
+            </a:extLst>
+          </a:blip>
+          <a:srcRect/>
+          <a:stretch>
+            <a:fillRect l="-3000" r="-3000"/>
+          </a:stretch>
+        </a:blipFill>
         <a:ln w="15875" cap="flat" cmpd="sng" algn="ctr">
           <a:solidFill>
-            <a:schemeClr val="accent3">
-              <a:hueOff val="2952094"/>
-              <a:satOff val="-23027"/>
-              <a:lumOff val="-588"/>
+            <a:schemeClr val="lt1">
+              <a:hueOff val="0"/>
+              <a:satOff val="0"/>
+              <a:lumOff val="0"/>
               <a:alphaOff val="0"/>
             </a:schemeClr>
           </a:solidFill>
@@ -8569,78 +8940,17 @@
         </a:fontRef>
       </dsp:style>
     </dsp:sp>
-    <dsp:sp modelId="{335E9F79-6EEE-43AF-8933-99AB983C9B41}">
+    <dsp:sp modelId="{4DF9692B-83D4-464F-83FF-4DCB9C0F9F4B}">
       <dsp:nvSpPr>
         <dsp:cNvPr id="0" name=""/>
         <dsp:cNvSpPr/>
       </dsp:nvSpPr>
       <dsp:spPr>
         <a:xfrm>
-          <a:off x="0" y="1641217"/>
-          <a:ext cx="5641974" cy="1638814"/>
+          <a:off x="1992046" y="3443237"/>
+          <a:ext cx="3267001" cy="1477612"/>
         </a:xfrm>
         <a:prstGeom prst="rect">
-          <a:avLst/>
-        </a:prstGeom>
-        <a:noFill/>
-        <a:ln>
-          <a:noFill/>
-        </a:ln>
-        <a:effectLst/>
-      </dsp:spPr>
-      <dsp:style>
-        <a:lnRef idx="0">
-          <a:scrgbClr r="0" g="0" b="0"/>
-        </a:lnRef>
-        <a:fillRef idx="0">
-          <a:scrgbClr r="0" g="0" b="0"/>
-        </a:fillRef>
-        <a:effectRef idx="0">
-          <a:scrgbClr r="0" g="0" b="0"/>
-        </a:effectRef>
-        <a:fontRef idx="minor"/>
-      </dsp:style>
-      <dsp:txBody>
-        <a:bodyPr spcFirstLastPara="0" vert="horz" wrap="square" lIns="247650" tIns="247650" rIns="247650" bIns="247650" numCol="1" spcCol="1270" anchor="t" anchorCtr="0">
-          <a:noAutofit/>
-        </a:bodyPr>
-        <a:lstStyle/>
-        <a:p>
-          <a:pPr marL="0" lvl="0" indent="0" algn="l" defTabSz="2889250">
-            <a:lnSpc>
-              <a:spcPct val="90000"/>
-            </a:lnSpc>
-            <a:spcBef>
-              <a:spcPct val="0"/>
-            </a:spcBef>
-            <a:spcAft>
-              <a:spcPct val="35000"/>
-            </a:spcAft>
-            <a:buNone/>
-          </a:pPr>
-          <a:r>
-            <a:rPr lang="it-IT" sz="6500" kern="1200" dirty="0"/>
-            <a:t>Giroscopio</a:t>
-          </a:r>
-          <a:endParaRPr lang="en-US" sz="6500" kern="1200" dirty="0"/>
-        </a:p>
-      </dsp:txBody>
-      <dsp:txXfrm>
-        <a:off x="0" y="1641217"/>
-        <a:ext cx="5641974" cy="1638814"/>
-      </dsp:txXfrm>
-    </dsp:sp>
-    <dsp:sp modelId="{74B6E048-0F68-4555-B98F-31559B8D8432}">
-      <dsp:nvSpPr>
-        <dsp:cNvPr id="0" name=""/>
-        <dsp:cNvSpPr/>
-      </dsp:nvSpPr>
-      <dsp:spPr>
-        <a:xfrm>
-          <a:off x="0" y="3280032"/>
-          <a:ext cx="5641974" cy="0"/>
-        </a:xfrm>
-        <a:prstGeom prst="line">
           <a:avLst/>
         </a:prstGeom>
         <a:solidFill>
@@ -8653,10 +8963,10 @@
         </a:solidFill>
         <a:ln w="15875" cap="flat" cmpd="sng" algn="ctr">
           <a:solidFill>
-            <a:schemeClr val="accent3">
-              <a:hueOff val="5904187"/>
-              <a:satOff val="-46054"/>
-              <a:lumOff val="-1177"/>
+            <a:schemeClr val="lt1">
+              <a:hueOff val="0"/>
+              <a:satOff val="0"/>
+              <a:lumOff val="0"/>
               <a:alphaOff val="0"/>
             </a:schemeClr>
           </a:solidFill>
@@ -8678,45 +8988,13 @@
           <a:schemeClr val="lt1"/>
         </a:fontRef>
       </dsp:style>
-    </dsp:sp>
-    <dsp:sp modelId="{6BFC4677-E8DA-4361-91CA-742C1904CC5C}">
-      <dsp:nvSpPr>
-        <dsp:cNvPr id="0" name=""/>
-        <dsp:cNvSpPr/>
-      </dsp:nvSpPr>
-      <dsp:spPr>
-        <a:xfrm>
-          <a:off x="0" y="3280032"/>
-          <a:ext cx="5641974" cy="1638814"/>
-        </a:xfrm>
-        <a:prstGeom prst="rect">
-          <a:avLst/>
-        </a:prstGeom>
-        <a:noFill/>
-        <a:ln>
-          <a:noFill/>
-        </a:ln>
-        <a:effectLst/>
-      </dsp:spPr>
-      <dsp:style>
-        <a:lnRef idx="0">
-          <a:scrgbClr r="0" g="0" b="0"/>
-        </a:lnRef>
-        <a:fillRef idx="0">
-          <a:scrgbClr r="0" g="0" b="0"/>
-        </a:fillRef>
-        <a:effectRef idx="0">
-          <a:scrgbClr r="0" g="0" b="0"/>
-        </a:effectRef>
-        <a:fontRef idx="minor"/>
-      </dsp:style>
       <dsp:txBody>
-        <a:bodyPr spcFirstLastPara="0" vert="horz" wrap="square" lIns="247650" tIns="247650" rIns="247650" bIns="247650" numCol="1" spcCol="1270" anchor="t" anchorCtr="0">
+        <a:bodyPr spcFirstLastPara="0" vert="horz" wrap="square" lIns="179070" tIns="179070" rIns="179070" bIns="179070" numCol="1" spcCol="1270" anchor="ctr" anchorCtr="0">
           <a:noAutofit/>
         </a:bodyPr>
         <a:lstStyle/>
         <a:p>
-          <a:pPr marL="0" lvl="0" indent="0" algn="l" defTabSz="2889250">
+          <a:pPr marL="0" lvl="0" indent="0" algn="ctr" defTabSz="2089150">
             <a:lnSpc>
               <a:spcPct val="90000"/>
             </a:lnSpc>
@@ -8729,16 +9007,64 @@
             <a:buNone/>
           </a:pPr>
           <a:r>
-            <a:rPr lang="it-IT" sz="6500" kern="1200"/>
+            <a:rPr lang="it-IT" sz="4700" kern="1200" dirty="0"/>
             <a:t>Touch</a:t>
           </a:r>
-          <a:endParaRPr lang="en-US" sz="6500" kern="1200"/>
+          <a:endParaRPr lang="en-US" sz="4700" kern="1200" dirty="0"/>
         </a:p>
       </dsp:txBody>
       <dsp:txXfrm>
-        <a:off x="0" y="3280032"/>
-        <a:ext cx="5641974" cy="1638814"/>
+        <a:off x="1992046" y="3443237"/>
+        <a:ext cx="3267001" cy="1477612"/>
       </dsp:txXfrm>
+    </dsp:sp>
+    <dsp:sp modelId="{9A153E09-57F1-4AD2-B166-D5C485B31811}">
+      <dsp:nvSpPr>
+        <dsp:cNvPr id="0" name=""/>
+        <dsp:cNvSpPr/>
+      </dsp:nvSpPr>
+      <dsp:spPr>
+        <a:xfrm>
+          <a:off x="382927" y="3443237"/>
+          <a:ext cx="1462836" cy="1477612"/>
+        </a:xfrm>
+        <a:prstGeom prst="rect">
+          <a:avLst/>
+        </a:prstGeom>
+        <a:blipFill>
+          <a:blip xmlns:r="http://schemas.openxmlformats.org/officeDocument/2006/relationships" r:embed="rId3"/>
+          <a:srcRect/>
+          <a:stretch>
+            <a:fillRect t="-2000" b="-2000"/>
+          </a:stretch>
+        </a:blipFill>
+        <a:ln w="15875" cap="flat" cmpd="sng" algn="ctr">
+          <a:solidFill>
+            <a:schemeClr val="lt1">
+              <a:hueOff val="0"/>
+              <a:satOff val="0"/>
+              <a:lumOff val="0"/>
+              <a:alphaOff val="0"/>
+            </a:schemeClr>
+          </a:solidFill>
+          <a:prstDash val="solid"/>
+        </a:ln>
+        <a:effectLst/>
+      </dsp:spPr>
+      <dsp:style>
+        <a:lnRef idx="2">
+          <a:scrgbClr r="0" g="0" b="0"/>
+        </a:lnRef>
+        <a:fillRef idx="1">
+          <a:scrgbClr r="0" g="0" b="0"/>
+        </a:fillRef>
+        <a:effectRef idx="0">
+          <a:scrgbClr r="0" g="0" b="0"/>
+        </a:effectRef>
+        <a:fontRef idx="minor">
+          <a:schemeClr val="lt1"/>
+        </a:fontRef>
+      </dsp:style>
     </dsp:sp>
   </dsp:spTree>
 </dsp:drawing>
@@ -8826,22 +9152,15 @@
                 <a:schemeClr val="tx1"/>
               </a:solidFill>
             </a:rPr>
-            <a:t>Power-up</a:t>
+            <a:t>Power-</a:t>
           </a:r>
-          <a:br>
-            <a:rPr lang="it-IT" sz="2300" kern="1200" dirty="0">
+          <a:r>
+            <a:rPr lang="it-IT" sz="2300" kern="1200" dirty="0" err="1">
               <a:solidFill>
                 <a:schemeClr val="tx1"/>
               </a:solidFill>
             </a:rPr>
-          </a:br>
-          <a:r>
-            <a:rPr lang="it-IT" sz="2300" kern="1200" dirty="0">
-              <a:solidFill>
-                <a:schemeClr val="tx1"/>
-              </a:solidFill>
-            </a:rPr>
-            <a:t>(immagini sample?)</a:t>
+            <a:t>ups</a:t>
           </a:r>
           <a:endParaRPr lang="en-US" sz="2300" kern="1200" dirty="0">
             <a:solidFill>
@@ -9007,14 +9326,14 @@
             <a:buNone/>
           </a:pPr>
           <a:r>
-            <a:rPr lang="it-IT" sz="2300" kern="1200">
+            <a:rPr lang="it-IT" sz="2300" kern="1200" dirty="0">
               <a:solidFill>
                 <a:schemeClr val="tx1"/>
               </a:solidFill>
             </a:rPr>
             <a:t>Ridimensionamento del personaggio</a:t>
           </a:r>
-          <a:endParaRPr lang="en-US" sz="2300" kern="1200">
+          <a:endParaRPr lang="en-US" sz="2300" kern="1200" dirty="0">
             <a:solidFill>
               <a:schemeClr val="tx1"/>
             </a:solidFill>
@@ -9349,14 +9668,14 @@
             <a:buNone/>
           </a:pPr>
           <a:r>
-            <a:rPr lang="it-IT" sz="2300" kern="1200">
+            <a:rPr lang="it-IT" sz="2300" kern="1200" dirty="0">
               <a:solidFill>
                 <a:schemeClr val="tx1"/>
               </a:solidFill>
             </a:rPr>
             <a:t>Armi</a:t>
           </a:r>
-          <a:endParaRPr lang="en-US" sz="2300" kern="1200">
+          <a:endParaRPr lang="en-US" sz="2300" kern="1200" dirty="0">
             <a:solidFill>
               <a:schemeClr val="tx1"/>
             </a:solidFill>
@@ -9442,38 +9761,7 @@
                 <a:schemeClr val="tx1"/>
               </a:solidFill>
             </a:rPr>
-            <a:t>Diverse mappe</a:t>
-          </a:r>
-          <a:br>
-            <a:rPr lang="it-IT" sz="2300" kern="1200" dirty="0">
-              <a:solidFill>
-                <a:schemeClr val="tx1"/>
-              </a:solidFill>
-            </a:rPr>
-          </a:br>
-          <a:r>
-            <a:rPr lang="it-IT" sz="2300" kern="1200" dirty="0">
-              <a:solidFill>
-                <a:schemeClr val="tx1"/>
-              </a:solidFill>
-            </a:rPr>
-            <a:t>(</a:t>
-          </a:r>
-          <a:r>
-            <a:rPr lang="it-IT" sz="2300" kern="1200" dirty="0" err="1">
-              <a:solidFill>
-                <a:schemeClr val="tx1"/>
-              </a:solidFill>
-            </a:rPr>
-            <a:t>parsing</a:t>
-          </a:r>
-          <a:r>
-            <a:rPr lang="it-IT" sz="2300" kern="1200" dirty="0">
-              <a:solidFill>
-                <a:schemeClr val="tx1"/>
-              </a:solidFill>
-            </a:rPr>
-            <a:t>?)</a:t>
+            <a:t>Mappe personalizzabili</a:t>
           </a:r>
           <a:endParaRPr lang="en-US" sz="2300" kern="1200" dirty="0">
             <a:solidFill>
@@ -9810,14 +10098,14 @@
             <a:buNone/>
           </a:pPr>
           <a:r>
-            <a:rPr lang="it-IT" sz="2300" kern="1200">
+            <a:rPr lang="it-IT" sz="2300" kern="1200" dirty="0" err="1">
               <a:solidFill>
                 <a:schemeClr val="tx1"/>
               </a:solidFill>
             </a:rPr>
-            <a:t>Buchi(?) all’interno dell’arena</a:t>
+            <a:t>Parsing</a:t>
           </a:r>
-          <a:endParaRPr lang="en-US" sz="2300" kern="1200">
+          <a:endParaRPr lang="en-US" sz="2300" kern="1200" dirty="0">
             <a:solidFill>
               <a:schemeClr val="tx1"/>
             </a:solidFill>
@@ -10285,61 +10573,15 @@
       <dsp:cNvGrpSpPr/>
     </dsp:nvGrpSpPr>
     <dsp:grpSpPr/>
-    <dsp:sp modelId="{72DB71F7-73DA-4727-B313-E6F983EDB695}">
+    <dsp:sp modelId="{74FC9ED7-D990-4814-A054-AE148C30F4DC}">
       <dsp:nvSpPr>
         <dsp:cNvPr id="0" name=""/>
         <dsp:cNvSpPr/>
       </dsp:nvSpPr>
       <dsp:spPr>
         <a:xfrm>
-          <a:off x="874313" y="310377"/>
-          <a:ext cx="3893347" cy="3893347"/>
-        </a:xfrm>
-        <a:prstGeom prst="circularArrow">
-          <a:avLst>
-            <a:gd name="adj1" fmla="val 5689"/>
-            <a:gd name="adj2" fmla="val 340510"/>
-            <a:gd name="adj3" fmla="val 12508693"/>
-            <a:gd name="adj4" fmla="val 18208011"/>
-            <a:gd name="adj5" fmla="val 5908"/>
-          </a:avLst>
-        </a:prstGeom>
-        <a:solidFill>
-          <a:schemeClr val="accent2">
-            <a:tint val="40000"/>
-            <a:hueOff val="0"/>
-            <a:satOff val="0"/>
-            <a:lumOff val="0"/>
-            <a:alphaOff val="0"/>
-          </a:schemeClr>
-        </a:solidFill>
-        <a:ln>
-          <a:noFill/>
-        </a:ln>
-        <a:effectLst/>
-      </dsp:spPr>
-      <dsp:style>
-        <a:lnRef idx="0">
-          <a:scrgbClr r="0" g="0" b="0"/>
-        </a:lnRef>
-        <a:fillRef idx="1">
-          <a:scrgbClr r="0" g="0" b="0"/>
-        </a:fillRef>
-        <a:effectRef idx="0">
-          <a:scrgbClr r="0" g="0" b="0"/>
-        </a:effectRef>
-        <a:fontRef idx="minor"/>
-      </dsp:style>
-    </dsp:sp>
-    <dsp:sp modelId="{52768F7E-BD7E-4167-BC7A-FC65F1642B8E}">
-      <dsp:nvSpPr>
-        <dsp:cNvPr id="0" name=""/>
-        <dsp:cNvSpPr/>
-      </dsp:nvSpPr>
-      <dsp:spPr>
-        <a:xfrm>
-          <a:off x="1476610" y="510532"/>
-          <a:ext cx="2688753" cy="1344376"/>
+          <a:off x="1692867" y="4720"/>
+          <a:ext cx="2256239" cy="1466555"/>
         </a:xfrm>
         <a:prstGeom prst="roundRect">
           <a:avLst/>
@@ -10398,7 +10640,7 @@
             <a:buNone/>
           </a:pPr>
           <a:r>
-            <a:rPr lang="it-IT" sz="2800" kern="1200" dirty="0">
+            <a:rPr lang="it-IT" sz="2800" kern="1200">
               <a:solidFill>
                 <a:schemeClr val="tx1"/>
               </a:solidFill>
@@ -10413,19 +10655,66 @@
         </a:p>
       </dsp:txBody>
       <dsp:txXfrm>
-        <a:off x="1542237" y="576159"/>
-        <a:ext cx="2557499" cy="1213122"/>
+        <a:off x="1764458" y="76311"/>
+        <a:ext cx="2113057" cy="1323373"/>
       </dsp:txXfrm>
     </dsp:sp>
-    <dsp:sp modelId="{010623FE-216F-4081-8670-B75101B52B4D}">
+    <dsp:sp modelId="{D68DF34B-9698-46B2-BBA3-9CF8166FA70E}">
       <dsp:nvSpPr>
         <dsp:cNvPr id="0" name=""/>
         <dsp:cNvSpPr/>
       </dsp:nvSpPr>
       <dsp:spPr>
         <a:xfrm>
-          <a:off x="2952207" y="3066340"/>
-          <a:ext cx="2688753" cy="1344376"/>
+          <a:off x="867096" y="737998"/>
+          <a:ext cx="3907782" cy="3907782"/>
+        </a:xfrm>
+        <a:custGeom>
+          <a:avLst/>
+          <a:gdLst/>
+          <a:ahLst/>
+          <a:cxnLst/>
+          <a:rect l="0" t="0" r="0" b="0"/>
+          <a:pathLst>
+            <a:path>
+              <a:moveTo>
+                <a:pt x="3098359" y="370261"/>
+              </a:moveTo>
+              <a:arcTo wR="1953891" hR="1953891" stAng="18351308" swAng="3643170"/>
+            </a:path>
+          </a:pathLst>
+        </a:custGeom>
+        <a:noFill/>
+        <a:ln w="47625" cap="flat" cmpd="sng" algn="ctr">
+          <a:solidFill>
+            <a:schemeClr val="accent4"/>
+          </a:solidFill>
+          <a:prstDash val="solid"/>
+        </a:ln>
+        <a:effectLst/>
+      </dsp:spPr>
+      <dsp:style>
+        <a:lnRef idx="1">
+          <a:scrgbClr r="0" g="0" b="0"/>
+        </a:lnRef>
+        <a:fillRef idx="0">
+          <a:scrgbClr r="0" g="0" b="0"/>
+        </a:fillRef>
+        <a:effectRef idx="0">
+          <a:scrgbClr r="0" g="0" b="0"/>
+        </a:effectRef>
+        <a:fontRef idx="minor"/>
+      </dsp:style>
+    </dsp:sp>
+    <dsp:sp modelId="{118C35C8-6D28-405F-9F90-882A922C0339}">
+      <dsp:nvSpPr>
+        <dsp:cNvPr id="0" name=""/>
+        <dsp:cNvSpPr/>
+      </dsp:nvSpPr>
+      <dsp:spPr>
+        <a:xfrm>
+          <a:off x="3384987" y="2935557"/>
+          <a:ext cx="2256239" cy="1466555"/>
         </a:xfrm>
         <a:prstGeom prst="roundRect">
           <a:avLst/>
@@ -10484,14 +10773,14 @@
             <a:buNone/>
           </a:pPr>
           <a:r>
-            <a:rPr lang="it-IT" sz="2800" kern="1200">
+            <a:rPr lang="it-IT" sz="2800" kern="1200" dirty="0">
               <a:solidFill>
                 <a:schemeClr val="tx1"/>
               </a:solidFill>
             </a:rPr>
             <a:t>Acquisti in-game</a:t>
           </a:r>
-          <a:endParaRPr lang="en-US" sz="2800" kern="1200">
+          <a:endParaRPr lang="en-US" sz="2800" kern="1200" dirty="0">
             <a:solidFill>
               <a:schemeClr val="tx1"/>
             </a:solidFill>
@@ -10499,19 +10788,66 @@
         </a:p>
       </dsp:txBody>
       <dsp:txXfrm>
-        <a:off x="3017834" y="3131967"/>
-        <a:ext cx="2557499" cy="1213122"/>
+        <a:off x="3456578" y="3007148"/>
+        <a:ext cx="2113057" cy="1323373"/>
       </dsp:txXfrm>
     </dsp:sp>
-    <dsp:sp modelId="{99FCF7B2-52D8-4887-967E-AA378188AE65}">
+    <dsp:sp modelId="{010224C5-1D98-421A-9D0E-977EDEE49BFC}">
       <dsp:nvSpPr>
         <dsp:cNvPr id="0" name=""/>
         <dsp:cNvSpPr/>
       </dsp:nvSpPr>
       <dsp:spPr>
         <a:xfrm>
-          <a:off x="1014" y="3066340"/>
-          <a:ext cx="2688753" cy="1344376"/>
+          <a:off x="867096" y="737998"/>
+          <a:ext cx="3907782" cy="3907782"/>
+        </a:xfrm>
+        <a:custGeom>
+          <a:avLst/>
+          <a:gdLst/>
+          <a:ahLst/>
+          <a:cxnLst/>
+          <a:rect l="0" t="0" r="0" b="0"/>
+          <a:pathLst>
+            <a:path>
+              <a:moveTo>
+                <a:pt x="2882201" y="3673173"/>
+              </a:moveTo>
+              <a:arcTo wR="1953891" hR="1953891" stAng="3698015" swAng="3403969"/>
+            </a:path>
+          </a:pathLst>
+        </a:custGeom>
+        <a:noFill/>
+        <a:ln w="47625" cap="flat" cmpd="sng" algn="ctr">
+          <a:solidFill>
+            <a:schemeClr val="accent4"/>
+          </a:solidFill>
+          <a:prstDash val="solid"/>
+        </a:ln>
+        <a:effectLst/>
+      </dsp:spPr>
+      <dsp:style>
+        <a:lnRef idx="1">
+          <a:scrgbClr r="0" g="0" b="0"/>
+        </a:lnRef>
+        <a:fillRef idx="0">
+          <a:scrgbClr r="0" g="0" b="0"/>
+        </a:fillRef>
+        <a:effectRef idx="0">
+          <a:scrgbClr r="0" g="0" b="0"/>
+        </a:effectRef>
+        <a:fontRef idx="minor"/>
+      </dsp:style>
+    </dsp:sp>
+    <dsp:sp modelId="{B9B56481-0832-4D5E-945A-BF5D992FF97D}">
+      <dsp:nvSpPr>
+        <dsp:cNvPr id="0" name=""/>
+        <dsp:cNvSpPr/>
+      </dsp:nvSpPr>
+      <dsp:spPr>
+        <a:xfrm>
+          <a:off x="748" y="2935557"/>
+          <a:ext cx="2256239" cy="1466555"/>
         </a:xfrm>
         <a:prstGeom prst="roundRect">
           <a:avLst/>
@@ -10585,21 +10921,68 @@
         </a:p>
       </dsp:txBody>
       <dsp:txXfrm>
-        <a:off x="66641" y="3131967"/>
-        <a:ext cx="2557499" cy="1213122"/>
+        <a:off x="72339" y="3007148"/>
+        <a:ext cx="2113057" cy="1323373"/>
       </dsp:txXfrm>
+    </dsp:sp>
+    <dsp:sp modelId="{263FFAC3-7509-4CAC-818C-2BE327C5AD5D}">
+      <dsp:nvSpPr>
+        <dsp:cNvPr id="0" name=""/>
+        <dsp:cNvSpPr/>
+      </dsp:nvSpPr>
+      <dsp:spPr>
+        <a:xfrm>
+          <a:off x="867096" y="737998"/>
+          <a:ext cx="3907782" cy="3907782"/>
+        </a:xfrm>
+        <a:custGeom>
+          <a:avLst/>
+          <a:gdLst/>
+          <a:ahLst/>
+          <a:cxnLst/>
+          <a:rect l="0" t="0" r="0" b="0"/>
+          <a:pathLst>
+            <a:path>
+              <a:moveTo>
+                <a:pt x="12849" y="2177606"/>
+              </a:moveTo>
+              <a:arcTo wR="1953891" hR="1953891" stAng="10405522" swAng="3643170"/>
+            </a:path>
+          </a:pathLst>
+        </a:custGeom>
+        <a:noFill/>
+        <a:ln w="47625" cap="flat" cmpd="sng" algn="ctr">
+          <a:solidFill>
+            <a:schemeClr val="accent4"/>
+          </a:solidFill>
+          <a:prstDash val="solid"/>
+        </a:ln>
+        <a:effectLst/>
+      </dsp:spPr>
+      <dsp:style>
+        <a:lnRef idx="1">
+          <a:scrgbClr r="0" g="0" b="0"/>
+        </a:lnRef>
+        <a:fillRef idx="0">
+          <a:scrgbClr r="0" g="0" b="0"/>
+        </a:fillRef>
+        <a:effectRef idx="0">
+          <a:scrgbClr r="0" g="0" b="0"/>
+        </a:effectRef>
+        <a:fontRef idx="minor"/>
+      </dsp:style>
     </dsp:sp>
   </dsp:spTree>
 </dsp:drawing>
 </file>
 
 <file path=ppt/diagrams/layout1.xml><?xml version="1.0" encoding="utf-8"?>
-<dgm:layoutDef xmlns:dgm="http://schemas.openxmlformats.org/drawingml/2006/diagram" xmlns:a="http://schemas.openxmlformats.org/drawingml/2006/main" uniqueId="urn:microsoft.com/office/officeart/2008/layout/LinedList">
+<dgm:layoutDef xmlns:dgm="http://schemas.openxmlformats.org/drawingml/2006/diagram" xmlns:a="http://schemas.openxmlformats.org/drawingml/2006/main" uniqueId="urn:microsoft.com/office/officeart/2005/8/layout/vList5">
   <dgm:title val=""/>
   <dgm:desc val=""/>
   <dgm:catLst>
-    <dgm:cat type="hierarchy" pri="8000"/>
-    <dgm:cat type="list" pri="2500"/>
+    <dgm:cat type="list" pri="15000"/>
+    <dgm:cat type="convert" pri="2000"/>
   </dgm:catLst>
   <dgm:sampData>
     <dgm:dataModel>
@@ -10614,15 +10997,35 @@
         <dgm:pt modelId="12">
           <dgm:prSet phldr="1"/>
         </dgm:pt>
-        <dgm:pt modelId="13">
+        <dgm:pt modelId="2">
+          <dgm:prSet phldr="1"/>
+        </dgm:pt>
+        <dgm:pt modelId="21">
+          <dgm:prSet phldr="1"/>
+        </dgm:pt>
+        <dgm:pt modelId="22">
+          <dgm:prSet phldr="1"/>
+        </dgm:pt>
+        <dgm:pt modelId="3">
+          <dgm:prSet phldr="1"/>
+        </dgm:pt>
+        <dgm:pt modelId="31">
+          <dgm:prSet phldr="1"/>
+        </dgm:pt>
+        <dgm:pt modelId="32">
           <dgm:prSet phldr="1"/>
         </dgm:pt>
       </dgm:ptLst>
       <dgm:cxnLst>
-        <dgm:cxn modelId="2" srcId="0" destId="1" srcOrd="0" destOrd="0"/>
-        <dgm:cxn modelId="3" srcId="1" destId="11" srcOrd="0" destOrd="0"/>
-        <dgm:cxn modelId="4" srcId="1" destId="12" srcOrd="1" destOrd="0"/>
-        <dgm:cxn modelId="5" srcId="1" destId="13" srcOrd="2" destOrd="0"/>
+        <dgm:cxn modelId="4" srcId="0" destId="1" srcOrd="0" destOrd="0"/>
+        <dgm:cxn modelId="5" srcId="0" destId="2" srcOrd="1" destOrd="0"/>
+        <dgm:cxn modelId="6" srcId="0" destId="3" srcOrd="2" destOrd="0"/>
+        <dgm:cxn modelId="13" srcId="1" destId="11" srcOrd="0" destOrd="0"/>
+        <dgm:cxn modelId="14" srcId="1" destId="12" srcOrd="1" destOrd="0"/>
+        <dgm:cxn modelId="23" srcId="2" destId="21" srcOrd="0" destOrd="0"/>
+        <dgm:cxn modelId="24" srcId="2" destId="22" srcOrd="1" destOrd="0"/>
+        <dgm:cxn modelId="33" srcId="3" destId="31" srcOrd="0" destOrd="0"/>
+        <dgm:cxn modelId="34" srcId="3" destId="32" srcOrd="1" destOrd="0"/>
       </dgm:cxnLst>
       <dgm:bg/>
       <dgm:whole/>
@@ -10632,20 +11035,16 @@
     <dgm:dataModel>
       <dgm:ptLst>
         <dgm:pt modelId="0" type="doc"/>
-        <dgm:pt modelId="1">
-          <dgm:prSet phldr="1"/>
-        </dgm:pt>
-        <dgm:pt modelId="11">
-          <dgm:prSet phldr="1"/>
-        </dgm:pt>
-        <dgm:pt modelId="12">
-          <dgm:prSet phldr="1"/>
-        </dgm:pt>
+        <dgm:pt modelId="1"/>
+        <dgm:pt modelId="11"/>
+        <dgm:pt modelId="2"/>
+        <dgm:pt modelId="21"/>
       </dgm:ptLst>
       <dgm:cxnLst>
-        <dgm:cxn modelId="2" srcId="0" destId="1" srcOrd="0" destOrd="0"/>
-        <dgm:cxn modelId="3" srcId="1" destId="11" srcOrd="0" destOrd="0"/>
-        <dgm:cxn modelId="4" srcId="1" destId="12" srcOrd="1" destOrd="0"/>
+        <dgm:cxn modelId="4" srcId="0" destId="1" srcOrd="0" destOrd="0"/>
+        <dgm:cxn modelId="5" srcId="0" destId="2" srcOrd="1" destOrd="0"/>
+        <dgm:cxn modelId="13" srcId="1" destId="11" srcOrd="0" destOrd="0"/>
+        <dgm:cxn modelId="23" srcId="2" destId="21" srcOrd="0" destOrd="0"/>
       </dgm:cxnLst>
       <dgm:bg/>
       <dgm:whole/>
@@ -10655,39 +11054,43 @@
     <dgm:dataModel>
       <dgm:ptLst>
         <dgm:pt modelId="0" type="doc"/>
-        <dgm:pt modelId="1">
-          <dgm:prSet phldr="1"/>
-        </dgm:pt>
-        <dgm:pt modelId="11">
-          <dgm:prSet phldr="1"/>
-        </dgm:pt>
-        <dgm:pt modelId="12">
-          <dgm:prSet phldr="1"/>
-        </dgm:pt>
+        <dgm:pt modelId="1"/>
+        <dgm:pt modelId="11"/>
+        <dgm:pt modelId="2"/>
+        <dgm:pt modelId="21"/>
+        <dgm:pt modelId="3"/>
+        <dgm:pt modelId="31"/>
+        <dgm:pt modelId="4"/>
+        <dgm:pt modelId="41"/>
       </dgm:ptLst>
       <dgm:cxnLst>
-        <dgm:cxn modelId="2" srcId="0" destId="1" srcOrd="0" destOrd="0"/>
-        <dgm:cxn modelId="3" srcId="1" destId="11" srcOrd="0" destOrd="0"/>
-        <dgm:cxn modelId="4" srcId="1" destId="12" srcOrd="1" destOrd="0"/>
+        <dgm:cxn modelId="5" srcId="0" destId="1" srcOrd="0" destOrd="0"/>
+        <dgm:cxn modelId="6" srcId="0" destId="2" srcOrd="1" destOrd="0"/>
+        <dgm:cxn modelId="7" srcId="0" destId="3" srcOrd="2" destOrd="0"/>
+        <dgm:cxn modelId="8" srcId="0" destId="4" srcOrd="3" destOrd="0"/>
+        <dgm:cxn modelId="13" srcId="1" destId="11" srcOrd="0" destOrd="0"/>
+        <dgm:cxn modelId="23" srcId="2" destId="21" srcOrd="0" destOrd="0"/>
+        <dgm:cxn modelId="33" srcId="3" destId="31" srcOrd="0" destOrd="0"/>
+        <dgm:cxn modelId="43" srcId="4" destId="41" srcOrd="0" destOrd="0"/>
       </dgm:cxnLst>
       <dgm:bg/>
       <dgm:whole/>
     </dgm:dataModel>
   </dgm:clrData>
-  <dgm:layoutNode name="vert0">
+  <dgm:layoutNode name="Name0">
     <dgm:varLst>
       <dgm:dir/>
-      <dgm:animOne val="branch"/>
       <dgm:animLvl val="lvl"/>
+      <dgm:resizeHandles val="exact"/>
     </dgm:varLst>
-    <dgm:choose name="Name0">
-      <dgm:if name="Name1" func="var" arg="dir" op="equ" val="norm">
+    <dgm:choose name="Name1">
+      <dgm:if name="Name2" func="var" arg="dir" op="equ" val="norm">
         <dgm:alg type="lin">
           <dgm:param type="linDir" val="fromT"/>
           <dgm:param type="nodeHorzAlign" val="l"/>
         </dgm:alg>
       </dgm:if>
-      <dgm:else name="Name2">
+      <dgm:else name="Name3">
         <dgm:alg type="lin">
           <dgm:param type="linDir" val="fromT"/>
           <dgm:param type="nodeHorzAlign" val="r"/>
@@ -10699,48 +11102,24 @@
     </dgm:shape>
     <dgm:presOf/>
     <dgm:constrLst>
-      <dgm:constr type="w" for="ch" forName="horz1" refType="w"/>
-      <dgm:constr type="h" for="ch" forName="horz1" refType="h"/>
-      <dgm:constr type="h" for="des" forName="vert1" refType="h"/>
-      <dgm:constr type="h" for="des" forName="tx1" refType="h"/>
-      <dgm:constr type="h" for="des" forName="horz2" refType="h"/>
-      <dgm:constr type="h" for="des" forName="vert2" refType="h"/>
-      <dgm:constr type="h" for="des" forName="horz3" refType="h"/>
-      <dgm:constr type="h" for="des" forName="vert3" refType="h"/>
-      <dgm:constr type="h" for="des" forName="horz4" refType="h"/>
-      <dgm:constr type="h" for="des" ptType="node" refType="h"/>
-      <dgm:constr type="primFontSz" for="des" forName="tx1" op="equ" val="65"/>
-      <dgm:constr type="primFontSz" for="des" forName="tx2" op="equ" val="65"/>
-      <dgm:constr type="primFontSz" for="des" forName="tx3" op="equ" val="65"/>
-      <dgm:constr type="primFontSz" for="des" forName="tx4" op="equ" val="65"/>
-      <dgm:constr type="w" for="des" forName="thickLine" refType="w"/>
-      <dgm:constr type="h" for="des" forName="thickLine"/>
-      <dgm:constr type="h" for="des" forName="thinLine1"/>
-      <dgm:constr type="h" for="des" forName="thinLine2b"/>
-      <dgm:constr type="h" for="des" forName="thinLine3"/>
-      <dgm:constr type="h" for="des" forName="vertSpace2a" refType="h" fact="0.05"/>
-      <dgm:constr type="h" for="des" forName="vertSpace2b" refType="h" refFor="des" refForName="vertSpace2a"/>
+      <dgm:constr type="h" for="ch" forName="linNode" refType="h"/>
+      <dgm:constr type="w" for="ch" forName="linNode" refType="w"/>
+      <dgm:constr type="h" for="ch" forName="sp" refType="h" fact="0.05"/>
+      <dgm:constr type="primFontSz" for="des" forName="parentText" op="equ" val="65"/>
+      <dgm:constr type="secFontSz" for="des" forName="descendantText" op="equ"/>
     </dgm:constrLst>
-    <dgm:forEach name="Name3" axis="ch" ptType="node">
-      <dgm:layoutNode name="thickLine" styleLbl="alignNode1">
-        <dgm:alg type="sp"/>
-        <dgm:shape xmlns:r="http://schemas.openxmlformats.org/officeDocument/2006/relationships" type="line" r:blip="">
-          <dgm:adjLst/>
-        </dgm:shape>
-        <dgm:presOf/>
-      </dgm:layoutNode>
-      <dgm:layoutNode name="horz1">
-        <dgm:choose name="Name4">
-          <dgm:if name="Name5" func="var" arg="dir" op="equ" val="norm">
+    <dgm:ruleLst/>
+    <dgm:forEach name="Name4" axis="ch" ptType="node">
+      <dgm:layoutNode name="linNode">
+        <dgm:choose name="Name5">
+          <dgm:if name="Name6" func="var" arg="dir" op="equ" val="norm">
             <dgm:alg type="lin">
               <dgm:param type="linDir" val="fromL"/>
-              <dgm:param type="nodeVertAlign" val="t"/>
             </dgm:alg>
           </dgm:if>
-          <dgm:else name="Name6">
+          <dgm:else name="Name7">
             <dgm:alg type="lin">
               <dgm:param type="linDir" val="fromR"/>
-              <dgm:param type="nodeVertAlign" val="t"/>
             </dgm:alg>
           </dgm:else>
         </dgm:choose>
@@ -10748,59 +11127,26 @@
           <dgm:adjLst/>
         </dgm:shape>
         <dgm:presOf/>
-        <dgm:choose name="Name7">
-          <dgm:if name="Name8" axis="root des" func="maxDepth" op="equ" val="1">
-            <dgm:constrLst>
-              <dgm:constr type="w" for="ch" forName="tx1" refType="w"/>
-            </dgm:constrLst>
-          </dgm:if>
-          <dgm:if name="Name9" axis="root des" func="maxDepth" op="equ" val="2">
-            <dgm:constrLst>
-              <dgm:constr type="w" for="ch" forName="tx1" refType="w" fact="0.2"/>
-              <dgm:constr type="w" for="des" forName="tx2" refType="w" fact="0.785"/>
-              <dgm:constr type="w" for="des" forName="horzSpace2" refType="w" fact="0.015"/>
-              <dgm:constr type="w" for="des" forName="thinLine2b" refType="w" fact="0.8"/>
-            </dgm:constrLst>
-          </dgm:if>
-          <dgm:if name="Name10" axis="root des" func="maxDepth" op="equ" val="3">
-            <dgm:constrLst>
-              <dgm:constr type="w" for="ch" forName="tx1" refType="w" fact="0.2"/>
-              <dgm:constr type="w" for="des" forName="tx2" refType="w" fact="0.385"/>
-              <dgm:constr type="w" for="des" forName="tx3" refType="w" fact="0.385"/>
-              <dgm:constr type="w" for="des" forName="horzSpace2" refType="w" fact="0.015"/>
-              <dgm:constr type="w" for="des" forName="horzSpace3" refType="w" fact="0.015"/>
-              <dgm:constr type="w" for="des" forName="thinLine2b" refType="w" fact="0.8"/>
-              <dgm:constr type="w" for="des" forName="thinLine3" refType="w" fact="0.385"/>
-            </dgm:constrLst>
-          </dgm:if>
-          <dgm:if name="Name11" axis="root des" func="maxDepth" op="gte" val="4">
-            <dgm:constrLst>
-              <dgm:constr type="w" for="ch" forName="tx1" refType="w" fact="0.2"/>
-              <dgm:constr type="w" for="des" forName="tx2" refType="w" fact="0.2516"/>
-              <dgm:constr type="w" for="des" forName="tx3" refType="w" fact="0.2516"/>
-              <dgm:constr type="w" for="des" forName="tx4" refType="w" fact="0.2516"/>
-              <dgm:constr type="w" for="des" forName="horzSpace2" refType="w" fact="0.015"/>
-              <dgm:constr type="w" for="des" forName="horzSpace3" refType="w" fact="0.015"/>
-              <dgm:constr type="w" for="des" forName="horzSpace4" refType="w" fact="0.015"/>
-              <dgm:constr type="w" for="des" forName="thinLine2b" refType="w" fact="0.8"/>
-              <dgm:constr type="w" for="des" forName="thinLine3" refType="w" fact="0.5332"/>
-            </dgm:constrLst>
-          </dgm:if>
-          <dgm:else name="Name12"/>
-        </dgm:choose>
-        <dgm:layoutNode name="tx1" styleLbl="revTx">
-          <dgm:alg type="tx">
-            <dgm:param type="parTxLTRAlign" val="l"/>
-            <dgm:param type="parTxRTLAlign" val="r"/>
-            <dgm:param type="txAnchorVert" val="t"/>
-          </dgm:alg>
-          <dgm:shape xmlns:r="http://schemas.openxmlformats.org/officeDocument/2006/relationships" type="rect" r:blip="">
+        <dgm:constrLst>
+          <dgm:constr type="w" for="ch" forName="parentText" refType="w" fact="0.36"/>
+          <dgm:constr type="w" for="ch" forName="descendantText" refType="w" fact="0.64"/>
+          <dgm:constr type="h" for="ch" forName="parentText" refType="h"/>
+          <dgm:constr type="h" for="ch" forName="descendantText" refType="h" refFor="ch" refForName="parentText" fact="0.8"/>
+        </dgm:constrLst>
+        <dgm:ruleLst/>
+        <dgm:layoutNode name="parentText">
+          <dgm:varLst>
+            <dgm:chMax val="1"/>
+            <dgm:bulletEnabled val="1"/>
+          </dgm:varLst>
+          <dgm:alg type="tx"/>
+          <dgm:shape xmlns:r="http://schemas.openxmlformats.org/officeDocument/2006/relationships" type="roundRect" r:blip="" zOrderOff="3">
             <dgm:adjLst/>
           </dgm:shape>
-          <dgm:presOf axis="self"/>
+          <dgm:presOf axis="self" ptType="node"/>
           <dgm:constrLst>
-            <dgm:constr type="tMarg" refType="primFontSz" fact="0.3"/>
-            <dgm:constr type="bMarg" refType="primFontSz" fact="0.3"/>
+            <dgm:constr type="tMarg" refType="primFontSz" fact="0.15"/>
+            <dgm:constr type="bMarg" refType="primFontSz" fact="0.15"/>
             <dgm:constr type="lMarg" refType="primFontSz" fact="0.3"/>
             <dgm:constr type="rMarg" refType="primFontSz" fact="0.3"/>
           </dgm:constrLst>
@@ -10808,252 +11154,56 @@
             <dgm:rule type="primFontSz" val="5" fact="NaN" max="NaN"/>
           </dgm:ruleLst>
         </dgm:layoutNode>
-        <dgm:layoutNode name="vert1">
-          <dgm:choose name="Name13">
-            <dgm:if name="Name14" func="var" arg="dir" op="equ" val="norm">
-              <dgm:alg type="lin">
-                <dgm:param type="linDir" val="fromT"/>
-                <dgm:param type="nodeHorzAlign" val="l"/>
+        <dgm:choose name="Name8">
+          <dgm:if name="Name9" axis="ch" ptType="node" func="cnt" op="gte" val="1">
+            <dgm:layoutNode name="descendantText" styleLbl="alignAccFollowNode1">
+              <dgm:varLst>
+                <dgm:bulletEnabled val="1"/>
+              </dgm:varLst>
+              <dgm:alg type="tx">
+                <dgm:param type="stBulletLvl" val="1"/>
+                <dgm:param type="txAnchorVertCh" val="mid"/>
               </dgm:alg>
-            </dgm:if>
-            <dgm:else name="Name15">
-              <dgm:alg type="lin">
-                <dgm:param type="linDir" val="fromT"/>
-                <dgm:param type="nodeHorzAlign" val="r"/>
-              </dgm:alg>
-            </dgm:else>
-          </dgm:choose>
+              <dgm:choose name="Name10">
+                <dgm:if name="Name11" func="var" arg="dir" op="equ" val="norm">
+                  <dgm:shape xmlns:r="http://schemas.openxmlformats.org/officeDocument/2006/relationships" rot="90" type="round2SameRect" r:blip="">
+                    <dgm:adjLst/>
+                  </dgm:shape>
+                </dgm:if>
+                <dgm:else name="Name12">
+                  <dgm:shape xmlns:r="http://schemas.openxmlformats.org/officeDocument/2006/relationships" rot="-90" type="round2SameRect" r:blip="">
+                    <dgm:adjLst/>
+                  </dgm:shape>
+                </dgm:else>
+              </dgm:choose>
+              <dgm:presOf axis="des" ptType="node"/>
+              <dgm:constrLst>
+                <dgm:constr type="secFontSz" val="65"/>
+                <dgm:constr type="primFontSz" refType="secFontSz"/>
+                <dgm:constr type="lMarg" refType="secFontSz" fact="0.3"/>
+                <dgm:constr type="rMarg" refType="secFontSz" fact="0.3"/>
+                <dgm:constr type="tMarg" refType="secFontSz" fact="0.15"/>
+                <dgm:constr type="bMarg" refType="secFontSz" fact="0.15"/>
+              </dgm:constrLst>
+              <dgm:ruleLst>
+                <dgm:rule type="secFontSz" val="5" fact="NaN" max="NaN"/>
+              </dgm:ruleLst>
+            </dgm:layoutNode>
+          </dgm:if>
+          <dgm:else name="Name13"/>
+        </dgm:choose>
+      </dgm:layoutNode>
+      <dgm:forEach name="Name14" axis="followSib" ptType="sibTrans" cnt="1">
+        <dgm:layoutNode name="sp">
+          <dgm:alg type="sp"/>
           <dgm:shape xmlns:r="http://schemas.openxmlformats.org/officeDocument/2006/relationships" r:blip="">
             <dgm:adjLst/>
           </dgm:shape>
           <dgm:presOf/>
-          <dgm:forEach name="Name16" axis="ch" ptType="node">
-            <dgm:choose name="Name17">
-              <dgm:if name="Name18" axis="self" ptType="node" func="pos" op="equ" val="1">
-                <dgm:layoutNode name="vertSpace2a">
-                  <dgm:alg type="sp"/>
-                  <dgm:shape xmlns:r="http://schemas.openxmlformats.org/officeDocument/2006/relationships" r:blip="">
-                    <dgm:adjLst/>
-                  </dgm:shape>
-                  <dgm:presOf/>
-                </dgm:layoutNode>
-              </dgm:if>
-              <dgm:else name="Name19"/>
-            </dgm:choose>
-            <dgm:layoutNode name="horz2">
-              <dgm:choose name="Name20">
-                <dgm:if name="Name21" func="var" arg="dir" op="equ" val="norm">
-                  <dgm:alg type="lin">
-                    <dgm:param type="linDir" val="fromL"/>
-                    <dgm:param type="nodeVertAlign" val="t"/>
-                  </dgm:alg>
-                </dgm:if>
-                <dgm:else name="Name22">
-                  <dgm:alg type="lin">
-                    <dgm:param type="linDir" val="fromR"/>
-                    <dgm:param type="nodeVertAlign" val="t"/>
-                  </dgm:alg>
-                </dgm:else>
-              </dgm:choose>
-              <dgm:shape xmlns:r="http://schemas.openxmlformats.org/officeDocument/2006/relationships" r:blip="">
-                <dgm:adjLst/>
-              </dgm:shape>
-              <dgm:presOf/>
-              <dgm:layoutNode name="horzSpace2">
-                <dgm:alg type="sp"/>
-                <dgm:shape xmlns:r="http://schemas.openxmlformats.org/officeDocument/2006/relationships" r:blip="">
-                  <dgm:adjLst/>
-                </dgm:shape>
-                <dgm:presOf/>
-              </dgm:layoutNode>
-              <dgm:layoutNode name="tx2" styleLbl="revTx">
-                <dgm:alg type="tx">
-                  <dgm:param type="parTxLTRAlign" val="l"/>
-                  <dgm:param type="parTxRTLAlign" val="r"/>
-                  <dgm:param type="txAnchorVert" val="t"/>
-                </dgm:alg>
-                <dgm:shape xmlns:r="http://schemas.openxmlformats.org/officeDocument/2006/relationships" type="rect" r:blip="">
-                  <dgm:adjLst/>
-                </dgm:shape>
-                <dgm:presOf axis="self"/>
-                <dgm:constrLst>
-                  <dgm:constr type="tMarg" refType="primFontSz" fact="0.3"/>
-                  <dgm:constr type="bMarg" refType="primFontSz" fact="0.3"/>
-                  <dgm:constr type="lMarg" refType="primFontSz" fact="0.3"/>
-                  <dgm:constr type="rMarg" refType="primFontSz" fact="0.3"/>
-                </dgm:constrLst>
-                <dgm:ruleLst>
-                  <dgm:rule type="primFontSz" val="5" fact="NaN" max="NaN"/>
-                </dgm:ruleLst>
-              </dgm:layoutNode>
-              <dgm:layoutNode name="vert2">
-                <dgm:choose name="Name23">
-                  <dgm:if name="Name24" func="var" arg="dir" op="equ" val="norm">
-                    <dgm:alg type="lin">
-                      <dgm:param type="linDir" val="fromT"/>
-                      <dgm:param type="nodeHorzAlign" val="l"/>
-                    </dgm:alg>
-                  </dgm:if>
-                  <dgm:else name="Name25">
-                    <dgm:alg type="lin">
-                      <dgm:param type="linDir" val="fromT"/>
-                      <dgm:param type="nodeHorzAlign" val="r"/>
-                    </dgm:alg>
-                  </dgm:else>
-                </dgm:choose>
-                <dgm:shape xmlns:r="http://schemas.openxmlformats.org/officeDocument/2006/relationships" r:blip="">
-                  <dgm:adjLst/>
-                </dgm:shape>
-                <dgm:presOf/>
-                <dgm:forEach name="Name26" axis="ch" ptType="node">
-                  <dgm:layoutNode name="horz3">
-                    <dgm:choose name="Name27">
-                      <dgm:if name="Name28" func="var" arg="dir" op="equ" val="norm">
-                        <dgm:alg type="lin">
-                          <dgm:param type="linDir" val="fromL"/>
-                          <dgm:param type="nodeVertAlign" val="t"/>
-                        </dgm:alg>
-                      </dgm:if>
-                      <dgm:else name="Name29">
-                        <dgm:alg type="lin">
-                          <dgm:param type="linDir" val="fromR"/>
-                          <dgm:param type="nodeVertAlign" val="t"/>
-                        </dgm:alg>
-                      </dgm:else>
-                    </dgm:choose>
-                    <dgm:shape xmlns:r="http://schemas.openxmlformats.org/officeDocument/2006/relationships" r:blip="">
-                      <dgm:adjLst/>
-                    </dgm:shape>
-                    <dgm:presOf/>
-                    <dgm:layoutNode name="horzSpace3">
-                      <dgm:alg type="sp"/>
-                      <dgm:shape xmlns:r="http://schemas.openxmlformats.org/officeDocument/2006/relationships" r:blip="">
-                        <dgm:adjLst/>
-                      </dgm:shape>
-                      <dgm:presOf/>
-                    </dgm:layoutNode>
-                    <dgm:layoutNode name="tx3" styleLbl="revTx">
-                      <dgm:alg type="tx">
-                        <dgm:param type="parTxLTRAlign" val="l"/>
-                        <dgm:param type="parTxRTLAlign" val="r"/>
-                        <dgm:param type="txAnchorVert" val="t"/>
-                      </dgm:alg>
-                      <dgm:shape xmlns:r="http://schemas.openxmlformats.org/officeDocument/2006/relationships" type="rect" r:blip="">
-                        <dgm:adjLst/>
-                      </dgm:shape>
-                      <dgm:presOf axis="self"/>
-                      <dgm:constrLst>
-                        <dgm:constr type="tMarg" refType="primFontSz" fact="0.3"/>
-                        <dgm:constr type="bMarg" refType="primFontSz" fact="0.3"/>
-                        <dgm:constr type="lMarg" refType="primFontSz" fact="0.3"/>
-                        <dgm:constr type="rMarg" refType="primFontSz" fact="0.3"/>
-                      </dgm:constrLst>
-                      <dgm:ruleLst>
-                        <dgm:rule type="primFontSz" val="5" fact="NaN" max="NaN"/>
-                      </dgm:ruleLst>
-                    </dgm:layoutNode>
-                    <dgm:layoutNode name="vert3">
-                      <dgm:choose name="Name30">
-                        <dgm:if name="Name31" func="var" arg="dir" op="equ" val="norm">
-                          <dgm:alg type="lin">
-                            <dgm:param type="linDir" val="fromT"/>
-                            <dgm:param type="nodeHorzAlign" val="l"/>
-                          </dgm:alg>
-                        </dgm:if>
-                        <dgm:else name="Name32">
-                          <dgm:alg type="lin">
-                            <dgm:param type="linDir" val="fromT"/>
-                            <dgm:param type="nodeHorzAlign" val="r"/>
-                          </dgm:alg>
-                        </dgm:else>
-                      </dgm:choose>
-                      <dgm:shape xmlns:r="http://schemas.openxmlformats.org/officeDocument/2006/relationships" r:blip="">
-                        <dgm:adjLst/>
-                      </dgm:shape>
-                      <dgm:presOf/>
-                      <dgm:forEach name="Name33" axis="ch" ptType="node">
-                        <dgm:layoutNode name="horz4">
-                          <dgm:choose name="Name34">
-                            <dgm:if name="Name35" func="var" arg="dir" op="equ" val="norm">
-                              <dgm:alg type="lin">
-                                <dgm:param type="linDir" val="fromL"/>
-                                <dgm:param type="nodeVertAlign" val="t"/>
-                              </dgm:alg>
-                            </dgm:if>
-                            <dgm:else name="Name36">
-                              <dgm:alg type="lin">
-                                <dgm:param type="linDir" val="fromR"/>
-                                <dgm:param type="nodeVertAlign" val="t"/>
-                              </dgm:alg>
-                            </dgm:else>
-                          </dgm:choose>
-                          <dgm:shape xmlns:r="http://schemas.openxmlformats.org/officeDocument/2006/relationships" r:blip="">
-                            <dgm:adjLst/>
-                          </dgm:shape>
-                          <dgm:presOf/>
-                          <dgm:layoutNode name="horzSpace4">
-                            <dgm:alg type="sp"/>
-                            <dgm:shape xmlns:r="http://schemas.openxmlformats.org/officeDocument/2006/relationships" r:blip="">
-                              <dgm:adjLst/>
-                            </dgm:shape>
-                            <dgm:presOf/>
-                          </dgm:layoutNode>
-                          <dgm:layoutNode name="tx4" styleLbl="revTx">
-                            <dgm:varLst>
-                              <dgm:bulletEnabled val="1"/>
-                            </dgm:varLst>
-                            <dgm:alg type="tx">
-                              <dgm:param type="parTxLTRAlign" val="l"/>
-                              <dgm:param type="parTxRTLAlign" val="r"/>
-                              <dgm:param type="txAnchorVert" val="t"/>
-                            </dgm:alg>
-                            <dgm:shape xmlns:r="http://schemas.openxmlformats.org/officeDocument/2006/relationships" type="rect" r:blip="">
-                              <dgm:adjLst/>
-                            </dgm:shape>
-                            <dgm:presOf axis="desOrSelf" ptType="node"/>
-                            <dgm:constrLst>
-                              <dgm:constr type="tMarg" refType="primFontSz" fact="0.3"/>
-                              <dgm:constr type="bMarg" refType="primFontSz" fact="0.3"/>
-                              <dgm:constr type="lMarg" refType="primFontSz" fact="0.3"/>
-                              <dgm:constr type="rMarg" refType="primFontSz" fact="0.3"/>
-                            </dgm:constrLst>
-                            <dgm:ruleLst>
-                              <dgm:rule type="primFontSz" val="5" fact="NaN" max="NaN"/>
-                            </dgm:ruleLst>
-                          </dgm:layoutNode>
-                        </dgm:layoutNode>
-                      </dgm:forEach>
-                    </dgm:layoutNode>
-                  </dgm:layoutNode>
-                  <dgm:forEach name="Name37" axis="followSib" ptType="sibTrans" cnt="1">
-                    <dgm:layoutNode name="thinLine3" styleLbl="callout">
-                      <dgm:alg type="sp"/>
-                      <dgm:shape xmlns:r="http://schemas.openxmlformats.org/officeDocument/2006/relationships" type="line" r:blip="">
-                        <dgm:adjLst/>
-                      </dgm:shape>
-                      <dgm:presOf/>
-                    </dgm:layoutNode>
-                  </dgm:forEach>
-                </dgm:forEach>
-              </dgm:layoutNode>
-            </dgm:layoutNode>
-            <dgm:layoutNode name="thinLine2b" styleLbl="callout">
-              <dgm:alg type="sp"/>
-              <dgm:shape xmlns:r="http://schemas.openxmlformats.org/officeDocument/2006/relationships" type="line" r:blip="">
-                <dgm:adjLst/>
-              </dgm:shape>
-              <dgm:presOf/>
-            </dgm:layoutNode>
-            <dgm:layoutNode name="vertSpace2b">
-              <dgm:alg type="sp"/>
-              <dgm:shape xmlns:r="http://schemas.openxmlformats.org/officeDocument/2006/relationships" r:blip="">
-                <dgm:adjLst/>
-              </dgm:shape>
-              <dgm:presOf/>
-            </dgm:layoutNode>
-          </dgm:forEach>
+          <dgm:constrLst/>
+          <dgm:ruleLst/>
         </dgm:layoutNode>
-      </dgm:layoutNode>
+      </dgm:forEach>
     </dgm:forEach>
   </dgm:layoutNode>
 </dgm:layoutDef>
@@ -11415,36 +11565,17 @@
 </file>
 
 <file path=ppt/diagrams/layout3.xml><?xml version="1.0" encoding="utf-8"?>
-<dgm:layoutDef xmlns:dgm="http://schemas.openxmlformats.org/drawingml/2006/diagram" xmlns:a="http://schemas.openxmlformats.org/drawingml/2006/main" uniqueId="urn:microsoft.com/office/officeart/2008/layout/LinedList">
+<dgm:layoutDef xmlns:dgm="http://schemas.openxmlformats.org/drawingml/2006/diagram" xmlns:a="http://schemas.openxmlformats.org/drawingml/2006/main" uniqueId="urn:microsoft.com/office/officeart/2008/layout/AlternatingPictureBlocks">
   <dgm:title val=""/>
   <dgm:desc val=""/>
   <dgm:catLst>
-    <dgm:cat type="hierarchy" pri="8000"/>
-    <dgm:cat type="list" pri="2500"/>
+    <dgm:cat type="picture" pri="15000"/>
+    <dgm:cat type="pictureconvert" pri="15000"/>
+    <dgm:cat type="list" pri="13500"/>
   </dgm:catLst>
-  <dgm:sampData>
+  <dgm:sampData useDef="1">
     <dgm:dataModel>
-      <dgm:ptLst>
-        <dgm:pt modelId="0" type="doc"/>
-        <dgm:pt modelId="1">
-          <dgm:prSet phldr="1"/>
-        </dgm:pt>
-        <dgm:pt modelId="11">
-          <dgm:prSet phldr="1"/>
-        </dgm:pt>
-        <dgm:pt modelId="12">
-          <dgm:prSet phldr="1"/>
-        </dgm:pt>
-        <dgm:pt modelId="13">
-          <dgm:prSet phldr="1"/>
-        </dgm:pt>
-      </dgm:ptLst>
-      <dgm:cxnLst>
-        <dgm:cxn modelId="2" srcId="0" destId="1" srcOrd="0" destOrd="0"/>
-        <dgm:cxn modelId="3" srcId="1" destId="11" srcOrd="0" destOrd="0"/>
-        <dgm:cxn modelId="4" srcId="1" destId="12" srcOrd="1" destOrd="0"/>
-        <dgm:cxn modelId="5" srcId="1" destId="13" srcOrd="2" destOrd="0"/>
-      </dgm:cxnLst>
+      <dgm:ptLst/>
       <dgm:bg/>
       <dgm:whole/>
     </dgm:dataModel>
@@ -11453,20 +11584,12 @@
     <dgm:dataModel>
       <dgm:ptLst>
         <dgm:pt modelId="0" type="doc"/>
-        <dgm:pt modelId="1">
-          <dgm:prSet phldr="1"/>
-        </dgm:pt>
-        <dgm:pt modelId="11">
-          <dgm:prSet phldr="1"/>
-        </dgm:pt>
-        <dgm:pt modelId="12">
-          <dgm:prSet phldr="1"/>
-        </dgm:pt>
+        <dgm:pt modelId="1"/>
+        <dgm:pt modelId="2"/>
       </dgm:ptLst>
       <dgm:cxnLst>
-        <dgm:cxn modelId="2" srcId="0" destId="1" srcOrd="0" destOrd="0"/>
-        <dgm:cxn modelId="3" srcId="1" destId="11" srcOrd="0" destOrd="0"/>
-        <dgm:cxn modelId="4" srcId="1" destId="12" srcOrd="1" destOrd="0"/>
+        <dgm:cxn modelId="3" srcId="0" destId="1" srcOrd="0" destOrd="0"/>
+        <dgm:cxn modelId="4" srcId="0" destId="2" srcOrd="1" destOrd="0"/>
       </dgm:cxnLst>
       <dgm:bg/>
       <dgm:whole/>
@@ -11476,405 +11599,146 @@
     <dgm:dataModel>
       <dgm:ptLst>
         <dgm:pt modelId="0" type="doc"/>
-        <dgm:pt modelId="1">
-          <dgm:prSet phldr="1"/>
-        </dgm:pt>
-        <dgm:pt modelId="11">
-          <dgm:prSet phldr="1"/>
-        </dgm:pt>
-        <dgm:pt modelId="12">
-          <dgm:prSet phldr="1"/>
-        </dgm:pt>
+        <dgm:pt modelId="1"/>
+        <dgm:pt modelId="2"/>
+        <dgm:pt modelId="3"/>
+        <dgm:pt modelId="4"/>
       </dgm:ptLst>
       <dgm:cxnLst>
-        <dgm:cxn modelId="2" srcId="0" destId="1" srcOrd="0" destOrd="0"/>
-        <dgm:cxn modelId="3" srcId="1" destId="11" srcOrd="0" destOrd="0"/>
-        <dgm:cxn modelId="4" srcId="1" destId="12" srcOrd="1" destOrd="0"/>
+        <dgm:cxn modelId="5" srcId="0" destId="1" srcOrd="0" destOrd="0"/>
+        <dgm:cxn modelId="6" srcId="0" destId="2" srcOrd="1" destOrd="0"/>
+        <dgm:cxn modelId="7" srcId="0" destId="3" srcOrd="2" destOrd="0"/>
+        <dgm:cxn modelId="8" srcId="0" destId="4" srcOrd="3" destOrd="0"/>
       </dgm:cxnLst>
       <dgm:bg/>
       <dgm:whole/>
     </dgm:dataModel>
   </dgm:clrData>
-  <dgm:layoutNode name="vert0">
+  <dgm:layoutNode name="linearFlow">
     <dgm:varLst>
       <dgm:dir/>
-      <dgm:animOne val="branch"/>
-      <dgm:animLvl val="lvl"/>
+      <dgm:resizeHandles val="exact"/>
     </dgm:varLst>
-    <dgm:choose name="Name0">
-      <dgm:if name="Name1" func="var" arg="dir" op="equ" val="norm">
-        <dgm:alg type="lin">
-          <dgm:param type="linDir" val="fromT"/>
-          <dgm:param type="nodeHorzAlign" val="l"/>
-        </dgm:alg>
-      </dgm:if>
-      <dgm:else name="Name2">
-        <dgm:alg type="lin">
-          <dgm:param type="linDir" val="fromT"/>
-          <dgm:param type="nodeHorzAlign" val="r"/>
-        </dgm:alg>
-      </dgm:else>
-    </dgm:choose>
+    <dgm:alg type="lin">
+      <dgm:param type="linDir" val="fromT"/>
+      <dgm:param type="vertAlign" val="mid"/>
+      <dgm:param type="horzAlign" val="ctr"/>
+    </dgm:alg>
     <dgm:shape xmlns:r="http://schemas.openxmlformats.org/officeDocument/2006/relationships" r:blip="">
       <dgm:adjLst/>
     </dgm:shape>
     <dgm:presOf/>
     <dgm:constrLst>
-      <dgm:constr type="w" for="ch" forName="horz1" refType="w"/>
-      <dgm:constr type="h" for="ch" forName="horz1" refType="h"/>
-      <dgm:constr type="h" for="des" forName="vert1" refType="h"/>
-      <dgm:constr type="h" for="des" forName="tx1" refType="h"/>
-      <dgm:constr type="h" for="des" forName="horz2" refType="h"/>
-      <dgm:constr type="h" for="des" forName="vert2" refType="h"/>
-      <dgm:constr type="h" for="des" forName="horz3" refType="h"/>
-      <dgm:constr type="h" for="des" forName="vert3" refType="h"/>
-      <dgm:constr type="h" for="des" forName="horz4" refType="h"/>
-      <dgm:constr type="h" for="des" ptType="node" refType="h"/>
-      <dgm:constr type="primFontSz" for="des" forName="tx1" op="equ" val="65"/>
-      <dgm:constr type="primFontSz" for="des" forName="tx2" op="equ" val="65"/>
-      <dgm:constr type="primFontSz" for="des" forName="tx3" op="equ" val="65"/>
-      <dgm:constr type="primFontSz" for="des" forName="tx4" op="equ" val="65"/>
-      <dgm:constr type="w" for="des" forName="thickLine" refType="w"/>
-      <dgm:constr type="h" for="des" forName="thickLine"/>
-      <dgm:constr type="h" for="des" forName="thinLine1"/>
-      <dgm:constr type="h" for="des" forName="thinLine2b"/>
-      <dgm:constr type="h" for="des" forName="thinLine3"/>
-      <dgm:constr type="h" for="des" forName="vertSpace2a" refType="h" fact="0.05"/>
-      <dgm:constr type="h" for="des" forName="vertSpace2b" refType="h" refFor="des" refForName="vertSpace2a"/>
+      <dgm:constr type="primFontSz" for="des" ptType="node" op="equ" val="65"/>
+      <dgm:constr type="w" for="ch" forName="comp" refType="w"/>
+      <dgm:constr type="h" for="ch" forName="comp" refType="h"/>
+      <dgm:constr type="h" for="ch" forName="sibTrans" refType="w" refFor="ch" refForName="comp" op="equ" fact="0.05"/>
     </dgm:constrLst>
-    <dgm:forEach name="Name3" axis="ch" ptType="node">
-      <dgm:layoutNode name="thickLine" styleLbl="alignNode1">
-        <dgm:alg type="sp"/>
-        <dgm:shape xmlns:r="http://schemas.openxmlformats.org/officeDocument/2006/relationships" type="line" r:blip="">
-          <dgm:adjLst/>
-        </dgm:shape>
-        <dgm:presOf/>
-      </dgm:layoutNode>
-      <dgm:layoutNode name="horz1">
-        <dgm:choose name="Name4">
-          <dgm:if name="Name5" func="var" arg="dir" op="equ" val="norm">
-            <dgm:alg type="lin">
-              <dgm:param type="linDir" val="fromL"/>
-              <dgm:param type="nodeVertAlign" val="t"/>
-            </dgm:alg>
-          </dgm:if>
-          <dgm:else name="Name6">
-            <dgm:alg type="lin">
-              <dgm:param type="linDir" val="fromR"/>
-              <dgm:param type="nodeVertAlign" val="t"/>
-            </dgm:alg>
-          </dgm:else>
-        </dgm:choose>
+    <dgm:ruleLst/>
+    <dgm:forEach name="Name0" axis="ch" ptType="node">
+      <dgm:layoutNode name="comp" styleLbl="node1">
+        <dgm:alg type="composite">
+          <dgm:param type="ar" val="3.30"/>
+        </dgm:alg>
         <dgm:shape xmlns:r="http://schemas.openxmlformats.org/officeDocument/2006/relationships" r:blip="">
           <dgm:adjLst/>
         </dgm:shape>
         <dgm:presOf/>
-        <dgm:choose name="Name7">
-          <dgm:if name="Name8" axis="root des" func="maxDepth" op="equ" val="1">
-            <dgm:constrLst>
-              <dgm:constr type="w" for="ch" forName="tx1" refType="w"/>
-            </dgm:constrLst>
+        <dgm:choose name="Name1">
+          <dgm:if name="Name2" func="var" arg="dir" op="equ" val="norm">
+            <dgm:choose name="Name4">
+              <dgm:if name="Name5" axis="desOrSelf" ptType="node" func="posOdd" op="equ" val="1">
+                <dgm:constrLst>
+                  <dgm:constr type="l" for="ch" forName="rect1" refType="w" fact="0"/>
+                  <dgm:constr type="t" for="ch" forName="rect1" refType="h" fact="0"/>
+                  <dgm:constr type="w" for="ch" forName="rect1" refType="w" fact="0.3"/>
+                  <dgm:constr type="h" for="ch" forName="rect1" refType="h"/>
+                  <dgm:constr type="l" for="ch" forName="rect2" refType="w" fact="0.33"/>
+                  <dgm:constr type="t" for="ch" forName="rect2" refType="h" fact="0"/>
+                  <dgm:constr type="w" for="ch" forName="rect2" refType="w" fact="0.67"/>
+                  <dgm:constr type="h" for="ch" forName="rect2" refType="h"/>
+                </dgm:constrLst>
+              </dgm:if>
+              <dgm:else name="Name6">
+                <dgm:constrLst>
+                  <dgm:constr type="l" for="ch" forName="rect1" refType="w" fact="0.7"/>
+                  <dgm:constr type="t" for="ch" forName="rect1" refType="h" fact="0"/>
+                  <dgm:constr type="w" for="ch" forName="rect1" refType="w" fact="0.3"/>
+                  <dgm:constr type="h" for="ch" forName="rect1" refType="h"/>
+                  <dgm:constr type="l" for="ch" forName="rect2" refType="w" fact="0"/>
+                  <dgm:constr type="t" for="ch" forName="rect2" refType="h" fact="0"/>
+                  <dgm:constr type="w" for="ch" forName="rect2" refType="w" fact="0.67"/>
+                  <dgm:constr type="h" for="ch" forName="rect2" refType="h"/>
+                </dgm:constrLst>
+              </dgm:else>
+            </dgm:choose>
           </dgm:if>
-          <dgm:if name="Name9" axis="root des" func="maxDepth" op="equ" val="2">
-            <dgm:constrLst>
-              <dgm:constr type="w" for="ch" forName="tx1" refType="w" fact="0.2"/>
-              <dgm:constr type="w" for="des" forName="tx2" refType="w" fact="0.785"/>
-              <dgm:constr type="w" for="des" forName="horzSpace2" refType="w" fact="0.015"/>
-              <dgm:constr type="w" for="des" forName="thinLine2b" refType="w" fact="0.8"/>
-            </dgm:constrLst>
-          </dgm:if>
-          <dgm:if name="Name10" axis="root des" func="maxDepth" op="equ" val="3">
-            <dgm:constrLst>
-              <dgm:constr type="w" for="ch" forName="tx1" refType="w" fact="0.2"/>
-              <dgm:constr type="w" for="des" forName="tx2" refType="w" fact="0.385"/>
-              <dgm:constr type="w" for="des" forName="tx3" refType="w" fact="0.385"/>
-              <dgm:constr type="w" for="des" forName="horzSpace2" refType="w" fact="0.015"/>
-              <dgm:constr type="w" for="des" forName="horzSpace3" refType="w" fact="0.015"/>
-              <dgm:constr type="w" for="des" forName="thinLine2b" refType="w" fact="0.8"/>
-              <dgm:constr type="w" for="des" forName="thinLine3" refType="w" fact="0.385"/>
-            </dgm:constrLst>
-          </dgm:if>
-          <dgm:if name="Name11" axis="root des" func="maxDepth" op="gte" val="4">
-            <dgm:constrLst>
-              <dgm:constr type="w" for="ch" forName="tx1" refType="w" fact="0.2"/>
-              <dgm:constr type="w" for="des" forName="tx2" refType="w" fact="0.2516"/>
-              <dgm:constr type="w" for="des" forName="tx3" refType="w" fact="0.2516"/>
-              <dgm:constr type="w" for="des" forName="tx4" refType="w" fact="0.2516"/>
-              <dgm:constr type="w" for="des" forName="horzSpace2" refType="w" fact="0.015"/>
-              <dgm:constr type="w" for="des" forName="horzSpace3" refType="w" fact="0.015"/>
-              <dgm:constr type="w" for="des" forName="horzSpace4" refType="w" fact="0.015"/>
-              <dgm:constr type="w" for="des" forName="thinLine2b" refType="w" fact="0.8"/>
-              <dgm:constr type="w" for="des" forName="thinLine3" refType="w" fact="0.5332"/>
-            </dgm:constrLst>
-          </dgm:if>
-          <dgm:else name="Name12"/>
+          <dgm:else name="Name3">
+            <dgm:choose name="Name7">
+              <dgm:if name="Name8" axis="desOrSelf" ptType="node" func="posOdd" op="equ" val="1">
+                <dgm:constrLst>
+                  <dgm:constr type="l" for="ch" forName="rect1" refType="w" fact="0.7"/>
+                  <dgm:constr type="t" for="ch" forName="rect1" refType="h" fact="0"/>
+                  <dgm:constr type="w" for="ch" forName="rect1" refType="w" fact="0.3"/>
+                  <dgm:constr type="h" for="ch" forName="rect1" refType="h"/>
+                  <dgm:constr type="l" for="ch" forName="rect2" refType="w" fact="0"/>
+                  <dgm:constr type="t" for="ch" forName="rect2" refType="h" fact="0"/>
+                  <dgm:constr type="w" for="ch" forName="rect2" refType="w" fact="0.67"/>
+                  <dgm:constr type="h" for="ch" forName="rect2" refType="h"/>
+                </dgm:constrLst>
+              </dgm:if>
+              <dgm:else name="Name9">
+                <dgm:constrLst>
+                  <dgm:constr type="l" for="ch" forName="rect1" refType="w" fact="0"/>
+                  <dgm:constr type="t" for="ch" forName="rect1" refType="h" fact="0"/>
+                  <dgm:constr type="w" for="ch" forName="rect1" refType="w" fact="0.3"/>
+                  <dgm:constr type="h" for="ch" forName="rect1" refType="h"/>
+                  <dgm:constr type="l" for="ch" forName="rect2" refType="w" fact="0.33"/>
+                  <dgm:constr type="t" for="ch" forName="rect2" refType="h" fact="0"/>
+                  <dgm:constr type="w" for="ch" forName="rect2" refType="w" fact="0.67"/>
+                  <dgm:constr type="h" for="ch" forName="rect2" refType="h"/>
+                </dgm:constrLst>
+              </dgm:else>
+            </dgm:choose>
+          </dgm:else>
         </dgm:choose>
-        <dgm:layoutNode name="tx1" styleLbl="revTx">
-          <dgm:alg type="tx">
-            <dgm:param type="parTxLTRAlign" val="l"/>
-            <dgm:param type="parTxRTLAlign" val="r"/>
-            <dgm:param type="txAnchorVert" val="t"/>
-          </dgm:alg>
+        <dgm:ruleLst/>
+        <dgm:layoutNode name="rect2" styleLbl="node1">
+          <dgm:varLst>
+            <dgm:bulletEnabled val="1"/>
+          </dgm:varLst>
+          <dgm:alg type="tx"/>
           <dgm:shape xmlns:r="http://schemas.openxmlformats.org/officeDocument/2006/relationships" type="rect" r:blip="">
             <dgm:adjLst/>
           </dgm:shape>
-          <dgm:presOf axis="self"/>
+          <dgm:presOf axis="desOrSelf" ptType="node"/>
           <dgm:constrLst>
+            <dgm:constr type="primFontSz" val="65"/>
+            <dgm:constr type="lMarg" refType="primFontSz" fact="0.3"/>
+            <dgm:constr type="rMarg" refType="primFontSz" fact="0.3"/>
             <dgm:constr type="tMarg" refType="primFontSz" fact="0.3"/>
             <dgm:constr type="bMarg" refType="primFontSz" fact="0.3"/>
-            <dgm:constr type="lMarg" refType="primFontSz" fact="0.3"/>
-            <dgm:constr type="rMarg" refType="primFontSz" fact="0.3"/>
           </dgm:constrLst>
           <dgm:ruleLst>
             <dgm:rule type="primFontSz" val="5" fact="NaN" max="NaN"/>
           </dgm:ruleLst>
         </dgm:layoutNode>
-        <dgm:layoutNode name="vert1">
-          <dgm:choose name="Name13">
-            <dgm:if name="Name14" func="var" arg="dir" op="equ" val="norm">
-              <dgm:alg type="lin">
-                <dgm:param type="linDir" val="fromT"/>
-                <dgm:param type="nodeHorzAlign" val="l"/>
-              </dgm:alg>
-            </dgm:if>
-            <dgm:else name="Name15">
-              <dgm:alg type="lin">
-                <dgm:param type="linDir" val="fromT"/>
-                <dgm:param type="nodeHorzAlign" val="r"/>
-              </dgm:alg>
-            </dgm:else>
-          </dgm:choose>
+        <dgm:layoutNode name="rect1" styleLbl="lnNode1">
+          <dgm:alg type="sp"/>
+          <dgm:shape xmlns:r="http://schemas.openxmlformats.org/officeDocument/2006/relationships" type="rect" r:blip="" blipPhldr="1">
+            <dgm:adjLst/>
+          </dgm:shape>
+          <dgm:presOf/>
+        </dgm:layoutNode>
+      </dgm:layoutNode>
+      <dgm:forEach name="sibTransForEach" axis="followSib" ptType="sibTrans" cnt="1">
+        <dgm:layoutNode name="sibTrans">
+          <dgm:alg type="sp"/>
           <dgm:shape xmlns:r="http://schemas.openxmlformats.org/officeDocument/2006/relationships" r:blip="">
             <dgm:adjLst/>
           </dgm:shape>
-          <dgm:presOf/>
-          <dgm:forEach name="Name16" axis="ch" ptType="node">
-            <dgm:choose name="Name17">
-              <dgm:if name="Name18" axis="self" ptType="node" func="pos" op="equ" val="1">
-                <dgm:layoutNode name="vertSpace2a">
-                  <dgm:alg type="sp"/>
-                  <dgm:shape xmlns:r="http://schemas.openxmlformats.org/officeDocument/2006/relationships" r:blip="">
-                    <dgm:adjLst/>
-                  </dgm:shape>
-                  <dgm:presOf/>
-                </dgm:layoutNode>
-              </dgm:if>
-              <dgm:else name="Name19"/>
-            </dgm:choose>
-            <dgm:layoutNode name="horz2">
-              <dgm:choose name="Name20">
-                <dgm:if name="Name21" func="var" arg="dir" op="equ" val="norm">
-                  <dgm:alg type="lin">
-                    <dgm:param type="linDir" val="fromL"/>
-                    <dgm:param type="nodeVertAlign" val="t"/>
-                  </dgm:alg>
-                </dgm:if>
-                <dgm:else name="Name22">
-                  <dgm:alg type="lin">
-                    <dgm:param type="linDir" val="fromR"/>
-                    <dgm:param type="nodeVertAlign" val="t"/>
-                  </dgm:alg>
-                </dgm:else>
-              </dgm:choose>
-              <dgm:shape xmlns:r="http://schemas.openxmlformats.org/officeDocument/2006/relationships" r:blip="">
-                <dgm:adjLst/>
-              </dgm:shape>
-              <dgm:presOf/>
-              <dgm:layoutNode name="horzSpace2">
-                <dgm:alg type="sp"/>
-                <dgm:shape xmlns:r="http://schemas.openxmlformats.org/officeDocument/2006/relationships" r:blip="">
-                  <dgm:adjLst/>
-                </dgm:shape>
-                <dgm:presOf/>
-              </dgm:layoutNode>
-              <dgm:layoutNode name="tx2" styleLbl="revTx">
-                <dgm:alg type="tx">
-                  <dgm:param type="parTxLTRAlign" val="l"/>
-                  <dgm:param type="parTxRTLAlign" val="r"/>
-                  <dgm:param type="txAnchorVert" val="t"/>
-                </dgm:alg>
-                <dgm:shape xmlns:r="http://schemas.openxmlformats.org/officeDocument/2006/relationships" type="rect" r:blip="">
-                  <dgm:adjLst/>
-                </dgm:shape>
-                <dgm:presOf axis="self"/>
-                <dgm:constrLst>
-                  <dgm:constr type="tMarg" refType="primFontSz" fact="0.3"/>
-                  <dgm:constr type="bMarg" refType="primFontSz" fact="0.3"/>
-                  <dgm:constr type="lMarg" refType="primFontSz" fact="0.3"/>
-                  <dgm:constr type="rMarg" refType="primFontSz" fact="0.3"/>
-                </dgm:constrLst>
-                <dgm:ruleLst>
-                  <dgm:rule type="primFontSz" val="5" fact="NaN" max="NaN"/>
-                </dgm:ruleLst>
-              </dgm:layoutNode>
-              <dgm:layoutNode name="vert2">
-                <dgm:choose name="Name23">
-                  <dgm:if name="Name24" func="var" arg="dir" op="equ" val="norm">
-                    <dgm:alg type="lin">
-                      <dgm:param type="linDir" val="fromT"/>
-                      <dgm:param type="nodeHorzAlign" val="l"/>
-                    </dgm:alg>
-                  </dgm:if>
-                  <dgm:else name="Name25">
-                    <dgm:alg type="lin">
-                      <dgm:param type="linDir" val="fromT"/>
-                      <dgm:param type="nodeHorzAlign" val="r"/>
-                    </dgm:alg>
-                  </dgm:else>
-                </dgm:choose>
-                <dgm:shape xmlns:r="http://schemas.openxmlformats.org/officeDocument/2006/relationships" r:blip="">
-                  <dgm:adjLst/>
-                </dgm:shape>
-                <dgm:presOf/>
-                <dgm:forEach name="Name26" axis="ch" ptType="node">
-                  <dgm:layoutNode name="horz3">
-                    <dgm:choose name="Name27">
-                      <dgm:if name="Name28" func="var" arg="dir" op="equ" val="norm">
-                        <dgm:alg type="lin">
-                          <dgm:param type="linDir" val="fromL"/>
-                          <dgm:param type="nodeVertAlign" val="t"/>
-                        </dgm:alg>
-                      </dgm:if>
-                      <dgm:else name="Name29">
-                        <dgm:alg type="lin">
-                          <dgm:param type="linDir" val="fromR"/>
-                          <dgm:param type="nodeVertAlign" val="t"/>
-                        </dgm:alg>
-                      </dgm:else>
-                    </dgm:choose>
-                    <dgm:shape xmlns:r="http://schemas.openxmlformats.org/officeDocument/2006/relationships" r:blip="">
-                      <dgm:adjLst/>
-                    </dgm:shape>
-                    <dgm:presOf/>
-                    <dgm:layoutNode name="horzSpace3">
-                      <dgm:alg type="sp"/>
-                      <dgm:shape xmlns:r="http://schemas.openxmlformats.org/officeDocument/2006/relationships" r:blip="">
-                        <dgm:adjLst/>
-                      </dgm:shape>
-                      <dgm:presOf/>
-                    </dgm:layoutNode>
-                    <dgm:layoutNode name="tx3" styleLbl="revTx">
-                      <dgm:alg type="tx">
-                        <dgm:param type="parTxLTRAlign" val="l"/>
-                        <dgm:param type="parTxRTLAlign" val="r"/>
-                        <dgm:param type="txAnchorVert" val="t"/>
-                      </dgm:alg>
-                      <dgm:shape xmlns:r="http://schemas.openxmlformats.org/officeDocument/2006/relationships" type="rect" r:blip="">
-                        <dgm:adjLst/>
-                      </dgm:shape>
-                      <dgm:presOf axis="self"/>
-                      <dgm:constrLst>
-                        <dgm:constr type="tMarg" refType="primFontSz" fact="0.3"/>
-                        <dgm:constr type="bMarg" refType="primFontSz" fact="0.3"/>
-                        <dgm:constr type="lMarg" refType="primFontSz" fact="0.3"/>
-                        <dgm:constr type="rMarg" refType="primFontSz" fact="0.3"/>
-                      </dgm:constrLst>
-                      <dgm:ruleLst>
-                        <dgm:rule type="primFontSz" val="5" fact="NaN" max="NaN"/>
-                      </dgm:ruleLst>
-                    </dgm:layoutNode>
-                    <dgm:layoutNode name="vert3">
-                      <dgm:choose name="Name30">
-                        <dgm:if name="Name31" func="var" arg="dir" op="equ" val="norm">
-                          <dgm:alg type="lin">
-                            <dgm:param type="linDir" val="fromT"/>
-                            <dgm:param type="nodeHorzAlign" val="l"/>
-                          </dgm:alg>
-                        </dgm:if>
-                        <dgm:else name="Name32">
-                          <dgm:alg type="lin">
-                            <dgm:param type="linDir" val="fromT"/>
-                            <dgm:param type="nodeHorzAlign" val="r"/>
-                          </dgm:alg>
-                        </dgm:else>
-                      </dgm:choose>
-                      <dgm:shape xmlns:r="http://schemas.openxmlformats.org/officeDocument/2006/relationships" r:blip="">
-                        <dgm:adjLst/>
-                      </dgm:shape>
-                      <dgm:presOf/>
-                      <dgm:forEach name="Name33" axis="ch" ptType="node">
-                        <dgm:layoutNode name="horz4">
-                          <dgm:choose name="Name34">
-                            <dgm:if name="Name35" func="var" arg="dir" op="equ" val="norm">
-                              <dgm:alg type="lin">
-                                <dgm:param type="linDir" val="fromL"/>
-                                <dgm:param type="nodeVertAlign" val="t"/>
-                              </dgm:alg>
-                            </dgm:if>
-                            <dgm:else name="Name36">
-                              <dgm:alg type="lin">
-                                <dgm:param type="linDir" val="fromR"/>
-                                <dgm:param type="nodeVertAlign" val="t"/>
-                              </dgm:alg>
-                            </dgm:else>
-                          </dgm:choose>
-                          <dgm:shape xmlns:r="http://schemas.openxmlformats.org/officeDocument/2006/relationships" r:blip="">
-                            <dgm:adjLst/>
-                          </dgm:shape>
-                          <dgm:presOf/>
-                          <dgm:layoutNode name="horzSpace4">
-                            <dgm:alg type="sp"/>
-                            <dgm:shape xmlns:r="http://schemas.openxmlformats.org/officeDocument/2006/relationships" r:blip="">
-                              <dgm:adjLst/>
-                            </dgm:shape>
-                            <dgm:presOf/>
-                          </dgm:layoutNode>
-                          <dgm:layoutNode name="tx4" styleLbl="revTx">
-                            <dgm:varLst>
-                              <dgm:bulletEnabled val="1"/>
-                            </dgm:varLst>
-                            <dgm:alg type="tx">
-                              <dgm:param type="parTxLTRAlign" val="l"/>
-                              <dgm:param type="parTxRTLAlign" val="r"/>
-                              <dgm:param type="txAnchorVert" val="t"/>
-                            </dgm:alg>
-                            <dgm:shape xmlns:r="http://schemas.openxmlformats.org/officeDocument/2006/relationships" type="rect" r:blip="">
-                              <dgm:adjLst/>
-                            </dgm:shape>
-                            <dgm:presOf axis="desOrSelf" ptType="node"/>
-                            <dgm:constrLst>
-                              <dgm:constr type="tMarg" refType="primFontSz" fact="0.3"/>
-                              <dgm:constr type="bMarg" refType="primFontSz" fact="0.3"/>
-                              <dgm:constr type="lMarg" refType="primFontSz" fact="0.3"/>
-                              <dgm:constr type="rMarg" refType="primFontSz" fact="0.3"/>
-                            </dgm:constrLst>
-                            <dgm:ruleLst>
-                              <dgm:rule type="primFontSz" val="5" fact="NaN" max="NaN"/>
-                            </dgm:ruleLst>
-                          </dgm:layoutNode>
-                        </dgm:layoutNode>
-                      </dgm:forEach>
-                    </dgm:layoutNode>
-                  </dgm:layoutNode>
-                  <dgm:forEach name="Name37" axis="followSib" ptType="sibTrans" cnt="1">
-                    <dgm:layoutNode name="thinLine3" styleLbl="callout">
-                      <dgm:alg type="sp"/>
-                      <dgm:shape xmlns:r="http://schemas.openxmlformats.org/officeDocument/2006/relationships" type="line" r:blip="">
-                        <dgm:adjLst/>
-                      </dgm:shape>
-                      <dgm:presOf/>
-                    </dgm:layoutNode>
-                  </dgm:forEach>
-                </dgm:forEach>
-              </dgm:layoutNode>
-            </dgm:layoutNode>
-            <dgm:layoutNode name="thinLine2b" styleLbl="callout">
-              <dgm:alg type="sp"/>
-              <dgm:shape xmlns:r="http://schemas.openxmlformats.org/officeDocument/2006/relationships" type="line" r:blip="">
-                <dgm:adjLst/>
-              </dgm:shape>
-              <dgm:presOf/>
-            </dgm:layoutNode>
-            <dgm:layoutNode name="vertSpace2b">
-              <dgm:alg type="sp"/>
-              <dgm:shape xmlns:r="http://schemas.openxmlformats.org/officeDocument/2006/relationships" r:blip="">
-                <dgm:adjLst/>
-              </dgm:shape>
-              <dgm:presOf/>
-            </dgm:layoutNode>
-          </dgm:forEach>
         </dgm:layoutNode>
-      </dgm:layoutNode>
+      </dgm:forEach>
     </dgm:forEach>
   </dgm:layoutNode>
 </dgm:layoutDef>
@@ -12426,11 +12290,12 @@
 </file>
 
 <file path=ppt/diagrams/layout6.xml><?xml version="1.0" encoding="utf-8"?>
-<dgm:layoutDef xmlns:dgm="http://schemas.openxmlformats.org/drawingml/2006/diagram" xmlns:a="http://schemas.openxmlformats.org/drawingml/2006/main" uniqueId="urn:microsoft.com/office/officeart/2005/8/layout/cycle3">
+<dgm:layoutDef xmlns:dgm="http://schemas.openxmlformats.org/drawingml/2006/diagram" xmlns:a="http://schemas.openxmlformats.org/drawingml/2006/main" uniqueId="urn:microsoft.com/office/officeart/2005/8/layout/cycle6">
   <dgm:title val=""/>
   <dgm:desc val=""/>
   <dgm:catLst>
-    <dgm:cat type="cycle" pri="5000"/>
+    <dgm:cat type="cycle" pri="4000"/>
+    <dgm:cat type="relationship" pri="24000"/>
   </dgm:catLst>
   <dgm:sampData>
     <dgm:dataModel>
@@ -12503,327 +12368,132 @@
       <dgm:whole/>
     </dgm:dataModel>
   </dgm:clrData>
-  <dgm:layoutNode name="Name0">
+  <dgm:layoutNode name="cycle">
     <dgm:varLst>
       <dgm:dir/>
       <dgm:resizeHandles val="exact"/>
     </dgm:varLst>
-    <dgm:choose name="Name1">
-      <dgm:if name="Name2" axis="ch" ptType="node" func="cnt" op="equ" val="2">
-        <dgm:alg type="composite">
-          <dgm:param type="ar" val="0.9"/>
-        </dgm:alg>
-        <dgm:shape xmlns:r="http://schemas.openxmlformats.org/officeDocument/2006/relationships" r:blip="">
+    <dgm:choose name="Name0">
+      <dgm:if name="Name1" func="var" arg="dir" op="equ" val="norm">
+        <dgm:choose name="Name2">
+          <dgm:if name="Name3" axis="ch" ptType="node" func="cnt" op="gt" val="2">
+            <dgm:alg type="cycle">
+              <dgm:param type="stAng" val="0"/>
+              <dgm:param type="spanAng" val="360"/>
+            </dgm:alg>
+          </dgm:if>
+          <dgm:else name="Name4">
+            <dgm:alg type="cycle">
+              <dgm:param type="stAng" val="-90"/>
+              <dgm:param type="spanAng" val="360"/>
+            </dgm:alg>
+          </dgm:else>
+        </dgm:choose>
+      </dgm:if>
+      <dgm:else name="Name5">
+        <dgm:choose name="Name6">
+          <dgm:if name="Name7" axis="ch" ptType="node" func="cnt" op="gt" val="2">
+            <dgm:alg type="cycle">
+              <dgm:param type="stAng" val="0"/>
+              <dgm:param type="spanAng" val="-360"/>
+            </dgm:alg>
+          </dgm:if>
+          <dgm:else name="Name8">
+            <dgm:alg type="cycle">
+              <dgm:param type="stAng" val="90"/>
+              <dgm:param type="spanAng" val="-360"/>
+            </dgm:alg>
+          </dgm:else>
+        </dgm:choose>
+      </dgm:else>
+    </dgm:choose>
+    <dgm:shape xmlns:r="http://schemas.openxmlformats.org/officeDocument/2006/relationships" r:blip="">
+      <dgm:adjLst/>
+    </dgm:shape>
+    <dgm:presOf/>
+    <dgm:choose name="Name9">
+      <dgm:if name="Name10" func="var" arg="dir" op="equ" val="norm">
+        <dgm:constrLst>
+          <dgm:constr type="w" for="ch" forName="node" refType="w"/>
+          <dgm:constr type="w" for="ch" ptType="sibTrans" refType="w" refFor="ch" refForName="node" op="equ" fact="0.3"/>
+          <dgm:constr type="diam" for="ch" ptType="sibTrans" refType="diam" op="equ"/>
+          <dgm:constr type="sibSp" refType="w" refFor="ch" refForName="node" op="equ" fact="0.15"/>
+          <dgm:constr type="w" for="ch" forName="spNode" refType="sibSp" fact="1.6"/>
+          <dgm:constr type="primFontSz" for="ch" forName="node" op="equ" val="65"/>
+        </dgm:constrLst>
+      </dgm:if>
+      <dgm:else name="Name11">
+        <dgm:constrLst>
+          <dgm:constr type="w" for="ch" forName="node" refType="w"/>
+          <dgm:constr type="w" for="ch" ptType="sibTrans" refType="w" refFor="ch" refForName="node" op="equ" fact="0.3"/>
+          <dgm:constr type="diam" for="ch" ptType="sibTrans" refType="diam" op="equ" fact="-1"/>
+          <dgm:constr type="sibSp" refType="w" refFor="ch" refForName="node" op="equ" fact="0.15"/>
+          <dgm:constr type="w" for="ch" forName="spNode" refType="sibSp" fact="1.6"/>
+          <dgm:constr type="primFontSz" for="ch" forName="node" op="equ" val="65"/>
+        </dgm:constrLst>
+      </dgm:else>
+    </dgm:choose>
+    <dgm:ruleLst/>
+    <dgm:forEach name="Name12" axis="ch" ptType="node">
+      <dgm:layoutNode name="node">
+        <dgm:varLst>
+          <dgm:bulletEnabled val="1"/>
+        </dgm:varLst>
+        <dgm:alg type="tx"/>
+        <dgm:shape xmlns:r="http://schemas.openxmlformats.org/officeDocument/2006/relationships" type="roundRect" r:blip="">
           <dgm:adjLst/>
         </dgm:shape>
-        <dgm:presOf/>
+        <dgm:presOf axis="desOrSelf" ptType="node"/>
         <dgm:constrLst>
-          <dgm:constr type="primFontSz" for="ch" ptType="node" op="equ" val="65"/>
-          <dgm:constr type="ctrX" for="ch" forName="node1" refType="w" fact="0.5"/>
-          <dgm:constr type="t" for="ch" forName="node1"/>
-          <dgm:constr type="w" for="ch" forName="node1" refType="w" fact="0.8"/>
-          <dgm:constr type="h" for="ch" forName="node1" refType="w" refFor="ch" refForName="node1" fact="0.5"/>
-          <dgm:constr type="ctrX" for="ch" forName="sibTrans" refType="w" fact="0.5"/>
-          <dgm:constr type="t" for="ch" forName="sibTrans"/>
-          <dgm:constr type="w" for="ch" forName="sibTrans" refType="w" fact="0.8"/>
-          <dgm:constr type="h" for="ch" forName="sibTrans" refType="w" refFor="ch" refForName="node1" fact="0.5"/>
-          <dgm:constr type="userA" for="ch" forName="sibTrans" refType="w" fact="1.07"/>
-          <dgm:constr type="ctrX" for="ch" forName="node2" refType="w" fact="0.5"/>
-          <dgm:constr type="b" for="ch" forName="node2" refType="h"/>
-          <dgm:constr type="w" for="ch" forName="node2" refType="w" fact="0.8"/>
-          <dgm:constr type="h" for="ch" forName="node2" refType="w" refFor="ch" refForName="node1" fact="0.5"/>
-          <dgm:constr type="l" for="ch" forName="sp1"/>
-          <dgm:constr type="t" for="ch" forName="sp1" refType="h" fact="0.5"/>
-          <dgm:constr type="w" for="ch" forName="sp1" val="1"/>
-          <dgm:constr type="h" for="ch" forName="sp1" val="1"/>
-          <dgm:constr type="r" for="ch" forName="sp2" refType="w"/>
-          <dgm:constr type="t" for="ch" forName="sp2" refType="h" fact="0.5"/>
-          <dgm:constr type="w" for="ch" forName="sp2" val="1"/>
-          <dgm:constr type="h" for="ch" forName="sp2" val="1"/>
+          <dgm:constr type="h" refType="w" fact="0.65"/>
+          <dgm:constr type="tMarg" refType="primFontSz" fact="0.3"/>
+          <dgm:constr type="bMarg" refType="primFontSz" fact="0.3"/>
+          <dgm:constr type="lMarg" refType="primFontSz" fact="0.3"/>
+          <dgm:constr type="rMarg" refType="primFontSz" fact="0.3"/>
         </dgm:constrLst>
-        <dgm:ruleLst/>
-      </dgm:if>
-      <dgm:else name="Name3">
-        <dgm:alg type="composite"/>
-        <dgm:shape xmlns:r="http://schemas.openxmlformats.org/officeDocument/2006/relationships" r:blip="">
-          <dgm:adjLst/>
-        </dgm:shape>
-        <dgm:presOf/>
-        <dgm:constrLst>
-          <dgm:constr type="primFontSz" for="ch" ptType="node" op="equ" val="65"/>
-        </dgm:constrLst>
-        <dgm:ruleLst/>
-      </dgm:else>
-    </dgm:choose>
-    <dgm:choose name="Name4">
-      <dgm:if name="Name5" axis="ch" ptType="node" func="cnt" op="equ" val="2">
-        <dgm:layoutNode name="node1">
-          <dgm:varLst>
-            <dgm:bulletEnabled val="1"/>
-          </dgm:varLst>
-          <dgm:alg type="tx"/>
-          <dgm:shape xmlns:r="http://schemas.openxmlformats.org/officeDocument/2006/relationships" type="roundRect" r:blip="">
-            <dgm:adjLst/>
-          </dgm:shape>
-          <dgm:presOf axis="ch desOrSelf" ptType="node node" st="1 1" cnt="1 0"/>
-          <dgm:constrLst>
-            <dgm:constr type="tMarg" refType="primFontSz" fact="0.3"/>
-            <dgm:constr type="bMarg" refType="primFontSz" fact="0.3"/>
-            <dgm:constr type="lMarg" refType="primFontSz" fact="0.3"/>
-            <dgm:constr type="rMarg" refType="primFontSz" fact="0.3"/>
-          </dgm:constrLst>
-          <dgm:ruleLst>
-            <dgm:rule type="primFontSz" val="5" fact="NaN" max="NaN"/>
-          </dgm:ruleLst>
-        </dgm:layoutNode>
-        <dgm:layoutNode name="sibTrans" styleLbl="bgShp">
-          <dgm:choose name="Name6">
-            <dgm:if name="Name7" func="var" arg="dir" op="equ" val="norm">
+        <dgm:ruleLst>
+          <dgm:rule type="primFontSz" val="5" fact="NaN" max="NaN"/>
+        </dgm:ruleLst>
+      </dgm:layoutNode>
+      <dgm:choose name="Name13">
+        <dgm:if name="Name14" axis="par ch" ptType="doc node" func="cnt" op="gt" val="1">
+          <dgm:layoutNode name="spNode">
+            <dgm:alg type="sp"/>
+            <dgm:shape xmlns:r="http://schemas.openxmlformats.org/officeDocument/2006/relationships" r:blip="">
+              <dgm:adjLst/>
+            </dgm:shape>
+            <dgm:presOf/>
+            <dgm:constrLst>
+              <dgm:constr type="h" refType="w"/>
+            </dgm:constrLst>
+            <dgm:ruleLst/>
+          </dgm:layoutNode>
+          <dgm:forEach name="Name15" axis="followSib" ptType="sibTrans" hideLastTrans="0" cnt="1">
+            <dgm:layoutNode name="sibTrans">
               <dgm:alg type="conn">
-                <dgm:param type="connRout" val="longCurve"/>
-                <dgm:param type="begPts" val="midR"/>
-                <dgm:param type="endPts" val="midL"/>
-                <dgm:param type="dstNode" val="node1"/>
+                <dgm:param type="dim" val="1D"/>
+                <dgm:param type="connRout" val="curve"/>
+                <dgm:param type="begPts" val="radial"/>
+                <dgm:param type="endPts" val="radial"/>
+                <dgm:param type="endSty" val="noArr"/>
               </dgm:alg>
-              <dgm:shape xmlns:r="http://schemas.openxmlformats.org/officeDocument/2006/relationships" type="conn" r:blip="" zOrderOff="-2">
+              <dgm:shape xmlns:r="http://schemas.openxmlformats.org/officeDocument/2006/relationships" type="conn" r:blip="">
                 <dgm:adjLst/>
               </dgm:shape>
-              <dgm:presOf axis="ch" ptType="sibTrans"/>
+              <dgm:presOf axis="self"/>
               <dgm:constrLst>
-                <dgm:constr type="userA"/>
-                <dgm:constr type="diam" refType="userA" fact="-1"/>
-                <dgm:constr type="wArH" refType="userA" fact="0.05"/>
-                <dgm:constr type="hArH" refType="userA" fact="0.1"/>
-                <dgm:constr type="stemThick" refType="userA" fact="0.06"/>
-                <dgm:constr type="begPad" refType="connDist" fact="-0.2"/>
-                <dgm:constr type="endPad" refType="connDist" fact="0.05"/>
+                <dgm:constr type="h" refType="w" fact="0.65"/>
+                <dgm:constr type="connDist"/>
+                <dgm:constr type="begPad" refType="connDist" fact="0.01"/>
+                <dgm:constr type="endPad" refType="connDist" fact="0.01"/>
               </dgm:constrLst>
-            </dgm:if>
-            <dgm:else name="Name8">
-              <dgm:alg type="conn">
-                <dgm:param type="connRout" val="longCurve"/>
-                <dgm:param type="begPts" val="midL"/>
-                <dgm:param type="endPts" val="midR"/>
-                <dgm:param type="dstNode" val="node1"/>
-              </dgm:alg>
-              <dgm:shape xmlns:r="http://schemas.openxmlformats.org/officeDocument/2006/relationships" type="conn" r:blip="" zOrderOff="-2">
-                <dgm:adjLst/>
-              </dgm:shape>
-              <dgm:presOf axis="ch" ptType="sibTrans"/>
-              <dgm:constrLst>
-                <dgm:constr type="userA"/>
-                <dgm:constr type="diam" refType="userA"/>
-                <dgm:constr type="wArH" refType="userA" fact="0.05"/>
-                <dgm:constr type="hArH" refType="userA" fact="0.1"/>
-                <dgm:constr type="stemThick" refType="userA" fact="0.06"/>
-                <dgm:constr type="begPad" refType="connDist" fact="-0.2"/>
-                <dgm:constr type="endPad" refType="connDist" fact="0.05"/>
-              </dgm:constrLst>
-            </dgm:else>
-          </dgm:choose>
-          <dgm:ruleLst/>
-        </dgm:layoutNode>
-        <dgm:layoutNode name="node2">
-          <dgm:varLst>
-            <dgm:bulletEnabled val="1"/>
-          </dgm:varLst>
-          <dgm:alg type="tx"/>
-          <dgm:shape xmlns:r="http://schemas.openxmlformats.org/officeDocument/2006/relationships" type="roundRect" r:blip="">
-            <dgm:adjLst/>
-          </dgm:shape>
-          <dgm:presOf axis="ch desOrSelf" ptType="node node" st="2 1" cnt="1 0"/>
-          <dgm:constrLst>
-            <dgm:constr type="tMarg" refType="primFontSz" fact="0.3"/>
-            <dgm:constr type="bMarg" refType="primFontSz" fact="0.3"/>
-            <dgm:constr type="lMarg" refType="primFontSz" fact="0.3"/>
-            <dgm:constr type="rMarg" refType="primFontSz" fact="0.3"/>
-          </dgm:constrLst>
-          <dgm:ruleLst>
-            <dgm:rule type="primFontSz" val="5" fact="NaN" max="NaN"/>
-          </dgm:ruleLst>
-        </dgm:layoutNode>
-        <dgm:layoutNode name="sp1">
-          <dgm:alg type="sp"/>
-          <dgm:shape xmlns:r="http://schemas.openxmlformats.org/officeDocument/2006/relationships" r:blip="">
-            <dgm:adjLst/>
-          </dgm:shape>
-          <dgm:presOf/>
-          <dgm:constrLst/>
-          <dgm:ruleLst/>
-        </dgm:layoutNode>
-        <dgm:layoutNode name="sp2">
-          <dgm:alg type="sp"/>
-          <dgm:shape xmlns:r="http://schemas.openxmlformats.org/officeDocument/2006/relationships" r:blip="">
-            <dgm:adjLst/>
-          </dgm:shape>
-          <dgm:presOf/>
-          <dgm:constrLst/>
-          <dgm:ruleLst/>
-        </dgm:layoutNode>
-      </dgm:if>
-      <dgm:else name="Name9">
-        <dgm:layoutNode name="cycle">
-          <dgm:choose name="Name10">
-            <dgm:if name="Name11" func="var" arg="dir" op="equ" val="norm">
-              <dgm:alg type="cycle">
-                <dgm:param type="stAng" val="0"/>
-                <dgm:param type="spanAng" val="360"/>
-              </dgm:alg>
-              <dgm:shape xmlns:r="http://schemas.openxmlformats.org/officeDocument/2006/relationships" r:blip="">
-                <dgm:adjLst/>
-              </dgm:shape>
-              <dgm:presOf/>
-              <dgm:constrLst>
-                <dgm:constr type="diam" refType="w"/>
-                <dgm:constr type="w" for="ch" ptType="node" refType="w"/>
-                <dgm:constr type="sibSp" val="15"/>
-                <dgm:constr type="userA" for="ch" ptType="sibTrans" refType="diam" op="equ" fact="-1"/>
-                <dgm:constr type="wArH" for="ch" ptType="sibTrans" refType="diam" op="equ" fact="0.05"/>
-                <dgm:constr type="hArH" for="ch" ptType="sibTrans" refType="diam" op="equ" fact="0.1"/>
-                <dgm:constr type="stemThick" for="ch" ptType="sibTrans" refType="diam" op="equ" fact="0.065"/>
-                <dgm:constr type="primFontSz" for="ch" ptType="node" op="equ"/>
-              </dgm:constrLst>
-            </dgm:if>
-            <dgm:else name="Name12">
-              <dgm:alg type="cycle">
-                <dgm:param type="stAng" val="0"/>
-                <dgm:param type="spanAng" val="-360"/>
-              </dgm:alg>
-              <dgm:shape xmlns:r="http://schemas.openxmlformats.org/officeDocument/2006/relationships" r:blip="">
-                <dgm:adjLst/>
-              </dgm:shape>
-              <dgm:presOf/>
-              <dgm:constrLst>
-                <dgm:constr type="diam" refType="w"/>
-                <dgm:constr type="w" for="ch" ptType="node" refType="w"/>
-                <dgm:constr type="sibSp" val="15"/>
-                <dgm:constr type="userA" for="ch" ptType="sibTrans" refType="diam" op="equ"/>
-                <dgm:constr type="wArH" for="ch" ptType="sibTrans" refType="diam" op="equ" fact="0.05"/>
-                <dgm:constr type="hArH" for="ch" ptType="sibTrans" refType="diam" op="equ" fact="0.1"/>
-                <dgm:constr type="stemThick" for="ch" ptType="sibTrans" refType="diam" op="equ" fact="0.065"/>
-                <dgm:constr type="primFontSz" for="ch" ptType="node" op="equ"/>
-              </dgm:constrLst>
-            </dgm:else>
-          </dgm:choose>
-          <dgm:ruleLst/>
-          <dgm:forEach name="nodesFirstNodeForEach" axis="ch" ptType="node" cnt="1">
-            <dgm:layoutNode name="nodeFirstNode">
-              <dgm:varLst>
-                <dgm:bulletEnabled val="1"/>
-              </dgm:varLst>
-              <dgm:alg type="tx"/>
-              <dgm:shape xmlns:r="http://schemas.openxmlformats.org/officeDocument/2006/relationships" type="roundRect" r:blip="">
-                <dgm:adjLst/>
-              </dgm:shape>
-              <dgm:presOf axis="desOrSelf" ptType="node"/>
-              <dgm:constrLst>
-                <dgm:constr type="h" refType="w" fact="0.5"/>
-                <dgm:constr type="primFontSz" val="65"/>
-                <dgm:constr type="tMarg" refType="primFontSz" fact="0.3"/>
-                <dgm:constr type="bMarg" refType="primFontSz" fact="0.3"/>
-                <dgm:constr type="lMarg" refType="primFontSz" fact="0.3"/>
-                <dgm:constr type="rMarg" refType="primFontSz" fact="0.3"/>
-              </dgm:constrLst>
-              <dgm:ruleLst>
-                <dgm:rule type="primFontSz" val="5" fact="NaN" max="NaN"/>
-              </dgm:ruleLst>
-            </dgm:layoutNode>
-            <dgm:forEach name="sibTransForEach" axis="followSib" ptType="sibTrans" cnt="1">
-              <dgm:layoutNode name="sibTransFirstNode" styleLbl="bgShp">
-                <dgm:choose name="Name13">
-                  <dgm:if name="Name14" func="var" arg="dir" op="equ" val="norm">
-                    <dgm:alg type="conn">
-                      <dgm:param type="connRout" val="longCurve"/>
-                      <dgm:param type="begPts" val="midR"/>
-                      <dgm:param type="endPts" val="midL"/>
-                      <dgm:param type="dstNode" val="nodeFirstNode"/>
-                    </dgm:alg>
-                  </dgm:if>
-                  <dgm:else name="Name15">
-                    <dgm:alg type="conn">
-                      <dgm:param type="connRout" val="longCurve"/>
-                      <dgm:param type="begPts" val="midL"/>
-                      <dgm:param type="endPts" val="midR"/>
-                      <dgm:param type="dstNode" val="nodeFirstNode"/>
-                    </dgm:alg>
-                  </dgm:else>
-                </dgm:choose>
-                <dgm:shape xmlns:r="http://schemas.openxmlformats.org/officeDocument/2006/relationships" type="conn" r:blip="" zOrderOff="-2">
-                  <dgm:adjLst/>
-                </dgm:shape>
-                <dgm:presOf axis="self"/>
-                <dgm:choose name="Name16">
-                  <dgm:if name="Name17" axis="par ch" ptType="doc node" func="cnt" op="equ" val="3">
-                    <dgm:constrLst>
-                      <dgm:constr type="userA"/>
-                      <dgm:constr type="diam" refType="userA" fact="1.01"/>
-                      <dgm:constr type="begPad" refType="connDist" fact="-0.2"/>
-                      <dgm:constr type="endPad" refType="connDist" fact="0.05"/>
-                    </dgm:constrLst>
-                  </dgm:if>
-                  <dgm:if name="Name18" axis="par ch" ptType="doc node" func="cnt" op="equ" val="4">
-                    <dgm:constrLst>
-                      <dgm:constr type="userA"/>
-                      <dgm:constr type="diam" refType="userA" fact="1.26"/>
-                      <dgm:constr type="begPad" refType="connDist" fact="-0.2"/>
-                      <dgm:constr type="endPad" refType="connDist" fact="0.05"/>
-                    </dgm:constrLst>
-                  </dgm:if>
-                  <dgm:if name="Name19" axis="par ch" ptType="doc node" func="cnt" op="equ" val="5">
-                    <dgm:constrLst>
-                      <dgm:constr type="userA"/>
-                      <dgm:constr type="diam" refType="userA" fact="1.04"/>
-                      <dgm:constr type="begPad" refType="connDist" fact="-0.2"/>
-                      <dgm:constr type="endPad" refType="connDist" fact="0.05"/>
-                    </dgm:constrLst>
-                  </dgm:if>
-                  <dgm:if name="Name20" axis="par ch" ptType="doc node" func="cnt" op="equ" val="6">
-                    <dgm:constrLst>
-                      <dgm:constr type="userA"/>
-                      <dgm:constr type="diam" refType="userA" fact="1.1"/>
-                      <dgm:constr type="begPad" refType="connDist" fact="-0.2"/>
-                      <dgm:constr type="endPad" refType="connDist" fact="0.05"/>
-                    </dgm:constrLst>
-                  </dgm:if>
-                  <dgm:else name="Name21">
-                    <dgm:constrLst>
-                      <dgm:constr type="userA"/>
-                      <dgm:constr type="diam" refType="userA" fact="1.04"/>
-                      <dgm:constr type="begPad" refType="connDist" fact="-0.2"/>
-                      <dgm:constr type="endPad" refType="connDist" fact="0.05"/>
-                    </dgm:constrLst>
-                  </dgm:else>
-                </dgm:choose>
-                <dgm:ruleLst/>
-              </dgm:layoutNode>
-            </dgm:forEach>
-          </dgm:forEach>
-          <dgm:forEach name="followingNodesForEach" axis="ch" ptType="node" st="2">
-            <dgm:layoutNode name="nodeFollowingNodes">
-              <dgm:varLst>
-                <dgm:bulletEnabled val="1"/>
-              </dgm:varLst>
-              <dgm:alg type="tx"/>
-              <dgm:shape xmlns:r="http://schemas.openxmlformats.org/officeDocument/2006/relationships" type="roundRect" r:blip="">
-                <dgm:adjLst/>
-              </dgm:shape>
-              <dgm:presOf axis="desOrSelf" ptType="node"/>
-              <dgm:constrLst>
-                <dgm:constr type="h" refType="w" fact="0.5"/>
-                <dgm:constr type="primFontSz" val="65"/>
-                <dgm:constr type="tMarg" refType="primFontSz" fact="0.3"/>
-                <dgm:constr type="bMarg" refType="primFontSz" fact="0.3"/>
-                <dgm:constr type="lMarg" refType="primFontSz" fact="0.3"/>
-                <dgm:constr type="rMarg" refType="primFontSz" fact="0.3"/>
-              </dgm:constrLst>
-              <dgm:ruleLst>
-                <dgm:rule type="primFontSz" val="5" fact="NaN" max="NaN"/>
-              </dgm:ruleLst>
+              <dgm:ruleLst/>
             </dgm:layoutNode>
           </dgm:forEach>
-        </dgm:layoutNode>
-      </dgm:else>
-    </dgm:choose>
+        </dgm:if>
+        <dgm:else name="Name16"/>
+      </dgm:choose>
+    </dgm:forEach>
   </dgm:layoutNode>
 </dgm:layoutDef>
 </file>
@@ -19223,7 +18893,7 @@
             <a:fld id="{B61BEF0D-F0BB-DE4B-95CE-6DB70DBA9567}" type="datetimeFigureOut">
               <a:rPr lang="en-US" smtClean="0"/>
               <a:pPr/>
-              <a:t>4/23/2018</a:t>
+              <a:t>4/24/2018</a:t>
             </a:fld>
             <a:endParaRPr lang="en-US" dirty="0"/>
           </a:p>
@@ -19430,7 +19100,7 @@
             <a:fld id="{B61BEF0D-F0BB-DE4B-95CE-6DB70DBA9567}" type="datetimeFigureOut">
               <a:rPr lang="en-US" smtClean="0"/>
               <a:pPr/>
-              <a:t>4/23/2018</a:t>
+              <a:t>4/24/2018</a:t>
             </a:fld>
             <a:endParaRPr lang="en-US" dirty="0"/>
           </a:p>
@@ -19612,7 +19282,7 @@
             <a:fld id="{B61BEF0D-F0BB-DE4B-95CE-6DB70DBA9567}" type="datetimeFigureOut">
               <a:rPr lang="en-US" smtClean="0"/>
               <a:pPr/>
-              <a:t>4/23/2018</a:t>
+              <a:t>4/24/2018</a:t>
             </a:fld>
             <a:endParaRPr lang="en-US" dirty="0"/>
           </a:p>
@@ -19700,6 +19370,1957 @@
     <p:extLst>
       <p:ext uri="{BB962C8B-B14F-4D97-AF65-F5344CB8AC3E}">
         <p14:creationId xmlns:p14="http://schemas.microsoft.com/office/powerpoint/2010/main" val="937162139"/>
+      </p:ext>
+    </p:extLst>
+  </p:cSld>
+  <p:clrMapOvr>
+    <a:masterClrMapping/>
+  </p:clrMapOvr>
+</p:sldLayout>
+</file>
+
+<file path=ppt/slideLayouts/slideLayout12.xml><?xml version="1.0" encoding="utf-8"?>
+<p:sldLayout xmlns:a="http://schemas.openxmlformats.org/drawingml/2006/main" xmlns:r="http://schemas.openxmlformats.org/officeDocument/2006/relationships" xmlns:p="http://schemas.openxmlformats.org/presentationml/2006/main" type="title" preserve="1">
+  <p:cSld name="Diapositiva titolo">
+    <p:spTree>
+      <p:nvGrpSpPr>
+        <p:cNvPr id="1" name=""/>
+        <p:cNvGrpSpPr/>
+        <p:nvPr/>
+      </p:nvGrpSpPr>
+      <p:grpSpPr>
+        <a:xfrm>
+          <a:off x="0" y="0"/>
+          <a:ext cx="0" cy="0"/>
+          <a:chOff x="0" y="0"/>
+          <a:chExt cx="0" cy="0"/>
+        </a:xfrm>
+      </p:grpSpPr>
+      <p:sp>
+        <p:nvSpPr>
+          <p:cNvPr id="2" name="Titolo 1">
+            <a:extLst>
+              <a:ext uri="{FF2B5EF4-FFF2-40B4-BE49-F238E27FC236}">
+                <a16:creationId xmlns:a16="http://schemas.microsoft.com/office/drawing/2014/main" id="{EBE701A4-E425-434E-B928-B124E5282EEA}"/>
+              </a:ext>
+            </a:extLst>
+          </p:cNvPr>
+          <p:cNvSpPr>
+            <a:spLocks noGrp="1"/>
+          </p:cNvSpPr>
+          <p:nvPr>
+            <p:ph type="ctrTitle"/>
+          </p:nvPr>
+        </p:nvSpPr>
+        <p:spPr>
+          <a:xfrm>
+            <a:off x="1524000" y="1122363"/>
+            <a:ext cx="9144000" cy="2387600"/>
+          </a:xfrm>
+        </p:spPr>
+        <p:txBody>
+          <a:bodyPr anchor="b"/>
+          <a:lstStyle>
+            <a:lvl1pPr algn="ctr">
+              <a:defRPr sz="6000"/>
+            </a:lvl1pPr>
+          </a:lstStyle>
+          <a:p>
+            <a:r>
+              <a:rPr lang="it-IT"/>
+              <a:t>Fare clic per modificare lo stile del titolo dello schema</a:t>
+            </a:r>
+          </a:p>
+        </p:txBody>
+      </p:sp>
+      <p:sp>
+        <p:nvSpPr>
+          <p:cNvPr id="3" name="Sottotitolo 2">
+            <a:extLst>
+              <a:ext uri="{FF2B5EF4-FFF2-40B4-BE49-F238E27FC236}">
+                <a16:creationId xmlns:a16="http://schemas.microsoft.com/office/drawing/2014/main" id="{FD5F7279-5241-4494-A030-43D2C8C80D15}"/>
+              </a:ext>
+            </a:extLst>
+          </p:cNvPr>
+          <p:cNvSpPr>
+            <a:spLocks noGrp="1"/>
+          </p:cNvSpPr>
+          <p:nvPr>
+            <p:ph type="subTitle" idx="1"/>
+          </p:nvPr>
+        </p:nvSpPr>
+        <p:spPr>
+          <a:xfrm>
+            <a:off x="1524000" y="3602038"/>
+            <a:ext cx="9144000" cy="1655762"/>
+          </a:xfrm>
+        </p:spPr>
+        <p:txBody>
+          <a:bodyPr/>
+          <a:lstStyle>
+            <a:lvl1pPr marL="0" indent="0" algn="ctr">
+              <a:buNone/>
+              <a:defRPr sz="2400"/>
+            </a:lvl1pPr>
+            <a:lvl2pPr marL="457200" indent="0" algn="ctr">
+              <a:buNone/>
+              <a:defRPr sz="2000"/>
+            </a:lvl2pPr>
+            <a:lvl3pPr marL="914400" indent="0" algn="ctr">
+              <a:buNone/>
+              <a:defRPr sz="1800"/>
+            </a:lvl3pPr>
+            <a:lvl4pPr marL="1371600" indent="0" algn="ctr">
+              <a:buNone/>
+              <a:defRPr sz="1600"/>
+            </a:lvl4pPr>
+            <a:lvl5pPr marL="1828800" indent="0" algn="ctr">
+              <a:buNone/>
+              <a:defRPr sz="1600"/>
+            </a:lvl5pPr>
+            <a:lvl6pPr marL="2286000" indent="0" algn="ctr">
+              <a:buNone/>
+              <a:defRPr sz="1600"/>
+            </a:lvl6pPr>
+            <a:lvl7pPr marL="2743200" indent="0" algn="ctr">
+              <a:buNone/>
+              <a:defRPr sz="1600"/>
+            </a:lvl7pPr>
+            <a:lvl8pPr marL="3200400" indent="0" algn="ctr">
+              <a:buNone/>
+              <a:defRPr sz="1600"/>
+            </a:lvl8pPr>
+            <a:lvl9pPr marL="3657600" indent="0" algn="ctr">
+              <a:buNone/>
+              <a:defRPr sz="1600"/>
+            </a:lvl9pPr>
+          </a:lstStyle>
+          <a:p>
+            <a:r>
+              <a:rPr lang="it-IT"/>
+              <a:t>Fare clic per modificare lo stile del sottotitolo dello schema</a:t>
+            </a:r>
+          </a:p>
+        </p:txBody>
+      </p:sp>
+      <p:sp>
+        <p:nvSpPr>
+          <p:cNvPr id="4" name="Segnaposto data 3">
+            <a:extLst>
+              <a:ext uri="{FF2B5EF4-FFF2-40B4-BE49-F238E27FC236}">
+                <a16:creationId xmlns:a16="http://schemas.microsoft.com/office/drawing/2014/main" id="{0606E946-CFDC-4E72-958D-704535E27FFB}"/>
+              </a:ext>
+            </a:extLst>
+          </p:cNvPr>
+          <p:cNvSpPr>
+            <a:spLocks noGrp="1"/>
+          </p:cNvSpPr>
+          <p:nvPr>
+            <p:ph type="dt" sz="half" idx="10"/>
+          </p:nvPr>
+        </p:nvSpPr>
+        <p:spPr/>
+        <p:txBody>
+          <a:bodyPr/>
+          <a:lstStyle/>
+          <a:p>
+            <a:fld id="{B61BEF0D-F0BB-DE4B-95CE-6DB70DBA9567}" type="datetimeFigureOut">
+              <a:rPr lang="en-US" smtClean="0"/>
+              <a:pPr/>
+              <a:t>4/24/2018</a:t>
+            </a:fld>
+            <a:endParaRPr lang="en-US" dirty="0"/>
+          </a:p>
+        </p:txBody>
+      </p:sp>
+      <p:sp>
+        <p:nvSpPr>
+          <p:cNvPr id="5" name="Segnaposto piè di pagina 4">
+            <a:extLst>
+              <a:ext uri="{FF2B5EF4-FFF2-40B4-BE49-F238E27FC236}">
+                <a16:creationId xmlns:a16="http://schemas.microsoft.com/office/drawing/2014/main" id="{C68FC6EF-6650-4700-AF62-7B36C6E7C4B5}"/>
+              </a:ext>
+            </a:extLst>
+          </p:cNvPr>
+          <p:cNvSpPr>
+            <a:spLocks noGrp="1"/>
+          </p:cNvSpPr>
+          <p:nvPr>
+            <p:ph type="ftr" sz="quarter" idx="11"/>
+          </p:nvPr>
+        </p:nvSpPr>
+        <p:spPr/>
+        <p:txBody>
+          <a:bodyPr/>
+          <a:lstStyle/>
+          <a:p>
+            <a:endParaRPr lang="en-US" dirty="0"/>
+          </a:p>
+        </p:txBody>
+      </p:sp>
+      <p:sp>
+        <p:nvSpPr>
+          <p:cNvPr id="6" name="Segnaposto numero diapositiva 5">
+            <a:extLst>
+              <a:ext uri="{FF2B5EF4-FFF2-40B4-BE49-F238E27FC236}">
+                <a16:creationId xmlns:a16="http://schemas.microsoft.com/office/drawing/2014/main" id="{50B3AF9C-6102-4D9F-A224-FF1EA6ED2157}"/>
+              </a:ext>
+            </a:extLst>
+          </p:cNvPr>
+          <p:cNvSpPr>
+            <a:spLocks noGrp="1"/>
+          </p:cNvSpPr>
+          <p:nvPr>
+            <p:ph type="sldNum" sz="quarter" idx="12"/>
+          </p:nvPr>
+        </p:nvSpPr>
+        <p:spPr/>
+        <p:txBody>
+          <a:bodyPr/>
+          <a:lstStyle/>
+          <a:p>
+            <a:fld id="{D57F1E4F-1CFF-5643-939E-217C01CDF565}" type="slidenum">
+              <a:rPr lang="en-US" smtClean="0"/>
+              <a:pPr/>
+              <a:t>‹N›</a:t>
+            </a:fld>
+            <a:endParaRPr lang="en-US" dirty="0"/>
+          </a:p>
+        </p:txBody>
+      </p:sp>
+    </p:spTree>
+    <p:extLst>
+      <p:ext uri="{BB962C8B-B14F-4D97-AF65-F5344CB8AC3E}">
+        <p14:creationId xmlns:p14="http://schemas.microsoft.com/office/powerpoint/2010/main" val="428589971"/>
+      </p:ext>
+    </p:extLst>
+  </p:cSld>
+  <p:clrMapOvr>
+    <a:masterClrMapping/>
+  </p:clrMapOvr>
+</p:sldLayout>
+</file>
+
+<file path=ppt/slideLayouts/slideLayout13.xml><?xml version="1.0" encoding="utf-8"?>
+<p:sldLayout xmlns:a="http://schemas.openxmlformats.org/drawingml/2006/main" xmlns:r="http://schemas.openxmlformats.org/officeDocument/2006/relationships" xmlns:p="http://schemas.openxmlformats.org/presentationml/2006/main" type="obj" preserve="1">
+  <p:cSld name="Titolo e contenuto">
+    <p:spTree>
+      <p:nvGrpSpPr>
+        <p:cNvPr id="1" name=""/>
+        <p:cNvGrpSpPr/>
+        <p:nvPr/>
+      </p:nvGrpSpPr>
+      <p:grpSpPr>
+        <a:xfrm>
+          <a:off x="0" y="0"/>
+          <a:ext cx="0" cy="0"/>
+          <a:chOff x="0" y="0"/>
+          <a:chExt cx="0" cy="0"/>
+        </a:xfrm>
+      </p:grpSpPr>
+      <p:sp>
+        <p:nvSpPr>
+          <p:cNvPr id="2" name="Titolo 1">
+            <a:extLst>
+              <a:ext uri="{FF2B5EF4-FFF2-40B4-BE49-F238E27FC236}">
+                <a16:creationId xmlns:a16="http://schemas.microsoft.com/office/drawing/2014/main" id="{62AA0897-5811-4E66-92C4-CAE7099182B6}"/>
+              </a:ext>
+            </a:extLst>
+          </p:cNvPr>
+          <p:cNvSpPr>
+            <a:spLocks noGrp="1"/>
+          </p:cNvSpPr>
+          <p:nvPr>
+            <p:ph type="title"/>
+          </p:nvPr>
+        </p:nvSpPr>
+        <p:spPr/>
+        <p:txBody>
+          <a:bodyPr/>
+          <a:lstStyle/>
+          <a:p>
+            <a:r>
+              <a:rPr lang="it-IT"/>
+              <a:t>Fare clic per modificare lo stile del titolo dello schema</a:t>
+            </a:r>
+          </a:p>
+        </p:txBody>
+      </p:sp>
+      <p:sp>
+        <p:nvSpPr>
+          <p:cNvPr id="3" name="Segnaposto contenuto 2">
+            <a:extLst>
+              <a:ext uri="{FF2B5EF4-FFF2-40B4-BE49-F238E27FC236}">
+                <a16:creationId xmlns:a16="http://schemas.microsoft.com/office/drawing/2014/main" id="{A7D5822A-7B39-4331-B1C3-6E043DC9B89E}"/>
+              </a:ext>
+            </a:extLst>
+          </p:cNvPr>
+          <p:cNvSpPr>
+            <a:spLocks noGrp="1"/>
+          </p:cNvSpPr>
+          <p:nvPr>
+            <p:ph idx="1"/>
+          </p:nvPr>
+        </p:nvSpPr>
+        <p:spPr/>
+        <p:txBody>
+          <a:bodyPr/>
+          <a:lstStyle/>
+          <a:p>
+            <a:pPr lvl="0"/>
+            <a:r>
+              <a:rPr lang="it-IT"/>
+              <a:t>Modifica gli stili del testo dello schema</a:t>
+            </a:r>
+          </a:p>
+          <a:p>
+            <a:pPr lvl="1"/>
+            <a:r>
+              <a:rPr lang="it-IT"/>
+              <a:t>Secondo livello</a:t>
+            </a:r>
+          </a:p>
+          <a:p>
+            <a:pPr lvl="2"/>
+            <a:r>
+              <a:rPr lang="it-IT"/>
+              <a:t>Terzo livello</a:t>
+            </a:r>
+          </a:p>
+          <a:p>
+            <a:pPr lvl="3"/>
+            <a:r>
+              <a:rPr lang="it-IT"/>
+              <a:t>Quarto livello</a:t>
+            </a:r>
+          </a:p>
+          <a:p>
+            <a:pPr lvl="4"/>
+            <a:r>
+              <a:rPr lang="it-IT"/>
+              <a:t>Quinto livello</a:t>
+            </a:r>
+          </a:p>
+        </p:txBody>
+      </p:sp>
+      <p:sp>
+        <p:nvSpPr>
+          <p:cNvPr id="4" name="Segnaposto data 3">
+            <a:extLst>
+              <a:ext uri="{FF2B5EF4-FFF2-40B4-BE49-F238E27FC236}">
+                <a16:creationId xmlns:a16="http://schemas.microsoft.com/office/drawing/2014/main" id="{CB21C148-8588-40D8-B348-06D84F34D952}"/>
+              </a:ext>
+            </a:extLst>
+          </p:cNvPr>
+          <p:cNvSpPr>
+            <a:spLocks noGrp="1"/>
+          </p:cNvSpPr>
+          <p:nvPr>
+            <p:ph type="dt" sz="half" idx="10"/>
+          </p:nvPr>
+        </p:nvSpPr>
+        <p:spPr/>
+        <p:txBody>
+          <a:bodyPr/>
+          <a:lstStyle/>
+          <a:p>
+            <a:fld id="{B61BEF0D-F0BB-DE4B-95CE-6DB70DBA9567}" type="datetimeFigureOut">
+              <a:rPr lang="en-US" smtClean="0"/>
+              <a:pPr/>
+              <a:t>4/24/2018</a:t>
+            </a:fld>
+            <a:endParaRPr lang="en-US" dirty="0"/>
+          </a:p>
+        </p:txBody>
+      </p:sp>
+      <p:sp>
+        <p:nvSpPr>
+          <p:cNvPr id="5" name="Segnaposto piè di pagina 4">
+            <a:extLst>
+              <a:ext uri="{FF2B5EF4-FFF2-40B4-BE49-F238E27FC236}">
+                <a16:creationId xmlns:a16="http://schemas.microsoft.com/office/drawing/2014/main" id="{EFDBAF3D-C4E6-42AB-8BCD-D17E9BFCC04E}"/>
+              </a:ext>
+            </a:extLst>
+          </p:cNvPr>
+          <p:cNvSpPr>
+            <a:spLocks noGrp="1"/>
+          </p:cNvSpPr>
+          <p:nvPr>
+            <p:ph type="ftr" sz="quarter" idx="11"/>
+          </p:nvPr>
+        </p:nvSpPr>
+        <p:spPr/>
+        <p:txBody>
+          <a:bodyPr/>
+          <a:lstStyle/>
+          <a:p>
+            <a:endParaRPr lang="en-US" dirty="0"/>
+          </a:p>
+        </p:txBody>
+      </p:sp>
+      <p:sp>
+        <p:nvSpPr>
+          <p:cNvPr id="6" name="Segnaposto numero diapositiva 5">
+            <a:extLst>
+              <a:ext uri="{FF2B5EF4-FFF2-40B4-BE49-F238E27FC236}">
+                <a16:creationId xmlns:a16="http://schemas.microsoft.com/office/drawing/2014/main" id="{C1FE3E76-1759-41D6-99ED-B0C3BC496218}"/>
+              </a:ext>
+            </a:extLst>
+          </p:cNvPr>
+          <p:cNvSpPr>
+            <a:spLocks noGrp="1"/>
+          </p:cNvSpPr>
+          <p:nvPr>
+            <p:ph type="sldNum" sz="quarter" idx="12"/>
+          </p:nvPr>
+        </p:nvSpPr>
+        <p:spPr/>
+        <p:txBody>
+          <a:bodyPr/>
+          <a:lstStyle/>
+          <a:p>
+            <a:fld id="{D57F1E4F-1CFF-5643-939E-217C01CDF565}" type="slidenum">
+              <a:rPr lang="en-US" smtClean="0"/>
+              <a:pPr/>
+              <a:t>‹N›</a:t>
+            </a:fld>
+            <a:endParaRPr lang="en-US" dirty="0"/>
+          </a:p>
+        </p:txBody>
+      </p:sp>
+    </p:spTree>
+    <p:extLst>
+      <p:ext uri="{BB962C8B-B14F-4D97-AF65-F5344CB8AC3E}">
+        <p14:creationId xmlns:p14="http://schemas.microsoft.com/office/powerpoint/2010/main" val="2240670061"/>
+      </p:ext>
+    </p:extLst>
+  </p:cSld>
+  <p:clrMapOvr>
+    <a:masterClrMapping/>
+  </p:clrMapOvr>
+</p:sldLayout>
+</file>
+
+<file path=ppt/slideLayouts/slideLayout14.xml><?xml version="1.0" encoding="utf-8"?>
+<p:sldLayout xmlns:a="http://schemas.openxmlformats.org/drawingml/2006/main" xmlns:r="http://schemas.openxmlformats.org/officeDocument/2006/relationships" xmlns:p="http://schemas.openxmlformats.org/presentationml/2006/main" type="secHead" preserve="1">
+  <p:cSld name="Intestazione sezione">
+    <p:spTree>
+      <p:nvGrpSpPr>
+        <p:cNvPr id="1" name=""/>
+        <p:cNvGrpSpPr/>
+        <p:nvPr/>
+      </p:nvGrpSpPr>
+      <p:grpSpPr>
+        <a:xfrm>
+          <a:off x="0" y="0"/>
+          <a:ext cx="0" cy="0"/>
+          <a:chOff x="0" y="0"/>
+          <a:chExt cx="0" cy="0"/>
+        </a:xfrm>
+      </p:grpSpPr>
+      <p:sp>
+        <p:nvSpPr>
+          <p:cNvPr id="2" name="Titolo 1">
+            <a:extLst>
+              <a:ext uri="{FF2B5EF4-FFF2-40B4-BE49-F238E27FC236}">
+                <a16:creationId xmlns:a16="http://schemas.microsoft.com/office/drawing/2014/main" id="{076FDDED-F1D7-4D63-ACEF-746D3867CDEA}"/>
+              </a:ext>
+            </a:extLst>
+          </p:cNvPr>
+          <p:cNvSpPr>
+            <a:spLocks noGrp="1"/>
+          </p:cNvSpPr>
+          <p:nvPr>
+            <p:ph type="title"/>
+          </p:nvPr>
+        </p:nvSpPr>
+        <p:spPr>
+          <a:xfrm>
+            <a:off x="831850" y="1709738"/>
+            <a:ext cx="10515600" cy="2852737"/>
+          </a:xfrm>
+        </p:spPr>
+        <p:txBody>
+          <a:bodyPr anchor="b"/>
+          <a:lstStyle>
+            <a:lvl1pPr>
+              <a:defRPr sz="6000"/>
+            </a:lvl1pPr>
+          </a:lstStyle>
+          <a:p>
+            <a:r>
+              <a:rPr lang="it-IT"/>
+              <a:t>Fare clic per modificare lo stile del titolo dello schema</a:t>
+            </a:r>
+          </a:p>
+        </p:txBody>
+      </p:sp>
+      <p:sp>
+        <p:nvSpPr>
+          <p:cNvPr id="3" name="Segnaposto testo 2">
+            <a:extLst>
+              <a:ext uri="{FF2B5EF4-FFF2-40B4-BE49-F238E27FC236}">
+                <a16:creationId xmlns:a16="http://schemas.microsoft.com/office/drawing/2014/main" id="{EF085304-38AF-4D2B-9029-70887A4CD45E}"/>
+              </a:ext>
+            </a:extLst>
+          </p:cNvPr>
+          <p:cNvSpPr>
+            <a:spLocks noGrp="1"/>
+          </p:cNvSpPr>
+          <p:nvPr>
+            <p:ph type="body" idx="1"/>
+          </p:nvPr>
+        </p:nvSpPr>
+        <p:spPr>
+          <a:xfrm>
+            <a:off x="831850" y="4589463"/>
+            <a:ext cx="10515600" cy="1500187"/>
+          </a:xfrm>
+        </p:spPr>
+        <p:txBody>
+          <a:bodyPr/>
+          <a:lstStyle>
+            <a:lvl1pPr marL="0" indent="0">
+              <a:buNone/>
+              <a:defRPr sz="2400">
+                <a:solidFill>
+                  <a:schemeClr val="tx1">
+                    <a:tint val="75000"/>
+                  </a:schemeClr>
+                </a:solidFill>
+              </a:defRPr>
+            </a:lvl1pPr>
+            <a:lvl2pPr marL="457200" indent="0">
+              <a:buNone/>
+              <a:defRPr sz="2000">
+                <a:solidFill>
+                  <a:schemeClr val="tx1">
+                    <a:tint val="75000"/>
+                  </a:schemeClr>
+                </a:solidFill>
+              </a:defRPr>
+            </a:lvl2pPr>
+            <a:lvl3pPr marL="914400" indent="0">
+              <a:buNone/>
+              <a:defRPr sz="1800">
+                <a:solidFill>
+                  <a:schemeClr val="tx1">
+                    <a:tint val="75000"/>
+                  </a:schemeClr>
+                </a:solidFill>
+              </a:defRPr>
+            </a:lvl3pPr>
+            <a:lvl4pPr marL="1371600" indent="0">
+              <a:buNone/>
+              <a:defRPr sz="1600">
+                <a:solidFill>
+                  <a:schemeClr val="tx1">
+                    <a:tint val="75000"/>
+                  </a:schemeClr>
+                </a:solidFill>
+              </a:defRPr>
+            </a:lvl4pPr>
+            <a:lvl5pPr marL="1828800" indent="0">
+              <a:buNone/>
+              <a:defRPr sz="1600">
+                <a:solidFill>
+                  <a:schemeClr val="tx1">
+                    <a:tint val="75000"/>
+                  </a:schemeClr>
+                </a:solidFill>
+              </a:defRPr>
+            </a:lvl5pPr>
+            <a:lvl6pPr marL="2286000" indent="0">
+              <a:buNone/>
+              <a:defRPr sz="1600">
+                <a:solidFill>
+                  <a:schemeClr val="tx1">
+                    <a:tint val="75000"/>
+                  </a:schemeClr>
+                </a:solidFill>
+              </a:defRPr>
+            </a:lvl6pPr>
+            <a:lvl7pPr marL="2743200" indent="0">
+              <a:buNone/>
+              <a:defRPr sz="1600">
+                <a:solidFill>
+                  <a:schemeClr val="tx1">
+                    <a:tint val="75000"/>
+                  </a:schemeClr>
+                </a:solidFill>
+              </a:defRPr>
+            </a:lvl7pPr>
+            <a:lvl8pPr marL="3200400" indent="0">
+              <a:buNone/>
+              <a:defRPr sz="1600">
+                <a:solidFill>
+                  <a:schemeClr val="tx1">
+                    <a:tint val="75000"/>
+                  </a:schemeClr>
+                </a:solidFill>
+              </a:defRPr>
+            </a:lvl8pPr>
+            <a:lvl9pPr marL="3657600" indent="0">
+              <a:buNone/>
+              <a:defRPr sz="1600">
+                <a:solidFill>
+                  <a:schemeClr val="tx1">
+                    <a:tint val="75000"/>
+                  </a:schemeClr>
+                </a:solidFill>
+              </a:defRPr>
+            </a:lvl9pPr>
+          </a:lstStyle>
+          <a:p>
+            <a:pPr lvl="0"/>
+            <a:r>
+              <a:rPr lang="it-IT"/>
+              <a:t>Modifica gli stili del testo dello schema</a:t>
+            </a:r>
+          </a:p>
+        </p:txBody>
+      </p:sp>
+      <p:sp>
+        <p:nvSpPr>
+          <p:cNvPr id="4" name="Segnaposto data 3">
+            <a:extLst>
+              <a:ext uri="{FF2B5EF4-FFF2-40B4-BE49-F238E27FC236}">
+                <a16:creationId xmlns:a16="http://schemas.microsoft.com/office/drawing/2014/main" id="{772668F6-166E-4D8F-8666-4938FC07F153}"/>
+              </a:ext>
+            </a:extLst>
+          </p:cNvPr>
+          <p:cNvSpPr>
+            <a:spLocks noGrp="1"/>
+          </p:cNvSpPr>
+          <p:nvPr>
+            <p:ph type="dt" sz="half" idx="10"/>
+          </p:nvPr>
+        </p:nvSpPr>
+        <p:spPr/>
+        <p:txBody>
+          <a:bodyPr/>
+          <a:lstStyle/>
+          <a:p>
+            <a:fld id="{B61BEF0D-F0BB-DE4B-95CE-6DB70DBA9567}" type="datetimeFigureOut">
+              <a:rPr lang="en-US" smtClean="0"/>
+              <a:pPr/>
+              <a:t>4/24/2018</a:t>
+            </a:fld>
+            <a:endParaRPr lang="en-US" dirty="0"/>
+          </a:p>
+        </p:txBody>
+      </p:sp>
+      <p:sp>
+        <p:nvSpPr>
+          <p:cNvPr id="5" name="Segnaposto piè di pagina 4">
+            <a:extLst>
+              <a:ext uri="{FF2B5EF4-FFF2-40B4-BE49-F238E27FC236}">
+                <a16:creationId xmlns:a16="http://schemas.microsoft.com/office/drawing/2014/main" id="{C53AFADB-D993-41B8-AC4E-A4C6774105FF}"/>
+              </a:ext>
+            </a:extLst>
+          </p:cNvPr>
+          <p:cNvSpPr>
+            <a:spLocks noGrp="1"/>
+          </p:cNvSpPr>
+          <p:nvPr>
+            <p:ph type="ftr" sz="quarter" idx="11"/>
+          </p:nvPr>
+        </p:nvSpPr>
+        <p:spPr/>
+        <p:txBody>
+          <a:bodyPr/>
+          <a:lstStyle/>
+          <a:p>
+            <a:endParaRPr lang="en-US" dirty="0"/>
+          </a:p>
+        </p:txBody>
+      </p:sp>
+      <p:sp>
+        <p:nvSpPr>
+          <p:cNvPr id="6" name="Segnaposto numero diapositiva 5">
+            <a:extLst>
+              <a:ext uri="{FF2B5EF4-FFF2-40B4-BE49-F238E27FC236}">
+                <a16:creationId xmlns:a16="http://schemas.microsoft.com/office/drawing/2014/main" id="{F92DA513-A5E4-4E36-929C-1322DACFC988}"/>
+              </a:ext>
+            </a:extLst>
+          </p:cNvPr>
+          <p:cNvSpPr>
+            <a:spLocks noGrp="1"/>
+          </p:cNvSpPr>
+          <p:nvPr>
+            <p:ph type="sldNum" sz="quarter" idx="12"/>
+          </p:nvPr>
+        </p:nvSpPr>
+        <p:spPr/>
+        <p:txBody>
+          <a:bodyPr/>
+          <a:lstStyle/>
+          <a:p>
+            <a:fld id="{D57F1E4F-1CFF-5643-939E-217C01CDF565}" type="slidenum">
+              <a:rPr lang="en-US" smtClean="0"/>
+              <a:pPr/>
+              <a:t>‹N›</a:t>
+            </a:fld>
+            <a:endParaRPr lang="en-US" dirty="0"/>
+          </a:p>
+        </p:txBody>
+      </p:sp>
+    </p:spTree>
+    <p:extLst>
+      <p:ext uri="{BB962C8B-B14F-4D97-AF65-F5344CB8AC3E}">
+        <p14:creationId xmlns:p14="http://schemas.microsoft.com/office/powerpoint/2010/main" val="1447172944"/>
+      </p:ext>
+    </p:extLst>
+  </p:cSld>
+  <p:clrMapOvr>
+    <a:masterClrMapping/>
+  </p:clrMapOvr>
+</p:sldLayout>
+</file>
+
+<file path=ppt/slideLayouts/slideLayout15.xml><?xml version="1.0" encoding="utf-8"?>
+<p:sldLayout xmlns:a="http://schemas.openxmlformats.org/drawingml/2006/main" xmlns:r="http://schemas.openxmlformats.org/officeDocument/2006/relationships" xmlns:p="http://schemas.openxmlformats.org/presentationml/2006/main" type="twoObj" preserve="1">
+  <p:cSld name="Due contenuti">
+    <p:spTree>
+      <p:nvGrpSpPr>
+        <p:cNvPr id="1" name=""/>
+        <p:cNvGrpSpPr/>
+        <p:nvPr/>
+      </p:nvGrpSpPr>
+      <p:grpSpPr>
+        <a:xfrm>
+          <a:off x="0" y="0"/>
+          <a:ext cx="0" cy="0"/>
+          <a:chOff x="0" y="0"/>
+          <a:chExt cx="0" cy="0"/>
+        </a:xfrm>
+      </p:grpSpPr>
+      <p:sp>
+        <p:nvSpPr>
+          <p:cNvPr id="2" name="Titolo 1">
+            <a:extLst>
+              <a:ext uri="{FF2B5EF4-FFF2-40B4-BE49-F238E27FC236}">
+                <a16:creationId xmlns:a16="http://schemas.microsoft.com/office/drawing/2014/main" id="{99FB69BA-6A1B-48A3-9D90-92486301A0CB}"/>
+              </a:ext>
+            </a:extLst>
+          </p:cNvPr>
+          <p:cNvSpPr>
+            <a:spLocks noGrp="1"/>
+          </p:cNvSpPr>
+          <p:nvPr>
+            <p:ph type="title"/>
+          </p:nvPr>
+        </p:nvSpPr>
+        <p:spPr/>
+        <p:txBody>
+          <a:bodyPr/>
+          <a:lstStyle/>
+          <a:p>
+            <a:r>
+              <a:rPr lang="it-IT"/>
+              <a:t>Fare clic per modificare lo stile del titolo dello schema</a:t>
+            </a:r>
+          </a:p>
+        </p:txBody>
+      </p:sp>
+      <p:sp>
+        <p:nvSpPr>
+          <p:cNvPr id="3" name="Segnaposto contenuto 2">
+            <a:extLst>
+              <a:ext uri="{FF2B5EF4-FFF2-40B4-BE49-F238E27FC236}">
+                <a16:creationId xmlns:a16="http://schemas.microsoft.com/office/drawing/2014/main" id="{F217DD33-5C80-4FE6-8EB3-39C1A0C4F2B5}"/>
+              </a:ext>
+            </a:extLst>
+          </p:cNvPr>
+          <p:cNvSpPr>
+            <a:spLocks noGrp="1"/>
+          </p:cNvSpPr>
+          <p:nvPr>
+            <p:ph sz="half" idx="1"/>
+          </p:nvPr>
+        </p:nvSpPr>
+        <p:spPr>
+          <a:xfrm>
+            <a:off x="838200" y="1825625"/>
+            <a:ext cx="5181600" cy="4351338"/>
+          </a:xfrm>
+        </p:spPr>
+        <p:txBody>
+          <a:bodyPr/>
+          <a:lstStyle/>
+          <a:p>
+            <a:pPr lvl="0"/>
+            <a:r>
+              <a:rPr lang="it-IT"/>
+              <a:t>Modifica gli stili del testo dello schema</a:t>
+            </a:r>
+          </a:p>
+          <a:p>
+            <a:pPr lvl="1"/>
+            <a:r>
+              <a:rPr lang="it-IT"/>
+              <a:t>Secondo livello</a:t>
+            </a:r>
+          </a:p>
+          <a:p>
+            <a:pPr lvl="2"/>
+            <a:r>
+              <a:rPr lang="it-IT"/>
+              <a:t>Terzo livello</a:t>
+            </a:r>
+          </a:p>
+          <a:p>
+            <a:pPr lvl="3"/>
+            <a:r>
+              <a:rPr lang="it-IT"/>
+              <a:t>Quarto livello</a:t>
+            </a:r>
+          </a:p>
+          <a:p>
+            <a:pPr lvl="4"/>
+            <a:r>
+              <a:rPr lang="it-IT"/>
+              <a:t>Quinto livello</a:t>
+            </a:r>
+          </a:p>
+        </p:txBody>
+      </p:sp>
+      <p:sp>
+        <p:nvSpPr>
+          <p:cNvPr id="4" name="Segnaposto contenuto 3">
+            <a:extLst>
+              <a:ext uri="{FF2B5EF4-FFF2-40B4-BE49-F238E27FC236}">
+                <a16:creationId xmlns:a16="http://schemas.microsoft.com/office/drawing/2014/main" id="{262A6CCD-CFF8-48CA-9B7B-858E0A35DE94}"/>
+              </a:ext>
+            </a:extLst>
+          </p:cNvPr>
+          <p:cNvSpPr>
+            <a:spLocks noGrp="1"/>
+          </p:cNvSpPr>
+          <p:nvPr>
+            <p:ph sz="half" idx="2"/>
+          </p:nvPr>
+        </p:nvSpPr>
+        <p:spPr>
+          <a:xfrm>
+            <a:off x="6172200" y="1825625"/>
+            <a:ext cx="5181600" cy="4351338"/>
+          </a:xfrm>
+        </p:spPr>
+        <p:txBody>
+          <a:bodyPr/>
+          <a:lstStyle/>
+          <a:p>
+            <a:pPr lvl="0"/>
+            <a:r>
+              <a:rPr lang="it-IT"/>
+              <a:t>Modifica gli stili del testo dello schema</a:t>
+            </a:r>
+          </a:p>
+          <a:p>
+            <a:pPr lvl="1"/>
+            <a:r>
+              <a:rPr lang="it-IT"/>
+              <a:t>Secondo livello</a:t>
+            </a:r>
+          </a:p>
+          <a:p>
+            <a:pPr lvl="2"/>
+            <a:r>
+              <a:rPr lang="it-IT"/>
+              <a:t>Terzo livello</a:t>
+            </a:r>
+          </a:p>
+          <a:p>
+            <a:pPr lvl="3"/>
+            <a:r>
+              <a:rPr lang="it-IT"/>
+              <a:t>Quarto livello</a:t>
+            </a:r>
+          </a:p>
+          <a:p>
+            <a:pPr lvl="4"/>
+            <a:r>
+              <a:rPr lang="it-IT"/>
+              <a:t>Quinto livello</a:t>
+            </a:r>
+          </a:p>
+        </p:txBody>
+      </p:sp>
+      <p:sp>
+        <p:nvSpPr>
+          <p:cNvPr id="5" name="Segnaposto data 4">
+            <a:extLst>
+              <a:ext uri="{FF2B5EF4-FFF2-40B4-BE49-F238E27FC236}">
+                <a16:creationId xmlns:a16="http://schemas.microsoft.com/office/drawing/2014/main" id="{1225BB25-4C0E-4B30-ADDB-E061CDDB2934}"/>
+              </a:ext>
+            </a:extLst>
+          </p:cNvPr>
+          <p:cNvSpPr>
+            <a:spLocks noGrp="1"/>
+          </p:cNvSpPr>
+          <p:nvPr>
+            <p:ph type="dt" sz="half" idx="10"/>
+          </p:nvPr>
+        </p:nvSpPr>
+        <p:spPr/>
+        <p:txBody>
+          <a:bodyPr/>
+          <a:lstStyle/>
+          <a:p>
+            <a:fld id="{B61BEF0D-F0BB-DE4B-95CE-6DB70DBA9567}" type="datetimeFigureOut">
+              <a:rPr lang="en-US" smtClean="0"/>
+              <a:pPr/>
+              <a:t>4/24/2018</a:t>
+            </a:fld>
+            <a:endParaRPr lang="en-US" dirty="0"/>
+          </a:p>
+        </p:txBody>
+      </p:sp>
+      <p:sp>
+        <p:nvSpPr>
+          <p:cNvPr id="6" name="Segnaposto piè di pagina 5">
+            <a:extLst>
+              <a:ext uri="{FF2B5EF4-FFF2-40B4-BE49-F238E27FC236}">
+                <a16:creationId xmlns:a16="http://schemas.microsoft.com/office/drawing/2014/main" id="{154038AA-66F3-4791-B898-B96007DA19F1}"/>
+              </a:ext>
+            </a:extLst>
+          </p:cNvPr>
+          <p:cNvSpPr>
+            <a:spLocks noGrp="1"/>
+          </p:cNvSpPr>
+          <p:nvPr>
+            <p:ph type="ftr" sz="quarter" idx="11"/>
+          </p:nvPr>
+        </p:nvSpPr>
+        <p:spPr/>
+        <p:txBody>
+          <a:bodyPr/>
+          <a:lstStyle/>
+          <a:p>
+            <a:endParaRPr lang="en-US" dirty="0"/>
+          </a:p>
+        </p:txBody>
+      </p:sp>
+      <p:sp>
+        <p:nvSpPr>
+          <p:cNvPr id="7" name="Segnaposto numero diapositiva 6">
+            <a:extLst>
+              <a:ext uri="{FF2B5EF4-FFF2-40B4-BE49-F238E27FC236}">
+                <a16:creationId xmlns:a16="http://schemas.microsoft.com/office/drawing/2014/main" id="{8547AA40-E1FF-41DB-8AD5-8B32436E7BDC}"/>
+              </a:ext>
+            </a:extLst>
+          </p:cNvPr>
+          <p:cNvSpPr>
+            <a:spLocks noGrp="1"/>
+          </p:cNvSpPr>
+          <p:nvPr>
+            <p:ph type="sldNum" sz="quarter" idx="12"/>
+          </p:nvPr>
+        </p:nvSpPr>
+        <p:spPr/>
+        <p:txBody>
+          <a:bodyPr/>
+          <a:lstStyle/>
+          <a:p>
+            <a:fld id="{D57F1E4F-1CFF-5643-939E-217C01CDF565}" type="slidenum">
+              <a:rPr lang="en-US" smtClean="0"/>
+              <a:pPr/>
+              <a:t>‹N›</a:t>
+            </a:fld>
+            <a:endParaRPr lang="en-US" dirty="0"/>
+          </a:p>
+        </p:txBody>
+      </p:sp>
+    </p:spTree>
+    <p:extLst>
+      <p:ext uri="{BB962C8B-B14F-4D97-AF65-F5344CB8AC3E}">
+        <p14:creationId xmlns:p14="http://schemas.microsoft.com/office/powerpoint/2010/main" val="3116743547"/>
+      </p:ext>
+    </p:extLst>
+  </p:cSld>
+  <p:clrMapOvr>
+    <a:masterClrMapping/>
+  </p:clrMapOvr>
+</p:sldLayout>
+</file>
+
+<file path=ppt/slideLayouts/slideLayout16.xml><?xml version="1.0" encoding="utf-8"?>
+<p:sldLayout xmlns:a="http://schemas.openxmlformats.org/drawingml/2006/main" xmlns:r="http://schemas.openxmlformats.org/officeDocument/2006/relationships" xmlns:p="http://schemas.openxmlformats.org/presentationml/2006/main" type="twoTxTwoObj" preserve="1">
+  <p:cSld name="Confronto">
+    <p:spTree>
+      <p:nvGrpSpPr>
+        <p:cNvPr id="1" name=""/>
+        <p:cNvGrpSpPr/>
+        <p:nvPr/>
+      </p:nvGrpSpPr>
+      <p:grpSpPr>
+        <a:xfrm>
+          <a:off x="0" y="0"/>
+          <a:ext cx="0" cy="0"/>
+          <a:chOff x="0" y="0"/>
+          <a:chExt cx="0" cy="0"/>
+        </a:xfrm>
+      </p:grpSpPr>
+      <p:sp>
+        <p:nvSpPr>
+          <p:cNvPr id="2" name="Titolo 1">
+            <a:extLst>
+              <a:ext uri="{FF2B5EF4-FFF2-40B4-BE49-F238E27FC236}">
+                <a16:creationId xmlns:a16="http://schemas.microsoft.com/office/drawing/2014/main" id="{C365DE7C-E733-40FC-BD67-99268D8A0528}"/>
+              </a:ext>
+            </a:extLst>
+          </p:cNvPr>
+          <p:cNvSpPr>
+            <a:spLocks noGrp="1"/>
+          </p:cNvSpPr>
+          <p:nvPr>
+            <p:ph type="title"/>
+          </p:nvPr>
+        </p:nvSpPr>
+        <p:spPr>
+          <a:xfrm>
+            <a:off x="839788" y="365125"/>
+            <a:ext cx="10515600" cy="1325563"/>
+          </a:xfrm>
+        </p:spPr>
+        <p:txBody>
+          <a:bodyPr/>
+          <a:lstStyle/>
+          <a:p>
+            <a:r>
+              <a:rPr lang="it-IT"/>
+              <a:t>Fare clic per modificare lo stile del titolo dello schema</a:t>
+            </a:r>
+          </a:p>
+        </p:txBody>
+      </p:sp>
+      <p:sp>
+        <p:nvSpPr>
+          <p:cNvPr id="3" name="Segnaposto testo 2">
+            <a:extLst>
+              <a:ext uri="{FF2B5EF4-FFF2-40B4-BE49-F238E27FC236}">
+                <a16:creationId xmlns:a16="http://schemas.microsoft.com/office/drawing/2014/main" id="{43F42B01-D82C-4B6C-B6BC-4252C8238A63}"/>
+              </a:ext>
+            </a:extLst>
+          </p:cNvPr>
+          <p:cNvSpPr>
+            <a:spLocks noGrp="1"/>
+          </p:cNvSpPr>
+          <p:nvPr>
+            <p:ph type="body" idx="1"/>
+          </p:nvPr>
+        </p:nvSpPr>
+        <p:spPr>
+          <a:xfrm>
+            <a:off x="839788" y="1681163"/>
+            <a:ext cx="5157787" cy="823912"/>
+          </a:xfrm>
+        </p:spPr>
+        <p:txBody>
+          <a:bodyPr anchor="b"/>
+          <a:lstStyle>
+            <a:lvl1pPr marL="0" indent="0">
+              <a:buNone/>
+              <a:defRPr sz="2400" b="1"/>
+            </a:lvl1pPr>
+            <a:lvl2pPr marL="457200" indent="0">
+              <a:buNone/>
+              <a:defRPr sz="2000" b="1"/>
+            </a:lvl2pPr>
+            <a:lvl3pPr marL="914400" indent="0">
+              <a:buNone/>
+              <a:defRPr sz="1800" b="1"/>
+            </a:lvl3pPr>
+            <a:lvl4pPr marL="1371600" indent="0">
+              <a:buNone/>
+              <a:defRPr sz="1600" b="1"/>
+            </a:lvl4pPr>
+            <a:lvl5pPr marL="1828800" indent="0">
+              <a:buNone/>
+              <a:defRPr sz="1600" b="1"/>
+            </a:lvl5pPr>
+            <a:lvl6pPr marL="2286000" indent="0">
+              <a:buNone/>
+              <a:defRPr sz="1600" b="1"/>
+            </a:lvl6pPr>
+            <a:lvl7pPr marL="2743200" indent="0">
+              <a:buNone/>
+              <a:defRPr sz="1600" b="1"/>
+            </a:lvl7pPr>
+            <a:lvl8pPr marL="3200400" indent="0">
+              <a:buNone/>
+              <a:defRPr sz="1600" b="1"/>
+            </a:lvl8pPr>
+            <a:lvl9pPr marL="3657600" indent="0">
+              <a:buNone/>
+              <a:defRPr sz="1600" b="1"/>
+            </a:lvl9pPr>
+          </a:lstStyle>
+          <a:p>
+            <a:pPr lvl="0"/>
+            <a:r>
+              <a:rPr lang="it-IT"/>
+              <a:t>Modifica gli stili del testo dello schema</a:t>
+            </a:r>
+          </a:p>
+        </p:txBody>
+      </p:sp>
+      <p:sp>
+        <p:nvSpPr>
+          <p:cNvPr id="4" name="Segnaposto contenuto 3">
+            <a:extLst>
+              <a:ext uri="{FF2B5EF4-FFF2-40B4-BE49-F238E27FC236}">
+                <a16:creationId xmlns:a16="http://schemas.microsoft.com/office/drawing/2014/main" id="{EB8E07BB-F103-49C7-B04F-55B2F9600366}"/>
+              </a:ext>
+            </a:extLst>
+          </p:cNvPr>
+          <p:cNvSpPr>
+            <a:spLocks noGrp="1"/>
+          </p:cNvSpPr>
+          <p:nvPr>
+            <p:ph sz="half" idx="2"/>
+          </p:nvPr>
+        </p:nvSpPr>
+        <p:spPr>
+          <a:xfrm>
+            <a:off x="839788" y="2505075"/>
+            <a:ext cx="5157787" cy="3684588"/>
+          </a:xfrm>
+        </p:spPr>
+        <p:txBody>
+          <a:bodyPr/>
+          <a:lstStyle/>
+          <a:p>
+            <a:pPr lvl="0"/>
+            <a:r>
+              <a:rPr lang="it-IT"/>
+              <a:t>Modifica gli stili del testo dello schema</a:t>
+            </a:r>
+          </a:p>
+          <a:p>
+            <a:pPr lvl="1"/>
+            <a:r>
+              <a:rPr lang="it-IT"/>
+              <a:t>Secondo livello</a:t>
+            </a:r>
+          </a:p>
+          <a:p>
+            <a:pPr lvl="2"/>
+            <a:r>
+              <a:rPr lang="it-IT"/>
+              <a:t>Terzo livello</a:t>
+            </a:r>
+          </a:p>
+          <a:p>
+            <a:pPr lvl="3"/>
+            <a:r>
+              <a:rPr lang="it-IT"/>
+              <a:t>Quarto livello</a:t>
+            </a:r>
+          </a:p>
+          <a:p>
+            <a:pPr lvl="4"/>
+            <a:r>
+              <a:rPr lang="it-IT"/>
+              <a:t>Quinto livello</a:t>
+            </a:r>
+          </a:p>
+        </p:txBody>
+      </p:sp>
+      <p:sp>
+        <p:nvSpPr>
+          <p:cNvPr id="5" name="Segnaposto testo 4">
+            <a:extLst>
+              <a:ext uri="{FF2B5EF4-FFF2-40B4-BE49-F238E27FC236}">
+                <a16:creationId xmlns:a16="http://schemas.microsoft.com/office/drawing/2014/main" id="{7E701638-7AF4-4EB7-AF67-2954D60191B7}"/>
+              </a:ext>
+            </a:extLst>
+          </p:cNvPr>
+          <p:cNvSpPr>
+            <a:spLocks noGrp="1"/>
+          </p:cNvSpPr>
+          <p:nvPr>
+            <p:ph type="body" sz="quarter" idx="3"/>
+          </p:nvPr>
+        </p:nvSpPr>
+        <p:spPr>
+          <a:xfrm>
+            <a:off x="6172200" y="1681163"/>
+            <a:ext cx="5183188" cy="823912"/>
+          </a:xfrm>
+        </p:spPr>
+        <p:txBody>
+          <a:bodyPr anchor="b"/>
+          <a:lstStyle>
+            <a:lvl1pPr marL="0" indent="0">
+              <a:buNone/>
+              <a:defRPr sz="2400" b="1"/>
+            </a:lvl1pPr>
+            <a:lvl2pPr marL="457200" indent="0">
+              <a:buNone/>
+              <a:defRPr sz="2000" b="1"/>
+            </a:lvl2pPr>
+            <a:lvl3pPr marL="914400" indent="0">
+              <a:buNone/>
+              <a:defRPr sz="1800" b="1"/>
+            </a:lvl3pPr>
+            <a:lvl4pPr marL="1371600" indent="0">
+              <a:buNone/>
+              <a:defRPr sz="1600" b="1"/>
+            </a:lvl4pPr>
+            <a:lvl5pPr marL="1828800" indent="0">
+              <a:buNone/>
+              <a:defRPr sz="1600" b="1"/>
+            </a:lvl5pPr>
+            <a:lvl6pPr marL="2286000" indent="0">
+              <a:buNone/>
+              <a:defRPr sz="1600" b="1"/>
+            </a:lvl6pPr>
+            <a:lvl7pPr marL="2743200" indent="0">
+              <a:buNone/>
+              <a:defRPr sz="1600" b="1"/>
+            </a:lvl7pPr>
+            <a:lvl8pPr marL="3200400" indent="0">
+              <a:buNone/>
+              <a:defRPr sz="1600" b="1"/>
+            </a:lvl8pPr>
+            <a:lvl9pPr marL="3657600" indent="0">
+              <a:buNone/>
+              <a:defRPr sz="1600" b="1"/>
+            </a:lvl9pPr>
+          </a:lstStyle>
+          <a:p>
+            <a:pPr lvl="0"/>
+            <a:r>
+              <a:rPr lang="it-IT"/>
+              <a:t>Modifica gli stili del testo dello schema</a:t>
+            </a:r>
+          </a:p>
+        </p:txBody>
+      </p:sp>
+      <p:sp>
+        <p:nvSpPr>
+          <p:cNvPr id="6" name="Segnaposto contenuto 5">
+            <a:extLst>
+              <a:ext uri="{FF2B5EF4-FFF2-40B4-BE49-F238E27FC236}">
+                <a16:creationId xmlns:a16="http://schemas.microsoft.com/office/drawing/2014/main" id="{44BFA688-78D2-4F38-81A0-BA032B425CCE}"/>
+              </a:ext>
+            </a:extLst>
+          </p:cNvPr>
+          <p:cNvSpPr>
+            <a:spLocks noGrp="1"/>
+          </p:cNvSpPr>
+          <p:nvPr>
+            <p:ph sz="quarter" idx="4"/>
+          </p:nvPr>
+        </p:nvSpPr>
+        <p:spPr>
+          <a:xfrm>
+            <a:off x="6172200" y="2505075"/>
+            <a:ext cx="5183188" cy="3684588"/>
+          </a:xfrm>
+        </p:spPr>
+        <p:txBody>
+          <a:bodyPr/>
+          <a:lstStyle/>
+          <a:p>
+            <a:pPr lvl="0"/>
+            <a:r>
+              <a:rPr lang="it-IT"/>
+              <a:t>Modifica gli stili del testo dello schema</a:t>
+            </a:r>
+          </a:p>
+          <a:p>
+            <a:pPr lvl="1"/>
+            <a:r>
+              <a:rPr lang="it-IT"/>
+              <a:t>Secondo livello</a:t>
+            </a:r>
+          </a:p>
+          <a:p>
+            <a:pPr lvl="2"/>
+            <a:r>
+              <a:rPr lang="it-IT"/>
+              <a:t>Terzo livello</a:t>
+            </a:r>
+          </a:p>
+          <a:p>
+            <a:pPr lvl="3"/>
+            <a:r>
+              <a:rPr lang="it-IT"/>
+              <a:t>Quarto livello</a:t>
+            </a:r>
+          </a:p>
+          <a:p>
+            <a:pPr lvl="4"/>
+            <a:r>
+              <a:rPr lang="it-IT"/>
+              <a:t>Quinto livello</a:t>
+            </a:r>
+          </a:p>
+        </p:txBody>
+      </p:sp>
+      <p:sp>
+        <p:nvSpPr>
+          <p:cNvPr id="7" name="Segnaposto data 6">
+            <a:extLst>
+              <a:ext uri="{FF2B5EF4-FFF2-40B4-BE49-F238E27FC236}">
+                <a16:creationId xmlns:a16="http://schemas.microsoft.com/office/drawing/2014/main" id="{7D82C19F-B8B2-4308-918F-13CF359CA47A}"/>
+              </a:ext>
+            </a:extLst>
+          </p:cNvPr>
+          <p:cNvSpPr>
+            <a:spLocks noGrp="1"/>
+          </p:cNvSpPr>
+          <p:nvPr>
+            <p:ph type="dt" sz="half" idx="10"/>
+          </p:nvPr>
+        </p:nvSpPr>
+        <p:spPr/>
+        <p:txBody>
+          <a:bodyPr/>
+          <a:lstStyle/>
+          <a:p>
+            <a:fld id="{B61BEF0D-F0BB-DE4B-95CE-6DB70DBA9567}" type="datetimeFigureOut">
+              <a:rPr lang="en-US" smtClean="0"/>
+              <a:pPr/>
+              <a:t>4/24/2018</a:t>
+            </a:fld>
+            <a:endParaRPr lang="en-US" dirty="0"/>
+          </a:p>
+        </p:txBody>
+      </p:sp>
+      <p:sp>
+        <p:nvSpPr>
+          <p:cNvPr id="8" name="Segnaposto piè di pagina 7">
+            <a:extLst>
+              <a:ext uri="{FF2B5EF4-FFF2-40B4-BE49-F238E27FC236}">
+                <a16:creationId xmlns:a16="http://schemas.microsoft.com/office/drawing/2014/main" id="{04A5577D-55A4-4380-9FBD-C8862992DE0C}"/>
+              </a:ext>
+            </a:extLst>
+          </p:cNvPr>
+          <p:cNvSpPr>
+            <a:spLocks noGrp="1"/>
+          </p:cNvSpPr>
+          <p:nvPr>
+            <p:ph type="ftr" sz="quarter" idx="11"/>
+          </p:nvPr>
+        </p:nvSpPr>
+        <p:spPr/>
+        <p:txBody>
+          <a:bodyPr/>
+          <a:lstStyle/>
+          <a:p>
+            <a:endParaRPr lang="en-US" dirty="0"/>
+          </a:p>
+        </p:txBody>
+      </p:sp>
+      <p:sp>
+        <p:nvSpPr>
+          <p:cNvPr id="9" name="Segnaposto numero diapositiva 8">
+            <a:extLst>
+              <a:ext uri="{FF2B5EF4-FFF2-40B4-BE49-F238E27FC236}">
+                <a16:creationId xmlns:a16="http://schemas.microsoft.com/office/drawing/2014/main" id="{764B645A-345E-42AA-A557-445F050E6646}"/>
+              </a:ext>
+            </a:extLst>
+          </p:cNvPr>
+          <p:cNvSpPr>
+            <a:spLocks noGrp="1"/>
+          </p:cNvSpPr>
+          <p:nvPr>
+            <p:ph type="sldNum" sz="quarter" idx="12"/>
+          </p:nvPr>
+        </p:nvSpPr>
+        <p:spPr/>
+        <p:txBody>
+          <a:bodyPr/>
+          <a:lstStyle/>
+          <a:p>
+            <a:fld id="{D57F1E4F-1CFF-5643-939E-217C01CDF565}" type="slidenum">
+              <a:rPr lang="en-US" smtClean="0"/>
+              <a:pPr/>
+              <a:t>‹N›</a:t>
+            </a:fld>
+            <a:endParaRPr lang="en-US" dirty="0"/>
+          </a:p>
+        </p:txBody>
+      </p:sp>
+    </p:spTree>
+    <p:extLst>
+      <p:ext uri="{BB962C8B-B14F-4D97-AF65-F5344CB8AC3E}">
+        <p14:creationId xmlns:p14="http://schemas.microsoft.com/office/powerpoint/2010/main" val="1013546555"/>
+      </p:ext>
+    </p:extLst>
+  </p:cSld>
+  <p:clrMapOvr>
+    <a:masterClrMapping/>
+  </p:clrMapOvr>
+</p:sldLayout>
+</file>
+
+<file path=ppt/slideLayouts/slideLayout17.xml><?xml version="1.0" encoding="utf-8"?>
+<p:sldLayout xmlns:a="http://schemas.openxmlformats.org/drawingml/2006/main" xmlns:r="http://schemas.openxmlformats.org/officeDocument/2006/relationships" xmlns:p="http://schemas.openxmlformats.org/presentationml/2006/main" type="titleOnly" preserve="1">
+  <p:cSld name="Solo titolo">
+    <p:spTree>
+      <p:nvGrpSpPr>
+        <p:cNvPr id="1" name=""/>
+        <p:cNvGrpSpPr/>
+        <p:nvPr/>
+      </p:nvGrpSpPr>
+      <p:grpSpPr>
+        <a:xfrm>
+          <a:off x="0" y="0"/>
+          <a:ext cx="0" cy="0"/>
+          <a:chOff x="0" y="0"/>
+          <a:chExt cx="0" cy="0"/>
+        </a:xfrm>
+      </p:grpSpPr>
+      <p:sp>
+        <p:nvSpPr>
+          <p:cNvPr id="2" name="Titolo 1">
+            <a:extLst>
+              <a:ext uri="{FF2B5EF4-FFF2-40B4-BE49-F238E27FC236}">
+                <a16:creationId xmlns:a16="http://schemas.microsoft.com/office/drawing/2014/main" id="{BAAC38EC-BE48-48D1-8CCC-BFBE1E00A967}"/>
+              </a:ext>
+            </a:extLst>
+          </p:cNvPr>
+          <p:cNvSpPr>
+            <a:spLocks noGrp="1"/>
+          </p:cNvSpPr>
+          <p:nvPr>
+            <p:ph type="title"/>
+          </p:nvPr>
+        </p:nvSpPr>
+        <p:spPr/>
+        <p:txBody>
+          <a:bodyPr/>
+          <a:lstStyle/>
+          <a:p>
+            <a:r>
+              <a:rPr lang="it-IT"/>
+              <a:t>Fare clic per modificare lo stile del titolo dello schema</a:t>
+            </a:r>
+          </a:p>
+        </p:txBody>
+      </p:sp>
+      <p:sp>
+        <p:nvSpPr>
+          <p:cNvPr id="3" name="Segnaposto data 2">
+            <a:extLst>
+              <a:ext uri="{FF2B5EF4-FFF2-40B4-BE49-F238E27FC236}">
+                <a16:creationId xmlns:a16="http://schemas.microsoft.com/office/drawing/2014/main" id="{ADF2A929-5405-436E-953E-3394522851A0}"/>
+              </a:ext>
+            </a:extLst>
+          </p:cNvPr>
+          <p:cNvSpPr>
+            <a:spLocks noGrp="1"/>
+          </p:cNvSpPr>
+          <p:nvPr>
+            <p:ph type="dt" sz="half" idx="10"/>
+          </p:nvPr>
+        </p:nvSpPr>
+        <p:spPr/>
+        <p:txBody>
+          <a:bodyPr/>
+          <a:lstStyle/>
+          <a:p>
+            <a:fld id="{B61BEF0D-F0BB-DE4B-95CE-6DB70DBA9567}" type="datetimeFigureOut">
+              <a:rPr lang="en-US" smtClean="0"/>
+              <a:pPr/>
+              <a:t>4/24/2018</a:t>
+            </a:fld>
+            <a:endParaRPr lang="en-US" dirty="0"/>
+          </a:p>
+        </p:txBody>
+      </p:sp>
+      <p:sp>
+        <p:nvSpPr>
+          <p:cNvPr id="4" name="Segnaposto piè di pagina 3">
+            <a:extLst>
+              <a:ext uri="{FF2B5EF4-FFF2-40B4-BE49-F238E27FC236}">
+                <a16:creationId xmlns:a16="http://schemas.microsoft.com/office/drawing/2014/main" id="{A2A151E6-C3CA-4E25-8F3E-6A921499FF06}"/>
+              </a:ext>
+            </a:extLst>
+          </p:cNvPr>
+          <p:cNvSpPr>
+            <a:spLocks noGrp="1"/>
+          </p:cNvSpPr>
+          <p:nvPr>
+            <p:ph type="ftr" sz="quarter" idx="11"/>
+          </p:nvPr>
+        </p:nvSpPr>
+        <p:spPr/>
+        <p:txBody>
+          <a:bodyPr/>
+          <a:lstStyle/>
+          <a:p>
+            <a:endParaRPr lang="en-US" dirty="0"/>
+          </a:p>
+        </p:txBody>
+      </p:sp>
+      <p:sp>
+        <p:nvSpPr>
+          <p:cNvPr id="5" name="Segnaposto numero diapositiva 4">
+            <a:extLst>
+              <a:ext uri="{FF2B5EF4-FFF2-40B4-BE49-F238E27FC236}">
+                <a16:creationId xmlns:a16="http://schemas.microsoft.com/office/drawing/2014/main" id="{D15E5F7E-A50C-4602-8457-869691E503A7}"/>
+              </a:ext>
+            </a:extLst>
+          </p:cNvPr>
+          <p:cNvSpPr>
+            <a:spLocks noGrp="1"/>
+          </p:cNvSpPr>
+          <p:nvPr>
+            <p:ph type="sldNum" sz="quarter" idx="12"/>
+          </p:nvPr>
+        </p:nvSpPr>
+        <p:spPr/>
+        <p:txBody>
+          <a:bodyPr/>
+          <a:lstStyle/>
+          <a:p>
+            <a:fld id="{D57F1E4F-1CFF-5643-939E-217C01CDF565}" type="slidenum">
+              <a:rPr lang="en-US" smtClean="0"/>
+              <a:pPr/>
+              <a:t>‹N›</a:t>
+            </a:fld>
+            <a:endParaRPr lang="en-US" dirty="0"/>
+          </a:p>
+        </p:txBody>
+      </p:sp>
+    </p:spTree>
+    <p:extLst>
+      <p:ext uri="{BB962C8B-B14F-4D97-AF65-F5344CB8AC3E}">
+        <p14:creationId xmlns:p14="http://schemas.microsoft.com/office/powerpoint/2010/main" val="71020675"/>
+      </p:ext>
+    </p:extLst>
+  </p:cSld>
+  <p:clrMapOvr>
+    <a:masterClrMapping/>
+  </p:clrMapOvr>
+</p:sldLayout>
+</file>
+
+<file path=ppt/slideLayouts/slideLayout18.xml><?xml version="1.0" encoding="utf-8"?>
+<p:sldLayout xmlns:a="http://schemas.openxmlformats.org/drawingml/2006/main" xmlns:r="http://schemas.openxmlformats.org/officeDocument/2006/relationships" xmlns:p="http://schemas.openxmlformats.org/presentationml/2006/main" type="blank" preserve="1">
+  <p:cSld name="Vuota">
+    <p:spTree>
+      <p:nvGrpSpPr>
+        <p:cNvPr id="1" name=""/>
+        <p:cNvGrpSpPr/>
+        <p:nvPr/>
+      </p:nvGrpSpPr>
+      <p:grpSpPr>
+        <a:xfrm>
+          <a:off x="0" y="0"/>
+          <a:ext cx="0" cy="0"/>
+          <a:chOff x="0" y="0"/>
+          <a:chExt cx="0" cy="0"/>
+        </a:xfrm>
+      </p:grpSpPr>
+      <p:sp>
+        <p:nvSpPr>
+          <p:cNvPr id="2" name="Segnaposto data 1">
+            <a:extLst>
+              <a:ext uri="{FF2B5EF4-FFF2-40B4-BE49-F238E27FC236}">
+                <a16:creationId xmlns:a16="http://schemas.microsoft.com/office/drawing/2014/main" id="{9F2B41BB-D12C-41E6-95DF-CEFE69C15CFC}"/>
+              </a:ext>
+            </a:extLst>
+          </p:cNvPr>
+          <p:cNvSpPr>
+            <a:spLocks noGrp="1"/>
+          </p:cNvSpPr>
+          <p:nvPr>
+            <p:ph type="dt" sz="half" idx="10"/>
+          </p:nvPr>
+        </p:nvSpPr>
+        <p:spPr/>
+        <p:txBody>
+          <a:bodyPr/>
+          <a:lstStyle/>
+          <a:p>
+            <a:fld id="{B61BEF0D-F0BB-DE4B-95CE-6DB70DBA9567}" type="datetimeFigureOut">
+              <a:rPr lang="en-US" smtClean="0"/>
+              <a:pPr/>
+              <a:t>4/24/2018</a:t>
+            </a:fld>
+            <a:endParaRPr lang="en-US" dirty="0"/>
+          </a:p>
+        </p:txBody>
+      </p:sp>
+      <p:sp>
+        <p:nvSpPr>
+          <p:cNvPr id="3" name="Segnaposto piè di pagina 2">
+            <a:extLst>
+              <a:ext uri="{FF2B5EF4-FFF2-40B4-BE49-F238E27FC236}">
+                <a16:creationId xmlns:a16="http://schemas.microsoft.com/office/drawing/2014/main" id="{3061D88E-E3A0-48FE-8567-D837D2DF5189}"/>
+              </a:ext>
+            </a:extLst>
+          </p:cNvPr>
+          <p:cNvSpPr>
+            <a:spLocks noGrp="1"/>
+          </p:cNvSpPr>
+          <p:nvPr>
+            <p:ph type="ftr" sz="quarter" idx="11"/>
+          </p:nvPr>
+        </p:nvSpPr>
+        <p:spPr/>
+        <p:txBody>
+          <a:bodyPr/>
+          <a:lstStyle/>
+          <a:p>
+            <a:endParaRPr lang="en-US" dirty="0"/>
+          </a:p>
+        </p:txBody>
+      </p:sp>
+      <p:sp>
+        <p:nvSpPr>
+          <p:cNvPr id="4" name="Segnaposto numero diapositiva 3">
+            <a:extLst>
+              <a:ext uri="{FF2B5EF4-FFF2-40B4-BE49-F238E27FC236}">
+                <a16:creationId xmlns:a16="http://schemas.microsoft.com/office/drawing/2014/main" id="{A806C045-583E-45A3-B626-0455D54B3E81}"/>
+              </a:ext>
+            </a:extLst>
+          </p:cNvPr>
+          <p:cNvSpPr>
+            <a:spLocks noGrp="1"/>
+          </p:cNvSpPr>
+          <p:nvPr>
+            <p:ph type="sldNum" sz="quarter" idx="12"/>
+          </p:nvPr>
+        </p:nvSpPr>
+        <p:spPr/>
+        <p:txBody>
+          <a:bodyPr/>
+          <a:lstStyle/>
+          <a:p>
+            <a:fld id="{D57F1E4F-1CFF-5643-939E-217C01CDF565}" type="slidenum">
+              <a:rPr lang="en-US" smtClean="0"/>
+              <a:pPr/>
+              <a:t>‹N›</a:t>
+            </a:fld>
+            <a:endParaRPr lang="en-US" dirty="0"/>
+          </a:p>
+        </p:txBody>
+      </p:sp>
+    </p:spTree>
+    <p:extLst>
+      <p:ext uri="{BB962C8B-B14F-4D97-AF65-F5344CB8AC3E}">
+        <p14:creationId xmlns:p14="http://schemas.microsoft.com/office/powerpoint/2010/main" val="391983219"/>
+      </p:ext>
+    </p:extLst>
+  </p:cSld>
+  <p:clrMapOvr>
+    <a:masterClrMapping/>
+  </p:clrMapOvr>
+</p:sldLayout>
+</file>
+
+<file path=ppt/slideLayouts/slideLayout19.xml><?xml version="1.0" encoding="utf-8"?>
+<p:sldLayout xmlns:a="http://schemas.openxmlformats.org/drawingml/2006/main" xmlns:r="http://schemas.openxmlformats.org/officeDocument/2006/relationships" xmlns:p="http://schemas.openxmlformats.org/presentationml/2006/main" type="objTx" preserve="1">
+  <p:cSld name="Contenuto con didascalia">
+    <p:spTree>
+      <p:nvGrpSpPr>
+        <p:cNvPr id="1" name=""/>
+        <p:cNvGrpSpPr/>
+        <p:nvPr/>
+      </p:nvGrpSpPr>
+      <p:grpSpPr>
+        <a:xfrm>
+          <a:off x="0" y="0"/>
+          <a:ext cx="0" cy="0"/>
+          <a:chOff x="0" y="0"/>
+          <a:chExt cx="0" cy="0"/>
+        </a:xfrm>
+      </p:grpSpPr>
+      <p:sp>
+        <p:nvSpPr>
+          <p:cNvPr id="2" name="Titolo 1">
+            <a:extLst>
+              <a:ext uri="{FF2B5EF4-FFF2-40B4-BE49-F238E27FC236}">
+                <a16:creationId xmlns:a16="http://schemas.microsoft.com/office/drawing/2014/main" id="{5B22E397-5966-48EB-A86B-AC5949D475B3}"/>
+              </a:ext>
+            </a:extLst>
+          </p:cNvPr>
+          <p:cNvSpPr>
+            <a:spLocks noGrp="1"/>
+          </p:cNvSpPr>
+          <p:nvPr>
+            <p:ph type="title"/>
+          </p:nvPr>
+        </p:nvSpPr>
+        <p:spPr>
+          <a:xfrm>
+            <a:off x="839788" y="457200"/>
+            <a:ext cx="3932237" cy="1600200"/>
+          </a:xfrm>
+        </p:spPr>
+        <p:txBody>
+          <a:bodyPr anchor="b"/>
+          <a:lstStyle>
+            <a:lvl1pPr>
+              <a:defRPr sz="3200"/>
+            </a:lvl1pPr>
+          </a:lstStyle>
+          <a:p>
+            <a:r>
+              <a:rPr lang="it-IT"/>
+              <a:t>Fare clic per modificare lo stile del titolo dello schema</a:t>
+            </a:r>
+          </a:p>
+        </p:txBody>
+      </p:sp>
+      <p:sp>
+        <p:nvSpPr>
+          <p:cNvPr id="3" name="Segnaposto contenuto 2">
+            <a:extLst>
+              <a:ext uri="{FF2B5EF4-FFF2-40B4-BE49-F238E27FC236}">
+                <a16:creationId xmlns:a16="http://schemas.microsoft.com/office/drawing/2014/main" id="{ECDA7362-376F-4133-90A8-A9F14A81EEF1}"/>
+              </a:ext>
+            </a:extLst>
+          </p:cNvPr>
+          <p:cNvSpPr>
+            <a:spLocks noGrp="1"/>
+          </p:cNvSpPr>
+          <p:nvPr>
+            <p:ph idx="1"/>
+          </p:nvPr>
+        </p:nvSpPr>
+        <p:spPr>
+          <a:xfrm>
+            <a:off x="5183188" y="987425"/>
+            <a:ext cx="6172200" cy="4873625"/>
+          </a:xfrm>
+        </p:spPr>
+        <p:txBody>
+          <a:bodyPr/>
+          <a:lstStyle>
+            <a:lvl1pPr>
+              <a:defRPr sz="3200"/>
+            </a:lvl1pPr>
+            <a:lvl2pPr>
+              <a:defRPr sz="2800"/>
+            </a:lvl2pPr>
+            <a:lvl3pPr>
+              <a:defRPr sz="2400"/>
+            </a:lvl3pPr>
+            <a:lvl4pPr>
+              <a:defRPr sz="2000"/>
+            </a:lvl4pPr>
+            <a:lvl5pPr>
+              <a:defRPr sz="2000"/>
+            </a:lvl5pPr>
+            <a:lvl6pPr>
+              <a:defRPr sz="2000"/>
+            </a:lvl6pPr>
+            <a:lvl7pPr>
+              <a:defRPr sz="2000"/>
+            </a:lvl7pPr>
+            <a:lvl8pPr>
+              <a:defRPr sz="2000"/>
+            </a:lvl8pPr>
+            <a:lvl9pPr>
+              <a:defRPr sz="2000"/>
+            </a:lvl9pPr>
+          </a:lstStyle>
+          <a:p>
+            <a:pPr lvl="0"/>
+            <a:r>
+              <a:rPr lang="it-IT"/>
+              <a:t>Modifica gli stili del testo dello schema</a:t>
+            </a:r>
+          </a:p>
+          <a:p>
+            <a:pPr lvl="1"/>
+            <a:r>
+              <a:rPr lang="it-IT"/>
+              <a:t>Secondo livello</a:t>
+            </a:r>
+          </a:p>
+          <a:p>
+            <a:pPr lvl="2"/>
+            <a:r>
+              <a:rPr lang="it-IT"/>
+              <a:t>Terzo livello</a:t>
+            </a:r>
+          </a:p>
+          <a:p>
+            <a:pPr lvl="3"/>
+            <a:r>
+              <a:rPr lang="it-IT"/>
+              <a:t>Quarto livello</a:t>
+            </a:r>
+          </a:p>
+          <a:p>
+            <a:pPr lvl="4"/>
+            <a:r>
+              <a:rPr lang="it-IT"/>
+              <a:t>Quinto livello</a:t>
+            </a:r>
+          </a:p>
+        </p:txBody>
+      </p:sp>
+      <p:sp>
+        <p:nvSpPr>
+          <p:cNvPr id="4" name="Segnaposto testo 3">
+            <a:extLst>
+              <a:ext uri="{FF2B5EF4-FFF2-40B4-BE49-F238E27FC236}">
+                <a16:creationId xmlns:a16="http://schemas.microsoft.com/office/drawing/2014/main" id="{1E1A04A6-E37C-4B37-BDDE-83A8BC9AF94F}"/>
+              </a:ext>
+            </a:extLst>
+          </p:cNvPr>
+          <p:cNvSpPr>
+            <a:spLocks noGrp="1"/>
+          </p:cNvSpPr>
+          <p:nvPr>
+            <p:ph type="body" sz="half" idx="2"/>
+          </p:nvPr>
+        </p:nvSpPr>
+        <p:spPr>
+          <a:xfrm>
+            <a:off x="839788" y="2057400"/>
+            <a:ext cx="3932237" cy="3811588"/>
+          </a:xfrm>
+        </p:spPr>
+        <p:txBody>
+          <a:bodyPr/>
+          <a:lstStyle>
+            <a:lvl1pPr marL="0" indent="0">
+              <a:buNone/>
+              <a:defRPr sz="1600"/>
+            </a:lvl1pPr>
+            <a:lvl2pPr marL="457200" indent="0">
+              <a:buNone/>
+              <a:defRPr sz="1400"/>
+            </a:lvl2pPr>
+            <a:lvl3pPr marL="914400" indent="0">
+              <a:buNone/>
+              <a:defRPr sz="1200"/>
+            </a:lvl3pPr>
+            <a:lvl4pPr marL="1371600" indent="0">
+              <a:buNone/>
+              <a:defRPr sz="1000"/>
+            </a:lvl4pPr>
+            <a:lvl5pPr marL="1828800" indent="0">
+              <a:buNone/>
+              <a:defRPr sz="1000"/>
+            </a:lvl5pPr>
+            <a:lvl6pPr marL="2286000" indent="0">
+              <a:buNone/>
+              <a:defRPr sz="1000"/>
+            </a:lvl6pPr>
+            <a:lvl7pPr marL="2743200" indent="0">
+              <a:buNone/>
+              <a:defRPr sz="1000"/>
+            </a:lvl7pPr>
+            <a:lvl8pPr marL="3200400" indent="0">
+              <a:buNone/>
+              <a:defRPr sz="1000"/>
+            </a:lvl8pPr>
+            <a:lvl9pPr marL="3657600" indent="0">
+              <a:buNone/>
+              <a:defRPr sz="1000"/>
+            </a:lvl9pPr>
+          </a:lstStyle>
+          <a:p>
+            <a:pPr lvl="0"/>
+            <a:r>
+              <a:rPr lang="it-IT"/>
+              <a:t>Modifica gli stili del testo dello schema</a:t>
+            </a:r>
+          </a:p>
+        </p:txBody>
+      </p:sp>
+      <p:sp>
+        <p:nvSpPr>
+          <p:cNvPr id="5" name="Segnaposto data 4">
+            <a:extLst>
+              <a:ext uri="{FF2B5EF4-FFF2-40B4-BE49-F238E27FC236}">
+                <a16:creationId xmlns:a16="http://schemas.microsoft.com/office/drawing/2014/main" id="{002E3E56-60EF-4CFD-8645-1D4CE55F3182}"/>
+              </a:ext>
+            </a:extLst>
+          </p:cNvPr>
+          <p:cNvSpPr>
+            <a:spLocks noGrp="1"/>
+          </p:cNvSpPr>
+          <p:nvPr>
+            <p:ph type="dt" sz="half" idx="10"/>
+          </p:nvPr>
+        </p:nvSpPr>
+        <p:spPr/>
+        <p:txBody>
+          <a:bodyPr/>
+          <a:lstStyle/>
+          <a:p>
+            <a:fld id="{B61BEF0D-F0BB-DE4B-95CE-6DB70DBA9567}" type="datetimeFigureOut">
+              <a:rPr lang="en-US" smtClean="0"/>
+              <a:pPr/>
+              <a:t>4/24/2018</a:t>
+            </a:fld>
+            <a:endParaRPr lang="en-US" dirty="0"/>
+          </a:p>
+        </p:txBody>
+      </p:sp>
+      <p:sp>
+        <p:nvSpPr>
+          <p:cNvPr id="6" name="Segnaposto piè di pagina 5">
+            <a:extLst>
+              <a:ext uri="{FF2B5EF4-FFF2-40B4-BE49-F238E27FC236}">
+                <a16:creationId xmlns:a16="http://schemas.microsoft.com/office/drawing/2014/main" id="{42547642-008B-4A6A-9066-F38C85156060}"/>
+              </a:ext>
+            </a:extLst>
+          </p:cNvPr>
+          <p:cNvSpPr>
+            <a:spLocks noGrp="1"/>
+          </p:cNvSpPr>
+          <p:nvPr>
+            <p:ph type="ftr" sz="quarter" idx="11"/>
+          </p:nvPr>
+        </p:nvSpPr>
+        <p:spPr/>
+        <p:txBody>
+          <a:bodyPr/>
+          <a:lstStyle/>
+          <a:p>
+            <a:endParaRPr lang="en-US" dirty="0"/>
+          </a:p>
+        </p:txBody>
+      </p:sp>
+      <p:sp>
+        <p:nvSpPr>
+          <p:cNvPr id="7" name="Segnaposto numero diapositiva 6">
+            <a:extLst>
+              <a:ext uri="{FF2B5EF4-FFF2-40B4-BE49-F238E27FC236}">
+                <a16:creationId xmlns:a16="http://schemas.microsoft.com/office/drawing/2014/main" id="{B9B143AE-9206-45FA-877B-8474B74003FE}"/>
+              </a:ext>
+            </a:extLst>
+          </p:cNvPr>
+          <p:cNvSpPr>
+            <a:spLocks noGrp="1"/>
+          </p:cNvSpPr>
+          <p:nvPr>
+            <p:ph type="sldNum" sz="quarter" idx="12"/>
+          </p:nvPr>
+        </p:nvSpPr>
+        <p:spPr/>
+        <p:txBody>
+          <a:bodyPr/>
+          <a:lstStyle/>
+          <a:p>
+            <a:fld id="{D57F1E4F-1CFF-5643-939E-217C01CDF565}" type="slidenum">
+              <a:rPr lang="en-US" smtClean="0"/>
+              <a:pPr/>
+              <a:t>‹N›</a:t>
+            </a:fld>
+            <a:endParaRPr lang="en-US" dirty="0"/>
+          </a:p>
+        </p:txBody>
+      </p:sp>
+    </p:spTree>
+    <p:extLst>
+      <p:ext uri="{BB962C8B-B14F-4D97-AF65-F5344CB8AC3E}">
+        <p14:creationId xmlns:p14="http://schemas.microsoft.com/office/powerpoint/2010/main" val="876985633"/>
       </p:ext>
     </p:extLst>
   </p:cSld>
@@ -19819,7 +21440,7 @@
             <a:fld id="{B61BEF0D-F0BB-DE4B-95CE-6DB70DBA9567}" type="datetimeFigureOut">
               <a:rPr lang="en-US" smtClean="0"/>
               <a:pPr/>
-              <a:t>4/23/2018</a:t>
+              <a:t>4/24/2018</a:t>
             </a:fld>
             <a:endParaRPr lang="en-US" dirty="0"/>
           </a:p>
@@ -19872,6 +21493,706 @@
     <p:extLst>
       <p:ext uri="{BB962C8B-B14F-4D97-AF65-F5344CB8AC3E}">
         <p14:creationId xmlns:p14="http://schemas.microsoft.com/office/powerpoint/2010/main" val="3185775272"/>
+      </p:ext>
+    </p:extLst>
+  </p:cSld>
+  <p:clrMapOvr>
+    <a:masterClrMapping/>
+  </p:clrMapOvr>
+</p:sldLayout>
+</file>
+
+<file path=ppt/slideLayouts/slideLayout20.xml><?xml version="1.0" encoding="utf-8"?>
+<p:sldLayout xmlns:a="http://schemas.openxmlformats.org/drawingml/2006/main" xmlns:r="http://schemas.openxmlformats.org/officeDocument/2006/relationships" xmlns:p="http://schemas.openxmlformats.org/presentationml/2006/main" type="picTx" preserve="1">
+  <p:cSld name="Immagine con didascalia">
+    <p:spTree>
+      <p:nvGrpSpPr>
+        <p:cNvPr id="1" name=""/>
+        <p:cNvGrpSpPr/>
+        <p:nvPr/>
+      </p:nvGrpSpPr>
+      <p:grpSpPr>
+        <a:xfrm>
+          <a:off x="0" y="0"/>
+          <a:ext cx="0" cy="0"/>
+          <a:chOff x="0" y="0"/>
+          <a:chExt cx="0" cy="0"/>
+        </a:xfrm>
+      </p:grpSpPr>
+      <p:sp>
+        <p:nvSpPr>
+          <p:cNvPr id="2" name="Titolo 1">
+            <a:extLst>
+              <a:ext uri="{FF2B5EF4-FFF2-40B4-BE49-F238E27FC236}">
+                <a16:creationId xmlns:a16="http://schemas.microsoft.com/office/drawing/2014/main" id="{AABBD241-A4CF-4C06-99AC-959642837203}"/>
+              </a:ext>
+            </a:extLst>
+          </p:cNvPr>
+          <p:cNvSpPr>
+            <a:spLocks noGrp="1"/>
+          </p:cNvSpPr>
+          <p:nvPr>
+            <p:ph type="title"/>
+          </p:nvPr>
+        </p:nvSpPr>
+        <p:spPr>
+          <a:xfrm>
+            <a:off x="839788" y="457200"/>
+            <a:ext cx="3932237" cy="1600200"/>
+          </a:xfrm>
+        </p:spPr>
+        <p:txBody>
+          <a:bodyPr anchor="b"/>
+          <a:lstStyle>
+            <a:lvl1pPr>
+              <a:defRPr sz="3200"/>
+            </a:lvl1pPr>
+          </a:lstStyle>
+          <a:p>
+            <a:r>
+              <a:rPr lang="it-IT"/>
+              <a:t>Fare clic per modificare lo stile del titolo dello schema</a:t>
+            </a:r>
+          </a:p>
+        </p:txBody>
+      </p:sp>
+      <p:sp>
+        <p:nvSpPr>
+          <p:cNvPr id="3" name="Segnaposto immagine 2">
+            <a:extLst>
+              <a:ext uri="{FF2B5EF4-FFF2-40B4-BE49-F238E27FC236}">
+                <a16:creationId xmlns:a16="http://schemas.microsoft.com/office/drawing/2014/main" id="{EAD0B239-B555-45F3-8F65-040B3DA8ACB9}"/>
+              </a:ext>
+            </a:extLst>
+          </p:cNvPr>
+          <p:cNvSpPr>
+            <a:spLocks noGrp="1"/>
+          </p:cNvSpPr>
+          <p:nvPr>
+            <p:ph type="pic" idx="1"/>
+          </p:nvPr>
+        </p:nvSpPr>
+        <p:spPr>
+          <a:xfrm>
+            <a:off x="5183188" y="987425"/>
+            <a:ext cx="6172200" cy="4873625"/>
+          </a:xfrm>
+        </p:spPr>
+        <p:txBody>
+          <a:bodyPr/>
+          <a:lstStyle>
+            <a:lvl1pPr marL="0" indent="0">
+              <a:buNone/>
+              <a:defRPr sz="3200"/>
+            </a:lvl1pPr>
+            <a:lvl2pPr marL="457200" indent="0">
+              <a:buNone/>
+              <a:defRPr sz="2800"/>
+            </a:lvl2pPr>
+            <a:lvl3pPr marL="914400" indent="0">
+              <a:buNone/>
+              <a:defRPr sz="2400"/>
+            </a:lvl3pPr>
+            <a:lvl4pPr marL="1371600" indent="0">
+              <a:buNone/>
+              <a:defRPr sz="2000"/>
+            </a:lvl4pPr>
+            <a:lvl5pPr marL="1828800" indent="0">
+              <a:buNone/>
+              <a:defRPr sz="2000"/>
+            </a:lvl5pPr>
+            <a:lvl6pPr marL="2286000" indent="0">
+              <a:buNone/>
+              <a:defRPr sz="2000"/>
+            </a:lvl6pPr>
+            <a:lvl7pPr marL="2743200" indent="0">
+              <a:buNone/>
+              <a:defRPr sz="2000"/>
+            </a:lvl7pPr>
+            <a:lvl8pPr marL="3200400" indent="0">
+              <a:buNone/>
+              <a:defRPr sz="2000"/>
+            </a:lvl8pPr>
+            <a:lvl9pPr marL="3657600" indent="0">
+              <a:buNone/>
+              <a:defRPr sz="2000"/>
+            </a:lvl9pPr>
+          </a:lstStyle>
+          <a:p>
+            <a:endParaRPr lang="it-IT"/>
+          </a:p>
+        </p:txBody>
+      </p:sp>
+      <p:sp>
+        <p:nvSpPr>
+          <p:cNvPr id="4" name="Segnaposto testo 3">
+            <a:extLst>
+              <a:ext uri="{FF2B5EF4-FFF2-40B4-BE49-F238E27FC236}">
+                <a16:creationId xmlns:a16="http://schemas.microsoft.com/office/drawing/2014/main" id="{F5259EDA-19B3-4259-819C-6680478F4583}"/>
+              </a:ext>
+            </a:extLst>
+          </p:cNvPr>
+          <p:cNvSpPr>
+            <a:spLocks noGrp="1"/>
+          </p:cNvSpPr>
+          <p:nvPr>
+            <p:ph type="body" sz="half" idx="2"/>
+          </p:nvPr>
+        </p:nvSpPr>
+        <p:spPr>
+          <a:xfrm>
+            <a:off x="839788" y="2057400"/>
+            <a:ext cx="3932237" cy="3811588"/>
+          </a:xfrm>
+        </p:spPr>
+        <p:txBody>
+          <a:bodyPr/>
+          <a:lstStyle>
+            <a:lvl1pPr marL="0" indent="0">
+              <a:buNone/>
+              <a:defRPr sz="1600"/>
+            </a:lvl1pPr>
+            <a:lvl2pPr marL="457200" indent="0">
+              <a:buNone/>
+              <a:defRPr sz="1400"/>
+            </a:lvl2pPr>
+            <a:lvl3pPr marL="914400" indent="0">
+              <a:buNone/>
+              <a:defRPr sz="1200"/>
+            </a:lvl3pPr>
+            <a:lvl4pPr marL="1371600" indent="0">
+              <a:buNone/>
+              <a:defRPr sz="1000"/>
+            </a:lvl4pPr>
+            <a:lvl5pPr marL="1828800" indent="0">
+              <a:buNone/>
+              <a:defRPr sz="1000"/>
+            </a:lvl5pPr>
+            <a:lvl6pPr marL="2286000" indent="0">
+              <a:buNone/>
+              <a:defRPr sz="1000"/>
+            </a:lvl6pPr>
+            <a:lvl7pPr marL="2743200" indent="0">
+              <a:buNone/>
+              <a:defRPr sz="1000"/>
+            </a:lvl7pPr>
+            <a:lvl8pPr marL="3200400" indent="0">
+              <a:buNone/>
+              <a:defRPr sz="1000"/>
+            </a:lvl8pPr>
+            <a:lvl9pPr marL="3657600" indent="0">
+              <a:buNone/>
+              <a:defRPr sz="1000"/>
+            </a:lvl9pPr>
+          </a:lstStyle>
+          <a:p>
+            <a:pPr lvl="0"/>
+            <a:r>
+              <a:rPr lang="it-IT"/>
+              <a:t>Modifica gli stili del testo dello schema</a:t>
+            </a:r>
+          </a:p>
+        </p:txBody>
+      </p:sp>
+      <p:sp>
+        <p:nvSpPr>
+          <p:cNvPr id="5" name="Segnaposto data 4">
+            <a:extLst>
+              <a:ext uri="{FF2B5EF4-FFF2-40B4-BE49-F238E27FC236}">
+                <a16:creationId xmlns:a16="http://schemas.microsoft.com/office/drawing/2014/main" id="{43989D77-6E17-4FCC-B7CA-0C949C1ED67A}"/>
+              </a:ext>
+            </a:extLst>
+          </p:cNvPr>
+          <p:cNvSpPr>
+            <a:spLocks noGrp="1"/>
+          </p:cNvSpPr>
+          <p:nvPr>
+            <p:ph type="dt" sz="half" idx="10"/>
+          </p:nvPr>
+        </p:nvSpPr>
+        <p:spPr/>
+        <p:txBody>
+          <a:bodyPr/>
+          <a:lstStyle/>
+          <a:p>
+            <a:fld id="{B61BEF0D-F0BB-DE4B-95CE-6DB70DBA9567}" type="datetimeFigureOut">
+              <a:rPr lang="en-US" smtClean="0"/>
+              <a:pPr/>
+              <a:t>4/24/2018</a:t>
+            </a:fld>
+            <a:endParaRPr lang="en-US" dirty="0"/>
+          </a:p>
+        </p:txBody>
+      </p:sp>
+      <p:sp>
+        <p:nvSpPr>
+          <p:cNvPr id="6" name="Segnaposto piè di pagina 5">
+            <a:extLst>
+              <a:ext uri="{FF2B5EF4-FFF2-40B4-BE49-F238E27FC236}">
+                <a16:creationId xmlns:a16="http://schemas.microsoft.com/office/drawing/2014/main" id="{F39F0EA8-9974-4A28-9B22-A5074C5F1BEF}"/>
+              </a:ext>
+            </a:extLst>
+          </p:cNvPr>
+          <p:cNvSpPr>
+            <a:spLocks noGrp="1"/>
+          </p:cNvSpPr>
+          <p:nvPr>
+            <p:ph type="ftr" sz="quarter" idx="11"/>
+          </p:nvPr>
+        </p:nvSpPr>
+        <p:spPr/>
+        <p:txBody>
+          <a:bodyPr/>
+          <a:lstStyle/>
+          <a:p>
+            <a:endParaRPr lang="en-US" dirty="0"/>
+          </a:p>
+        </p:txBody>
+      </p:sp>
+      <p:sp>
+        <p:nvSpPr>
+          <p:cNvPr id="7" name="Segnaposto numero diapositiva 6">
+            <a:extLst>
+              <a:ext uri="{FF2B5EF4-FFF2-40B4-BE49-F238E27FC236}">
+                <a16:creationId xmlns:a16="http://schemas.microsoft.com/office/drawing/2014/main" id="{EA9FD7C4-897C-47D7-9E94-62B0639CFDF4}"/>
+              </a:ext>
+            </a:extLst>
+          </p:cNvPr>
+          <p:cNvSpPr>
+            <a:spLocks noGrp="1"/>
+          </p:cNvSpPr>
+          <p:nvPr>
+            <p:ph type="sldNum" sz="quarter" idx="12"/>
+          </p:nvPr>
+        </p:nvSpPr>
+        <p:spPr/>
+        <p:txBody>
+          <a:bodyPr/>
+          <a:lstStyle/>
+          <a:p>
+            <a:fld id="{D57F1E4F-1CFF-5643-939E-217C01CDF565}" type="slidenum">
+              <a:rPr lang="en-US" smtClean="0"/>
+              <a:pPr/>
+              <a:t>‹N›</a:t>
+            </a:fld>
+            <a:endParaRPr lang="en-US" dirty="0"/>
+          </a:p>
+        </p:txBody>
+      </p:sp>
+    </p:spTree>
+    <p:extLst>
+      <p:ext uri="{BB962C8B-B14F-4D97-AF65-F5344CB8AC3E}">
+        <p14:creationId xmlns:p14="http://schemas.microsoft.com/office/powerpoint/2010/main" val="1663309315"/>
+      </p:ext>
+    </p:extLst>
+  </p:cSld>
+  <p:clrMapOvr>
+    <a:masterClrMapping/>
+  </p:clrMapOvr>
+</p:sldLayout>
+</file>
+
+<file path=ppt/slideLayouts/slideLayout21.xml><?xml version="1.0" encoding="utf-8"?>
+<p:sldLayout xmlns:a="http://schemas.openxmlformats.org/drawingml/2006/main" xmlns:r="http://schemas.openxmlformats.org/officeDocument/2006/relationships" xmlns:p="http://schemas.openxmlformats.org/presentationml/2006/main" type="vertTx" preserve="1">
+  <p:cSld name="Titolo e testo verticale">
+    <p:spTree>
+      <p:nvGrpSpPr>
+        <p:cNvPr id="1" name=""/>
+        <p:cNvGrpSpPr/>
+        <p:nvPr/>
+      </p:nvGrpSpPr>
+      <p:grpSpPr>
+        <a:xfrm>
+          <a:off x="0" y="0"/>
+          <a:ext cx="0" cy="0"/>
+          <a:chOff x="0" y="0"/>
+          <a:chExt cx="0" cy="0"/>
+        </a:xfrm>
+      </p:grpSpPr>
+      <p:sp>
+        <p:nvSpPr>
+          <p:cNvPr id="2" name="Titolo 1">
+            <a:extLst>
+              <a:ext uri="{FF2B5EF4-FFF2-40B4-BE49-F238E27FC236}">
+                <a16:creationId xmlns:a16="http://schemas.microsoft.com/office/drawing/2014/main" id="{68FAAB80-CA27-4A87-96B1-788A23988B28}"/>
+              </a:ext>
+            </a:extLst>
+          </p:cNvPr>
+          <p:cNvSpPr>
+            <a:spLocks noGrp="1"/>
+          </p:cNvSpPr>
+          <p:nvPr>
+            <p:ph type="title"/>
+          </p:nvPr>
+        </p:nvSpPr>
+        <p:spPr/>
+        <p:txBody>
+          <a:bodyPr/>
+          <a:lstStyle/>
+          <a:p>
+            <a:r>
+              <a:rPr lang="it-IT"/>
+              <a:t>Fare clic per modificare lo stile del titolo dello schema</a:t>
+            </a:r>
+          </a:p>
+        </p:txBody>
+      </p:sp>
+      <p:sp>
+        <p:nvSpPr>
+          <p:cNvPr id="3" name="Segnaposto testo verticale 2">
+            <a:extLst>
+              <a:ext uri="{FF2B5EF4-FFF2-40B4-BE49-F238E27FC236}">
+                <a16:creationId xmlns:a16="http://schemas.microsoft.com/office/drawing/2014/main" id="{E74D7C55-A661-454F-996D-59A6ED867733}"/>
+              </a:ext>
+            </a:extLst>
+          </p:cNvPr>
+          <p:cNvSpPr>
+            <a:spLocks noGrp="1"/>
+          </p:cNvSpPr>
+          <p:nvPr>
+            <p:ph type="body" orient="vert" idx="1"/>
+          </p:nvPr>
+        </p:nvSpPr>
+        <p:spPr/>
+        <p:txBody>
+          <a:bodyPr vert="eaVert"/>
+          <a:lstStyle/>
+          <a:p>
+            <a:pPr lvl="0"/>
+            <a:r>
+              <a:rPr lang="it-IT"/>
+              <a:t>Modifica gli stili del testo dello schema</a:t>
+            </a:r>
+          </a:p>
+          <a:p>
+            <a:pPr lvl="1"/>
+            <a:r>
+              <a:rPr lang="it-IT"/>
+              <a:t>Secondo livello</a:t>
+            </a:r>
+          </a:p>
+          <a:p>
+            <a:pPr lvl="2"/>
+            <a:r>
+              <a:rPr lang="it-IT"/>
+              <a:t>Terzo livello</a:t>
+            </a:r>
+          </a:p>
+          <a:p>
+            <a:pPr lvl="3"/>
+            <a:r>
+              <a:rPr lang="it-IT"/>
+              <a:t>Quarto livello</a:t>
+            </a:r>
+          </a:p>
+          <a:p>
+            <a:pPr lvl="4"/>
+            <a:r>
+              <a:rPr lang="it-IT"/>
+              <a:t>Quinto livello</a:t>
+            </a:r>
+          </a:p>
+        </p:txBody>
+      </p:sp>
+      <p:sp>
+        <p:nvSpPr>
+          <p:cNvPr id="4" name="Segnaposto data 3">
+            <a:extLst>
+              <a:ext uri="{FF2B5EF4-FFF2-40B4-BE49-F238E27FC236}">
+                <a16:creationId xmlns:a16="http://schemas.microsoft.com/office/drawing/2014/main" id="{D54DDF82-46A3-4046-9084-EFEC1AC8C44C}"/>
+              </a:ext>
+            </a:extLst>
+          </p:cNvPr>
+          <p:cNvSpPr>
+            <a:spLocks noGrp="1"/>
+          </p:cNvSpPr>
+          <p:nvPr>
+            <p:ph type="dt" sz="half" idx="10"/>
+          </p:nvPr>
+        </p:nvSpPr>
+        <p:spPr/>
+        <p:txBody>
+          <a:bodyPr/>
+          <a:lstStyle/>
+          <a:p>
+            <a:fld id="{B61BEF0D-F0BB-DE4B-95CE-6DB70DBA9567}" type="datetimeFigureOut">
+              <a:rPr lang="en-US" smtClean="0"/>
+              <a:pPr/>
+              <a:t>4/24/2018</a:t>
+            </a:fld>
+            <a:endParaRPr lang="en-US" dirty="0"/>
+          </a:p>
+        </p:txBody>
+      </p:sp>
+      <p:sp>
+        <p:nvSpPr>
+          <p:cNvPr id="5" name="Segnaposto piè di pagina 4">
+            <a:extLst>
+              <a:ext uri="{FF2B5EF4-FFF2-40B4-BE49-F238E27FC236}">
+                <a16:creationId xmlns:a16="http://schemas.microsoft.com/office/drawing/2014/main" id="{5AD270B2-9180-48A5-8AC1-41CEDAEF0BB3}"/>
+              </a:ext>
+            </a:extLst>
+          </p:cNvPr>
+          <p:cNvSpPr>
+            <a:spLocks noGrp="1"/>
+          </p:cNvSpPr>
+          <p:nvPr>
+            <p:ph type="ftr" sz="quarter" idx="11"/>
+          </p:nvPr>
+        </p:nvSpPr>
+        <p:spPr/>
+        <p:txBody>
+          <a:bodyPr/>
+          <a:lstStyle/>
+          <a:p>
+            <a:endParaRPr lang="en-US" dirty="0"/>
+          </a:p>
+        </p:txBody>
+      </p:sp>
+      <p:sp>
+        <p:nvSpPr>
+          <p:cNvPr id="6" name="Segnaposto numero diapositiva 5">
+            <a:extLst>
+              <a:ext uri="{FF2B5EF4-FFF2-40B4-BE49-F238E27FC236}">
+                <a16:creationId xmlns:a16="http://schemas.microsoft.com/office/drawing/2014/main" id="{6B8E1DC2-CA19-4CD3-BB1F-E524C9A97786}"/>
+              </a:ext>
+            </a:extLst>
+          </p:cNvPr>
+          <p:cNvSpPr>
+            <a:spLocks noGrp="1"/>
+          </p:cNvSpPr>
+          <p:nvPr>
+            <p:ph type="sldNum" sz="quarter" idx="12"/>
+          </p:nvPr>
+        </p:nvSpPr>
+        <p:spPr/>
+        <p:txBody>
+          <a:bodyPr/>
+          <a:lstStyle/>
+          <a:p>
+            <a:fld id="{D57F1E4F-1CFF-5643-939E-217C01CDF565}" type="slidenum">
+              <a:rPr lang="en-US" smtClean="0"/>
+              <a:pPr/>
+              <a:t>‹N›</a:t>
+            </a:fld>
+            <a:endParaRPr lang="en-US" dirty="0"/>
+          </a:p>
+        </p:txBody>
+      </p:sp>
+    </p:spTree>
+    <p:extLst>
+      <p:ext uri="{BB962C8B-B14F-4D97-AF65-F5344CB8AC3E}">
+        <p14:creationId xmlns:p14="http://schemas.microsoft.com/office/powerpoint/2010/main" val="441286056"/>
+      </p:ext>
+    </p:extLst>
+  </p:cSld>
+  <p:clrMapOvr>
+    <a:masterClrMapping/>
+  </p:clrMapOvr>
+</p:sldLayout>
+</file>
+
+<file path=ppt/slideLayouts/slideLayout22.xml><?xml version="1.0" encoding="utf-8"?>
+<p:sldLayout xmlns:a="http://schemas.openxmlformats.org/drawingml/2006/main" xmlns:r="http://schemas.openxmlformats.org/officeDocument/2006/relationships" xmlns:p="http://schemas.openxmlformats.org/presentationml/2006/main" type="vertTitleAndTx" preserve="1">
+  <p:cSld name="1_Titolo e testo verticale">
+    <p:spTree>
+      <p:nvGrpSpPr>
+        <p:cNvPr id="1" name=""/>
+        <p:cNvGrpSpPr/>
+        <p:nvPr/>
+      </p:nvGrpSpPr>
+      <p:grpSpPr>
+        <a:xfrm>
+          <a:off x="0" y="0"/>
+          <a:ext cx="0" cy="0"/>
+          <a:chOff x="0" y="0"/>
+          <a:chExt cx="0" cy="0"/>
+        </a:xfrm>
+      </p:grpSpPr>
+      <p:sp>
+        <p:nvSpPr>
+          <p:cNvPr id="2" name="Titolo verticale 1">
+            <a:extLst>
+              <a:ext uri="{FF2B5EF4-FFF2-40B4-BE49-F238E27FC236}">
+                <a16:creationId xmlns:a16="http://schemas.microsoft.com/office/drawing/2014/main" id="{EFA326B5-94AA-4601-8B5B-732815BF8659}"/>
+              </a:ext>
+            </a:extLst>
+          </p:cNvPr>
+          <p:cNvSpPr>
+            <a:spLocks noGrp="1"/>
+          </p:cNvSpPr>
+          <p:nvPr>
+            <p:ph type="title" orient="vert"/>
+          </p:nvPr>
+        </p:nvSpPr>
+        <p:spPr>
+          <a:xfrm>
+            <a:off x="8724900" y="365125"/>
+            <a:ext cx="2628900" cy="5811838"/>
+          </a:xfrm>
+        </p:spPr>
+        <p:txBody>
+          <a:bodyPr vert="eaVert"/>
+          <a:lstStyle/>
+          <a:p>
+            <a:r>
+              <a:rPr lang="it-IT"/>
+              <a:t>Fare clic per modificare lo stile del titolo dello schema</a:t>
+            </a:r>
+          </a:p>
+        </p:txBody>
+      </p:sp>
+      <p:sp>
+        <p:nvSpPr>
+          <p:cNvPr id="3" name="Segnaposto testo verticale 2">
+            <a:extLst>
+              <a:ext uri="{FF2B5EF4-FFF2-40B4-BE49-F238E27FC236}">
+                <a16:creationId xmlns:a16="http://schemas.microsoft.com/office/drawing/2014/main" id="{7D05C8A8-F223-453D-ADCD-52ED18279431}"/>
+              </a:ext>
+            </a:extLst>
+          </p:cNvPr>
+          <p:cNvSpPr>
+            <a:spLocks noGrp="1"/>
+          </p:cNvSpPr>
+          <p:nvPr>
+            <p:ph type="body" orient="vert" idx="1"/>
+          </p:nvPr>
+        </p:nvSpPr>
+        <p:spPr>
+          <a:xfrm>
+            <a:off x="838200" y="365125"/>
+            <a:ext cx="7734300" cy="5811838"/>
+          </a:xfrm>
+        </p:spPr>
+        <p:txBody>
+          <a:bodyPr vert="eaVert"/>
+          <a:lstStyle/>
+          <a:p>
+            <a:pPr lvl="0"/>
+            <a:r>
+              <a:rPr lang="it-IT"/>
+              <a:t>Modifica gli stili del testo dello schema</a:t>
+            </a:r>
+          </a:p>
+          <a:p>
+            <a:pPr lvl="1"/>
+            <a:r>
+              <a:rPr lang="it-IT"/>
+              <a:t>Secondo livello</a:t>
+            </a:r>
+          </a:p>
+          <a:p>
+            <a:pPr lvl="2"/>
+            <a:r>
+              <a:rPr lang="it-IT"/>
+              <a:t>Terzo livello</a:t>
+            </a:r>
+          </a:p>
+          <a:p>
+            <a:pPr lvl="3"/>
+            <a:r>
+              <a:rPr lang="it-IT"/>
+              <a:t>Quarto livello</a:t>
+            </a:r>
+          </a:p>
+          <a:p>
+            <a:pPr lvl="4"/>
+            <a:r>
+              <a:rPr lang="it-IT"/>
+              <a:t>Quinto livello</a:t>
+            </a:r>
+          </a:p>
+        </p:txBody>
+      </p:sp>
+      <p:sp>
+        <p:nvSpPr>
+          <p:cNvPr id="4" name="Segnaposto data 3">
+            <a:extLst>
+              <a:ext uri="{FF2B5EF4-FFF2-40B4-BE49-F238E27FC236}">
+                <a16:creationId xmlns:a16="http://schemas.microsoft.com/office/drawing/2014/main" id="{991E4FAE-681D-4554-B7E3-114A6961F596}"/>
+              </a:ext>
+            </a:extLst>
+          </p:cNvPr>
+          <p:cNvSpPr>
+            <a:spLocks noGrp="1"/>
+          </p:cNvSpPr>
+          <p:nvPr>
+            <p:ph type="dt" sz="half" idx="10"/>
+          </p:nvPr>
+        </p:nvSpPr>
+        <p:spPr/>
+        <p:txBody>
+          <a:bodyPr/>
+          <a:lstStyle/>
+          <a:p>
+            <a:fld id="{B61BEF0D-F0BB-DE4B-95CE-6DB70DBA9567}" type="datetimeFigureOut">
+              <a:rPr lang="en-US" smtClean="0"/>
+              <a:pPr/>
+              <a:t>4/24/2018</a:t>
+            </a:fld>
+            <a:endParaRPr lang="en-US" dirty="0"/>
+          </a:p>
+        </p:txBody>
+      </p:sp>
+      <p:sp>
+        <p:nvSpPr>
+          <p:cNvPr id="5" name="Segnaposto piè di pagina 4">
+            <a:extLst>
+              <a:ext uri="{FF2B5EF4-FFF2-40B4-BE49-F238E27FC236}">
+                <a16:creationId xmlns:a16="http://schemas.microsoft.com/office/drawing/2014/main" id="{451219F6-A4B6-4D4A-B426-62A58F323232}"/>
+              </a:ext>
+            </a:extLst>
+          </p:cNvPr>
+          <p:cNvSpPr>
+            <a:spLocks noGrp="1"/>
+          </p:cNvSpPr>
+          <p:nvPr>
+            <p:ph type="ftr" sz="quarter" idx="11"/>
+          </p:nvPr>
+        </p:nvSpPr>
+        <p:spPr/>
+        <p:txBody>
+          <a:bodyPr/>
+          <a:lstStyle/>
+          <a:p>
+            <a:endParaRPr lang="en-US" dirty="0"/>
+          </a:p>
+        </p:txBody>
+      </p:sp>
+      <p:sp>
+        <p:nvSpPr>
+          <p:cNvPr id="6" name="Segnaposto numero diapositiva 5">
+            <a:extLst>
+              <a:ext uri="{FF2B5EF4-FFF2-40B4-BE49-F238E27FC236}">
+                <a16:creationId xmlns:a16="http://schemas.microsoft.com/office/drawing/2014/main" id="{57CDE270-B1E3-496E-8EB2-D4C797C565A8}"/>
+              </a:ext>
+            </a:extLst>
+          </p:cNvPr>
+          <p:cNvSpPr>
+            <a:spLocks noGrp="1"/>
+          </p:cNvSpPr>
+          <p:nvPr>
+            <p:ph type="sldNum" sz="quarter" idx="12"/>
+          </p:nvPr>
+        </p:nvSpPr>
+        <p:spPr/>
+        <p:txBody>
+          <a:bodyPr/>
+          <a:lstStyle/>
+          <a:p>
+            <a:fld id="{D57F1E4F-1CFF-5643-939E-217C01CDF565}" type="slidenum">
+              <a:rPr lang="en-US" smtClean="0"/>
+              <a:pPr/>
+              <a:t>‹N›</a:t>
+            </a:fld>
+            <a:endParaRPr lang="en-US" dirty="0"/>
+          </a:p>
+        </p:txBody>
+      </p:sp>
+    </p:spTree>
+    <p:extLst>
+      <p:ext uri="{BB962C8B-B14F-4D97-AF65-F5344CB8AC3E}">
+        <p14:creationId xmlns:p14="http://schemas.microsoft.com/office/powerpoint/2010/main" val="3730934941"/>
       </p:ext>
     </p:extLst>
   </p:cSld>
@@ -20116,7 +22437,7 @@
             <a:fld id="{B61BEF0D-F0BB-DE4B-95CE-6DB70DBA9567}" type="datetimeFigureOut">
               <a:rPr lang="en-US" smtClean="0"/>
               <a:pPr/>
-              <a:t>4/23/2018</a:t>
+              <a:t>4/24/2018</a:t>
             </a:fld>
             <a:endParaRPr lang="en-US" dirty="0"/>
           </a:p>
@@ -20390,7 +22711,7 @@
             <a:fld id="{B61BEF0D-F0BB-DE4B-95CE-6DB70DBA9567}" type="datetimeFigureOut">
               <a:rPr lang="en-US" smtClean="0"/>
               <a:pPr/>
-              <a:t>4/23/2018</a:t>
+              <a:t>4/24/2018</a:t>
             </a:fld>
             <a:endParaRPr lang="en-US" dirty="0"/>
           </a:p>
@@ -20799,7 +23120,7 @@
             <a:fld id="{B61BEF0D-F0BB-DE4B-95CE-6DB70DBA9567}" type="datetimeFigureOut">
               <a:rPr lang="en-US" smtClean="0"/>
               <a:pPr/>
-              <a:t>4/23/2018</a:t>
+              <a:t>4/24/2018</a:t>
             </a:fld>
             <a:endParaRPr lang="en-US" dirty="0"/>
           </a:p>
@@ -20919,7 +23240,7 @@
             <a:fld id="{B61BEF0D-F0BB-DE4B-95CE-6DB70DBA9567}" type="datetimeFigureOut">
               <a:rPr lang="en-US" smtClean="0"/>
               <a:pPr/>
-              <a:t>4/23/2018</a:t>
+              <a:t>4/24/2018</a:t>
             </a:fld>
             <a:endParaRPr lang="en-US" dirty="0"/>
           </a:p>
@@ -21016,7 +23337,7 @@
             <a:fld id="{B61BEF0D-F0BB-DE4B-95CE-6DB70DBA9567}" type="datetimeFigureOut">
               <a:rPr lang="en-US" smtClean="0"/>
               <a:pPr/>
-              <a:t>4/23/2018</a:t>
+              <a:t>4/24/2018</a:t>
             </a:fld>
             <a:endParaRPr lang="en-US" dirty="0"/>
           </a:p>
@@ -21308,7 +23629,7 @@
             <a:fld id="{B61BEF0D-F0BB-DE4B-95CE-6DB70DBA9567}" type="datetimeFigureOut">
               <a:rPr lang="en-US" smtClean="0"/>
               <a:pPr/>
-              <a:t>4/23/2018</a:t>
+              <a:t>4/24/2018</a:t>
             </a:fld>
             <a:endParaRPr lang="en-US" dirty="0"/>
           </a:p>
@@ -21590,7 +23911,7 @@
             <a:fld id="{B61BEF0D-F0BB-DE4B-95CE-6DB70DBA9567}" type="datetimeFigureOut">
               <a:rPr lang="en-US" smtClean="0"/>
               <a:pPr/>
-              <a:t>4/23/2018</a:t>
+              <a:t>4/24/2018</a:t>
             </a:fld>
             <a:endParaRPr lang="en-US" dirty="0"/>
           </a:p>
@@ -21842,7 +24163,7 @@
             <a:fld id="{B61BEF0D-F0BB-DE4B-95CE-6DB70DBA9567}" type="datetimeFigureOut">
               <a:rPr lang="en-US" smtClean="0"/>
               <a:pPr/>
-              <a:t>4/23/2018</a:t>
+              <a:t>4/24/2018</a:t>
             </a:fld>
             <a:endParaRPr lang="en-US" dirty="0"/>
           </a:p>
@@ -22328,6 +24649,576 @@
 </p:sldMaster>
 </file>
 
+<file path=ppt/slideMasters/slideMaster2.xml><?xml version="1.0" encoding="utf-8"?>
+<p:sldMaster xmlns:a="http://schemas.openxmlformats.org/drawingml/2006/main" xmlns:r="http://schemas.openxmlformats.org/officeDocument/2006/relationships" xmlns:p="http://schemas.openxmlformats.org/presentationml/2006/main">
+  <p:cSld>
+    <p:bg>
+      <p:bgRef idx="1001">
+        <a:schemeClr val="bg1"/>
+      </p:bgRef>
+    </p:bg>
+    <p:spTree>
+      <p:nvGrpSpPr>
+        <p:cNvPr id="1" name=""/>
+        <p:cNvGrpSpPr/>
+        <p:nvPr/>
+      </p:nvGrpSpPr>
+      <p:grpSpPr>
+        <a:xfrm>
+          <a:off x="0" y="0"/>
+          <a:ext cx="0" cy="0"/>
+          <a:chOff x="0" y="0"/>
+          <a:chExt cx="0" cy="0"/>
+        </a:xfrm>
+      </p:grpSpPr>
+      <p:sp>
+        <p:nvSpPr>
+          <p:cNvPr id="2" name="Segnaposto titolo 1">
+            <a:extLst>
+              <a:ext uri="{FF2B5EF4-FFF2-40B4-BE49-F238E27FC236}">
+                <a16:creationId xmlns:a16="http://schemas.microsoft.com/office/drawing/2014/main" id="{A50D933F-483E-4B0E-B632-2AB4E1D1240C}"/>
+              </a:ext>
+            </a:extLst>
+          </p:cNvPr>
+          <p:cNvSpPr>
+            <a:spLocks noGrp="1"/>
+          </p:cNvSpPr>
+          <p:nvPr>
+            <p:ph type="title"/>
+          </p:nvPr>
+        </p:nvSpPr>
+        <p:spPr>
+          <a:xfrm>
+            <a:off x="838200" y="365125"/>
+            <a:ext cx="10515600" cy="1325563"/>
+          </a:xfrm>
+          <a:prstGeom prst="rect">
+            <a:avLst/>
+          </a:prstGeom>
+        </p:spPr>
+        <p:txBody>
+          <a:bodyPr vert="horz" lIns="91440" tIns="45720" rIns="91440" bIns="45720" rtlCol="0" anchor="ctr">
+            <a:normAutofit/>
+          </a:bodyPr>
+          <a:lstStyle/>
+          <a:p>
+            <a:r>
+              <a:rPr lang="it-IT"/>
+              <a:t>Fare clic per modificare lo stile del titolo dello schema</a:t>
+            </a:r>
+          </a:p>
+        </p:txBody>
+      </p:sp>
+      <p:sp>
+        <p:nvSpPr>
+          <p:cNvPr id="3" name="Segnaposto testo 2">
+            <a:extLst>
+              <a:ext uri="{FF2B5EF4-FFF2-40B4-BE49-F238E27FC236}">
+                <a16:creationId xmlns:a16="http://schemas.microsoft.com/office/drawing/2014/main" id="{DAFB79A4-D2B4-4F25-9E83-9DB7BF4A56AA}"/>
+              </a:ext>
+            </a:extLst>
+          </p:cNvPr>
+          <p:cNvSpPr>
+            <a:spLocks noGrp="1"/>
+          </p:cNvSpPr>
+          <p:nvPr>
+            <p:ph type="body" idx="1"/>
+          </p:nvPr>
+        </p:nvSpPr>
+        <p:spPr>
+          <a:xfrm>
+            <a:off x="838200" y="1825625"/>
+            <a:ext cx="10515600" cy="4351338"/>
+          </a:xfrm>
+          <a:prstGeom prst="rect">
+            <a:avLst/>
+          </a:prstGeom>
+        </p:spPr>
+        <p:txBody>
+          <a:bodyPr vert="horz" lIns="91440" tIns="45720" rIns="91440" bIns="45720" rtlCol="0">
+            <a:normAutofit/>
+          </a:bodyPr>
+          <a:lstStyle/>
+          <a:p>
+            <a:pPr lvl="0"/>
+            <a:r>
+              <a:rPr lang="it-IT"/>
+              <a:t>Modifica gli stili del testo dello schema</a:t>
+            </a:r>
+          </a:p>
+          <a:p>
+            <a:pPr lvl="1"/>
+            <a:r>
+              <a:rPr lang="it-IT"/>
+              <a:t>Secondo livello</a:t>
+            </a:r>
+          </a:p>
+          <a:p>
+            <a:pPr lvl="2"/>
+            <a:r>
+              <a:rPr lang="it-IT"/>
+              <a:t>Terzo livello</a:t>
+            </a:r>
+          </a:p>
+          <a:p>
+            <a:pPr lvl="3"/>
+            <a:r>
+              <a:rPr lang="it-IT"/>
+              <a:t>Quarto livello</a:t>
+            </a:r>
+          </a:p>
+          <a:p>
+            <a:pPr lvl="4"/>
+            <a:r>
+              <a:rPr lang="it-IT"/>
+              <a:t>Quinto livello</a:t>
+            </a:r>
+          </a:p>
+        </p:txBody>
+      </p:sp>
+      <p:sp>
+        <p:nvSpPr>
+          <p:cNvPr id="4" name="Segnaposto data 3">
+            <a:extLst>
+              <a:ext uri="{FF2B5EF4-FFF2-40B4-BE49-F238E27FC236}">
+                <a16:creationId xmlns:a16="http://schemas.microsoft.com/office/drawing/2014/main" id="{52BD7B15-744E-47F2-A37F-88219AF549CE}"/>
+              </a:ext>
+            </a:extLst>
+          </p:cNvPr>
+          <p:cNvSpPr>
+            <a:spLocks noGrp="1"/>
+          </p:cNvSpPr>
+          <p:nvPr>
+            <p:ph type="dt" sz="half" idx="2"/>
+          </p:nvPr>
+        </p:nvSpPr>
+        <p:spPr>
+          <a:xfrm>
+            <a:off x="838200" y="6356350"/>
+            <a:ext cx="2743200" cy="365125"/>
+          </a:xfrm>
+          <a:prstGeom prst="rect">
+            <a:avLst/>
+          </a:prstGeom>
+        </p:spPr>
+        <p:txBody>
+          <a:bodyPr vert="horz" lIns="91440" tIns="45720" rIns="91440" bIns="45720" rtlCol="0" anchor="ctr"/>
+          <a:lstStyle>
+            <a:lvl1pPr algn="l">
+              <a:defRPr sz="1200">
+                <a:solidFill>
+                  <a:schemeClr val="tx1">
+                    <a:tint val="75000"/>
+                  </a:schemeClr>
+                </a:solidFill>
+              </a:defRPr>
+            </a:lvl1pPr>
+          </a:lstStyle>
+          <a:p>
+            <a:fld id="{B61BEF0D-F0BB-DE4B-95CE-6DB70DBA9567}" type="datetimeFigureOut">
+              <a:rPr lang="en-US" smtClean="0"/>
+              <a:pPr/>
+              <a:t>4/24/2018</a:t>
+            </a:fld>
+            <a:endParaRPr lang="en-US" dirty="0"/>
+          </a:p>
+        </p:txBody>
+      </p:sp>
+      <p:sp>
+        <p:nvSpPr>
+          <p:cNvPr id="5" name="Segnaposto piè di pagina 4">
+            <a:extLst>
+              <a:ext uri="{FF2B5EF4-FFF2-40B4-BE49-F238E27FC236}">
+                <a16:creationId xmlns:a16="http://schemas.microsoft.com/office/drawing/2014/main" id="{4FA6F112-9EE7-4C04-A67A-F961BCB18435}"/>
+              </a:ext>
+            </a:extLst>
+          </p:cNvPr>
+          <p:cNvSpPr>
+            <a:spLocks noGrp="1"/>
+          </p:cNvSpPr>
+          <p:nvPr>
+            <p:ph type="ftr" sz="quarter" idx="3"/>
+          </p:nvPr>
+        </p:nvSpPr>
+        <p:spPr>
+          <a:xfrm>
+            <a:off x="4038600" y="6356350"/>
+            <a:ext cx="4114800" cy="365125"/>
+          </a:xfrm>
+          <a:prstGeom prst="rect">
+            <a:avLst/>
+          </a:prstGeom>
+        </p:spPr>
+        <p:txBody>
+          <a:bodyPr vert="horz" lIns="91440" tIns="45720" rIns="91440" bIns="45720" rtlCol="0" anchor="ctr"/>
+          <a:lstStyle>
+            <a:lvl1pPr algn="ctr">
+              <a:defRPr sz="1200">
+                <a:solidFill>
+                  <a:schemeClr val="tx1">
+                    <a:tint val="75000"/>
+                  </a:schemeClr>
+                </a:solidFill>
+              </a:defRPr>
+            </a:lvl1pPr>
+          </a:lstStyle>
+          <a:p>
+            <a:endParaRPr lang="en-US" dirty="0"/>
+          </a:p>
+        </p:txBody>
+      </p:sp>
+      <p:sp>
+        <p:nvSpPr>
+          <p:cNvPr id="6" name="Segnaposto numero diapositiva 5">
+            <a:extLst>
+              <a:ext uri="{FF2B5EF4-FFF2-40B4-BE49-F238E27FC236}">
+                <a16:creationId xmlns:a16="http://schemas.microsoft.com/office/drawing/2014/main" id="{F7F30954-3851-4AD4-896B-9F46818F6E5B}"/>
+              </a:ext>
+            </a:extLst>
+          </p:cNvPr>
+          <p:cNvSpPr>
+            <a:spLocks noGrp="1"/>
+          </p:cNvSpPr>
+          <p:nvPr>
+            <p:ph type="sldNum" sz="quarter" idx="4"/>
+          </p:nvPr>
+        </p:nvSpPr>
+        <p:spPr>
+          <a:xfrm>
+            <a:off x="8610600" y="6356350"/>
+            <a:ext cx="2743200" cy="365125"/>
+          </a:xfrm>
+          <a:prstGeom prst="rect">
+            <a:avLst/>
+          </a:prstGeom>
+        </p:spPr>
+        <p:txBody>
+          <a:bodyPr vert="horz" lIns="91440" tIns="45720" rIns="91440" bIns="45720" rtlCol="0" anchor="ctr"/>
+          <a:lstStyle>
+            <a:lvl1pPr algn="r">
+              <a:defRPr sz="1200">
+                <a:solidFill>
+                  <a:schemeClr val="tx1">
+                    <a:tint val="75000"/>
+                  </a:schemeClr>
+                </a:solidFill>
+              </a:defRPr>
+            </a:lvl1pPr>
+          </a:lstStyle>
+          <a:p>
+            <a:fld id="{D57F1E4F-1CFF-5643-939E-217C01CDF565}" type="slidenum">
+              <a:rPr lang="en-US" smtClean="0"/>
+              <a:pPr/>
+              <a:t>‹N›</a:t>
+            </a:fld>
+            <a:endParaRPr lang="en-US" dirty="0"/>
+          </a:p>
+        </p:txBody>
+      </p:sp>
+    </p:spTree>
+    <p:extLst>
+      <p:ext uri="{BB962C8B-B14F-4D97-AF65-F5344CB8AC3E}">
+        <p14:creationId xmlns:p14="http://schemas.microsoft.com/office/powerpoint/2010/main" val="59835896"/>
+      </p:ext>
+    </p:extLst>
+  </p:cSld>
+  <p:clrMap bg1="lt1" tx1="dk1" bg2="lt2" tx2="dk2" accent1="accent1" accent2="accent2" accent3="accent3" accent4="accent4" accent5="accent5" accent6="accent6" hlink="hlink" folHlink="folHlink"/>
+  <p:sldLayoutIdLst>
+    <p:sldLayoutId id="2147483796" r:id="rId1"/>
+    <p:sldLayoutId id="2147483797" r:id="rId2"/>
+    <p:sldLayoutId id="2147483798" r:id="rId3"/>
+    <p:sldLayoutId id="2147483799" r:id="rId4"/>
+    <p:sldLayoutId id="2147483800" r:id="rId5"/>
+    <p:sldLayoutId id="2147483801" r:id="rId6"/>
+    <p:sldLayoutId id="2147483802" r:id="rId7"/>
+    <p:sldLayoutId id="2147483803" r:id="rId8"/>
+    <p:sldLayoutId id="2147483804" r:id="rId9"/>
+    <p:sldLayoutId id="2147483805" r:id="rId10"/>
+    <p:sldLayoutId id="2147483806" r:id="rId11"/>
+  </p:sldLayoutIdLst>
+  <p:txStyles>
+    <p:titleStyle>
+      <a:lvl1pPr algn="l" defTabSz="914400" rtl="0" eaLnBrk="1" latinLnBrk="0" hangingPunct="1">
+        <a:lnSpc>
+          <a:spcPct val="90000"/>
+        </a:lnSpc>
+        <a:spcBef>
+          <a:spcPct val="0"/>
+        </a:spcBef>
+        <a:buNone/>
+        <a:defRPr sz="4400" kern="1200">
+          <a:solidFill>
+            <a:schemeClr val="tx1"/>
+          </a:solidFill>
+          <a:latin typeface="+mj-lt"/>
+          <a:ea typeface="+mj-ea"/>
+          <a:cs typeface="+mj-cs"/>
+        </a:defRPr>
+      </a:lvl1pPr>
+    </p:titleStyle>
+    <p:bodyStyle>
+      <a:lvl1pPr marL="228600" indent="-228600" algn="l" defTabSz="914400" rtl="0" eaLnBrk="1" latinLnBrk="0" hangingPunct="1">
+        <a:lnSpc>
+          <a:spcPct val="90000"/>
+        </a:lnSpc>
+        <a:spcBef>
+          <a:spcPts val="1000"/>
+        </a:spcBef>
+        <a:buFont typeface="Arial" panose="020B0604020202020204" pitchFamily="34" charset="0"/>
+        <a:buChar char="•"/>
+        <a:defRPr sz="2800" kern="1200">
+          <a:solidFill>
+            <a:schemeClr val="tx1"/>
+          </a:solidFill>
+          <a:latin typeface="+mn-lt"/>
+          <a:ea typeface="+mn-ea"/>
+          <a:cs typeface="+mn-cs"/>
+        </a:defRPr>
+      </a:lvl1pPr>
+      <a:lvl2pPr marL="685800" indent="-228600" algn="l" defTabSz="914400" rtl="0" eaLnBrk="1" latinLnBrk="0" hangingPunct="1">
+        <a:lnSpc>
+          <a:spcPct val="90000"/>
+        </a:lnSpc>
+        <a:spcBef>
+          <a:spcPts val="500"/>
+        </a:spcBef>
+        <a:buFont typeface="Arial" panose="020B0604020202020204" pitchFamily="34" charset="0"/>
+        <a:buChar char="•"/>
+        <a:defRPr sz="2400" kern="1200">
+          <a:solidFill>
+            <a:schemeClr val="tx1"/>
+          </a:solidFill>
+          <a:latin typeface="+mn-lt"/>
+          <a:ea typeface="+mn-ea"/>
+          <a:cs typeface="+mn-cs"/>
+        </a:defRPr>
+      </a:lvl2pPr>
+      <a:lvl3pPr marL="1143000" indent="-228600" algn="l" defTabSz="914400" rtl="0" eaLnBrk="1" latinLnBrk="0" hangingPunct="1">
+        <a:lnSpc>
+          <a:spcPct val="90000"/>
+        </a:lnSpc>
+        <a:spcBef>
+          <a:spcPts val="500"/>
+        </a:spcBef>
+        <a:buFont typeface="Arial" panose="020B0604020202020204" pitchFamily="34" charset="0"/>
+        <a:buChar char="•"/>
+        <a:defRPr sz="2000" kern="1200">
+          <a:solidFill>
+            <a:schemeClr val="tx1"/>
+          </a:solidFill>
+          <a:latin typeface="+mn-lt"/>
+          <a:ea typeface="+mn-ea"/>
+          <a:cs typeface="+mn-cs"/>
+        </a:defRPr>
+      </a:lvl3pPr>
+      <a:lvl4pPr marL="1600200" indent="-228600" algn="l" defTabSz="914400" rtl="0" eaLnBrk="1" latinLnBrk="0" hangingPunct="1">
+        <a:lnSpc>
+          <a:spcPct val="90000"/>
+        </a:lnSpc>
+        <a:spcBef>
+          <a:spcPts val="500"/>
+        </a:spcBef>
+        <a:buFont typeface="Arial" panose="020B0604020202020204" pitchFamily="34" charset="0"/>
+        <a:buChar char="•"/>
+        <a:defRPr sz="1800" kern="1200">
+          <a:solidFill>
+            <a:schemeClr val="tx1"/>
+          </a:solidFill>
+          <a:latin typeface="+mn-lt"/>
+          <a:ea typeface="+mn-ea"/>
+          <a:cs typeface="+mn-cs"/>
+        </a:defRPr>
+      </a:lvl4pPr>
+      <a:lvl5pPr marL="2057400" indent="-228600" algn="l" defTabSz="914400" rtl="0" eaLnBrk="1" latinLnBrk="0" hangingPunct="1">
+        <a:lnSpc>
+          <a:spcPct val="90000"/>
+        </a:lnSpc>
+        <a:spcBef>
+          <a:spcPts val="500"/>
+        </a:spcBef>
+        <a:buFont typeface="Arial" panose="020B0604020202020204" pitchFamily="34" charset="0"/>
+        <a:buChar char="•"/>
+        <a:defRPr sz="1800" kern="1200">
+          <a:solidFill>
+            <a:schemeClr val="tx1"/>
+          </a:solidFill>
+          <a:latin typeface="+mn-lt"/>
+          <a:ea typeface="+mn-ea"/>
+          <a:cs typeface="+mn-cs"/>
+        </a:defRPr>
+      </a:lvl5pPr>
+      <a:lvl6pPr marL="2514600" indent="-228600" algn="l" defTabSz="914400" rtl="0" eaLnBrk="1" latinLnBrk="0" hangingPunct="1">
+        <a:lnSpc>
+          <a:spcPct val="90000"/>
+        </a:lnSpc>
+        <a:spcBef>
+          <a:spcPts val="500"/>
+        </a:spcBef>
+        <a:buFont typeface="Arial" panose="020B0604020202020204" pitchFamily="34" charset="0"/>
+        <a:buChar char="•"/>
+        <a:defRPr sz="1800" kern="1200">
+          <a:solidFill>
+            <a:schemeClr val="tx1"/>
+          </a:solidFill>
+          <a:latin typeface="+mn-lt"/>
+          <a:ea typeface="+mn-ea"/>
+          <a:cs typeface="+mn-cs"/>
+        </a:defRPr>
+      </a:lvl6pPr>
+      <a:lvl7pPr marL="2971800" indent="-228600" algn="l" defTabSz="914400" rtl="0" eaLnBrk="1" latinLnBrk="0" hangingPunct="1">
+        <a:lnSpc>
+          <a:spcPct val="90000"/>
+        </a:lnSpc>
+        <a:spcBef>
+          <a:spcPts val="500"/>
+        </a:spcBef>
+        <a:buFont typeface="Arial" panose="020B0604020202020204" pitchFamily="34" charset="0"/>
+        <a:buChar char="•"/>
+        <a:defRPr sz="1800" kern="1200">
+          <a:solidFill>
+            <a:schemeClr val="tx1"/>
+          </a:solidFill>
+          <a:latin typeface="+mn-lt"/>
+          <a:ea typeface="+mn-ea"/>
+          <a:cs typeface="+mn-cs"/>
+        </a:defRPr>
+      </a:lvl7pPr>
+      <a:lvl8pPr marL="3429000" indent="-228600" algn="l" defTabSz="914400" rtl="0" eaLnBrk="1" latinLnBrk="0" hangingPunct="1">
+        <a:lnSpc>
+          <a:spcPct val="90000"/>
+        </a:lnSpc>
+        <a:spcBef>
+          <a:spcPts val="500"/>
+        </a:spcBef>
+        <a:buFont typeface="Arial" panose="020B0604020202020204" pitchFamily="34" charset="0"/>
+        <a:buChar char="•"/>
+        <a:defRPr sz="1800" kern="1200">
+          <a:solidFill>
+            <a:schemeClr val="tx1"/>
+          </a:solidFill>
+          <a:latin typeface="+mn-lt"/>
+          <a:ea typeface="+mn-ea"/>
+          <a:cs typeface="+mn-cs"/>
+        </a:defRPr>
+      </a:lvl8pPr>
+      <a:lvl9pPr marL="3886200" indent="-228600" algn="l" defTabSz="914400" rtl="0" eaLnBrk="1" latinLnBrk="0" hangingPunct="1">
+        <a:lnSpc>
+          <a:spcPct val="90000"/>
+        </a:lnSpc>
+        <a:spcBef>
+          <a:spcPts val="500"/>
+        </a:spcBef>
+        <a:buFont typeface="Arial" panose="020B0604020202020204" pitchFamily="34" charset="0"/>
+        <a:buChar char="•"/>
+        <a:defRPr sz="1800" kern="1200">
+          <a:solidFill>
+            <a:schemeClr val="tx1"/>
+          </a:solidFill>
+          <a:latin typeface="+mn-lt"/>
+          <a:ea typeface="+mn-ea"/>
+          <a:cs typeface="+mn-cs"/>
+        </a:defRPr>
+      </a:lvl9pPr>
+    </p:bodyStyle>
+    <p:otherStyle>
+      <a:defPPr>
+        <a:defRPr lang="it-IT"/>
+      </a:defPPr>
+      <a:lvl1pPr marL="0" algn="l" defTabSz="914400" rtl="0" eaLnBrk="1" latinLnBrk="0" hangingPunct="1">
+        <a:defRPr sz="1800" kern="1200">
+          <a:solidFill>
+            <a:schemeClr val="tx1"/>
+          </a:solidFill>
+          <a:latin typeface="+mn-lt"/>
+          <a:ea typeface="+mn-ea"/>
+          <a:cs typeface="+mn-cs"/>
+        </a:defRPr>
+      </a:lvl1pPr>
+      <a:lvl2pPr marL="457200" algn="l" defTabSz="914400" rtl="0" eaLnBrk="1" latinLnBrk="0" hangingPunct="1">
+        <a:defRPr sz="1800" kern="1200">
+          <a:solidFill>
+            <a:schemeClr val="tx1"/>
+          </a:solidFill>
+          <a:latin typeface="+mn-lt"/>
+          <a:ea typeface="+mn-ea"/>
+          <a:cs typeface="+mn-cs"/>
+        </a:defRPr>
+      </a:lvl2pPr>
+      <a:lvl3pPr marL="914400" algn="l" defTabSz="914400" rtl="0" eaLnBrk="1" latinLnBrk="0" hangingPunct="1">
+        <a:defRPr sz="1800" kern="1200">
+          <a:solidFill>
+            <a:schemeClr val="tx1"/>
+          </a:solidFill>
+          <a:latin typeface="+mn-lt"/>
+          <a:ea typeface="+mn-ea"/>
+          <a:cs typeface="+mn-cs"/>
+        </a:defRPr>
+      </a:lvl3pPr>
+      <a:lvl4pPr marL="1371600" algn="l" defTabSz="914400" rtl="0" eaLnBrk="1" latinLnBrk="0" hangingPunct="1">
+        <a:defRPr sz="1800" kern="1200">
+          <a:solidFill>
+            <a:schemeClr val="tx1"/>
+          </a:solidFill>
+          <a:latin typeface="+mn-lt"/>
+          <a:ea typeface="+mn-ea"/>
+          <a:cs typeface="+mn-cs"/>
+        </a:defRPr>
+      </a:lvl4pPr>
+      <a:lvl5pPr marL="1828800" algn="l" defTabSz="914400" rtl="0" eaLnBrk="1" latinLnBrk="0" hangingPunct="1">
+        <a:defRPr sz="1800" kern="1200">
+          <a:solidFill>
+            <a:schemeClr val="tx1"/>
+          </a:solidFill>
+          <a:latin typeface="+mn-lt"/>
+          <a:ea typeface="+mn-ea"/>
+          <a:cs typeface="+mn-cs"/>
+        </a:defRPr>
+      </a:lvl5pPr>
+      <a:lvl6pPr marL="2286000" algn="l" defTabSz="914400" rtl="0" eaLnBrk="1" latinLnBrk="0" hangingPunct="1">
+        <a:defRPr sz="1800" kern="1200">
+          <a:solidFill>
+            <a:schemeClr val="tx1"/>
+          </a:solidFill>
+          <a:latin typeface="+mn-lt"/>
+          <a:ea typeface="+mn-ea"/>
+          <a:cs typeface="+mn-cs"/>
+        </a:defRPr>
+      </a:lvl6pPr>
+      <a:lvl7pPr marL="2743200" algn="l" defTabSz="914400" rtl="0" eaLnBrk="1" latinLnBrk="0" hangingPunct="1">
+        <a:defRPr sz="1800" kern="1200">
+          <a:solidFill>
+            <a:schemeClr val="tx1"/>
+          </a:solidFill>
+          <a:latin typeface="+mn-lt"/>
+          <a:ea typeface="+mn-ea"/>
+          <a:cs typeface="+mn-cs"/>
+        </a:defRPr>
+      </a:lvl7pPr>
+      <a:lvl8pPr marL="3200400" algn="l" defTabSz="914400" rtl="0" eaLnBrk="1" latinLnBrk="0" hangingPunct="1">
+        <a:defRPr sz="1800" kern="1200">
+          <a:solidFill>
+            <a:schemeClr val="tx1"/>
+          </a:solidFill>
+          <a:latin typeface="+mn-lt"/>
+          <a:ea typeface="+mn-ea"/>
+          <a:cs typeface="+mn-cs"/>
+        </a:defRPr>
+      </a:lvl8pPr>
+      <a:lvl9pPr marL="3657600" algn="l" defTabSz="914400" rtl="0" eaLnBrk="1" latinLnBrk="0" hangingPunct="1">
+        <a:defRPr sz="1800" kern="1200">
+          <a:solidFill>
+            <a:schemeClr val="tx1"/>
+          </a:solidFill>
+          <a:latin typeface="+mn-lt"/>
+          <a:ea typeface="+mn-ea"/>
+          <a:cs typeface="+mn-cs"/>
+        </a:defRPr>
+      </a:lvl9pPr>
+    </p:otherStyle>
+  </p:txStyles>
+</p:sldMaster>
+</file>
+
 <file path=ppt/slides/slide1.xml><?xml version="1.0" encoding="utf-8"?>
 <p:sld xmlns:a="http://schemas.openxmlformats.org/drawingml/2006/main" xmlns:r="http://schemas.openxmlformats.org/officeDocument/2006/relationships" xmlns:p="http://schemas.openxmlformats.org/presentationml/2006/main">
   <p:cSld>
@@ -22413,7 +25304,15 @@
           <a:p>
             <a:r>
               <a:rPr lang="it-IT" dirty="0"/>
-              <a:t>An online competitive multiplayer casual indie game</a:t>
+              <a:t>Un gioco </a:t>
+            </a:r>
+            <a:r>
+              <a:rPr lang="it-IT" dirty="0" err="1"/>
+              <a:t>multigiocatore</a:t>
+            </a:r>
+            <a:r>
+              <a:rPr lang="it-IT" dirty="0"/>
+              <a:t> online</a:t>
             </a:r>
           </a:p>
         </p:txBody>
@@ -22693,6 +25592,169 @@
 </p:sld>
 </file>
 
+<file path=ppt/slides/slide10.xml><?xml version="1.0" encoding="utf-8"?>
+<p:sld xmlns:a="http://schemas.openxmlformats.org/drawingml/2006/main" xmlns:r="http://schemas.openxmlformats.org/officeDocument/2006/relationships" xmlns:p="http://schemas.openxmlformats.org/presentationml/2006/main">
+  <p:cSld>
+    <p:bg>
+      <p:bgPr>
+        <a:solidFill>
+          <a:schemeClr val="bg1"/>
+        </a:solidFill>
+        <a:effectLst/>
+      </p:bgPr>
+    </p:bg>
+    <p:spTree>
+      <p:nvGrpSpPr>
+        <p:cNvPr id="1" name=""/>
+        <p:cNvGrpSpPr/>
+        <p:nvPr/>
+      </p:nvGrpSpPr>
+      <p:grpSpPr>
+        <a:xfrm>
+          <a:off x="0" y="0"/>
+          <a:ext cx="0" cy="0"/>
+          <a:chOff x="0" y="0"/>
+          <a:chExt cx="0" cy="0"/>
+        </a:xfrm>
+      </p:grpSpPr>
+      <p:pic>
+        <p:nvPicPr>
+          <p:cNvPr id="8" name="Segnaposto immagine 12" descr="Immagine che contiene persona, uomo, interni, parete&#10;&#10;Descrizione generata con affidabilità molto elevata">
+            <a:extLst>
+              <a:ext uri="{FF2B5EF4-FFF2-40B4-BE49-F238E27FC236}">
+                <a16:creationId xmlns:a16="http://schemas.microsoft.com/office/drawing/2014/main" id="{5DD72F4E-0A95-4FC6-84C1-AAA7E22B559A}"/>
+              </a:ext>
+            </a:extLst>
+          </p:cNvPr>
+          <p:cNvPicPr>
+            <a:picLocks noChangeAspect="1"/>
+          </p:cNvPicPr>
+          <p:nvPr/>
+        </p:nvPicPr>
+        <p:blipFill rotWithShape="1">
+          <a:blip r:embed="rId2">
+            <a:alphaModFix amt="45000"/>
+            <a:extLst/>
+          </a:blip>
+          <a:srcRect l="1328" r="20469"/>
+          <a:stretch/>
+        </p:blipFill>
+        <p:spPr>
+          <a:xfrm>
+            <a:off x="20" y="-1"/>
+            <a:ext cx="12188932" cy="6858000"/>
+          </a:xfrm>
+          <a:prstGeom prst="rect">
+            <a:avLst/>
+          </a:prstGeom>
+        </p:spPr>
+      </p:pic>
+      <p:sp>
+        <p:nvSpPr>
+          <p:cNvPr id="23" name="Titolo 1">
+            <a:extLst>
+              <a:ext uri="{FF2B5EF4-FFF2-40B4-BE49-F238E27FC236}">
+                <a16:creationId xmlns:a16="http://schemas.microsoft.com/office/drawing/2014/main" id="{8C512030-8CFF-4AEA-AB19-D0EA1BF18516}"/>
+              </a:ext>
+            </a:extLst>
+          </p:cNvPr>
+          <p:cNvSpPr txBox="1">
+            <a:spLocks/>
+          </p:cNvSpPr>
+          <p:nvPr/>
+        </p:nvSpPr>
+        <p:spPr>
+          <a:xfrm>
+            <a:off x="4071256" y="5527524"/>
+            <a:ext cx="8701315" cy="1511904"/>
+          </a:xfrm>
+          <a:prstGeom prst="rect">
+            <a:avLst/>
+          </a:prstGeom>
+        </p:spPr>
+        <p:txBody>
+          <a:bodyPr vert="horz" lIns="91440" tIns="45720" rIns="91440" bIns="45720" rtlCol="0" anchor="ctr">
+            <a:normAutofit/>
+          </a:bodyPr>
+          <a:lstStyle>
+            <a:lvl1pPr algn="l" defTabSz="914400" rtl="0" eaLnBrk="1" latinLnBrk="0" hangingPunct="1">
+              <a:lnSpc>
+                <a:spcPct val="80000"/>
+              </a:lnSpc>
+              <a:spcBef>
+                <a:spcPct val="0"/>
+              </a:spcBef>
+              <a:buNone/>
+              <a:defRPr sz="5000" kern="1200" cap="all" spc="100" baseline="0">
+                <a:solidFill>
+                  <a:schemeClr val="tx1">
+                    <a:lumMod val="90000"/>
+                    <a:lumOff val="10000"/>
+                  </a:schemeClr>
+                </a:solidFill>
+                <a:latin typeface="+mj-lt"/>
+                <a:ea typeface="+mj-ea"/>
+                <a:cs typeface="+mj-cs"/>
+              </a:defRPr>
+            </a:lvl1pPr>
+          </a:lstStyle>
+          <a:p>
+            <a:pPr marL="0" marR="0" lvl="0" indent="0" algn="ctr" defTabSz="914400" rtl="0" eaLnBrk="1" fontAlgn="auto" latinLnBrk="0" hangingPunct="1">
+              <a:lnSpc>
+                <a:spcPct val="80000"/>
+              </a:lnSpc>
+              <a:spcBef>
+                <a:spcPct val="0"/>
+              </a:spcBef>
+              <a:spcAft>
+                <a:spcPts val="0"/>
+              </a:spcAft>
+              <a:buClrTx/>
+              <a:buSzTx/>
+              <a:buFontTx/>
+              <a:buNone/>
+              <a:tabLst/>
+              <a:defRPr/>
+            </a:pPr>
+            <a:r>
+              <a:rPr lang="it-IT" sz="6600" dirty="0">
+                <a:solidFill>
+                  <a:srgbClr val="FFFFFF"/>
+                </a:solidFill>
+                <a:latin typeface="Tw Cen MT Condensed" panose="020B0606020104020203"/>
+              </a:rPr>
+              <a:t>Grazie per l’attenzione</a:t>
+            </a:r>
+            <a:endParaRPr kumimoji="0" lang="it-IT" sz="6600" b="0" i="0" u="none" strike="noStrike" kern="1200" cap="all" spc="100" normalizeH="0" baseline="0" noProof="0" dirty="0">
+              <a:ln>
+                <a:noFill/>
+              </a:ln>
+              <a:solidFill>
+                <a:srgbClr val="FFFFFF"/>
+              </a:solidFill>
+              <a:effectLst/>
+              <a:uLnTx/>
+              <a:uFillTx/>
+              <a:latin typeface="Tw Cen MT Condensed" panose="020B0606020104020203"/>
+              <a:ea typeface="+mj-ea"/>
+              <a:cs typeface="+mj-cs"/>
+            </a:endParaRPr>
+          </a:p>
+        </p:txBody>
+      </p:sp>
+    </p:spTree>
+    <p:extLst>
+      <p:ext uri="{BB962C8B-B14F-4D97-AF65-F5344CB8AC3E}">
+        <p14:creationId xmlns:p14="http://schemas.microsoft.com/office/powerpoint/2010/main" val="3332286115"/>
+      </p:ext>
+    </p:extLst>
+  </p:cSld>
+  <p:clrMapOvr>
+    <a:overrideClrMapping bg1="dk1" tx1="lt1" bg2="dk2" tx2="lt2" accent1="accent1" accent2="accent2" accent3="accent3" accent4="accent4" accent5="accent5" accent6="accent6" hlink="hlink" folHlink="folHlink"/>
+  </p:clrMapOvr>
+</p:sld>
+</file>
+
 <file path=ppt/slides/slide2.xml><?xml version="1.0" encoding="utf-8"?>
 <p:sld xmlns:a="http://schemas.openxmlformats.org/drawingml/2006/main" xmlns:r="http://schemas.openxmlformats.org/officeDocument/2006/relationships" xmlns:p="http://schemas.openxmlformats.org/presentationml/2006/main">
   <p:cSld>
@@ -22833,7 +25895,7 @@
           <p:nvPr>
             <p:extLst>
               <p:ext uri="{D42A27DB-BD31-4B8C-83A1-F6EECF244321}">
-                <p14:modId xmlns:p14="http://schemas.microsoft.com/office/powerpoint/2010/main" val="1960872785"/>
+                <p14:modId xmlns:p14="http://schemas.microsoft.com/office/powerpoint/2010/main" val="3400857932"/>
               </p:ext>
             </p:extLst>
           </p:nvPr>
@@ -23042,7 +26104,7 @@
         </p:blipFill>
         <p:spPr>
           <a:xfrm>
-            <a:off x="5702105" y="643467"/>
+            <a:off x="5702105" y="497694"/>
             <a:ext cx="5459470" cy="5578816"/>
           </a:xfrm>
           <a:prstGeom prst="rect">
@@ -23050,6 +26112,454 @@
           </a:prstGeom>
         </p:spPr>
       </p:pic>
+      <p:cxnSp>
+        <p:nvCxnSpPr>
+          <p:cNvPr id="4" name="Connettore a gomito 3">
+            <a:extLst>
+              <a:ext uri="{FF2B5EF4-FFF2-40B4-BE49-F238E27FC236}">
+                <a16:creationId xmlns:a16="http://schemas.microsoft.com/office/drawing/2014/main" id="{38EF1E5C-BDA2-404E-8C65-A952DB788433}"/>
+              </a:ext>
+            </a:extLst>
+          </p:cNvPr>
+          <p:cNvCxnSpPr>
+            <a:cxnSpLocks/>
+          </p:cNvCxnSpPr>
+          <p:nvPr/>
+        </p:nvCxnSpPr>
+        <p:spPr>
+          <a:xfrm rot="5400000" flipH="1" flipV="1">
+            <a:off x="6153801" y="4814115"/>
+            <a:ext cx="728866" cy="488081"/>
+          </a:xfrm>
+          <a:prstGeom prst="bentConnector3">
+            <a:avLst>
+              <a:gd name="adj1" fmla="val 40349"/>
+            </a:avLst>
+          </a:prstGeom>
+          <a:ln w="34925">
+            <a:solidFill>
+              <a:schemeClr val="accent2">
+                <a:lumMod val="75000"/>
+              </a:schemeClr>
+            </a:solidFill>
+            <a:tailEnd type="triangle"/>
+          </a:ln>
+        </p:spPr>
+        <p:style>
+          <a:lnRef idx="1">
+            <a:schemeClr val="accent1"/>
+          </a:lnRef>
+          <a:fillRef idx="0">
+            <a:schemeClr val="accent1"/>
+          </a:fillRef>
+          <a:effectRef idx="0">
+            <a:schemeClr val="accent1"/>
+          </a:effectRef>
+          <a:fontRef idx="minor">
+            <a:schemeClr val="tx1"/>
+          </a:fontRef>
+        </p:style>
+      </p:cxnSp>
+      <p:sp>
+        <p:nvSpPr>
+          <p:cNvPr id="11" name="CasellaDiTesto 10">
+            <a:extLst>
+              <a:ext uri="{FF2B5EF4-FFF2-40B4-BE49-F238E27FC236}">
+                <a16:creationId xmlns:a16="http://schemas.microsoft.com/office/drawing/2014/main" id="{4FC01513-7663-401E-A421-7E19F0AA77CC}"/>
+              </a:ext>
+            </a:extLst>
+          </p:cNvPr>
+          <p:cNvSpPr txBox="1"/>
+          <p:nvPr/>
+        </p:nvSpPr>
+        <p:spPr>
+          <a:xfrm>
+            <a:off x="5627028" y="5422588"/>
+            <a:ext cx="1294329" cy="369332"/>
+          </a:xfrm>
+          <a:prstGeom prst="rect">
+            <a:avLst/>
+          </a:prstGeom>
+          <a:gradFill flip="none" rotWithShape="1">
+            <a:gsLst>
+              <a:gs pos="0">
+                <a:schemeClr val="accent2">
+                  <a:lumMod val="0"/>
+                  <a:lumOff val="100000"/>
+                </a:schemeClr>
+              </a:gs>
+              <a:gs pos="35000">
+                <a:schemeClr val="accent2">
+                  <a:lumMod val="0"/>
+                  <a:lumOff val="100000"/>
+                </a:schemeClr>
+              </a:gs>
+              <a:gs pos="100000">
+                <a:schemeClr val="accent2">
+                  <a:lumMod val="100000"/>
+                </a:schemeClr>
+              </a:gs>
+            </a:gsLst>
+            <a:lin ang="2700000" scaled="1"/>
+            <a:tileRect/>
+          </a:gradFill>
+          <a:ln w="34925">
+            <a:solidFill>
+              <a:schemeClr val="accent2">
+                <a:lumMod val="75000"/>
+              </a:schemeClr>
+            </a:solidFill>
+          </a:ln>
+        </p:spPr>
+        <p:txBody>
+          <a:bodyPr wrap="none" rtlCol="0">
+            <a:spAutoFit/>
+          </a:bodyPr>
+          <a:lstStyle/>
+          <a:p>
+            <a:r>
+              <a:rPr lang="it-IT" dirty="0"/>
+              <a:t>Pad virtuale</a:t>
+            </a:r>
+          </a:p>
+        </p:txBody>
+      </p:sp>
+      <p:cxnSp>
+        <p:nvCxnSpPr>
+          <p:cNvPr id="18" name="Connettore a gomito 17">
+            <a:extLst>
+              <a:ext uri="{FF2B5EF4-FFF2-40B4-BE49-F238E27FC236}">
+                <a16:creationId xmlns:a16="http://schemas.microsoft.com/office/drawing/2014/main" id="{CD9947C8-428D-4DBF-AD13-FFB2A7C7E3D7}"/>
+              </a:ext>
+            </a:extLst>
+          </p:cNvPr>
+          <p:cNvCxnSpPr>
+            <a:cxnSpLocks/>
+          </p:cNvCxnSpPr>
+          <p:nvPr/>
+        </p:nvCxnSpPr>
+        <p:spPr>
+          <a:xfrm rot="16200000" flipV="1">
+            <a:off x="9967886" y="4814115"/>
+            <a:ext cx="728866" cy="488081"/>
+          </a:xfrm>
+          <a:prstGeom prst="bentConnector3">
+            <a:avLst>
+              <a:gd name="adj1" fmla="val 40349"/>
+            </a:avLst>
+          </a:prstGeom>
+          <a:ln w="34925">
+            <a:solidFill>
+              <a:schemeClr val="accent2">
+                <a:lumMod val="75000"/>
+              </a:schemeClr>
+            </a:solidFill>
+            <a:tailEnd type="triangle"/>
+          </a:ln>
+        </p:spPr>
+        <p:style>
+          <a:lnRef idx="1">
+            <a:schemeClr val="accent1"/>
+          </a:lnRef>
+          <a:fillRef idx="0">
+            <a:schemeClr val="accent1"/>
+          </a:fillRef>
+          <a:effectRef idx="0">
+            <a:schemeClr val="accent1"/>
+          </a:effectRef>
+          <a:fontRef idx="minor">
+            <a:schemeClr val="tx1"/>
+          </a:fontRef>
+        </p:style>
+      </p:cxnSp>
+      <p:sp>
+        <p:nvSpPr>
+          <p:cNvPr id="19" name="CasellaDiTesto 18">
+            <a:extLst>
+              <a:ext uri="{FF2B5EF4-FFF2-40B4-BE49-F238E27FC236}">
+                <a16:creationId xmlns:a16="http://schemas.microsoft.com/office/drawing/2014/main" id="{FAC0F1C6-1664-4D2F-B982-24FE0A5823A9}"/>
+              </a:ext>
+            </a:extLst>
+          </p:cNvPr>
+          <p:cNvSpPr txBox="1"/>
+          <p:nvPr/>
+        </p:nvSpPr>
+        <p:spPr>
+          <a:xfrm>
+            <a:off x="10142587" y="5422588"/>
+            <a:ext cx="867545" cy="369332"/>
+          </a:xfrm>
+          <a:prstGeom prst="rect">
+            <a:avLst/>
+          </a:prstGeom>
+          <a:gradFill flip="none" rotWithShape="1">
+            <a:gsLst>
+              <a:gs pos="0">
+                <a:schemeClr val="accent2">
+                  <a:lumMod val="0"/>
+                  <a:lumOff val="100000"/>
+                </a:schemeClr>
+              </a:gs>
+              <a:gs pos="35000">
+                <a:schemeClr val="accent2">
+                  <a:lumMod val="0"/>
+                  <a:lumOff val="100000"/>
+                </a:schemeClr>
+              </a:gs>
+              <a:gs pos="100000">
+                <a:schemeClr val="accent2">
+                  <a:lumMod val="100000"/>
+                </a:schemeClr>
+              </a:gs>
+            </a:gsLst>
+            <a:lin ang="2700000" scaled="1"/>
+            <a:tileRect/>
+          </a:gradFill>
+          <a:ln w="34925">
+            <a:solidFill>
+              <a:schemeClr val="accent2">
+                <a:lumMod val="75000"/>
+              </a:schemeClr>
+            </a:solidFill>
+          </a:ln>
+        </p:spPr>
+        <p:txBody>
+          <a:bodyPr wrap="none" rtlCol="0">
+            <a:spAutoFit/>
+          </a:bodyPr>
+          <a:lstStyle/>
+          <a:p>
+            <a:r>
+              <a:rPr lang="it-IT" dirty="0"/>
+              <a:t>Attacco</a:t>
+            </a:r>
+          </a:p>
+        </p:txBody>
+      </p:sp>
+      <p:cxnSp>
+        <p:nvCxnSpPr>
+          <p:cNvPr id="23" name="Connettore a gomito 22">
+            <a:extLst>
+              <a:ext uri="{FF2B5EF4-FFF2-40B4-BE49-F238E27FC236}">
+                <a16:creationId xmlns:a16="http://schemas.microsoft.com/office/drawing/2014/main" id="{C7AA2E0F-066C-4D66-8983-A527B740438F}"/>
+              </a:ext>
+            </a:extLst>
+          </p:cNvPr>
+          <p:cNvCxnSpPr>
+            <a:cxnSpLocks/>
+          </p:cNvCxnSpPr>
+          <p:nvPr/>
+        </p:nvCxnSpPr>
+        <p:spPr>
+          <a:xfrm rot="5400000">
+            <a:off x="8530398" y="1926383"/>
+            <a:ext cx="728866" cy="488081"/>
+          </a:xfrm>
+          <a:prstGeom prst="bentConnector3">
+            <a:avLst>
+              <a:gd name="adj1" fmla="val 40349"/>
+            </a:avLst>
+          </a:prstGeom>
+          <a:ln w="34925">
+            <a:solidFill>
+              <a:schemeClr val="accent2">
+                <a:lumMod val="75000"/>
+              </a:schemeClr>
+            </a:solidFill>
+            <a:tailEnd type="triangle"/>
+          </a:ln>
+        </p:spPr>
+        <p:style>
+          <a:lnRef idx="1">
+            <a:schemeClr val="accent1"/>
+          </a:lnRef>
+          <a:fillRef idx="0">
+            <a:schemeClr val="accent1"/>
+          </a:fillRef>
+          <a:effectRef idx="0">
+            <a:schemeClr val="accent1"/>
+          </a:effectRef>
+          <a:fontRef idx="minor">
+            <a:schemeClr val="tx1"/>
+          </a:fontRef>
+        </p:style>
+      </p:cxnSp>
+      <p:sp>
+        <p:nvSpPr>
+          <p:cNvPr id="24" name="CasellaDiTesto 23">
+            <a:extLst>
+              <a:ext uri="{FF2B5EF4-FFF2-40B4-BE49-F238E27FC236}">
+                <a16:creationId xmlns:a16="http://schemas.microsoft.com/office/drawing/2014/main" id="{99BC90FF-07FE-4E17-93F0-887C11BFB18C}"/>
+              </a:ext>
+            </a:extLst>
+          </p:cNvPr>
+          <p:cNvSpPr txBox="1"/>
+          <p:nvPr/>
+        </p:nvSpPr>
+        <p:spPr>
+          <a:xfrm>
+            <a:off x="8581668" y="1436658"/>
+            <a:ext cx="1114408" cy="369332"/>
+          </a:xfrm>
+          <a:prstGeom prst="rect">
+            <a:avLst/>
+          </a:prstGeom>
+          <a:gradFill flip="none" rotWithShape="1">
+            <a:gsLst>
+              <a:gs pos="0">
+                <a:schemeClr val="accent2">
+                  <a:lumMod val="0"/>
+                  <a:lumOff val="100000"/>
+                </a:schemeClr>
+              </a:gs>
+              <a:gs pos="35000">
+                <a:schemeClr val="accent2">
+                  <a:lumMod val="0"/>
+                  <a:lumOff val="100000"/>
+                </a:schemeClr>
+              </a:gs>
+              <a:gs pos="100000">
+                <a:schemeClr val="accent2">
+                  <a:lumMod val="100000"/>
+                </a:schemeClr>
+              </a:gs>
+            </a:gsLst>
+            <a:lin ang="2700000" scaled="1"/>
+            <a:tileRect/>
+          </a:gradFill>
+          <a:ln w="34925">
+            <a:solidFill>
+              <a:schemeClr val="accent2">
+                <a:lumMod val="75000"/>
+              </a:schemeClr>
+            </a:solidFill>
+          </a:ln>
+        </p:spPr>
+        <p:txBody>
+          <a:bodyPr wrap="none" rtlCol="0">
+            <a:spAutoFit/>
+          </a:bodyPr>
+          <a:lstStyle/>
+          <a:p>
+            <a:r>
+              <a:rPr lang="it-IT" dirty="0"/>
+              <a:t>Giocatore</a:t>
+            </a:r>
+          </a:p>
+        </p:txBody>
+      </p:sp>
+      <p:cxnSp>
+        <p:nvCxnSpPr>
+          <p:cNvPr id="25" name="Connettore a gomito 24">
+            <a:extLst>
+              <a:ext uri="{FF2B5EF4-FFF2-40B4-BE49-F238E27FC236}">
+                <a16:creationId xmlns:a16="http://schemas.microsoft.com/office/drawing/2014/main" id="{84BCFF39-A099-4F39-92E5-B7BC451165D7}"/>
+              </a:ext>
+            </a:extLst>
+          </p:cNvPr>
+          <p:cNvCxnSpPr>
+            <a:cxnSpLocks/>
+          </p:cNvCxnSpPr>
+          <p:nvPr/>
+        </p:nvCxnSpPr>
+        <p:spPr>
+          <a:xfrm>
+            <a:off x="6325590" y="1621324"/>
+            <a:ext cx="991729" cy="960820"/>
+          </a:xfrm>
+          <a:prstGeom prst="bentConnector3">
+            <a:avLst>
+              <a:gd name="adj1" fmla="val 50000"/>
+            </a:avLst>
+          </a:prstGeom>
+          <a:ln w="34925">
+            <a:solidFill>
+              <a:schemeClr val="accent2">
+                <a:lumMod val="75000"/>
+              </a:schemeClr>
+            </a:solidFill>
+            <a:tailEnd type="triangle"/>
+          </a:ln>
+        </p:spPr>
+        <p:style>
+          <a:lnRef idx="1">
+            <a:schemeClr val="accent1"/>
+          </a:lnRef>
+          <a:fillRef idx="0">
+            <a:schemeClr val="accent1"/>
+          </a:fillRef>
+          <a:effectRef idx="0">
+            <a:schemeClr val="accent1"/>
+          </a:effectRef>
+          <a:fontRef idx="minor">
+            <a:schemeClr val="tx1"/>
+          </a:fontRef>
+        </p:style>
+      </p:cxnSp>
+      <p:sp>
+        <p:nvSpPr>
+          <p:cNvPr id="26" name="CasellaDiTesto 25">
+            <a:extLst>
+              <a:ext uri="{FF2B5EF4-FFF2-40B4-BE49-F238E27FC236}">
+                <a16:creationId xmlns:a16="http://schemas.microsoft.com/office/drawing/2014/main" id="{A6AABB15-9426-4A22-B708-6BE0C21E03DF}"/>
+              </a:ext>
+            </a:extLst>
+          </p:cNvPr>
+          <p:cNvSpPr txBox="1"/>
+          <p:nvPr/>
+        </p:nvSpPr>
+        <p:spPr>
+          <a:xfrm>
+            <a:off x="5568626" y="1422590"/>
+            <a:ext cx="744114" cy="369332"/>
+          </a:xfrm>
+          <a:prstGeom prst="rect">
+            <a:avLst/>
+          </a:prstGeom>
+          <a:gradFill flip="none" rotWithShape="1">
+            <a:gsLst>
+              <a:gs pos="0">
+                <a:schemeClr val="accent2">
+                  <a:lumMod val="0"/>
+                  <a:lumOff val="100000"/>
+                </a:schemeClr>
+              </a:gs>
+              <a:gs pos="35000">
+                <a:schemeClr val="accent2">
+                  <a:lumMod val="0"/>
+                  <a:lumOff val="100000"/>
+                </a:schemeClr>
+              </a:gs>
+              <a:gs pos="100000">
+                <a:schemeClr val="accent2">
+                  <a:lumMod val="100000"/>
+                </a:schemeClr>
+              </a:gs>
+            </a:gsLst>
+            <a:lin ang="2700000" scaled="1"/>
+            <a:tileRect/>
+          </a:gradFill>
+          <a:ln w="34925">
+            <a:solidFill>
+              <a:schemeClr val="accent2">
+                <a:lumMod val="75000"/>
+              </a:schemeClr>
+            </a:solidFill>
+          </a:ln>
+        </p:spPr>
+        <p:txBody>
+          <a:bodyPr wrap="none" rtlCol="0">
+            <a:spAutoFit/>
+          </a:bodyPr>
+          <a:lstStyle/>
+          <a:p>
+            <a:r>
+              <a:rPr lang="it-IT" dirty="0"/>
+              <a:t>Arena</a:t>
+            </a:r>
+          </a:p>
+        </p:txBody>
+      </p:sp>
     </p:spTree>
     <p:extLst>
       <p:ext uri="{BB962C8B-B14F-4D97-AF65-F5344CB8AC3E}">
@@ -23060,6 +26570,394 @@
   <p:clrMapOvr>
     <a:masterClrMapping/>
   </p:clrMapOvr>
+  <p:timing>
+    <p:tnLst>
+      <p:par>
+        <p:cTn id="1" dur="indefinite" restart="never" nodeType="tmRoot">
+          <p:childTnLst>
+            <p:seq concurrent="1" nextAc="seek">
+              <p:cTn id="2" dur="indefinite" nodeType="mainSeq">
+                <p:childTnLst>
+                  <p:par>
+                    <p:cTn id="3" fill="hold">
+                      <p:stCondLst>
+                        <p:cond delay="indefinite"/>
+                      </p:stCondLst>
+                      <p:childTnLst>
+                        <p:par>
+                          <p:cTn id="4" fill="hold">
+                            <p:stCondLst>
+                              <p:cond delay="0"/>
+                            </p:stCondLst>
+                            <p:childTnLst>
+                              <p:par>
+                                <p:cTn id="5" presetID="6" presetClass="entr" presetSubtype="16" fill="hold" nodeType="clickEffect">
+                                  <p:stCondLst>
+                                    <p:cond delay="0"/>
+                                  </p:stCondLst>
+                                  <p:childTnLst>
+                                    <p:set>
+                                      <p:cBhvr>
+                                        <p:cTn id="6" dur="1" fill="hold">
+                                          <p:stCondLst>
+                                            <p:cond delay="0"/>
+                                          </p:stCondLst>
+                                        </p:cTn>
+                                        <p:tgtEl>
+                                          <p:spTgt spid="23"/>
+                                        </p:tgtEl>
+                                        <p:attrNameLst>
+                                          <p:attrName>style.visibility</p:attrName>
+                                        </p:attrNameLst>
+                                      </p:cBhvr>
+                                      <p:to>
+                                        <p:strVal val="visible"/>
+                                      </p:to>
+                                    </p:set>
+                                    <p:animEffect transition="in" filter="circle(in)">
+                                      <p:cBhvr>
+                                        <p:cTn id="7" dur="750"/>
+                                        <p:tgtEl>
+                                          <p:spTgt spid="23"/>
+                                        </p:tgtEl>
+                                      </p:cBhvr>
+                                    </p:animEffect>
+                                  </p:childTnLst>
+                                </p:cTn>
+                              </p:par>
+                              <p:par>
+                                <p:cTn id="8" presetID="6" presetClass="entr" presetSubtype="16" fill="hold" grpId="0" nodeType="withEffect">
+                                  <p:stCondLst>
+                                    <p:cond delay="0"/>
+                                  </p:stCondLst>
+                                  <p:childTnLst>
+                                    <p:set>
+                                      <p:cBhvr>
+                                        <p:cTn id="9" dur="1" fill="hold">
+                                          <p:stCondLst>
+                                            <p:cond delay="0"/>
+                                          </p:stCondLst>
+                                        </p:cTn>
+                                        <p:tgtEl>
+                                          <p:spTgt spid="24"/>
+                                        </p:tgtEl>
+                                        <p:attrNameLst>
+                                          <p:attrName>style.visibility</p:attrName>
+                                        </p:attrNameLst>
+                                      </p:cBhvr>
+                                      <p:to>
+                                        <p:strVal val="visible"/>
+                                      </p:to>
+                                    </p:set>
+                                    <p:animEffect transition="in" filter="circle(in)">
+                                      <p:cBhvr>
+                                        <p:cTn id="10" dur="750"/>
+                                        <p:tgtEl>
+                                          <p:spTgt spid="24"/>
+                                        </p:tgtEl>
+                                      </p:cBhvr>
+                                    </p:animEffect>
+                                  </p:childTnLst>
+                                </p:cTn>
+                              </p:par>
+                            </p:childTnLst>
+                          </p:cTn>
+                        </p:par>
+                      </p:childTnLst>
+                    </p:cTn>
+                  </p:par>
+                  <p:par>
+                    <p:cTn id="11" fill="hold">
+                      <p:stCondLst>
+                        <p:cond delay="indefinite"/>
+                      </p:stCondLst>
+                      <p:childTnLst>
+                        <p:par>
+                          <p:cTn id="12" fill="hold">
+                            <p:stCondLst>
+                              <p:cond delay="0"/>
+                            </p:stCondLst>
+                            <p:childTnLst>
+                              <p:par>
+                                <p:cTn id="13" presetID="6" presetClass="entr" presetSubtype="16" fill="hold" nodeType="clickEffect">
+                                  <p:stCondLst>
+                                    <p:cond delay="0"/>
+                                  </p:stCondLst>
+                                  <p:childTnLst>
+                                    <p:set>
+                                      <p:cBhvr>
+                                        <p:cTn id="14" dur="1" fill="hold">
+                                          <p:stCondLst>
+                                            <p:cond delay="0"/>
+                                          </p:stCondLst>
+                                        </p:cTn>
+                                        <p:tgtEl>
+                                          <p:spTgt spid="25"/>
+                                        </p:tgtEl>
+                                        <p:attrNameLst>
+                                          <p:attrName>style.visibility</p:attrName>
+                                        </p:attrNameLst>
+                                      </p:cBhvr>
+                                      <p:to>
+                                        <p:strVal val="visible"/>
+                                      </p:to>
+                                    </p:set>
+                                    <p:animEffect transition="in" filter="circle(in)">
+                                      <p:cBhvr>
+                                        <p:cTn id="15" dur="750"/>
+                                        <p:tgtEl>
+                                          <p:spTgt spid="25"/>
+                                        </p:tgtEl>
+                                      </p:cBhvr>
+                                    </p:animEffect>
+                                  </p:childTnLst>
+                                </p:cTn>
+                              </p:par>
+                              <p:par>
+                                <p:cTn id="16" presetID="6" presetClass="entr" presetSubtype="16" fill="hold" grpId="0" nodeType="withEffect">
+                                  <p:stCondLst>
+                                    <p:cond delay="0"/>
+                                  </p:stCondLst>
+                                  <p:childTnLst>
+                                    <p:set>
+                                      <p:cBhvr>
+                                        <p:cTn id="17" dur="1" fill="hold">
+                                          <p:stCondLst>
+                                            <p:cond delay="0"/>
+                                          </p:stCondLst>
+                                        </p:cTn>
+                                        <p:tgtEl>
+                                          <p:spTgt spid="26"/>
+                                        </p:tgtEl>
+                                        <p:attrNameLst>
+                                          <p:attrName>style.visibility</p:attrName>
+                                        </p:attrNameLst>
+                                      </p:cBhvr>
+                                      <p:to>
+                                        <p:strVal val="visible"/>
+                                      </p:to>
+                                    </p:set>
+                                    <p:animEffect transition="in" filter="circle(in)">
+                                      <p:cBhvr>
+                                        <p:cTn id="18" dur="750"/>
+                                        <p:tgtEl>
+                                          <p:spTgt spid="26"/>
+                                        </p:tgtEl>
+                                      </p:cBhvr>
+                                    </p:animEffect>
+                                  </p:childTnLst>
+                                </p:cTn>
+                              </p:par>
+                            </p:childTnLst>
+                          </p:cTn>
+                        </p:par>
+                      </p:childTnLst>
+                    </p:cTn>
+                  </p:par>
+                  <p:par>
+                    <p:cTn id="19" fill="hold">
+                      <p:stCondLst>
+                        <p:cond delay="indefinite"/>
+                      </p:stCondLst>
+                      <p:childTnLst>
+                        <p:par>
+                          <p:cTn id="20" fill="hold">
+                            <p:stCondLst>
+                              <p:cond delay="0"/>
+                            </p:stCondLst>
+                            <p:childTnLst>
+                              <p:par>
+                                <p:cTn id="21" presetID="6" presetClass="entr" presetSubtype="16" fill="hold" nodeType="clickEffect">
+                                  <p:stCondLst>
+                                    <p:cond delay="0"/>
+                                  </p:stCondLst>
+                                  <p:childTnLst>
+                                    <p:set>
+                                      <p:cBhvr>
+                                        <p:cTn id="22" dur="1" fill="hold">
+                                          <p:stCondLst>
+                                            <p:cond delay="0"/>
+                                          </p:stCondLst>
+                                        </p:cTn>
+                                        <p:tgtEl>
+                                          <p:spTgt spid="4"/>
+                                        </p:tgtEl>
+                                        <p:attrNameLst>
+                                          <p:attrName>style.visibility</p:attrName>
+                                        </p:attrNameLst>
+                                      </p:cBhvr>
+                                      <p:to>
+                                        <p:strVal val="visible"/>
+                                      </p:to>
+                                    </p:set>
+                                    <p:animEffect transition="in" filter="circle(in)">
+                                      <p:cBhvr>
+                                        <p:cTn id="23" dur="750"/>
+                                        <p:tgtEl>
+                                          <p:spTgt spid="4"/>
+                                        </p:tgtEl>
+                                      </p:cBhvr>
+                                    </p:animEffect>
+                                  </p:childTnLst>
+                                </p:cTn>
+                              </p:par>
+                              <p:par>
+                                <p:cTn id="24" presetID="6" presetClass="entr" presetSubtype="16" fill="hold" grpId="0" nodeType="withEffect">
+                                  <p:stCondLst>
+                                    <p:cond delay="0"/>
+                                  </p:stCondLst>
+                                  <p:childTnLst>
+                                    <p:set>
+                                      <p:cBhvr>
+                                        <p:cTn id="25" dur="1" fill="hold">
+                                          <p:stCondLst>
+                                            <p:cond delay="0"/>
+                                          </p:stCondLst>
+                                        </p:cTn>
+                                        <p:tgtEl>
+                                          <p:spTgt spid="11"/>
+                                        </p:tgtEl>
+                                        <p:attrNameLst>
+                                          <p:attrName>style.visibility</p:attrName>
+                                        </p:attrNameLst>
+                                      </p:cBhvr>
+                                      <p:to>
+                                        <p:strVal val="visible"/>
+                                      </p:to>
+                                    </p:set>
+                                    <p:animEffect transition="in" filter="circle(in)">
+                                      <p:cBhvr>
+                                        <p:cTn id="26" dur="750"/>
+                                        <p:tgtEl>
+                                          <p:spTgt spid="11"/>
+                                        </p:tgtEl>
+                                      </p:cBhvr>
+                                    </p:animEffect>
+                                  </p:childTnLst>
+                                </p:cTn>
+                              </p:par>
+                            </p:childTnLst>
+                          </p:cTn>
+                        </p:par>
+                      </p:childTnLst>
+                    </p:cTn>
+                  </p:par>
+                  <p:par>
+                    <p:cTn id="27" fill="hold">
+                      <p:stCondLst>
+                        <p:cond delay="indefinite"/>
+                      </p:stCondLst>
+                      <p:childTnLst>
+                        <p:par>
+                          <p:cTn id="28" fill="hold">
+                            <p:stCondLst>
+                              <p:cond delay="0"/>
+                            </p:stCondLst>
+                            <p:childTnLst>
+                              <p:par>
+                                <p:cTn id="29" presetID="6" presetClass="entr" presetSubtype="16" fill="hold" nodeType="clickEffect">
+                                  <p:stCondLst>
+                                    <p:cond delay="0"/>
+                                  </p:stCondLst>
+                                  <p:childTnLst>
+                                    <p:set>
+                                      <p:cBhvr>
+                                        <p:cTn id="30" dur="1" fill="hold">
+                                          <p:stCondLst>
+                                            <p:cond delay="0"/>
+                                          </p:stCondLst>
+                                        </p:cTn>
+                                        <p:tgtEl>
+                                          <p:spTgt spid="18"/>
+                                        </p:tgtEl>
+                                        <p:attrNameLst>
+                                          <p:attrName>style.visibility</p:attrName>
+                                        </p:attrNameLst>
+                                      </p:cBhvr>
+                                      <p:to>
+                                        <p:strVal val="visible"/>
+                                      </p:to>
+                                    </p:set>
+                                    <p:animEffect transition="in" filter="circle(in)">
+                                      <p:cBhvr>
+                                        <p:cTn id="31" dur="750"/>
+                                        <p:tgtEl>
+                                          <p:spTgt spid="18"/>
+                                        </p:tgtEl>
+                                      </p:cBhvr>
+                                    </p:animEffect>
+                                  </p:childTnLst>
+                                </p:cTn>
+                              </p:par>
+                              <p:par>
+                                <p:cTn id="32" presetID="6" presetClass="entr" presetSubtype="16" fill="hold" grpId="0" nodeType="withEffect">
+                                  <p:stCondLst>
+                                    <p:cond delay="0"/>
+                                  </p:stCondLst>
+                                  <p:childTnLst>
+                                    <p:set>
+                                      <p:cBhvr>
+                                        <p:cTn id="33" dur="1" fill="hold">
+                                          <p:stCondLst>
+                                            <p:cond delay="0"/>
+                                          </p:stCondLst>
+                                        </p:cTn>
+                                        <p:tgtEl>
+                                          <p:spTgt spid="19"/>
+                                        </p:tgtEl>
+                                        <p:attrNameLst>
+                                          <p:attrName>style.visibility</p:attrName>
+                                        </p:attrNameLst>
+                                      </p:cBhvr>
+                                      <p:to>
+                                        <p:strVal val="visible"/>
+                                      </p:to>
+                                    </p:set>
+                                    <p:animEffect transition="in" filter="circle(in)">
+                                      <p:cBhvr>
+                                        <p:cTn id="34" dur="750"/>
+                                        <p:tgtEl>
+                                          <p:spTgt spid="19"/>
+                                        </p:tgtEl>
+                                      </p:cBhvr>
+                                    </p:animEffect>
+                                  </p:childTnLst>
+                                </p:cTn>
+                              </p:par>
+                            </p:childTnLst>
+                          </p:cTn>
+                        </p:par>
+                      </p:childTnLst>
+                    </p:cTn>
+                  </p:par>
+                </p:childTnLst>
+              </p:cTn>
+              <p:prevCondLst>
+                <p:cond evt="onPrev" delay="0">
+                  <p:tgtEl>
+                    <p:sldTgt/>
+                  </p:tgtEl>
+                </p:cond>
+              </p:prevCondLst>
+              <p:nextCondLst>
+                <p:cond evt="onNext" delay="0">
+                  <p:tgtEl>
+                    <p:sldTgt/>
+                  </p:tgtEl>
+                </p:cond>
+              </p:nextCondLst>
+            </p:seq>
+          </p:childTnLst>
+        </p:cTn>
+      </p:par>
+    </p:tnLst>
+    <p:bldLst>
+      <p:bldP spid="11" grpId="0" animBg="1"/>
+      <p:bldP spid="19" grpId="0" animBg="1"/>
+      <p:bldP spid="24" grpId="0" animBg="1"/>
+      <p:bldP spid="26" grpId="0" animBg="1"/>
+    </p:bldLst>
+  </p:timing>
 </p:sld>
 </file>
 
@@ -23611,13 +27509,18 @@
           <a:p>
             <a:pPr algn="ctr"/>
             <a:r>
-              <a:rPr lang="it-IT" sz="4600" dirty="0">
+              <a:rPr lang="it-IT" sz="4600">
                 <a:solidFill>
                   <a:srgbClr val="FFFFFF"/>
                 </a:solidFill>
               </a:rPr>
               <a:t>Caratteristiche  tecniche</a:t>
             </a:r>
+            <a:endParaRPr lang="it-IT" sz="4600" dirty="0">
+              <a:solidFill>
+                <a:srgbClr val="FFFFFF"/>
+              </a:solidFill>
+            </a:endParaRPr>
           </a:p>
         </p:txBody>
       </p:sp>
@@ -23637,7 +27540,7 @@
             <p:ph idx="1"/>
             <p:extLst>
               <p:ext uri="{D42A27DB-BD31-4B8C-83A1-F6EECF244321}">
-                <p14:modId xmlns:p14="http://schemas.microsoft.com/office/powerpoint/2010/main" val="1895618581"/>
+                <p14:modId xmlns:p14="http://schemas.microsoft.com/office/powerpoint/2010/main" val="834650567"/>
               </p:ext>
             </p:extLst>
           </p:nvPr>
@@ -23806,7 +27709,7 @@
             <p:ph idx="1"/>
             <p:extLst>
               <p:ext uri="{D42A27DB-BD31-4B8C-83A1-F6EECF244321}">
-                <p14:modId xmlns:p14="http://schemas.microsoft.com/office/powerpoint/2010/main" val="2394517727"/>
+                <p14:modId xmlns:p14="http://schemas.microsoft.com/office/powerpoint/2010/main" val="3438799404"/>
               </p:ext>
             </p:extLst>
           </p:nvPr>
@@ -23954,7 +27857,7 @@
                   <a:srgbClr val="FFFFFF"/>
                 </a:solidFill>
               </a:rPr>
-              <a:t>Moduli</a:t>
+              <a:t>Moduli proposti</a:t>
             </a:r>
           </a:p>
         </p:txBody>
@@ -23975,7 +27878,7 @@
             <p:ph idx="1"/>
             <p:extLst>
               <p:ext uri="{D42A27DB-BD31-4B8C-83A1-F6EECF244321}">
-                <p14:modId xmlns:p14="http://schemas.microsoft.com/office/powerpoint/2010/main" val="524930453"/>
+                <p14:modId xmlns:p14="http://schemas.microsoft.com/office/powerpoint/2010/main" val="681670243"/>
               </p:ext>
             </p:extLst>
           </p:nvPr>
@@ -24175,14 +28078,6 @@
 <file path=ppt/slides/slide9.xml><?xml version="1.0" encoding="utf-8"?>
 <p:sld xmlns:a="http://schemas.openxmlformats.org/drawingml/2006/main" xmlns:r="http://schemas.openxmlformats.org/officeDocument/2006/relationships" xmlns:p="http://schemas.openxmlformats.org/presentationml/2006/main">
   <p:cSld>
-    <p:bg>
-      <p:bgPr>
-        <a:solidFill>
-          <a:schemeClr val="bg1"/>
-        </a:solidFill>
-        <a:effectLst/>
-      </p:bgPr>
-    </p:bg>
     <p:spTree>
       <p:nvGrpSpPr>
         <p:cNvPr id="1" name=""/>
@@ -24197,6 +28092,64 @@
           <a:chExt cx="0" cy="0"/>
         </a:xfrm>
       </p:grpSpPr>
+      <p:sp>
+        <p:nvSpPr>
+          <p:cNvPr id="7" name="Rettangolo 6">
+            <a:extLst>
+              <a:ext uri="{FF2B5EF4-FFF2-40B4-BE49-F238E27FC236}">
+                <a16:creationId xmlns:a16="http://schemas.microsoft.com/office/drawing/2014/main" id="{F5DA8C6E-B9F0-4738-84FB-7F4FF1E1F9DB}"/>
+              </a:ext>
+            </a:extLst>
+          </p:cNvPr>
+          <p:cNvSpPr/>
+          <p:nvPr/>
+        </p:nvSpPr>
+        <p:spPr>
+          <a:xfrm>
+            <a:off x="4648198" y="0"/>
+            <a:ext cx="7543802" cy="6858000"/>
+          </a:xfrm>
+          <a:prstGeom prst="rect">
+            <a:avLst/>
+          </a:prstGeom>
+          <a:blipFill dpi="0" rotWithShape="1">
+            <a:blip r:embed="rId2">
+              <a:alphaModFix amt="20000"/>
+            </a:blip>
+            <a:srcRect/>
+            <a:stretch>
+              <a:fillRect/>
+            </a:stretch>
+          </a:blipFill>
+          <a:ln>
+            <a:noFill/>
+          </a:ln>
+        </p:spPr>
+        <p:style>
+          <a:lnRef idx="2">
+            <a:schemeClr val="accent1">
+              <a:shade val="50000"/>
+            </a:schemeClr>
+          </a:lnRef>
+          <a:fillRef idx="1">
+            <a:schemeClr val="accent1"/>
+          </a:fillRef>
+          <a:effectRef idx="0">
+            <a:schemeClr val="accent1"/>
+          </a:effectRef>
+          <a:fontRef idx="minor">
+            <a:schemeClr val="lt1"/>
+          </a:fontRef>
+        </p:style>
+        <p:txBody>
+          <a:bodyPr rtlCol="0" anchor="ctr"/>
+          <a:lstStyle/>
+          <a:p>
+            <a:pPr algn="ctr"/>
+            <a:endParaRPr lang="it-IT"/>
+          </a:p>
+        </p:txBody>
+      </p:sp>
       <p:sp>
         <p:nvSpPr>
           <p:cNvPr id="10" name="Rectangle 9">
@@ -24313,7 +28266,7 @@
             <p:ph idx="1"/>
             <p:extLst>
               <p:ext uri="{D42A27DB-BD31-4B8C-83A1-F6EECF244321}">
-                <p14:modId xmlns:p14="http://schemas.microsoft.com/office/powerpoint/2010/main" val="867868538"/>
+                <p14:modId xmlns:p14="http://schemas.microsoft.com/office/powerpoint/2010/main" val="867891296"/>
               </p:ext>
             </p:extLst>
           </p:nvPr>
@@ -24324,7 +28277,7 @@
         </p:xfrm>
         <a:graphic>
           <a:graphicData uri="http://schemas.openxmlformats.org/drawingml/2006/diagram">
-            <dgm:relIds xmlns:dgm="http://schemas.openxmlformats.org/drawingml/2006/diagram" xmlns:r="http://schemas.openxmlformats.org/officeDocument/2006/relationships" r:dm="rId2" r:lo="rId3" r:qs="rId4" r:cs="rId5"/>
+            <dgm:relIds xmlns:dgm="http://schemas.openxmlformats.org/drawingml/2006/diagram" xmlns:r="http://schemas.openxmlformats.org/officeDocument/2006/relationships" r:dm="rId3" r:lo="rId4" r:qs="rId5" r:cs="rId6"/>
           </a:graphicData>
         </a:graphic>
       </p:graphicFrame>
@@ -24610,4 +28563,299 @@
     </a:ext>
   </a:extLst>
 </a:theme>
+</file>
+
+<file path=ppt/theme/theme2.xml><?xml version="1.0" encoding="utf-8"?>
+<a:theme xmlns:a="http://schemas.openxmlformats.org/drawingml/2006/main" name="Tema di Office">
+  <a:themeElements>
+    <a:clrScheme name="Office">
+      <a:dk1>
+        <a:sysClr val="windowText" lastClr="000000"/>
+      </a:dk1>
+      <a:lt1>
+        <a:sysClr val="window" lastClr="FFFFFF"/>
+      </a:lt1>
+      <a:dk2>
+        <a:srgbClr val="44546A"/>
+      </a:dk2>
+      <a:lt2>
+        <a:srgbClr val="E7E6E6"/>
+      </a:lt2>
+      <a:accent1>
+        <a:srgbClr val="4472C4"/>
+      </a:accent1>
+      <a:accent2>
+        <a:srgbClr val="ED7D31"/>
+      </a:accent2>
+      <a:accent3>
+        <a:srgbClr val="A5A5A5"/>
+      </a:accent3>
+      <a:accent4>
+        <a:srgbClr val="FFC000"/>
+      </a:accent4>
+      <a:accent5>
+        <a:srgbClr val="5B9BD5"/>
+      </a:accent5>
+      <a:accent6>
+        <a:srgbClr val="70AD47"/>
+      </a:accent6>
+      <a:hlink>
+        <a:srgbClr val="0563C1"/>
+      </a:hlink>
+      <a:folHlink>
+        <a:srgbClr val="954F72"/>
+      </a:folHlink>
+    </a:clrScheme>
+    <a:fontScheme name="Office">
+      <a:majorFont>
+        <a:latin typeface="Calibri Light" panose="020F0302020204030204"/>
+        <a:ea typeface=""/>
+        <a:cs typeface=""/>
+        <a:font script="Jpan" typeface="游ゴシック Light"/>
+        <a:font script="Hang" typeface="맑은 고딕"/>
+        <a:font script="Hans" typeface="等线 Light"/>
+        <a:font script="Hant" typeface="新細明體"/>
+        <a:font script="Arab" typeface="Times New Roman"/>
+        <a:font script="Hebr" typeface="Times New Roman"/>
+        <a:font script="Thai" typeface="Angsana New"/>
+        <a:font script="Ethi" typeface="Nyala"/>
+        <a:font script="Beng" typeface="Vrinda"/>
+        <a:font script="Gujr" typeface="Shruti"/>
+        <a:font script="Khmr" typeface="MoolBoran"/>
+        <a:font script="Knda" typeface="Tunga"/>
+        <a:font script="Guru" typeface="Raavi"/>
+        <a:font script="Cans" typeface="Euphemia"/>
+        <a:font script="Cher" typeface="Plantagenet Cherokee"/>
+        <a:font script="Yiii" typeface="Microsoft Yi Baiti"/>
+        <a:font script="Tibt" typeface="Microsoft Himalaya"/>
+        <a:font script="Thaa" typeface="MV Boli"/>
+        <a:font script="Deva" typeface="Mangal"/>
+        <a:font script="Telu" typeface="Gautami"/>
+        <a:font script="Taml" typeface="Latha"/>
+        <a:font script="Syrc" typeface="Estrangelo Edessa"/>
+        <a:font script="Orya" typeface="Kalinga"/>
+        <a:font script="Mlym" typeface="Kartika"/>
+        <a:font script="Laoo" typeface="DokChampa"/>
+        <a:font script="Sinh" typeface="Iskoola Pota"/>
+        <a:font script="Mong" typeface="Mongolian Baiti"/>
+        <a:font script="Viet" typeface="Times New Roman"/>
+        <a:font script="Uigh" typeface="Microsoft Uighur"/>
+        <a:font script="Geor" typeface="Sylfaen"/>
+        <a:font script="Armn" typeface="Arial"/>
+        <a:font script="Bugi" typeface="Leelawadee UI"/>
+        <a:font script="Bopo" typeface="Microsoft JhengHei"/>
+        <a:font script="Java" typeface="Javanese Text"/>
+        <a:font script="Lisu" typeface="Segoe UI"/>
+        <a:font script="Mymr" typeface="Myanmar Text"/>
+        <a:font script="Nkoo" typeface="Ebrima"/>
+        <a:font script="Olck" typeface="Nirmala UI"/>
+        <a:font script="Osma" typeface="Ebrima"/>
+        <a:font script="Phag" typeface="Phagspa"/>
+        <a:font script="Syrn" typeface="Estrangelo Edessa"/>
+        <a:font script="Syrj" typeface="Estrangelo Edessa"/>
+        <a:font script="Syre" typeface="Estrangelo Edessa"/>
+        <a:font script="Sora" typeface="Nirmala UI"/>
+        <a:font script="Tale" typeface="Microsoft Tai Le"/>
+        <a:font script="Talu" typeface="Microsoft New Tai Lue"/>
+        <a:font script="Tfng" typeface="Ebrima"/>
+      </a:majorFont>
+      <a:minorFont>
+        <a:latin typeface="Calibri" panose="020F0502020204030204"/>
+        <a:ea typeface=""/>
+        <a:cs typeface=""/>
+        <a:font script="Jpan" typeface="游ゴシック"/>
+        <a:font script="Hang" typeface="맑은 고딕"/>
+        <a:font script="Hans" typeface="等线"/>
+        <a:font script="Hant" typeface="新細明體"/>
+        <a:font script="Arab" typeface="Arial"/>
+        <a:font script="Hebr" typeface="Arial"/>
+        <a:font script="Thai" typeface="Cordia New"/>
+        <a:font script="Ethi" typeface="Nyala"/>
+        <a:font script="Beng" typeface="Vrinda"/>
+        <a:font script="Gujr" typeface="Shruti"/>
+        <a:font script="Khmr" typeface="DaunPenh"/>
+        <a:font script="Knda" typeface="Tunga"/>
+        <a:font script="Guru" typeface="Raavi"/>
+        <a:font script="Cans" typeface="Euphemia"/>
+        <a:font script="Cher" typeface="Plantagenet Cherokee"/>
+        <a:font script="Yiii" typeface="Microsoft Yi Baiti"/>
+        <a:font script="Tibt" typeface="Microsoft Himalaya"/>
+        <a:font script="Thaa" typeface="MV Boli"/>
+        <a:font script="Deva" typeface="Mangal"/>
+        <a:font script="Telu" typeface="Gautami"/>
+        <a:font script="Taml" typeface="Latha"/>
+        <a:font script="Syrc" typeface="Estrangelo Edessa"/>
+        <a:font script="Orya" typeface="Kalinga"/>
+        <a:font script="Mlym" typeface="Kartika"/>
+        <a:font script="Laoo" typeface="DokChampa"/>
+        <a:font script="Sinh" typeface="Iskoola Pota"/>
+        <a:font script="Mong" typeface="Mongolian Baiti"/>
+        <a:font script="Viet" typeface="Arial"/>
+        <a:font script="Uigh" typeface="Microsoft Uighur"/>
+        <a:font script="Geor" typeface="Sylfaen"/>
+        <a:font script="Armn" typeface="Arial"/>
+        <a:font script="Bugi" typeface="Leelawadee UI"/>
+        <a:font script="Bopo" typeface="Microsoft JhengHei"/>
+        <a:font script="Java" typeface="Javanese Text"/>
+        <a:font script="Lisu" typeface="Segoe UI"/>
+        <a:font script="Mymr" typeface="Myanmar Text"/>
+        <a:font script="Nkoo" typeface="Ebrima"/>
+        <a:font script="Olck" typeface="Nirmala UI"/>
+        <a:font script="Osma" typeface="Ebrima"/>
+        <a:font script="Phag" typeface="Phagspa"/>
+        <a:font script="Syrn" typeface="Estrangelo Edessa"/>
+        <a:font script="Syrj" typeface="Estrangelo Edessa"/>
+        <a:font script="Syre" typeface="Estrangelo Edessa"/>
+        <a:font script="Sora" typeface="Nirmala UI"/>
+        <a:font script="Tale" typeface="Microsoft Tai Le"/>
+        <a:font script="Talu" typeface="Microsoft New Tai Lue"/>
+        <a:font script="Tfng" typeface="Ebrima"/>
+      </a:minorFont>
+    </a:fontScheme>
+    <a:fmtScheme name="Office">
+      <a:fillStyleLst>
+        <a:solidFill>
+          <a:schemeClr val="phClr"/>
+        </a:solidFill>
+        <a:gradFill rotWithShape="1">
+          <a:gsLst>
+            <a:gs pos="0">
+              <a:schemeClr val="phClr">
+                <a:lumMod val="110000"/>
+                <a:satMod val="105000"/>
+                <a:tint val="67000"/>
+              </a:schemeClr>
+            </a:gs>
+            <a:gs pos="50000">
+              <a:schemeClr val="phClr">
+                <a:lumMod val="105000"/>
+                <a:satMod val="103000"/>
+                <a:tint val="73000"/>
+              </a:schemeClr>
+            </a:gs>
+            <a:gs pos="100000">
+              <a:schemeClr val="phClr">
+                <a:lumMod val="105000"/>
+                <a:satMod val="109000"/>
+                <a:tint val="81000"/>
+              </a:schemeClr>
+            </a:gs>
+          </a:gsLst>
+          <a:lin ang="5400000" scaled="0"/>
+        </a:gradFill>
+        <a:gradFill rotWithShape="1">
+          <a:gsLst>
+            <a:gs pos="0">
+              <a:schemeClr val="phClr">
+                <a:satMod val="103000"/>
+                <a:lumMod val="102000"/>
+                <a:tint val="94000"/>
+              </a:schemeClr>
+            </a:gs>
+            <a:gs pos="50000">
+              <a:schemeClr val="phClr">
+                <a:satMod val="110000"/>
+                <a:lumMod val="100000"/>
+                <a:shade val="100000"/>
+              </a:schemeClr>
+            </a:gs>
+            <a:gs pos="100000">
+              <a:schemeClr val="phClr">
+                <a:lumMod val="99000"/>
+                <a:satMod val="120000"/>
+                <a:shade val="78000"/>
+              </a:schemeClr>
+            </a:gs>
+          </a:gsLst>
+          <a:lin ang="5400000" scaled="0"/>
+        </a:gradFill>
+      </a:fillStyleLst>
+      <a:lnStyleLst>
+        <a:ln w="6350" cap="flat" cmpd="sng" algn="ctr">
+          <a:solidFill>
+            <a:schemeClr val="phClr"/>
+          </a:solidFill>
+          <a:prstDash val="solid"/>
+          <a:miter lim="800000"/>
+        </a:ln>
+        <a:ln w="12700" cap="flat" cmpd="sng" algn="ctr">
+          <a:solidFill>
+            <a:schemeClr val="phClr"/>
+          </a:solidFill>
+          <a:prstDash val="solid"/>
+          <a:miter lim="800000"/>
+        </a:ln>
+        <a:ln w="19050" cap="flat" cmpd="sng" algn="ctr">
+          <a:solidFill>
+            <a:schemeClr val="phClr"/>
+          </a:solidFill>
+          <a:prstDash val="solid"/>
+          <a:miter lim="800000"/>
+        </a:ln>
+      </a:lnStyleLst>
+      <a:effectStyleLst>
+        <a:effectStyle>
+          <a:effectLst/>
+        </a:effectStyle>
+        <a:effectStyle>
+          <a:effectLst/>
+        </a:effectStyle>
+        <a:effectStyle>
+          <a:effectLst>
+            <a:outerShdw blurRad="57150" dist="19050" dir="5400000" algn="ctr" rotWithShape="0">
+              <a:srgbClr val="000000">
+                <a:alpha val="63000"/>
+              </a:srgbClr>
+            </a:outerShdw>
+          </a:effectLst>
+        </a:effectStyle>
+      </a:effectStyleLst>
+      <a:bgFillStyleLst>
+        <a:solidFill>
+          <a:schemeClr val="phClr"/>
+        </a:solidFill>
+        <a:solidFill>
+          <a:schemeClr val="phClr">
+            <a:tint val="95000"/>
+            <a:satMod val="170000"/>
+          </a:schemeClr>
+        </a:solidFill>
+        <a:gradFill rotWithShape="1">
+          <a:gsLst>
+            <a:gs pos="0">
+              <a:schemeClr val="phClr">
+                <a:tint val="93000"/>
+                <a:satMod val="150000"/>
+                <a:shade val="98000"/>
+                <a:lumMod val="102000"/>
+              </a:schemeClr>
+            </a:gs>
+            <a:gs pos="50000">
+              <a:schemeClr val="phClr">
+                <a:tint val="98000"/>
+                <a:satMod val="130000"/>
+                <a:shade val="90000"/>
+                <a:lumMod val="103000"/>
+              </a:schemeClr>
+            </a:gs>
+            <a:gs pos="100000">
+              <a:schemeClr val="phClr">
+                <a:shade val="63000"/>
+                <a:satMod val="120000"/>
+              </a:schemeClr>
+            </a:gs>
+          </a:gsLst>
+          <a:lin ang="5400000" scaled="0"/>
+        </a:gradFill>
+      </a:bgFillStyleLst>
+    </a:fmtScheme>
+  </a:themeElements>
+  <a:objectDefaults/>
+  <a:extraClrSchemeLst/>
+  <a:extLst>
+    <a:ext uri="{05A4C25C-085E-4340-85A3-A5531E510DB2}">
+      <thm15:themeFamily xmlns:thm15="http://schemas.microsoft.com/office/thememl/2012/main" name="Office Theme" id="{62F939B6-93AF-4DB8-9C6B-D6C7DFDC589F}" vid="{4A3C46E8-61CC-4603-A589-7422A47A8E4A}"/>
+    </a:ext>
+  </a:extLst>
+</a:theme>
 </file>
--- a/Pitch/PITCH.pptx
+++ b/Pitch/PITCH.pptx
@@ -6026,14 +6026,14 @@
       </dgm:t>
     </dgm:pt>
     <dgm:pt modelId="{16BD56DA-A5C3-4D71-964E-DFA3747BDC42}">
-      <dgm:prSet/>
+      <dgm:prSet custT="1"/>
       <dgm:spPr/>
       <dgm:t>
         <a:bodyPr/>
         <a:lstStyle/>
         <a:p>
           <a:r>
-            <a:rPr lang="it-IT" dirty="0">
+            <a:rPr lang="it-IT" sz="1800" dirty="0">
               <a:solidFill>
                 <a:schemeClr val="tx1"/>
               </a:solidFill>
@@ -6041,14 +6041,14 @@
             <a:t>Power-</a:t>
           </a:r>
           <a:r>
-            <a:rPr lang="it-IT" dirty="0" err="1">
+            <a:rPr lang="it-IT" sz="1800" dirty="0" err="1">
               <a:solidFill>
                 <a:schemeClr val="tx1"/>
               </a:solidFill>
             </a:rPr>
             <a:t>ups</a:t>
           </a:r>
-          <a:endParaRPr lang="en-US" dirty="0">
+          <a:endParaRPr lang="en-US" sz="1800" dirty="0">
             <a:solidFill>
               <a:schemeClr val="tx1"/>
             </a:solidFill>
@@ -6063,7 +6063,7 @@
         <a:bodyPr/>
         <a:lstStyle/>
         <a:p>
-          <a:endParaRPr lang="en-US">
+          <a:endParaRPr lang="en-US" sz="2400">
             <a:solidFill>
               <a:schemeClr val="tx1"/>
             </a:solidFill>
@@ -6078,7 +6078,7 @@
         <a:bodyPr/>
         <a:lstStyle/>
         <a:p>
-          <a:endParaRPr lang="en-US">
+          <a:endParaRPr lang="en-US" sz="2400">
             <a:solidFill>
               <a:schemeClr val="tx1"/>
             </a:solidFill>
@@ -6087,21 +6087,21 @@
       </dgm:t>
     </dgm:pt>
     <dgm:pt modelId="{AE29E6A4-23C2-460F-9A0E-F9A5B88CBC27}">
-      <dgm:prSet/>
+      <dgm:prSet custT="1"/>
       <dgm:spPr/>
       <dgm:t>
         <a:bodyPr/>
         <a:lstStyle/>
         <a:p>
           <a:r>
-            <a:rPr lang="it-IT" dirty="0">
+            <a:rPr lang="it-IT" sz="1800" dirty="0">
               <a:solidFill>
                 <a:schemeClr val="tx1"/>
               </a:solidFill>
             </a:rPr>
             <a:t>Ridimensionamento del personaggio</a:t>
           </a:r>
-          <a:endParaRPr lang="en-US" dirty="0">
+          <a:endParaRPr lang="en-US" sz="1800" dirty="0">
             <a:solidFill>
               <a:schemeClr val="tx1"/>
             </a:solidFill>
@@ -6110,13 +6110,13 @@
       </dgm:t>
     </dgm:pt>
     <dgm:pt modelId="{B23A9C8E-A442-49A0-A1DD-08F87571E8AC}" type="parTrans" cxnId="{82AF0D3E-EF95-4FA5-B7E9-353DD7EAF34F}">
-      <dgm:prSet/>
+      <dgm:prSet custT="1"/>
       <dgm:spPr/>
       <dgm:t>
         <a:bodyPr/>
         <a:lstStyle/>
         <a:p>
-          <a:endParaRPr lang="en-US">
+          <a:endParaRPr lang="en-US" sz="700">
             <a:solidFill>
               <a:schemeClr val="tx1"/>
             </a:solidFill>
@@ -6131,7 +6131,7 @@
         <a:bodyPr/>
         <a:lstStyle/>
         <a:p>
-          <a:endParaRPr lang="en-US">
+          <a:endParaRPr lang="en-US" sz="2400">
             <a:solidFill>
               <a:schemeClr val="tx1"/>
             </a:solidFill>
@@ -6140,21 +6140,21 @@
       </dgm:t>
     </dgm:pt>
     <dgm:pt modelId="{4D036AE4-4B9D-45F3-A25E-2A63FE945EC7}">
-      <dgm:prSet/>
+      <dgm:prSet custT="1"/>
       <dgm:spPr/>
       <dgm:t>
         <a:bodyPr/>
         <a:lstStyle/>
         <a:p>
           <a:r>
-            <a:rPr lang="it-IT">
+            <a:rPr lang="it-IT" sz="1800">
               <a:solidFill>
                 <a:schemeClr val="tx1"/>
               </a:solidFill>
             </a:rPr>
             <a:t>Cambio di velocità</a:t>
           </a:r>
-          <a:endParaRPr lang="en-US">
+          <a:endParaRPr lang="en-US" sz="1800">
             <a:solidFill>
               <a:schemeClr val="tx1"/>
             </a:solidFill>
@@ -6163,13 +6163,13 @@
       </dgm:t>
     </dgm:pt>
     <dgm:pt modelId="{FF6B6338-0E4D-4241-B4C0-A52ACF53BEE1}" type="parTrans" cxnId="{44195AFB-DC7F-4899-A294-25BAE1516316}">
-      <dgm:prSet/>
+      <dgm:prSet custT="1"/>
       <dgm:spPr/>
       <dgm:t>
         <a:bodyPr/>
         <a:lstStyle/>
         <a:p>
-          <a:endParaRPr lang="en-US">
+          <a:endParaRPr lang="en-US" sz="700">
             <a:solidFill>
               <a:schemeClr val="tx1"/>
             </a:solidFill>
@@ -6184,7 +6184,7 @@
         <a:bodyPr/>
         <a:lstStyle/>
         <a:p>
-          <a:endParaRPr lang="en-US">
+          <a:endParaRPr lang="en-US" sz="2400">
             <a:solidFill>
               <a:schemeClr val="tx1"/>
             </a:solidFill>
@@ -6193,21 +6193,21 @@
       </dgm:t>
     </dgm:pt>
     <dgm:pt modelId="{930FC926-DD4E-44E2-86E3-77E580EA3391}">
-      <dgm:prSet/>
+      <dgm:prSet custT="1"/>
       <dgm:spPr/>
       <dgm:t>
         <a:bodyPr/>
         <a:lstStyle/>
         <a:p>
           <a:r>
-            <a:rPr lang="it-IT" dirty="0">
+            <a:rPr lang="it-IT" sz="1800" dirty="0">
               <a:solidFill>
                 <a:schemeClr val="tx1"/>
               </a:solidFill>
             </a:rPr>
             <a:t>Armi</a:t>
           </a:r>
-          <a:endParaRPr lang="en-US" dirty="0">
+          <a:endParaRPr lang="en-US" sz="1800" dirty="0">
             <a:solidFill>
               <a:schemeClr val="tx1"/>
             </a:solidFill>
@@ -6216,13 +6216,13 @@
       </dgm:t>
     </dgm:pt>
     <dgm:pt modelId="{4F1BF590-A880-4004-B6C4-E584CD568217}" type="parTrans" cxnId="{B378BFDB-F911-46ED-BBD7-0182CD3497E9}">
-      <dgm:prSet/>
+      <dgm:prSet custT="1"/>
       <dgm:spPr/>
       <dgm:t>
         <a:bodyPr/>
         <a:lstStyle/>
         <a:p>
-          <a:endParaRPr lang="en-US">
+          <a:endParaRPr lang="en-US" sz="700">
             <a:solidFill>
               <a:schemeClr val="tx1"/>
             </a:solidFill>
@@ -6237,7 +6237,7 @@
         <a:bodyPr/>
         <a:lstStyle/>
         <a:p>
-          <a:endParaRPr lang="en-US">
+          <a:endParaRPr lang="en-US" sz="2400">
             <a:solidFill>
               <a:schemeClr val="tx1"/>
             </a:solidFill>
@@ -6246,21 +6246,21 @@
       </dgm:t>
     </dgm:pt>
     <dgm:pt modelId="{9656E24A-AA75-4BC7-A736-A1C2E45C2F71}">
-      <dgm:prSet/>
+      <dgm:prSet custT="1"/>
       <dgm:spPr/>
       <dgm:t>
         <a:bodyPr/>
         <a:lstStyle/>
         <a:p>
           <a:r>
-            <a:rPr lang="it-IT" dirty="0">
+            <a:rPr lang="it-IT" sz="1800" dirty="0">
               <a:solidFill>
                 <a:schemeClr val="tx1"/>
               </a:solidFill>
             </a:rPr>
             <a:t>Mappe personalizzabili</a:t>
           </a:r>
-          <a:endParaRPr lang="en-US" dirty="0">
+          <a:endParaRPr lang="en-US" sz="1800" dirty="0">
             <a:solidFill>
               <a:schemeClr val="tx1"/>
             </a:solidFill>
@@ -6275,7 +6275,7 @@
         <a:bodyPr/>
         <a:lstStyle/>
         <a:p>
-          <a:endParaRPr lang="en-US">
+          <a:endParaRPr lang="en-US" sz="2400">
             <a:solidFill>
               <a:schemeClr val="tx1"/>
             </a:solidFill>
@@ -6290,7 +6290,7 @@
         <a:bodyPr/>
         <a:lstStyle/>
         <a:p>
-          <a:endParaRPr lang="en-US">
+          <a:endParaRPr lang="en-US" sz="2400">
             <a:solidFill>
               <a:schemeClr val="tx1"/>
             </a:solidFill>
@@ -6299,21 +6299,21 @@
       </dgm:t>
     </dgm:pt>
     <dgm:pt modelId="{A0D9DD9E-E6B9-4610-A095-23DE648E060D}">
-      <dgm:prSet/>
+      <dgm:prSet custT="1"/>
       <dgm:spPr/>
       <dgm:t>
         <a:bodyPr/>
         <a:lstStyle/>
         <a:p>
           <a:r>
-            <a:rPr lang="it-IT">
+            <a:rPr lang="it-IT" sz="1800">
               <a:solidFill>
                 <a:schemeClr val="tx1"/>
               </a:solidFill>
             </a:rPr>
             <a:t>Gravità</a:t>
           </a:r>
-          <a:endParaRPr lang="en-US">
+          <a:endParaRPr lang="en-US" sz="1800">
             <a:solidFill>
               <a:schemeClr val="tx1"/>
             </a:solidFill>
@@ -6322,13 +6322,13 @@
       </dgm:t>
     </dgm:pt>
     <dgm:pt modelId="{8E10D32D-78A1-497D-96FC-A39F14B7A9BB}" type="parTrans" cxnId="{B3BC0F6E-C044-4523-A7EC-1E1DA44D00B4}">
-      <dgm:prSet/>
+      <dgm:prSet custT="1"/>
       <dgm:spPr/>
       <dgm:t>
         <a:bodyPr/>
         <a:lstStyle/>
         <a:p>
-          <a:endParaRPr lang="en-US">
+          <a:endParaRPr lang="en-US" sz="700">
             <a:solidFill>
               <a:schemeClr val="tx1"/>
             </a:solidFill>
@@ -6343,7 +6343,7 @@
         <a:bodyPr/>
         <a:lstStyle/>
         <a:p>
-          <a:endParaRPr lang="en-US">
+          <a:endParaRPr lang="en-US" sz="2400">
             <a:solidFill>
               <a:schemeClr val="tx1"/>
             </a:solidFill>
@@ -6352,21 +6352,21 @@
       </dgm:t>
     </dgm:pt>
     <dgm:pt modelId="{B8CC19AF-CBA0-4D40-A12B-9D0C9AC96741}">
-      <dgm:prSet/>
+      <dgm:prSet custT="1"/>
       <dgm:spPr/>
       <dgm:t>
         <a:bodyPr/>
         <a:lstStyle/>
         <a:p>
           <a:r>
-            <a:rPr lang="it-IT" dirty="0" err="1">
+            <a:rPr lang="it-IT" sz="1800" dirty="0" err="1">
               <a:solidFill>
                 <a:schemeClr val="tx1"/>
               </a:solidFill>
             </a:rPr>
             <a:t>Parsing</a:t>
           </a:r>
-          <a:endParaRPr lang="en-US" dirty="0">
+          <a:endParaRPr lang="en-US" sz="1800" dirty="0">
             <a:solidFill>
               <a:schemeClr val="tx1"/>
             </a:solidFill>
@@ -6375,13 +6375,13 @@
       </dgm:t>
     </dgm:pt>
     <dgm:pt modelId="{CE956EEA-CA1F-43F4-B135-E441AE8CFC86}" type="parTrans" cxnId="{CC065580-15D1-4BFE-946B-1EDFB563AA3B}">
-      <dgm:prSet/>
+      <dgm:prSet custT="1"/>
       <dgm:spPr/>
       <dgm:t>
         <a:bodyPr/>
         <a:lstStyle/>
         <a:p>
-          <a:endParaRPr lang="en-US">
+          <a:endParaRPr lang="en-US" sz="700">
             <a:solidFill>
               <a:schemeClr val="tx1"/>
             </a:solidFill>
@@ -6396,7 +6396,7 @@
         <a:bodyPr/>
         <a:lstStyle/>
         <a:p>
-          <a:endParaRPr lang="en-US">
+          <a:endParaRPr lang="en-US" sz="2400">
             <a:solidFill>
               <a:schemeClr val="tx1"/>
             </a:solidFill>
@@ -6742,14 +6742,46 @@
         <a:lstStyle/>
         <a:p>
           <a:r>
-            <a:rPr lang="it-IT">
+            <a:rPr lang="it-IT" dirty="0" err="1">
               <a:solidFill>
                 <a:schemeClr val="tx1"/>
               </a:solidFill>
             </a:rPr>
-            <a:t>Bird’s eye view</a:t>
+            <a:t>Bird’s</a:t>
           </a:r>
-          <a:endParaRPr lang="en-US">
+          <a:r>
+            <a:rPr lang="it-IT" dirty="0">
+              <a:solidFill>
+                <a:schemeClr val="tx1"/>
+              </a:solidFill>
+            </a:rPr>
+            <a:t> </a:t>
+          </a:r>
+          <a:r>
+            <a:rPr lang="it-IT" dirty="0" err="1">
+              <a:solidFill>
+                <a:schemeClr val="tx1"/>
+              </a:solidFill>
+            </a:rPr>
+            <a:t>eye</a:t>
+          </a:r>
+          <a:r>
+            <a:rPr lang="it-IT" dirty="0">
+              <a:solidFill>
+                <a:schemeClr val="tx1"/>
+              </a:solidFill>
+            </a:rPr>
+            <a:t> </a:t>
+          </a:r>
+          <a:r>
+            <a:rPr lang="it-IT" dirty="0" err="1">
+              <a:solidFill>
+                <a:schemeClr val="tx1"/>
+              </a:solidFill>
+            </a:rPr>
+            <a:t>view</a:t>
+          </a:r>
+          <a:endParaRPr lang="en-US" dirty="0">
             <a:solidFill>
               <a:schemeClr val="tx1"/>
             </a:solidFill>
@@ -6815,7 +6847,7 @@
                 <a:schemeClr val="tx1"/>
               </a:solidFill>
             </a:rPr>
-            <a:t>SONORO</a:t>
+            <a:t>AUDIO</a:t>
           </a:r>
         </a:p>
       </dgm:t>
@@ -6873,14 +6905,14 @@
         <a:lstStyle/>
         <a:p>
           <a:r>
-            <a:rPr lang="it-IT">
+            <a:rPr lang="it-IT" dirty="0">
               <a:solidFill>
                 <a:schemeClr val="tx1"/>
               </a:solidFill>
             </a:rPr>
             <a:t>Urti</a:t>
           </a:r>
-          <a:endParaRPr lang="en-US">
+          <a:endParaRPr lang="en-US" dirty="0">
             <a:solidFill>
               <a:schemeClr val="tx1"/>
             </a:solidFill>
@@ -6941,14 +6973,14 @@
         <a:lstStyle/>
         <a:p>
           <a:r>
-            <a:rPr lang="it-IT">
+            <a:rPr lang="it-IT" dirty="0">
               <a:solidFill>
                 <a:schemeClr val="tx1"/>
               </a:solidFill>
             </a:rPr>
             <a:t>Eliminazione</a:t>
           </a:r>
-          <a:endParaRPr lang="en-US">
+          <a:endParaRPr lang="en-US" dirty="0">
             <a:solidFill>
               <a:schemeClr val="tx1"/>
             </a:solidFill>
@@ -7009,14 +7041,22 @@
         <a:lstStyle/>
         <a:p>
           <a:r>
-            <a:rPr lang="it-IT">
+            <a:rPr lang="it-IT" dirty="0">
               <a:solidFill>
                 <a:schemeClr val="tx1"/>
               </a:solidFill>
             </a:rPr>
-            <a:t>Power-ups</a:t>
+            <a:t>Power-</a:t>
           </a:r>
-          <a:endParaRPr lang="en-US">
+          <a:r>
+            <a:rPr lang="it-IT" dirty="0" err="1">
+              <a:solidFill>
+                <a:schemeClr val="tx1"/>
+              </a:solidFill>
+            </a:rPr>
+            <a:t>ups</a:t>
+          </a:r>
+          <a:endParaRPr lang="en-US" dirty="0">
             <a:solidFill>
               <a:schemeClr val="tx1"/>
             </a:solidFill>
@@ -7077,14 +7117,14 @@
         <a:lstStyle/>
         <a:p>
           <a:r>
-            <a:rPr lang="it-IT">
+            <a:rPr lang="it-IT" dirty="0">
               <a:solidFill>
                 <a:schemeClr val="tx1"/>
               </a:solidFill>
             </a:rPr>
-            <a:t>Musica jungle/elettronico</a:t>
+            <a:t>Musica jungle/elettronica</a:t>
           </a:r>
-          <a:endParaRPr lang="en-US">
+          <a:endParaRPr lang="en-US" dirty="0">
             <a:solidFill>
               <a:schemeClr val="tx1"/>
             </a:solidFill>
@@ -7121,6 +7161,52 @@
           </a:endParaRPr>
         </a:p>
       </dgm:t>
+    </dgm:pt>
+    <dgm:pt modelId="{3C079570-333F-4E52-92F6-F95004034885}">
+      <dgm:prSet>
+        <dgm:style>
+          <a:lnRef idx="3">
+            <a:schemeClr val="lt1"/>
+          </a:lnRef>
+          <a:fillRef idx="1">
+            <a:schemeClr val="accent4"/>
+          </a:fillRef>
+          <a:effectRef idx="1">
+            <a:schemeClr val="accent4"/>
+          </a:effectRef>
+          <a:fontRef idx="minor">
+            <a:schemeClr val="lt1"/>
+          </a:fontRef>
+        </dgm:style>
+      </dgm:prSet>
+      <dgm:spPr/>
+      <dgm:t>
+        <a:bodyPr/>
+        <a:lstStyle/>
+        <a:p>
+          <a:r>
+            <a:rPr lang="en-US" dirty="0" err="1">
+              <a:solidFill>
+                <a:schemeClr val="tx1"/>
+              </a:solidFill>
+            </a:rPr>
+            <a:t>Minimale</a:t>
+          </a:r>
+          <a:endParaRPr lang="en-US" dirty="0">
+            <a:solidFill>
+              <a:schemeClr val="tx1"/>
+            </a:solidFill>
+          </a:endParaRPr>
+        </a:p>
+      </dgm:t>
+    </dgm:pt>
+    <dgm:pt modelId="{F3DBED49-0493-41D1-A691-778F321BB650}" type="parTrans" cxnId="{5E643B3F-CFFB-411E-BF8F-2E154D9C6980}">
+      <dgm:prSet/>
+      <dgm:spPr/>
+    </dgm:pt>
+    <dgm:pt modelId="{FBC017D7-1AF8-4F5F-978E-D3DAFF2CA8B0}" type="sibTrans" cxnId="{5E643B3F-CFFB-411E-BF8F-2E154D9C6980}">
+      <dgm:prSet/>
+      <dgm:spPr/>
     </dgm:pt>
     <dgm:pt modelId="{DBEE029D-72A5-4C6C-816D-BFC6B5F528F4}" type="pres">
       <dgm:prSet presAssocID="{72A22282-08CB-4E3D-BB86-FD2763D00E61}" presName="linear" presStyleCnt="0">
@@ -7201,6 +7287,7 @@
     <dgm:cxn modelId="{AABA7D25-C32B-4024-8312-B09EA45A2EB1}" srcId="{C1F0885D-5AEF-473C-A6C6-22B5A865203D}" destId="{3DD5A0AF-F711-4D43-BF1C-06E725B90460}" srcOrd="2" destOrd="0" parTransId="{4D1C69F7-4660-4AD4-A55C-4520FC50C003}" sibTransId="{B85FA772-B023-4EEE-A6D1-5D792824AEE0}"/>
     <dgm:cxn modelId="{70E80C2B-2B2C-45C1-817A-F86758FBCD81}" srcId="{38741C01-7851-42BE-87DC-D3978DB2949C}" destId="{E651F29D-8135-4A76-862C-D9B25D85C42B}" srcOrd="0" destOrd="0" parTransId="{A9DD44AB-8AD2-4E65-A5C2-68220352DFD8}" sibTransId="{AEEF7E24-09BB-434C-9234-9119B68F3660}"/>
     <dgm:cxn modelId="{49A47839-44EA-4391-AA9B-98A35CAD97CE}" type="presOf" srcId="{0BF9EA02-BE00-4AB9-BA6A-9D53253188E9}" destId="{6EB8B463-FFDA-4D77-8BA1-5382E10C305F}" srcOrd="0" destOrd="1" presId="urn:microsoft.com/office/officeart/2005/8/layout/list1"/>
+    <dgm:cxn modelId="{5E643B3F-CFFB-411E-BF8F-2E154D9C6980}" srcId="{38741C01-7851-42BE-87DC-D3978DB2949C}" destId="{3C079570-333F-4E52-92F6-F95004034885}" srcOrd="1" destOrd="0" parTransId="{F3DBED49-0493-41D1-A691-778F321BB650}" sibTransId="{FBC017D7-1AF8-4F5F-978E-D3DAFF2CA8B0}"/>
     <dgm:cxn modelId="{E402D644-4841-4516-83FA-5C2286244507}" srcId="{C1F0885D-5AEF-473C-A6C6-22B5A865203D}" destId="{BDEA307F-1F3F-4232-AA73-432316802C5C}" srcOrd="3" destOrd="0" parTransId="{C5B2E463-63B4-4A03-81C3-455BE93B4A70}" sibTransId="{D7A3C5FC-1641-4CB9-A905-26BB9068588A}"/>
     <dgm:cxn modelId="{4C613F65-5B71-46FD-8D50-83A47A20EF62}" type="presOf" srcId="{38741C01-7851-42BE-87DC-D3978DB2949C}" destId="{909E9C7D-CA71-43AD-9D81-5F2327773108}" srcOrd="0" destOrd="0" presId="urn:microsoft.com/office/officeart/2005/8/layout/list1"/>
     <dgm:cxn modelId="{70B92E46-5410-4497-B116-1CDA1A9D013E}" srcId="{72A22282-08CB-4E3D-BB86-FD2763D00E61}" destId="{C1F0885D-5AEF-473C-A6C6-22B5A865203D}" srcOrd="1" destOrd="0" parTransId="{13196C2D-5CEA-4303-BF86-9E7797ED753A}" sibTransId="{E9375CC9-C9F8-49C4-AABF-19838F798AFE}"/>
@@ -7210,6 +7297,7 @@
     <dgm:cxn modelId="{D311FEC5-93FB-4C93-9E0F-8854DBD03455}" type="presOf" srcId="{9215BA6D-8996-4552-B2B9-EBE86864C6A3}" destId="{6EB8B463-FFDA-4D77-8BA1-5382E10C305F}" srcOrd="0" destOrd="0" presId="urn:microsoft.com/office/officeart/2005/8/layout/list1"/>
     <dgm:cxn modelId="{FC584CCD-F856-423F-A7C2-65AB4A4DACBF}" type="presOf" srcId="{E651F29D-8135-4A76-862C-D9B25D85C42B}" destId="{7A286B48-855A-4ECB-A1C1-462C1EA2A7AA}" srcOrd="0" destOrd="0" presId="urn:microsoft.com/office/officeart/2005/8/layout/list1"/>
     <dgm:cxn modelId="{4B7D82D2-4A05-4138-B51B-1803B56CC9EC}" type="presOf" srcId="{C1F0885D-5AEF-473C-A6C6-22B5A865203D}" destId="{5BBB4366-787A-4AEE-A13A-D239CBCE722E}" srcOrd="1" destOrd="0" presId="urn:microsoft.com/office/officeart/2005/8/layout/list1"/>
+    <dgm:cxn modelId="{048C50DD-472E-4F0C-BEED-05D54A9B2B63}" type="presOf" srcId="{3C079570-333F-4E52-92F6-F95004034885}" destId="{7A286B48-855A-4ECB-A1C1-462C1EA2A7AA}" srcOrd="0" destOrd="1" presId="urn:microsoft.com/office/officeart/2005/8/layout/list1"/>
     <dgm:cxn modelId="{EE0561DE-B2EB-4C24-A1B6-F936531C8E1D}" type="presOf" srcId="{72A22282-08CB-4E3D-BB86-FD2763D00E61}" destId="{DBEE029D-72A5-4C6C-816D-BFC6B5F528F4}" srcOrd="0" destOrd="0" presId="urn:microsoft.com/office/officeart/2005/8/layout/list1"/>
     <dgm:cxn modelId="{445A6CDE-781B-4620-80B5-D2CB8AF578B6}" srcId="{C1F0885D-5AEF-473C-A6C6-22B5A865203D}" destId="{9215BA6D-8996-4552-B2B9-EBE86864C6A3}" srcOrd="0" destOrd="0" parTransId="{4D349500-1153-4427-8BCC-ACC331EF2FF2}" sibTransId="{FABC8FE4-3647-4D89-A6D1-50EFEAE71EC2}"/>
     <dgm:cxn modelId="{F838CEFD-48B8-4952-9730-5EC944E0C87D}" type="presOf" srcId="{38741C01-7851-42BE-87DC-D3978DB2949C}" destId="{9B6D5163-9D14-44F7-BE22-0F9A2ABA076D}" srcOrd="1" destOrd="0" presId="urn:microsoft.com/office/officeart/2005/8/layout/list1"/>
@@ -7321,7 +7409,22 @@
                 <a:schemeClr val="tx1"/>
               </a:solidFill>
             </a:rPr>
-            <a:t>Acquisti in-game</a:t>
+            <a:t>Acquisti</a:t>
+          </a:r>
+          <a:br>
+            <a:rPr lang="it-IT" sz="2800" dirty="0">
+              <a:solidFill>
+                <a:schemeClr val="tx1"/>
+              </a:solidFill>
+            </a:rPr>
+          </a:br>
+          <a:r>
+            <a:rPr lang="it-IT" sz="2800" dirty="0">
+              <a:solidFill>
+                <a:schemeClr val="tx1"/>
+              </a:solidFill>
+            </a:rPr>
+            <a:t>in-game</a:t>
           </a:r>
           <a:endParaRPr lang="en-US" sz="2800" dirty="0">
             <a:solidFill>
@@ -9085,8 +9188,8 @@
       </dsp:nvSpPr>
       <dsp:spPr>
         <a:xfrm>
-          <a:off x="953496" y="1352412"/>
-          <a:ext cx="2348669" cy="1174334"/>
+          <a:off x="1010441" y="1325088"/>
+          <a:ext cx="2301216" cy="1150608"/>
         </a:xfrm>
         <a:prstGeom prst="roundRect">
           <a:avLst>
@@ -9129,12 +9232,12 @@
         </a:fontRef>
       </dsp:style>
       <dsp:txBody>
-        <a:bodyPr spcFirstLastPara="0" vert="horz" wrap="square" lIns="14605" tIns="14605" rIns="14605" bIns="14605" numCol="1" spcCol="1270" anchor="ctr" anchorCtr="0">
+        <a:bodyPr spcFirstLastPara="0" vert="horz" wrap="square" lIns="11430" tIns="11430" rIns="11430" bIns="11430" numCol="1" spcCol="1270" anchor="ctr" anchorCtr="0">
           <a:noAutofit/>
         </a:bodyPr>
         <a:lstStyle/>
         <a:p>
-          <a:pPr marL="0" lvl="0" indent="0" algn="ctr" defTabSz="1022350">
+          <a:pPr marL="0" lvl="0" indent="0" algn="ctr" defTabSz="800100">
             <a:lnSpc>
               <a:spcPct val="90000"/>
             </a:lnSpc>
@@ -9147,7 +9250,7 @@
             <a:buNone/>
           </a:pPr>
           <a:r>
-            <a:rPr lang="it-IT" sz="2300" kern="1200" dirty="0">
+            <a:rPr lang="it-IT" sz="1800" kern="1200" dirty="0">
               <a:solidFill>
                 <a:schemeClr val="tx1"/>
               </a:solidFill>
@@ -9155,14 +9258,14 @@
             <a:t>Power-</a:t>
           </a:r>
           <a:r>
-            <a:rPr lang="it-IT" sz="2300" kern="1200" dirty="0" err="1">
+            <a:rPr lang="it-IT" sz="1800" kern="1200" dirty="0" err="1">
               <a:solidFill>
                 <a:schemeClr val="tx1"/>
               </a:solidFill>
             </a:rPr>
             <a:t>ups</a:t>
           </a:r>
-          <a:endParaRPr lang="en-US" sz="2300" kern="1200" dirty="0">
+          <a:endParaRPr lang="en-US" sz="1800" kern="1200" dirty="0">
             <a:solidFill>
               <a:schemeClr val="tx1"/>
             </a:solidFill>
@@ -9170,8 +9273,8 @@
         </a:p>
       </dsp:txBody>
       <dsp:txXfrm>
-        <a:off x="987891" y="1386807"/>
-        <a:ext cx="2279879" cy="1105544"/>
+        <a:off x="1044141" y="1358788"/>
+        <a:ext cx="2233816" cy="1083208"/>
       </dsp:txXfrm>
     </dsp:sp>
     <dsp:sp modelId="{03804EE7-7231-465D-9CF9-5BDB01DAAE5F}">
@@ -9181,8 +9284,8 @@
       </dsp:nvSpPr>
       <dsp:spPr>
         <a:xfrm rot="18289469">
-          <a:off x="2949341" y="1248275"/>
-          <a:ext cx="1645117" cy="32124"/>
+          <a:off x="2965961" y="1222730"/>
+          <a:ext cx="1611878" cy="32124"/>
         </a:xfrm>
         <a:custGeom>
           <a:avLst/>
@@ -9196,7 +9299,7 @@
                 <a:pt x="0" y="16062"/>
               </a:moveTo>
               <a:lnTo>
-                <a:pt x="1645117" y="16062"/>
+                <a:pt x="1611878" y="16062"/>
               </a:lnTo>
             </a:path>
           </a:pathLst>
@@ -9233,7 +9336,7 @@
         </a:bodyPr>
         <a:lstStyle/>
         <a:p>
-          <a:pPr marL="0" lvl="0" indent="0" algn="ctr" defTabSz="266700">
+          <a:pPr marL="0" lvl="0" indent="0" algn="ctr" defTabSz="311150">
             <a:lnSpc>
               <a:spcPct val="90000"/>
             </a:lnSpc>
@@ -9245,7 +9348,7 @@
             </a:spcAft>
             <a:buNone/>
           </a:pPr>
-          <a:endParaRPr lang="en-US" sz="600" kern="1200">
+          <a:endParaRPr lang="en-US" sz="700" kern="1200">
             <a:solidFill>
               <a:schemeClr val="tx1"/>
             </a:solidFill>
@@ -9253,8 +9356,8 @@
         </a:p>
       </dsp:txBody>
       <dsp:txXfrm>
-        <a:off x="3730772" y="1223209"/>
-        <a:ext cx="82255" cy="82255"/>
+        <a:off x="3731603" y="1198495"/>
+        <a:ext cx="80593" cy="80593"/>
       </dsp:txXfrm>
     </dsp:sp>
     <dsp:sp modelId="{C9B846E9-182A-45CC-B7A4-0378FD67C97D}">
@@ -9264,8 +9367,8 @@
       </dsp:nvSpPr>
       <dsp:spPr>
         <a:xfrm>
-          <a:off x="4241634" y="1927"/>
-          <a:ext cx="2348669" cy="1174334"/>
+          <a:off x="4232143" y="1888"/>
+          <a:ext cx="2301216" cy="1150608"/>
         </a:xfrm>
         <a:prstGeom prst="roundRect">
           <a:avLst>
@@ -9308,12 +9411,12 @@
         </a:fontRef>
       </dsp:style>
       <dsp:txBody>
-        <a:bodyPr spcFirstLastPara="0" vert="horz" wrap="square" lIns="14605" tIns="14605" rIns="14605" bIns="14605" numCol="1" spcCol="1270" anchor="ctr" anchorCtr="0">
+        <a:bodyPr spcFirstLastPara="0" vert="horz" wrap="square" lIns="11430" tIns="11430" rIns="11430" bIns="11430" numCol="1" spcCol="1270" anchor="ctr" anchorCtr="0">
           <a:noAutofit/>
         </a:bodyPr>
         <a:lstStyle/>
         <a:p>
-          <a:pPr marL="0" lvl="0" indent="0" algn="ctr" defTabSz="1022350">
+          <a:pPr marL="0" lvl="0" indent="0" algn="ctr" defTabSz="800100">
             <a:lnSpc>
               <a:spcPct val="90000"/>
             </a:lnSpc>
@@ -9326,14 +9429,14 @@
             <a:buNone/>
           </a:pPr>
           <a:r>
-            <a:rPr lang="it-IT" sz="2300" kern="1200" dirty="0">
+            <a:rPr lang="it-IT" sz="1800" kern="1200" dirty="0">
               <a:solidFill>
                 <a:schemeClr val="tx1"/>
               </a:solidFill>
             </a:rPr>
             <a:t>Ridimensionamento del personaggio</a:t>
           </a:r>
-          <a:endParaRPr lang="en-US" sz="2300" kern="1200" dirty="0">
+          <a:endParaRPr lang="en-US" sz="1800" kern="1200" dirty="0">
             <a:solidFill>
               <a:schemeClr val="tx1"/>
             </a:solidFill>
@@ -9341,8 +9444,8 @@
         </a:p>
       </dsp:txBody>
       <dsp:txXfrm>
-        <a:off x="4276029" y="36322"/>
-        <a:ext cx="2279879" cy="1105544"/>
+        <a:off x="4265843" y="35588"/>
+        <a:ext cx="2233816" cy="1083208"/>
       </dsp:txXfrm>
     </dsp:sp>
     <dsp:sp modelId="{035EE4C2-BC1C-48EA-B14F-97015996176E}">
@@ -9352,8 +9455,8 @@
       </dsp:nvSpPr>
       <dsp:spPr>
         <a:xfrm>
-          <a:off x="3302166" y="1923518"/>
-          <a:ext cx="939467" cy="32124"/>
+          <a:off x="3311657" y="1884330"/>
+          <a:ext cx="920486" cy="32124"/>
         </a:xfrm>
         <a:custGeom>
           <a:avLst/>
@@ -9367,7 +9470,7 @@
                 <a:pt x="0" y="16062"/>
               </a:moveTo>
               <a:lnTo>
-                <a:pt x="939467" y="16062"/>
+                <a:pt x="920486" y="16062"/>
               </a:lnTo>
             </a:path>
           </a:pathLst>
@@ -9404,7 +9507,7 @@
         </a:bodyPr>
         <a:lstStyle/>
         <a:p>
-          <a:pPr marL="0" lvl="0" indent="0" algn="ctr" defTabSz="222250">
+          <a:pPr marL="0" lvl="0" indent="0" algn="ctr" defTabSz="311150">
             <a:lnSpc>
               <a:spcPct val="90000"/>
             </a:lnSpc>
@@ -9416,7 +9519,7 @@
             </a:spcAft>
             <a:buNone/>
           </a:pPr>
-          <a:endParaRPr lang="en-US" sz="500" kern="1200">
+          <a:endParaRPr lang="en-US" sz="700" kern="1200">
             <a:solidFill>
               <a:schemeClr val="tx1"/>
             </a:solidFill>
@@ -9424,8 +9527,8 @@
         </a:p>
       </dsp:txBody>
       <dsp:txXfrm>
-        <a:off x="3748413" y="1916093"/>
-        <a:ext cx="46973" cy="46973"/>
+        <a:off x="3748888" y="1877380"/>
+        <a:ext cx="46024" cy="46024"/>
       </dsp:txXfrm>
     </dsp:sp>
     <dsp:sp modelId="{19FE825B-36EF-486E-B9CD-C79C9C40DA50}">
@@ -9435,8 +9538,8 @@
       </dsp:nvSpPr>
       <dsp:spPr>
         <a:xfrm>
-          <a:off x="4241634" y="1352412"/>
-          <a:ext cx="2348669" cy="1174334"/>
+          <a:off x="4232143" y="1325088"/>
+          <a:ext cx="2301216" cy="1150608"/>
         </a:xfrm>
         <a:prstGeom prst="roundRect">
           <a:avLst>
@@ -9479,12 +9582,12 @@
         </a:fontRef>
       </dsp:style>
       <dsp:txBody>
-        <a:bodyPr spcFirstLastPara="0" vert="horz" wrap="square" lIns="14605" tIns="14605" rIns="14605" bIns="14605" numCol="1" spcCol="1270" anchor="ctr" anchorCtr="0">
+        <a:bodyPr spcFirstLastPara="0" vert="horz" wrap="square" lIns="11430" tIns="11430" rIns="11430" bIns="11430" numCol="1" spcCol="1270" anchor="ctr" anchorCtr="0">
           <a:noAutofit/>
         </a:bodyPr>
         <a:lstStyle/>
         <a:p>
-          <a:pPr marL="0" lvl="0" indent="0" algn="ctr" defTabSz="1022350">
+          <a:pPr marL="0" lvl="0" indent="0" algn="ctr" defTabSz="800100">
             <a:lnSpc>
               <a:spcPct val="90000"/>
             </a:lnSpc>
@@ -9497,14 +9600,14 @@
             <a:buNone/>
           </a:pPr>
           <a:r>
-            <a:rPr lang="it-IT" sz="2300" kern="1200">
+            <a:rPr lang="it-IT" sz="1800" kern="1200">
               <a:solidFill>
                 <a:schemeClr val="tx1"/>
               </a:solidFill>
             </a:rPr>
             <a:t>Cambio di velocità</a:t>
           </a:r>
-          <a:endParaRPr lang="en-US" sz="2300" kern="1200">
+          <a:endParaRPr lang="en-US" sz="1800" kern="1200">
             <a:solidFill>
               <a:schemeClr val="tx1"/>
             </a:solidFill>
@@ -9512,8 +9615,8 @@
         </a:p>
       </dsp:txBody>
       <dsp:txXfrm>
-        <a:off x="4276029" y="1386807"/>
-        <a:ext cx="2279879" cy="1105544"/>
+        <a:off x="4265843" y="1358788"/>
+        <a:ext cx="2233816" cy="1083208"/>
       </dsp:txXfrm>
     </dsp:sp>
     <dsp:sp modelId="{4BB8F76F-A742-4AA0-80B5-EEE513516A6F}">
@@ -9523,8 +9626,8 @@
       </dsp:nvSpPr>
       <dsp:spPr>
         <a:xfrm rot="3310531">
-          <a:off x="2949341" y="2598760"/>
-          <a:ext cx="1645117" cy="32124"/>
+          <a:off x="2965961" y="2545929"/>
+          <a:ext cx="1611878" cy="32124"/>
         </a:xfrm>
         <a:custGeom>
           <a:avLst/>
@@ -9538,7 +9641,7 @@
                 <a:pt x="0" y="16062"/>
               </a:moveTo>
               <a:lnTo>
-                <a:pt x="1645117" y="16062"/>
+                <a:pt x="1611878" y="16062"/>
               </a:lnTo>
             </a:path>
           </a:pathLst>
@@ -9575,7 +9678,7 @@
         </a:bodyPr>
         <a:lstStyle/>
         <a:p>
-          <a:pPr marL="0" lvl="0" indent="0" algn="ctr" defTabSz="266700">
+          <a:pPr marL="0" lvl="0" indent="0" algn="ctr" defTabSz="311150">
             <a:lnSpc>
               <a:spcPct val="90000"/>
             </a:lnSpc>
@@ -9587,7 +9690,7 @@
             </a:spcAft>
             <a:buNone/>
           </a:pPr>
-          <a:endParaRPr lang="en-US" sz="600" kern="1200">
+          <a:endParaRPr lang="en-US" sz="700" kern="1200">
             <a:solidFill>
               <a:schemeClr val="tx1"/>
             </a:solidFill>
@@ -9595,8 +9698,8 @@
         </a:p>
       </dsp:txBody>
       <dsp:txXfrm>
-        <a:off x="3730772" y="2573695"/>
-        <a:ext cx="82255" cy="82255"/>
+        <a:off x="3731603" y="2521694"/>
+        <a:ext cx="80593" cy="80593"/>
       </dsp:txXfrm>
     </dsp:sp>
     <dsp:sp modelId="{833BD415-9A15-4B32-BD5B-6E53EA4F08F6}">
@@ -9606,8 +9709,8 @@
       </dsp:nvSpPr>
       <dsp:spPr>
         <a:xfrm>
-          <a:off x="4241634" y="2702898"/>
-          <a:ext cx="2348669" cy="1174334"/>
+          <a:off x="4232143" y="2648287"/>
+          <a:ext cx="2301216" cy="1150608"/>
         </a:xfrm>
         <a:prstGeom prst="roundRect">
           <a:avLst>
@@ -9650,12 +9753,12 @@
         </a:fontRef>
       </dsp:style>
       <dsp:txBody>
-        <a:bodyPr spcFirstLastPara="0" vert="horz" wrap="square" lIns="14605" tIns="14605" rIns="14605" bIns="14605" numCol="1" spcCol="1270" anchor="ctr" anchorCtr="0">
+        <a:bodyPr spcFirstLastPara="0" vert="horz" wrap="square" lIns="11430" tIns="11430" rIns="11430" bIns="11430" numCol="1" spcCol="1270" anchor="ctr" anchorCtr="0">
           <a:noAutofit/>
         </a:bodyPr>
         <a:lstStyle/>
         <a:p>
-          <a:pPr marL="0" lvl="0" indent="0" algn="ctr" defTabSz="1022350">
+          <a:pPr marL="0" lvl="0" indent="0" algn="ctr" defTabSz="800100">
             <a:lnSpc>
               <a:spcPct val="90000"/>
             </a:lnSpc>
@@ -9668,14 +9771,14 @@
             <a:buNone/>
           </a:pPr>
           <a:r>
-            <a:rPr lang="it-IT" sz="2300" kern="1200" dirty="0">
+            <a:rPr lang="it-IT" sz="1800" kern="1200" dirty="0">
               <a:solidFill>
                 <a:schemeClr val="tx1"/>
               </a:solidFill>
             </a:rPr>
             <a:t>Armi</a:t>
           </a:r>
-          <a:endParaRPr lang="en-US" sz="2300" kern="1200" dirty="0">
+          <a:endParaRPr lang="en-US" sz="1800" kern="1200" dirty="0">
             <a:solidFill>
               <a:schemeClr val="tx1"/>
             </a:solidFill>
@@ -9683,8 +9786,8 @@
         </a:p>
       </dsp:txBody>
       <dsp:txXfrm>
-        <a:off x="4276029" y="2737293"/>
-        <a:ext cx="2279879" cy="1105544"/>
+        <a:off x="4265843" y="2681987"/>
+        <a:ext cx="2233816" cy="1083208"/>
       </dsp:txXfrm>
     </dsp:sp>
     <dsp:sp modelId="{16C270DC-FC70-4DC8-BE00-ED4A04DD2D3C}">
@@ -9694,8 +9797,8 @@
       </dsp:nvSpPr>
       <dsp:spPr>
         <a:xfrm>
-          <a:off x="953496" y="4728625"/>
-          <a:ext cx="2348669" cy="1174334"/>
+          <a:off x="1010441" y="4633086"/>
+          <a:ext cx="2301216" cy="1150608"/>
         </a:xfrm>
         <a:prstGeom prst="roundRect">
           <a:avLst>
@@ -9738,12 +9841,12 @@
         </a:fontRef>
       </dsp:style>
       <dsp:txBody>
-        <a:bodyPr spcFirstLastPara="0" vert="horz" wrap="square" lIns="14605" tIns="14605" rIns="14605" bIns="14605" numCol="1" spcCol="1270" anchor="ctr" anchorCtr="0">
+        <a:bodyPr spcFirstLastPara="0" vert="horz" wrap="square" lIns="11430" tIns="11430" rIns="11430" bIns="11430" numCol="1" spcCol="1270" anchor="ctr" anchorCtr="0">
           <a:noAutofit/>
         </a:bodyPr>
         <a:lstStyle/>
         <a:p>
-          <a:pPr marL="0" lvl="0" indent="0" algn="ctr" defTabSz="1022350">
+          <a:pPr marL="0" lvl="0" indent="0" algn="ctr" defTabSz="800100">
             <a:lnSpc>
               <a:spcPct val="90000"/>
             </a:lnSpc>
@@ -9756,14 +9859,14 @@
             <a:buNone/>
           </a:pPr>
           <a:r>
-            <a:rPr lang="it-IT" sz="2300" kern="1200" dirty="0">
+            <a:rPr lang="it-IT" sz="1800" kern="1200" dirty="0">
               <a:solidFill>
                 <a:schemeClr val="tx1"/>
               </a:solidFill>
             </a:rPr>
             <a:t>Mappe personalizzabili</a:t>
           </a:r>
-          <a:endParaRPr lang="en-US" sz="2300" kern="1200" dirty="0">
+          <a:endParaRPr lang="en-US" sz="1800" kern="1200" dirty="0">
             <a:solidFill>
               <a:schemeClr val="tx1"/>
             </a:solidFill>
@@ -9771,8 +9874,8 @@
         </a:p>
       </dsp:txBody>
       <dsp:txXfrm>
-        <a:off x="987891" y="4763020"/>
-        <a:ext cx="2279879" cy="1105544"/>
+        <a:off x="1044141" y="4666786"/>
+        <a:ext cx="2233816" cy="1083208"/>
       </dsp:txXfrm>
     </dsp:sp>
     <dsp:sp modelId="{8078EAE0-B9E9-4666-A80C-92EEDD5AE56A}">
@@ -9782,8 +9885,8 @@
       </dsp:nvSpPr>
       <dsp:spPr>
         <a:xfrm rot="19457599">
-          <a:off x="3193421" y="4962109"/>
-          <a:ext cx="1156958" cy="32124"/>
+          <a:off x="3205109" y="4861528"/>
+          <a:ext cx="1133582" cy="32124"/>
         </a:xfrm>
         <a:custGeom>
           <a:avLst/>
@@ -9797,7 +9900,7 @@
                 <a:pt x="0" y="16062"/>
               </a:moveTo>
               <a:lnTo>
-                <a:pt x="1156958" y="16062"/>
+                <a:pt x="1133582" y="16062"/>
               </a:lnTo>
             </a:path>
           </a:pathLst>
@@ -9834,7 +9937,7 @@
         </a:bodyPr>
         <a:lstStyle/>
         <a:p>
-          <a:pPr marL="0" lvl="0" indent="0" algn="ctr" defTabSz="222250">
+          <a:pPr marL="0" lvl="0" indent="0" algn="ctr" defTabSz="311150">
             <a:lnSpc>
               <a:spcPct val="90000"/>
             </a:lnSpc>
@@ -9846,7 +9949,7 @@
             </a:spcAft>
             <a:buNone/>
           </a:pPr>
-          <a:endParaRPr lang="en-US" sz="500" kern="1200">
+          <a:endParaRPr lang="en-US" sz="700" kern="1200">
             <a:solidFill>
               <a:schemeClr val="tx1"/>
             </a:solidFill>
@@ -9854,8 +9957,8 @@
         </a:p>
       </dsp:txBody>
       <dsp:txXfrm>
-        <a:off x="3742976" y="4949247"/>
-        <a:ext cx="57847" cy="57847"/>
+        <a:off x="3743560" y="4849251"/>
+        <a:ext cx="56679" cy="56679"/>
       </dsp:txXfrm>
     </dsp:sp>
     <dsp:sp modelId="{F845306D-465B-4847-8FB2-7367739F041A}">
@@ -9865,8 +9968,8 @@
       </dsp:nvSpPr>
       <dsp:spPr>
         <a:xfrm>
-          <a:off x="4241634" y="4053383"/>
-          <a:ext cx="2348669" cy="1174334"/>
+          <a:off x="4232143" y="3971486"/>
+          <a:ext cx="2301216" cy="1150608"/>
         </a:xfrm>
         <a:prstGeom prst="roundRect">
           <a:avLst>
@@ -9909,12 +10012,12 @@
         </a:fontRef>
       </dsp:style>
       <dsp:txBody>
-        <a:bodyPr spcFirstLastPara="0" vert="horz" wrap="square" lIns="14605" tIns="14605" rIns="14605" bIns="14605" numCol="1" spcCol="1270" anchor="ctr" anchorCtr="0">
+        <a:bodyPr spcFirstLastPara="0" vert="horz" wrap="square" lIns="11430" tIns="11430" rIns="11430" bIns="11430" numCol="1" spcCol="1270" anchor="ctr" anchorCtr="0">
           <a:noAutofit/>
         </a:bodyPr>
         <a:lstStyle/>
         <a:p>
-          <a:pPr marL="0" lvl="0" indent="0" algn="ctr" defTabSz="1022350">
+          <a:pPr marL="0" lvl="0" indent="0" algn="ctr" defTabSz="800100">
             <a:lnSpc>
               <a:spcPct val="90000"/>
             </a:lnSpc>
@@ -9927,14 +10030,14 @@
             <a:buNone/>
           </a:pPr>
           <a:r>
-            <a:rPr lang="it-IT" sz="2300" kern="1200">
+            <a:rPr lang="it-IT" sz="1800" kern="1200">
               <a:solidFill>
                 <a:schemeClr val="tx1"/>
               </a:solidFill>
             </a:rPr>
             <a:t>Gravità</a:t>
           </a:r>
-          <a:endParaRPr lang="en-US" sz="2300" kern="1200">
+          <a:endParaRPr lang="en-US" sz="1800" kern="1200">
             <a:solidFill>
               <a:schemeClr val="tx1"/>
             </a:solidFill>
@@ -9942,8 +10045,8 @@
         </a:p>
       </dsp:txBody>
       <dsp:txXfrm>
-        <a:off x="4276029" y="4087778"/>
-        <a:ext cx="2279879" cy="1105544"/>
+        <a:off x="4265843" y="4005186"/>
+        <a:ext cx="2233816" cy="1083208"/>
       </dsp:txXfrm>
     </dsp:sp>
     <dsp:sp modelId="{0F8C6668-F8A5-4BC4-82D3-174290CAA838}">
@@ -9953,8 +10056,8 @@
       </dsp:nvSpPr>
       <dsp:spPr>
         <a:xfrm rot="2142401">
-          <a:off x="3193421" y="5637352"/>
-          <a:ext cx="1156958" cy="32124"/>
+          <a:off x="3205109" y="5523128"/>
+          <a:ext cx="1133582" cy="32124"/>
         </a:xfrm>
         <a:custGeom>
           <a:avLst/>
@@ -9968,7 +10071,7 @@
                 <a:pt x="0" y="16062"/>
               </a:moveTo>
               <a:lnTo>
-                <a:pt x="1156958" y="16062"/>
+                <a:pt x="1133582" y="16062"/>
               </a:lnTo>
             </a:path>
           </a:pathLst>
@@ -10005,7 +10108,7 @@
         </a:bodyPr>
         <a:lstStyle/>
         <a:p>
-          <a:pPr marL="0" lvl="0" indent="0" algn="ctr" defTabSz="222250">
+          <a:pPr marL="0" lvl="0" indent="0" algn="ctr" defTabSz="311150">
             <a:lnSpc>
               <a:spcPct val="90000"/>
             </a:lnSpc>
@@ -10017,7 +10120,7 @@
             </a:spcAft>
             <a:buNone/>
           </a:pPr>
-          <a:endParaRPr lang="en-US" sz="500" kern="1200">
+          <a:endParaRPr lang="en-US" sz="700" kern="1200">
             <a:solidFill>
               <a:schemeClr val="tx1"/>
             </a:solidFill>
@@ -10025,8 +10128,8 @@
         </a:p>
       </dsp:txBody>
       <dsp:txXfrm>
-        <a:off x="3742976" y="5624490"/>
-        <a:ext cx="57847" cy="57847"/>
+        <a:off x="3743560" y="5510850"/>
+        <a:ext cx="56679" cy="56679"/>
       </dsp:txXfrm>
     </dsp:sp>
     <dsp:sp modelId="{EF49A9DB-AED3-4C1C-9C1A-6487D238FF60}">
@@ -10036,8 +10139,8 @@
       </dsp:nvSpPr>
       <dsp:spPr>
         <a:xfrm>
-          <a:off x="4241634" y="5403868"/>
-          <a:ext cx="2348669" cy="1174334"/>
+          <a:off x="4232143" y="5294686"/>
+          <a:ext cx="2301216" cy="1150608"/>
         </a:xfrm>
         <a:prstGeom prst="roundRect">
           <a:avLst>
@@ -10080,12 +10183,12 @@
         </a:fontRef>
       </dsp:style>
       <dsp:txBody>
-        <a:bodyPr spcFirstLastPara="0" vert="horz" wrap="square" lIns="14605" tIns="14605" rIns="14605" bIns="14605" numCol="1" spcCol="1270" anchor="ctr" anchorCtr="0">
+        <a:bodyPr spcFirstLastPara="0" vert="horz" wrap="square" lIns="11430" tIns="11430" rIns="11430" bIns="11430" numCol="1" spcCol="1270" anchor="ctr" anchorCtr="0">
           <a:noAutofit/>
         </a:bodyPr>
         <a:lstStyle/>
         <a:p>
-          <a:pPr marL="0" lvl="0" indent="0" algn="ctr" defTabSz="1022350">
+          <a:pPr marL="0" lvl="0" indent="0" algn="ctr" defTabSz="800100">
             <a:lnSpc>
               <a:spcPct val="90000"/>
             </a:lnSpc>
@@ -10098,14 +10201,14 @@
             <a:buNone/>
           </a:pPr>
           <a:r>
-            <a:rPr lang="it-IT" sz="2300" kern="1200" dirty="0" err="1">
+            <a:rPr lang="it-IT" sz="1800" kern="1200" dirty="0" err="1">
               <a:solidFill>
                 <a:schemeClr val="tx1"/>
               </a:solidFill>
             </a:rPr>
             <a:t>Parsing</a:t>
           </a:r>
-          <a:endParaRPr lang="en-US" sz="2300" kern="1200" dirty="0">
+          <a:endParaRPr lang="en-US" sz="1800" kern="1200" dirty="0">
             <a:solidFill>
               <a:schemeClr val="tx1"/>
             </a:solidFill>
@@ -10113,8 +10216,8 @@
         </a:p>
       </dsp:txBody>
       <dsp:txXfrm>
-        <a:off x="4276029" y="5438263"/>
-        <a:ext cx="2279879" cy="1105544"/>
+        <a:off x="4265843" y="5328386"/>
+        <a:ext cx="2233816" cy="1083208"/>
       </dsp:txXfrm>
     </dsp:sp>
   </dsp:spTree>
@@ -10136,8 +10239,8 @@
       </dsp:nvSpPr>
       <dsp:spPr>
         <a:xfrm>
-          <a:off x="0" y="489624"/>
-          <a:ext cx="5641974" cy="1228500"/>
+          <a:off x="0" y="422574"/>
+          <a:ext cx="5641974" cy="1543500"/>
         </a:xfrm>
         <a:prstGeom prst="rect">
           <a:avLst/>
@@ -10168,12 +10271,12 @@
         </a:fontRef>
       </dsp:style>
       <dsp:txBody>
-        <a:bodyPr spcFirstLastPara="0" vert="horz" wrap="square" lIns="437880" tIns="624840" rIns="437880" bIns="213360" numCol="1" spcCol="1270" anchor="t" anchorCtr="0">
+        <a:bodyPr spcFirstLastPara="0" vert="horz" wrap="square" lIns="437880" tIns="583184" rIns="437880" bIns="199136" numCol="1" spcCol="1270" anchor="t" anchorCtr="0">
           <a:noAutofit/>
         </a:bodyPr>
         <a:lstStyle/>
         <a:p>
-          <a:pPr marL="285750" lvl="1" indent="-285750" algn="l" defTabSz="1333500">
+          <a:pPr marL="285750" lvl="1" indent="-285750" algn="l" defTabSz="1244600">
             <a:lnSpc>
               <a:spcPct val="90000"/>
             </a:lnSpc>
@@ -10186,14 +10289,73 @@
             <a:buChar char="•"/>
           </a:pPr>
           <a:r>
-            <a:rPr lang="it-IT" sz="3000" kern="1200">
+            <a:rPr lang="it-IT" sz="2800" kern="1200" dirty="0" err="1">
               <a:solidFill>
                 <a:schemeClr val="tx1"/>
               </a:solidFill>
             </a:rPr>
-            <a:t>Bird’s eye view</a:t>
+            <a:t>Bird’s</a:t>
           </a:r>
-          <a:endParaRPr lang="en-US" sz="3000" kern="1200">
+          <a:r>
+            <a:rPr lang="it-IT" sz="2800" kern="1200" dirty="0">
+              <a:solidFill>
+                <a:schemeClr val="tx1"/>
+              </a:solidFill>
+            </a:rPr>
+            <a:t> </a:t>
+          </a:r>
+          <a:r>
+            <a:rPr lang="it-IT" sz="2800" kern="1200" dirty="0" err="1">
+              <a:solidFill>
+                <a:schemeClr val="tx1"/>
+              </a:solidFill>
+            </a:rPr>
+            <a:t>eye</a:t>
+          </a:r>
+          <a:r>
+            <a:rPr lang="it-IT" sz="2800" kern="1200" dirty="0">
+              <a:solidFill>
+                <a:schemeClr val="tx1"/>
+              </a:solidFill>
+            </a:rPr>
+            <a:t> </a:t>
+          </a:r>
+          <a:r>
+            <a:rPr lang="it-IT" sz="2800" kern="1200" dirty="0" err="1">
+              <a:solidFill>
+                <a:schemeClr val="tx1"/>
+              </a:solidFill>
+            </a:rPr>
+            <a:t>view</a:t>
+          </a:r>
+          <a:endParaRPr lang="en-US" sz="2800" kern="1200" dirty="0">
+            <a:solidFill>
+              <a:schemeClr val="tx1"/>
+            </a:solidFill>
+          </a:endParaRPr>
+        </a:p>
+        <a:p>
+          <a:pPr marL="285750" lvl="1" indent="-285750" algn="l" defTabSz="1244600">
+            <a:lnSpc>
+              <a:spcPct val="90000"/>
+            </a:lnSpc>
+            <a:spcBef>
+              <a:spcPct val="0"/>
+            </a:spcBef>
+            <a:spcAft>
+              <a:spcPct val="15000"/>
+            </a:spcAft>
+            <a:buChar char="•"/>
+          </a:pPr>
+          <a:r>
+            <a:rPr lang="en-US" sz="2800" kern="1200" dirty="0" err="1">
+              <a:solidFill>
+                <a:schemeClr val="tx1"/>
+              </a:solidFill>
+            </a:rPr>
+            <a:t>Minimale</a:t>
+          </a:r>
+          <a:endParaRPr lang="en-US" sz="2800" kern="1200" dirty="0">
             <a:solidFill>
               <a:schemeClr val="tx1"/>
             </a:solidFill>
@@ -10201,8 +10363,8 @@
         </a:p>
       </dsp:txBody>
       <dsp:txXfrm>
-        <a:off x="0" y="489624"/>
-        <a:ext cx="5641974" cy="1228500"/>
+        <a:off x="0" y="422574"/>
+        <a:ext cx="5641974" cy="1543500"/>
       </dsp:txXfrm>
     </dsp:sp>
     <dsp:sp modelId="{9B6D5163-9D14-44F7-BE22-0F9A2ABA076D}">
@@ -10212,8 +10374,8 @@
       </dsp:nvSpPr>
       <dsp:spPr>
         <a:xfrm>
-          <a:off x="282098" y="46824"/>
-          <a:ext cx="3949382" cy="885600"/>
+          <a:off x="282098" y="9294"/>
+          <a:ext cx="3949382" cy="826560"/>
         </a:xfrm>
         <a:prstGeom prst="roundRect">
           <a:avLst/>
@@ -10275,7 +10437,7 @@
         </a:bodyPr>
         <a:lstStyle/>
         <a:p>
-          <a:pPr marL="0" lvl="0" indent="0" algn="l" defTabSz="1333500">
+          <a:pPr marL="0" lvl="0" indent="0" algn="l" defTabSz="1244600">
             <a:lnSpc>
               <a:spcPct val="90000"/>
             </a:lnSpc>
@@ -10288,14 +10450,14 @@
             <a:buNone/>
           </a:pPr>
           <a:r>
-            <a:rPr lang="it-IT" sz="3000" kern="1200" dirty="0">
+            <a:rPr lang="it-IT" sz="2800" kern="1200" dirty="0">
               <a:solidFill>
                 <a:schemeClr val="tx1"/>
               </a:solidFill>
             </a:rPr>
             <a:t>GRAFICA</a:t>
           </a:r>
-          <a:endParaRPr lang="en-US" sz="3000" kern="1200" dirty="0">
+          <a:endParaRPr lang="en-US" sz="2800" kern="1200" dirty="0">
             <a:solidFill>
               <a:schemeClr val="tx1"/>
             </a:solidFill>
@@ -10303,8 +10465,8 @@
         </a:p>
       </dsp:txBody>
       <dsp:txXfrm>
-        <a:off x="325329" y="90055"/>
-        <a:ext cx="3862920" cy="799138"/>
+        <a:off x="322447" y="49643"/>
+        <a:ext cx="3868684" cy="745862"/>
       </dsp:txXfrm>
     </dsp:sp>
     <dsp:sp modelId="{6EB8B463-FFDA-4D77-8BA1-5382E10C305F}">
@@ -10314,8 +10476,8 @@
       </dsp:nvSpPr>
       <dsp:spPr>
         <a:xfrm>
-          <a:off x="0" y="2322925"/>
-          <a:ext cx="5641974" cy="2551500"/>
+          <a:off x="0" y="2530555"/>
+          <a:ext cx="5641974" cy="2381400"/>
         </a:xfrm>
         <a:prstGeom prst="rect">
           <a:avLst/>
@@ -10346,12 +10508,12 @@
         </a:fontRef>
       </dsp:style>
       <dsp:txBody>
-        <a:bodyPr spcFirstLastPara="0" vert="horz" wrap="square" lIns="437880" tIns="624840" rIns="437880" bIns="213360" numCol="1" spcCol="1270" anchor="t" anchorCtr="0">
+        <a:bodyPr spcFirstLastPara="0" vert="horz" wrap="square" lIns="437880" tIns="583184" rIns="437880" bIns="199136" numCol="1" spcCol="1270" anchor="t" anchorCtr="0">
           <a:noAutofit/>
         </a:bodyPr>
         <a:lstStyle/>
         <a:p>
-          <a:pPr marL="285750" lvl="1" indent="-285750" algn="l" defTabSz="1333500">
+          <a:pPr marL="285750" lvl="1" indent="-285750" algn="l" defTabSz="1244600">
             <a:lnSpc>
               <a:spcPct val="90000"/>
             </a:lnSpc>
@@ -10364,21 +10526,21 @@
             <a:buChar char="•"/>
           </a:pPr>
           <a:r>
-            <a:rPr lang="it-IT" sz="3000" kern="1200">
+            <a:rPr lang="it-IT" sz="2800" kern="1200" dirty="0">
               <a:solidFill>
                 <a:schemeClr val="tx1"/>
               </a:solidFill>
             </a:rPr>
             <a:t>Urti</a:t>
           </a:r>
-          <a:endParaRPr lang="en-US" sz="3000" kern="1200">
+          <a:endParaRPr lang="en-US" sz="2800" kern="1200" dirty="0">
             <a:solidFill>
               <a:schemeClr val="tx1"/>
             </a:solidFill>
           </a:endParaRPr>
         </a:p>
         <a:p>
-          <a:pPr marL="285750" lvl="1" indent="-285750" algn="l" defTabSz="1333500">
+          <a:pPr marL="285750" lvl="1" indent="-285750" algn="l" defTabSz="1244600">
             <a:lnSpc>
               <a:spcPct val="90000"/>
             </a:lnSpc>
@@ -10391,21 +10553,21 @@
             <a:buChar char="•"/>
           </a:pPr>
           <a:r>
-            <a:rPr lang="it-IT" sz="3000" kern="1200">
+            <a:rPr lang="it-IT" sz="2800" kern="1200" dirty="0">
               <a:solidFill>
                 <a:schemeClr val="tx1"/>
               </a:solidFill>
             </a:rPr>
             <a:t>Eliminazione</a:t>
           </a:r>
-          <a:endParaRPr lang="en-US" sz="3000" kern="1200">
+          <a:endParaRPr lang="en-US" sz="2800" kern="1200" dirty="0">
             <a:solidFill>
               <a:schemeClr val="tx1"/>
             </a:solidFill>
           </a:endParaRPr>
         </a:p>
         <a:p>
-          <a:pPr marL="285750" lvl="1" indent="-285750" algn="l" defTabSz="1333500">
+          <a:pPr marL="285750" lvl="1" indent="-285750" algn="l" defTabSz="1244600">
             <a:lnSpc>
               <a:spcPct val="90000"/>
             </a:lnSpc>
@@ -10418,21 +10580,29 @@
             <a:buChar char="•"/>
           </a:pPr>
           <a:r>
-            <a:rPr lang="it-IT" sz="3000" kern="1200">
+            <a:rPr lang="it-IT" sz="2800" kern="1200" dirty="0">
               <a:solidFill>
                 <a:schemeClr val="tx1"/>
               </a:solidFill>
             </a:rPr>
-            <a:t>Power-ups</a:t>
+            <a:t>Power-</a:t>
           </a:r>
-          <a:endParaRPr lang="en-US" sz="3000" kern="1200">
+          <a:r>
+            <a:rPr lang="it-IT" sz="2800" kern="1200" dirty="0" err="1">
+              <a:solidFill>
+                <a:schemeClr val="tx1"/>
+              </a:solidFill>
+            </a:rPr>
+            <a:t>ups</a:t>
+          </a:r>
+          <a:endParaRPr lang="en-US" sz="2800" kern="1200" dirty="0">
             <a:solidFill>
               <a:schemeClr val="tx1"/>
             </a:solidFill>
           </a:endParaRPr>
         </a:p>
         <a:p>
-          <a:pPr marL="285750" lvl="1" indent="-285750" algn="l" defTabSz="1333500">
+          <a:pPr marL="285750" lvl="1" indent="-285750" algn="l" defTabSz="1244600">
             <a:lnSpc>
               <a:spcPct val="90000"/>
             </a:lnSpc>
@@ -10445,14 +10615,14 @@
             <a:buChar char="•"/>
           </a:pPr>
           <a:r>
-            <a:rPr lang="it-IT" sz="3000" kern="1200">
+            <a:rPr lang="it-IT" sz="2800" kern="1200" dirty="0">
               <a:solidFill>
                 <a:schemeClr val="tx1"/>
               </a:solidFill>
             </a:rPr>
-            <a:t>Musica jungle/elettronico</a:t>
+            <a:t>Musica jungle/elettronica</a:t>
           </a:r>
-          <a:endParaRPr lang="en-US" sz="3000" kern="1200">
+          <a:endParaRPr lang="en-US" sz="2800" kern="1200" dirty="0">
             <a:solidFill>
               <a:schemeClr val="tx1"/>
             </a:solidFill>
@@ -10460,8 +10630,8 @@
         </a:p>
       </dsp:txBody>
       <dsp:txXfrm>
-        <a:off x="0" y="2322925"/>
-        <a:ext cx="5641974" cy="2551500"/>
+        <a:off x="0" y="2530555"/>
+        <a:ext cx="5641974" cy="2381400"/>
       </dsp:txXfrm>
     </dsp:sp>
     <dsp:sp modelId="{5BBB4366-787A-4AEE-A13A-D239CBCE722E}">
@@ -10471,8 +10641,8 @@
       </dsp:nvSpPr>
       <dsp:spPr>
         <a:xfrm>
-          <a:off x="282098" y="1880125"/>
-          <a:ext cx="3949382" cy="885600"/>
+          <a:off x="282098" y="2117275"/>
+          <a:ext cx="3949382" cy="826560"/>
         </a:xfrm>
         <a:prstGeom prst="roundRect">
           <a:avLst/>
@@ -10534,7 +10704,7 @@
         </a:bodyPr>
         <a:lstStyle/>
         <a:p>
-          <a:pPr marL="0" lvl="0" indent="0" algn="l" defTabSz="1333500">
+          <a:pPr marL="0" lvl="0" indent="0" algn="l" defTabSz="1244600">
             <a:lnSpc>
               <a:spcPct val="90000"/>
             </a:lnSpc>
@@ -10547,18 +10717,18 @@
             <a:buNone/>
           </a:pPr>
           <a:r>
-            <a:rPr lang="en-US" sz="3000" kern="1200" dirty="0">
+            <a:rPr lang="en-US" sz="2800" kern="1200" dirty="0">
               <a:solidFill>
                 <a:schemeClr val="tx1"/>
               </a:solidFill>
             </a:rPr>
-            <a:t>SONORO</a:t>
+            <a:t>AUDIO</a:t>
           </a:r>
         </a:p>
       </dsp:txBody>
       <dsp:txXfrm>
-        <a:off x="325329" y="1923356"/>
-        <a:ext cx="3862920" cy="799138"/>
+        <a:off x="322447" y="2157624"/>
+        <a:ext cx="3868684" cy="745862"/>
       </dsp:txXfrm>
     </dsp:sp>
   </dsp:spTree>
@@ -10778,7 +10948,22 @@
                 <a:schemeClr val="tx1"/>
               </a:solidFill>
             </a:rPr>
-            <a:t>Acquisti in-game</a:t>
+            <a:t>Acquisti</a:t>
+          </a:r>
+          <a:br>
+            <a:rPr lang="it-IT" sz="2800" kern="1200" dirty="0">
+              <a:solidFill>
+                <a:schemeClr val="tx1"/>
+              </a:solidFill>
+            </a:rPr>
+          </a:br>
+          <a:r>
+            <a:rPr lang="it-IT" sz="2800" kern="1200" dirty="0">
+              <a:solidFill>
+                <a:schemeClr val="tx1"/>
+              </a:solidFill>
+            </a:rPr>
+            <a:t>in-game</a:t>
           </a:r>
           <a:endParaRPr lang="en-US" sz="2800" kern="1200" dirty="0">
             <a:solidFill>
@@ -25593,7 +25778,7 @@
 </file>
 
 <file path=ppt/slides/slide10.xml><?xml version="1.0" encoding="utf-8"?>
-<p:sld xmlns:a="http://schemas.openxmlformats.org/drawingml/2006/main" xmlns:r="http://schemas.openxmlformats.org/officeDocument/2006/relationships" xmlns:p="http://schemas.openxmlformats.org/presentationml/2006/main">
+<p:sld xmlns:a="http://schemas.openxmlformats.org/drawingml/2006/main" xmlns:r="http://schemas.openxmlformats.org/officeDocument/2006/relationships" xmlns:p="http://schemas.openxmlformats.org/presentationml/2006/main" showMasterSp="0">
   <p:cSld>
     <p:bg>
       <p:bgPr>
@@ -25619,10 +25804,10 @@
       </p:grpSpPr>
       <p:pic>
         <p:nvPicPr>
-          <p:cNvPr id="8" name="Segnaposto immagine 12" descr="Immagine che contiene persona, uomo, interni, parete&#10;&#10;Descrizione generata con affidabilità molto elevata">
+          <p:cNvPr id="7" name="Immagine 6">
             <a:extLst>
               <a:ext uri="{FF2B5EF4-FFF2-40B4-BE49-F238E27FC236}">
-                <a16:creationId xmlns:a16="http://schemas.microsoft.com/office/drawing/2014/main" id="{5DD72F4E-0A95-4FC6-84C1-AAA7E22B559A}"/>
+                <a16:creationId xmlns:a16="http://schemas.microsoft.com/office/drawing/2014/main" id="{7E253CF5-8889-49FD-BD36-B3F76FB31443}"/>
               </a:ext>
             </a:extLst>
           </p:cNvPr>
@@ -25631,24 +25816,83 @@
           </p:cNvPicPr>
           <p:nvPr/>
         </p:nvPicPr>
-        <p:blipFill rotWithShape="1">
-          <a:blip r:embed="rId2">
-            <a:alphaModFix amt="45000"/>
-            <a:extLst/>
-          </a:blip>
-          <a:srcRect l="1328" r="20469"/>
-          <a:stretch/>
+        <p:blipFill>
+          <a:blip r:embed="rId2"/>
+          <a:stretch>
+            <a:fillRect/>
+          </a:stretch>
         </p:blipFill>
         <p:spPr>
           <a:xfrm>
-            <a:off x="20" y="-1"/>
-            <a:ext cx="12188932" cy="6858000"/>
+            <a:off x="-2" y="750287"/>
+            <a:ext cx="12192000" cy="5357424"/>
           </a:xfrm>
           <a:prstGeom prst="rect">
             <a:avLst/>
           </a:prstGeom>
         </p:spPr>
       </p:pic>
+      <p:sp>
+        <p:nvSpPr>
+          <p:cNvPr id="16" name="Rettangolo 15">
+            <a:extLst>
+              <a:ext uri="{FF2B5EF4-FFF2-40B4-BE49-F238E27FC236}">
+                <a16:creationId xmlns:a16="http://schemas.microsoft.com/office/drawing/2014/main" id="{13AED9B5-8205-4F67-AA7F-04266D234FFB}"/>
+              </a:ext>
+            </a:extLst>
+          </p:cNvPr>
+          <p:cNvSpPr/>
+          <p:nvPr/>
+        </p:nvSpPr>
+        <p:spPr>
+          <a:xfrm>
+            <a:off x="1" y="6127591"/>
+            <a:ext cx="12191999" cy="743661"/>
+          </a:xfrm>
+          <a:prstGeom prst="rect">
+            <a:avLst/>
+          </a:prstGeom>
+          <a:solidFill>
+            <a:schemeClr val="bg1"/>
+          </a:solidFill>
+          <a:ln>
+            <a:solidFill>
+              <a:schemeClr val="bg1"/>
+            </a:solidFill>
+          </a:ln>
+          <a:effectLst>
+            <a:outerShdw blurRad="50800" dist="38100" dir="16200000" rotWithShape="0">
+              <a:prstClr val="black">
+                <a:alpha val="40000"/>
+              </a:prstClr>
+            </a:outerShdw>
+          </a:effectLst>
+        </p:spPr>
+        <p:style>
+          <a:lnRef idx="2">
+            <a:schemeClr val="accent1">
+              <a:shade val="50000"/>
+            </a:schemeClr>
+          </a:lnRef>
+          <a:fillRef idx="1">
+            <a:schemeClr val="accent1"/>
+          </a:fillRef>
+          <a:effectRef idx="0">
+            <a:schemeClr val="accent1"/>
+          </a:effectRef>
+          <a:fontRef idx="minor">
+            <a:schemeClr val="lt1"/>
+          </a:fontRef>
+        </p:style>
+        <p:txBody>
+          <a:bodyPr rtlCol="0" anchor="ctr"/>
+          <a:lstStyle/>
+          <a:p>
+            <a:pPr algn="ctr"/>
+            <a:endParaRPr lang="it-IT" dirty="0"/>
+          </a:p>
+        </p:txBody>
+      </p:sp>
       <p:sp>
         <p:nvSpPr>
           <p:cNvPr id="23" name="Titolo 1">
@@ -25665,12 +25909,15 @@
         </p:nvSpPr>
         <p:spPr>
           <a:xfrm>
-            <a:off x="4071256" y="5527524"/>
+            <a:off x="3490683" y="5371638"/>
             <a:ext cx="8701315" cy="1511904"/>
           </a:xfrm>
           <a:prstGeom prst="rect">
             <a:avLst/>
           </a:prstGeom>
+          <a:effectLst>
+            <a:reflection blurRad="6350" stA="50000" endA="300" endPos="55000" dir="5400000" sy="-100000" algn="bl" rotWithShape="0"/>
+          </a:effectLst>
         </p:spPr>
         <p:txBody>
           <a:bodyPr vert="horz" lIns="91440" tIns="45720" rIns="91440" bIns="45720" rtlCol="0" anchor="ctr">
@@ -25717,28 +25964,113 @@
               <a:defRPr/>
             </a:pPr>
             <a:r>
-              <a:rPr lang="it-IT" sz="6600" dirty="0">
+              <a:rPr lang="it-IT" sz="6600" b="1" cap="none" spc="0" dirty="0">
+                <a:ln w="13462">
+                  <a:solidFill>
+                    <a:schemeClr val="bg1"/>
+                  </a:solidFill>
+                  <a:prstDash val="solid"/>
+                </a:ln>
                 <a:solidFill>
-                  <a:srgbClr val="FFFFFF"/>
+                  <a:schemeClr val="tx1">
+                    <a:lumMod val="85000"/>
+                    <a:lumOff val="15000"/>
+                  </a:schemeClr>
                 </a:solidFill>
+                <a:effectLst>
+                  <a:outerShdw dist="38100" dir="2700000" algn="bl" rotWithShape="0">
+                    <a:schemeClr val="accent5"/>
+                  </a:outerShdw>
+                </a:effectLst>
                 <a:latin typeface="Tw Cen MT Condensed" panose="020B0606020104020203"/>
               </a:rPr>
-              <a:t>Grazie per l’attenzione</a:t>
+              <a:t>Grazie per l’attenzione!</a:t>
             </a:r>
-            <a:endParaRPr kumimoji="0" lang="it-IT" sz="6600" b="0" i="0" u="none" strike="noStrike" kern="1200" cap="all" spc="100" normalizeH="0" baseline="0" noProof="0" dirty="0">
-              <a:ln>
-                <a:noFill/>
+            <a:endParaRPr kumimoji="0" lang="it-IT" sz="6600" b="1" i="0" u="none" strike="noStrike" kern="1200" cap="none" spc="0" normalizeH="0" baseline="0" noProof="0" dirty="0">
+              <a:ln w="13462">
+                <a:solidFill>
+                  <a:schemeClr val="bg1"/>
+                </a:solidFill>
+                <a:prstDash val="solid"/>
               </a:ln>
               <a:solidFill>
-                <a:srgbClr val="FFFFFF"/>
+                <a:schemeClr val="tx1">
+                  <a:lumMod val="85000"/>
+                  <a:lumOff val="15000"/>
+                </a:schemeClr>
               </a:solidFill>
-              <a:effectLst/>
+              <a:effectLst>
+                <a:outerShdw dist="38100" dir="2700000" algn="bl" rotWithShape="0">
+                  <a:schemeClr val="accent5"/>
+                </a:outerShdw>
+              </a:effectLst>
               <a:uLnTx/>
               <a:uFillTx/>
               <a:latin typeface="Tw Cen MT Condensed" panose="020B0606020104020203"/>
               <a:ea typeface="+mj-ea"/>
               <a:cs typeface="+mj-cs"/>
             </a:endParaRPr>
+          </a:p>
+        </p:txBody>
+      </p:sp>
+      <p:sp>
+        <p:nvSpPr>
+          <p:cNvPr id="17" name="Rettangolo 16">
+            <a:extLst>
+              <a:ext uri="{FF2B5EF4-FFF2-40B4-BE49-F238E27FC236}">
+                <a16:creationId xmlns:a16="http://schemas.microsoft.com/office/drawing/2014/main" id="{70A0A5F4-1F7B-4338-A883-0A853A724465}"/>
+              </a:ext>
+            </a:extLst>
+          </p:cNvPr>
+          <p:cNvSpPr/>
+          <p:nvPr/>
+        </p:nvSpPr>
+        <p:spPr>
+          <a:xfrm rot="10800000">
+            <a:off x="-2" y="-13253"/>
+            <a:ext cx="12191999" cy="743661"/>
+          </a:xfrm>
+          <a:prstGeom prst="rect">
+            <a:avLst/>
+          </a:prstGeom>
+          <a:solidFill>
+            <a:schemeClr val="bg1"/>
+          </a:solidFill>
+          <a:ln>
+            <a:solidFill>
+              <a:schemeClr val="bg1"/>
+            </a:solidFill>
+          </a:ln>
+          <a:effectLst>
+            <a:outerShdw blurRad="50800" dist="38100" dir="5400000" algn="t" rotWithShape="0">
+              <a:prstClr val="black">
+                <a:alpha val="40000"/>
+              </a:prstClr>
+            </a:outerShdw>
+          </a:effectLst>
+        </p:spPr>
+        <p:style>
+          <a:lnRef idx="2">
+            <a:schemeClr val="accent1">
+              <a:shade val="50000"/>
+            </a:schemeClr>
+          </a:lnRef>
+          <a:fillRef idx="1">
+            <a:schemeClr val="accent1"/>
+          </a:fillRef>
+          <a:effectRef idx="0">
+            <a:schemeClr val="accent1"/>
+          </a:effectRef>
+          <a:fontRef idx="minor">
+            <a:schemeClr val="lt1"/>
+          </a:fontRef>
+        </p:style>
+        <p:txBody>
+          <a:bodyPr rtlCol="0" anchor="ctr"/>
+          <a:lstStyle/>
+          <a:p>
+            <a:pPr algn="ctr"/>
+            <a:endParaRPr lang="it-IT" dirty="0"/>
           </a:p>
         </p:txBody>
       </p:sp>
@@ -27878,14 +28210,14 @@
             <p:ph idx="1"/>
             <p:extLst>
               <p:ext uri="{D42A27DB-BD31-4B8C-83A1-F6EECF244321}">
-                <p14:modId xmlns:p14="http://schemas.microsoft.com/office/powerpoint/2010/main" val="681670243"/>
+                <p14:modId xmlns:p14="http://schemas.microsoft.com/office/powerpoint/2010/main" val="2239481960"/>
               </p:ext>
             </p:extLst>
           </p:nvPr>
         </p:nvGraphicFramePr>
         <p:xfrm>
-          <a:off x="4648198" y="120491"/>
-          <a:ext cx="7543801" cy="6580131"/>
+          <a:off x="4648199" y="205408"/>
+          <a:ext cx="7543801" cy="6447183"/>
         </p:xfrm>
         <a:graphic>
           <a:graphicData uri="http://schemas.openxmlformats.org/drawingml/2006/diagram">
@@ -28047,7 +28379,7 @@
             <p:ph idx="1"/>
             <p:extLst>
               <p:ext uri="{D42A27DB-BD31-4B8C-83A1-F6EECF244321}">
-                <p14:modId xmlns:p14="http://schemas.microsoft.com/office/powerpoint/2010/main" val="2101711921"/>
+                <p14:modId xmlns:p14="http://schemas.microsoft.com/office/powerpoint/2010/main" val="3369175206"/>
               </p:ext>
             </p:extLst>
           </p:nvPr>
@@ -28266,7 +28598,7 @@
             <p:ph idx="1"/>
             <p:extLst>
               <p:ext uri="{D42A27DB-BD31-4B8C-83A1-F6EECF244321}">
-                <p14:modId xmlns:p14="http://schemas.microsoft.com/office/powerpoint/2010/main" val="867891296"/>
+                <p14:modId xmlns:p14="http://schemas.microsoft.com/office/powerpoint/2010/main" val="1228598518"/>
               </p:ext>
             </p:extLst>
           </p:nvPr>

--- a/Pitch/PITCH.pptx
+++ b/Pitch/PITCH.pptx
@@ -6404,6 +6404,136 @@
         </a:p>
       </dgm:t>
     </dgm:pt>
+    <dgm:pt modelId="{B5763AE2-1134-4B67-9EB9-323E7ACD6CD3}">
+      <dgm:prSet custT="1"/>
+      <dgm:spPr/>
+      <dgm:t>
+        <a:bodyPr/>
+        <a:lstStyle/>
+        <a:p>
+          <a:r>
+            <a:rPr lang="en-US" sz="1800" dirty="0">
+              <a:solidFill>
+                <a:schemeClr val="tx1"/>
+              </a:solidFill>
+            </a:rPr>
+            <a:t>Extra</a:t>
+          </a:r>
+        </a:p>
+      </dgm:t>
+    </dgm:pt>
+    <dgm:pt modelId="{D0F23480-9490-4F67-BC54-EAA1CF892EE6}" type="parTrans" cxnId="{7CE802B4-E63A-4FE4-A1AF-ADCDED9EAD3D}">
+      <dgm:prSet/>
+      <dgm:spPr/>
+      <dgm:t>
+        <a:bodyPr/>
+        <a:lstStyle/>
+        <a:p>
+          <a:endParaRPr lang="it-IT"/>
+        </a:p>
+      </dgm:t>
+    </dgm:pt>
+    <dgm:pt modelId="{7AB8DE81-1752-4A53-8DD5-66CA6C433B26}" type="sibTrans" cxnId="{7CE802B4-E63A-4FE4-A1AF-ADCDED9EAD3D}">
+      <dgm:prSet/>
+      <dgm:spPr/>
+      <dgm:t>
+        <a:bodyPr/>
+        <a:lstStyle/>
+        <a:p>
+          <a:endParaRPr lang="it-IT"/>
+        </a:p>
+      </dgm:t>
+    </dgm:pt>
+    <dgm:pt modelId="{A0B5271F-30E6-474C-B554-83F4DA6A2DA8}">
+      <dgm:prSet custT="1"/>
+      <dgm:spPr/>
+      <dgm:t>
+        <a:bodyPr/>
+        <a:lstStyle/>
+        <a:p>
+          <a:r>
+            <a:rPr lang="en-US" sz="1800" dirty="0" err="1">
+              <a:solidFill>
+                <a:schemeClr val="tx1"/>
+              </a:solidFill>
+            </a:rPr>
+            <a:t>Classifica</a:t>
+          </a:r>
+          <a:endParaRPr lang="en-US" sz="1800" dirty="0">
+            <a:solidFill>
+              <a:schemeClr val="tx1"/>
+            </a:solidFill>
+          </a:endParaRPr>
+        </a:p>
+      </dgm:t>
+    </dgm:pt>
+    <dgm:pt modelId="{769C54F0-38BA-417E-A52D-63B918D02982}" type="parTrans" cxnId="{07001DD5-4487-46BA-A0D0-82C6E0CC001F}">
+      <dgm:prSet/>
+      <dgm:spPr/>
+      <dgm:t>
+        <a:bodyPr/>
+        <a:lstStyle/>
+        <a:p>
+          <a:endParaRPr lang="it-IT"/>
+        </a:p>
+      </dgm:t>
+    </dgm:pt>
+    <dgm:pt modelId="{09913088-1E5F-484E-99A8-4A817EA398A8}" type="sibTrans" cxnId="{07001DD5-4487-46BA-A0D0-82C6E0CC001F}">
+      <dgm:prSet/>
+      <dgm:spPr/>
+      <dgm:t>
+        <a:bodyPr/>
+        <a:lstStyle/>
+        <a:p>
+          <a:endParaRPr lang="it-IT"/>
+        </a:p>
+      </dgm:t>
+    </dgm:pt>
+    <dgm:pt modelId="{05FC2DDD-8716-4BD0-AD0F-B5E4C40D798F}">
+      <dgm:prSet custT="1"/>
+      <dgm:spPr/>
+      <dgm:t>
+        <a:bodyPr/>
+        <a:lstStyle/>
+        <a:p>
+          <a:r>
+            <a:rPr lang="en-US" sz="1800" dirty="0" err="1">
+              <a:solidFill>
+                <a:schemeClr val="tx1"/>
+              </a:solidFill>
+            </a:rPr>
+            <a:t>Obbiettivi</a:t>
+          </a:r>
+          <a:endParaRPr lang="en-US" sz="1800" dirty="0">
+            <a:solidFill>
+              <a:schemeClr val="tx1"/>
+            </a:solidFill>
+          </a:endParaRPr>
+        </a:p>
+      </dgm:t>
+    </dgm:pt>
+    <dgm:pt modelId="{12311264-C44B-4886-9BAA-807093E01297}" type="parTrans" cxnId="{7D9B025B-C6E0-4DEC-BDA7-D5A64D037B8F}">
+      <dgm:prSet/>
+      <dgm:spPr/>
+      <dgm:t>
+        <a:bodyPr/>
+        <a:lstStyle/>
+        <a:p>
+          <a:endParaRPr lang="it-IT"/>
+        </a:p>
+      </dgm:t>
+    </dgm:pt>
+    <dgm:pt modelId="{918DF07B-9215-435A-BE5C-E7287899028E}" type="sibTrans" cxnId="{7D9B025B-C6E0-4DEC-BDA7-D5A64D037B8F}">
+      <dgm:prSet/>
+      <dgm:spPr/>
+      <dgm:t>
+        <a:bodyPr/>
+        <a:lstStyle/>
+        <a:p>
+          <a:endParaRPr lang="it-IT"/>
+        </a:p>
+      </dgm:t>
+    </dgm:pt>
     <dgm:pt modelId="{70384AF9-2469-40A9-9592-5AACE7175084}" type="pres">
       <dgm:prSet presAssocID="{2907D13E-4EC4-40B0-8467-CB918CC07E49}" presName="diagram" presStyleCnt="0">
         <dgm:presLayoutVars>
@@ -6421,7 +6551,7 @@
       <dgm:spPr/>
     </dgm:pt>
     <dgm:pt modelId="{2CF7012E-B466-46F9-9A90-1DBC0E5D9CED}" type="pres">
-      <dgm:prSet presAssocID="{16BD56DA-A5C3-4D71-964E-DFA3747BDC42}" presName="LevelOneTextNode" presStyleLbl="node0" presStyleIdx="0" presStyleCnt="2">
+      <dgm:prSet presAssocID="{16BD56DA-A5C3-4D71-964E-DFA3747BDC42}" presName="LevelOneTextNode" presStyleLbl="node0" presStyleIdx="0" presStyleCnt="3" custScaleX="119116" custLinFactNeighborY="4881">
         <dgm:presLayoutVars>
           <dgm:chPref val="3"/>
         </dgm:presLayoutVars>
@@ -6433,11 +6563,11 @@
       <dgm:spPr/>
     </dgm:pt>
     <dgm:pt modelId="{03804EE7-7231-465D-9CF9-5BDB01DAAE5F}" type="pres">
-      <dgm:prSet presAssocID="{B23A9C8E-A442-49A0-A1DD-08F87571E8AC}" presName="conn2-1" presStyleLbl="parChTrans1D2" presStyleIdx="0" presStyleCnt="5"/>
+      <dgm:prSet presAssocID="{B23A9C8E-A442-49A0-A1DD-08F87571E8AC}" presName="conn2-1" presStyleLbl="parChTrans1D2" presStyleIdx="0" presStyleCnt="7"/>
       <dgm:spPr/>
     </dgm:pt>
     <dgm:pt modelId="{3517C650-F6E9-46CA-AAA7-BBA8801DD7D8}" type="pres">
-      <dgm:prSet presAssocID="{B23A9C8E-A442-49A0-A1DD-08F87571E8AC}" presName="connTx" presStyleLbl="parChTrans1D2" presStyleIdx="0" presStyleCnt="5"/>
+      <dgm:prSet presAssocID="{B23A9C8E-A442-49A0-A1DD-08F87571E8AC}" presName="connTx" presStyleLbl="parChTrans1D2" presStyleIdx="0" presStyleCnt="7"/>
       <dgm:spPr/>
     </dgm:pt>
     <dgm:pt modelId="{D66FDCD5-A7B8-448B-9005-8236F7F24363}" type="pres">
@@ -6445,7 +6575,7 @@
       <dgm:spPr/>
     </dgm:pt>
     <dgm:pt modelId="{C9B846E9-182A-45CC-B7A4-0378FD67C97D}" type="pres">
-      <dgm:prSet presAssocID="{AE29E6A4-23C2-460F-9A0E-F9A5B88CBC27}" presName="LevelTwoTextNode" presStyleLbl="node2" presStyleIdx="0" presStyleCnt="5">
+      <dgm:prSet presAssocID="{AE29E6A4-23C2-460F-9A0E-F9A5B88CBC27}" presName="LevelTwoTextNode" presStyleLbl="node2" presStyleIdx="0" presStyleCnt="7" custScaleX="114820">
         <dgm:presLayoutVars>
           <dgm:chPref val="3"/>
         </dgm:presLayoutVars>
@@ -6457,11 +6587,11 @@
       <dgm:spPr/>
     </dgm:pt>
     <dgm:pt modelId="{035EE4C2-BC1C-48EA-B14F-97015996176E}" type="pres">
-      <dgm:prSet presAssocID="{FF6B6338-0E4D-4241-B4C0-A52ACF53BEE1}" presName="conn2-1" presStyleLbl="parChTrans1D2" presStyleIdx="1" presStyleCnt="5"/>
+      <dgm:prSet presAssocID="{FF6B6338-0E4D-4241-B4C0-A52ACF53BEE1}" presName="conn2-1" presStyleLbl="parChTrans1D2" presStyleIdx="1" presStyleCnt="7"/>
       <dgm:spPr/>
     </dgm:pt>
     <dgm:pt modelId="{0D292D21-634A-4B03-A8E6-8F3938B6771C}" type="pres">
-      <dgm:prSet presAssocID="{FF6B6338-0E4D-4241-B4C0-A52ACF53BEE1}" presName="connTx" presStyleLbl="parChTrans1D2" presStyleIdx="1" presStyleCnt="5"/>
+      <dgm:prSet presAssocID="{FF6B6338-0E4D-4241-B4C0-A52ACF53BEE1}" presName="connTx" presStyleLbl="parChTrans1D2" presStyleIdx="1" presStyleCnt="7"/>
       <dgm:spPr/>
     </dgm:pt>
     <dgm:pt modelId="{091FD0E6-FE9C-458F-96E2-43D698D42FE0}" type="pres">
@@ -6469,7 +6599,7 @@
       <dgm:spPr/>
     </dgm:pt>
     <dgm:pt modelId="{19FE825B-36EF-486E-B9CD-C79C9C40DA50}" type="pres">
-      <dgm:prSet presAssocID="{4D036AE4-4B9D-45F3-A25E-2A63FE945EC7}" presName="LevelTwoTextNode" presStyleLbl="node2" presStyleIdx="1" presStyleCnt="5">
+      <dgm:prSet presAssocID="{4D036AE4-4B9D-45F3-A25E-2A63FE945EC7}" presName="LevelTwoTextNode" presStyleLbl="node2" presStyleIdx="1" presStyleCnt="7" custScaleX="114820">
         <dgm:presLayoutVars>
           <dgm:chPref val="3"/>
         </dgm:presLayoutVars>
@@ -6481,11 +6611,11 @@
       <dgm:spPr/>
     </dgm:pt>
     <dgm:pt modelId="{4BB8F76F-A742-4AA0-80B5-EEE513516A6F}" type="pres">
-      <dgm:prSet presAssocID="{4F1BF590-A880-4004-B6C4-E584CD568217}" presName="conn2-1" presStyleLbl="parChTrans1D2" presStyleIdx="2" presStyleCnt="5"/>
+      <dgm:prSet presAssocID="{4F1BF590-A880-4004-B6C4-E584CD568217}" presName="conn2-1" presStyleLbl="parChTrans1D2" presStyleIdx="2" presStyleCnt="7"/>
       <dgm:spPr/>
     </dgm:pt>
     <dgm:pt modelId="{CE107DA2-9886-4CA8-9509-32D5C5A0C9EE}" type="pres">
-      <dgm:prSet presAssocID="{4F1BF590-A880-4004-B6C4-E584CD568217}" presName="connTx" presStyleLbl="parChTrans1D2" presStyleIdx="2" presStyleCnt="5"/>
+      <dgm:prSet presAssocID="{4F1BF590-A880-4004-B6C4-E584CD568217}" presName="connTx" presStyleLbl="parChTrans1D2" presStyleIdx="2" presStyleCnt="7"/>
       <dgm:spPr/>
     </dgm:pt>
     <dgm:pt modelId="{F1E5D28D-8B59-4E96-AC23-41552B47C6BE}" type="pres">
@@ -6493,7 +6623,7 @@
       <dgm:spPr/>
     </dgm:pt>
     <dgm:pt modelId="{833BD415-9A15-4B32-BD5B-6E53EA4F08F6}" type="pres">
-      <dgm:prSet presAssocID="{930FC926-DD4E-44E2-86E3-77E580EA3391}" presName="LevelTwoTextNode" presStyleLbl="node2" presStyleIdx="2" presStyleCnt="5">
+      <dgm:prSet presAssocID="{930FC926-DD4E-44E2-86E3-77E580EA3391}" presName="LevelTwoTextNode" presStyleLbl="node2" presStyleIdx="2" presStyleCnt="7" custScaleX="114820">
         <dgm:presLayoutVars>
           <dgm:chPref val="3"/>
         </dgm:presLayoutVars>
@@ -6509,7 +6639,7 @@
       <dgm:spPr/>
     </dgm:pt>
     <dgm:pt modelId="{16C270DC-FC70-4DC8-BE00-ED4A04DD2D3C}" type="pres">
-      <dgm:prSet presAssocID="{9656E24A-AA75-4BC7-A736-A1C2E45C2F71}" presName="LevelOneTextNode" presStyleLbl="node0" presStyleIdx="1" presStyleCnt="2">
+      <dgm:prSet presAssocID="{9656E24A-AA75-4BC7-A736-A1C2E45C2F71}" presName="LevelOneTextNode" presStyleLbl="node0" presStyleIdx="1" presStyleCnt="3" custScaleX="119116">
         <dgm:presLayoutVars>
           <dgm:chPref val="3"/>
         </dgm:presLayoutVars>
@@ -6521,11 +6651,11 @@
       <dgm:spPr/>
     </dgm:pt>
     <dgm:pt modelId="{8078EAE0-B9E9-4666-A80C-92EEDD5AE56A}" type="pres">
-      <dgm:prSet presAssocID="{8E10D32D-78A1-497D-96FC-A39F14B7A9BB}" presName="conn2-1" presStyleLbl="parChTrans1D2" presStyleIdx="3" presStyleCnt="5"/>
+      <dgm:prSet presAssocID="{8E10D32D-78A1-497D-96FC-A39F14B7A9BB}" presName="conn2-1" presStyleLbl="parChTrans1D2" presStyleIdx="3" presStyleCnt="7"/>
       <dgm:spPr/>
     </dgm:pt>
     <dgm:pt modelId="{2B16BAE9-E20A-46E5-883F-CECDB4ADCFB6}" type="pres">
-      <dgm:prSet presAssocID="{8E10D32D-78A1-497D-96FC-A39F14B7A9BB}" presName="connTx" presStyleLbl="parChTrans1D2" presStyleIdx="3" presStyleCnt="5"/>
+      <dgm:prSet presAssocID="{8E10D32D-78A1-497D-96FC-A39F14B7A9BB}" presName="connTx" presStyleLbl="parChTrans1D2" presStyleIdx="3" presStyleCnt="7"/>
       <dgm:spPr/>
     </dgm:pt>
     <dgm:pt modelId="{DA664B3D-78E5-4FF1-AB56-07312D51A348}" type="pres">
@@ -6533,7 +6663,7 @@
       <dgm:spPr/>
     </dgm:pt>
     <dgm:pt modelId="{F845306D-465B-4847-8FB2-7367739F041A}" type="pres">
-      <dgm:prSet presAssocID="{A0D9DD9E-E6B9-4610-A095-23DE648E060D}" presName="LevelTwoTextNode" presStyleLbl="node2" presStyleIdx="3" presStyleCnt="5">
+      <dgm:prSet presAssocID="{A0D9DD9E-E6B9-4610-A095-23DE648E060D}" presName="LevelTwoTextNode" presStyleLbl="node2" presStyleIdx="3" presStyleCnt="7" custScaleX="114820">
         <dgm:presLayoutVars>
           <dgm:chPref val="3"/>
         </dgm:presLayoutVars>
@@ -6545,11 +6675,11 @@
       <dgm:spPr/>
     </dgm:pt>
     <dgm:pt modelId="{0F8C6668-F8A5-4BC4-82D3-174290CAA838}" type="pres">
-      <dgm:prSet presAssocID="{CE956EEA-CA1F-43F4-B135-E441AE8CFC86}" presName="conn2-1" presStyleLbl="parChTrans1D2" presStyleIdx="4" presStyleCnt="5"/>
+      <dgm:prSet presAssocID="{CE956EEA-CA1F-43F4-B135-E441AE8CFC86}" presName="conn2-1" presStyleLbl="parChTrans1D2" presStyleIdx="4" presStyleCnt="7"/>
       <dgm:spPr/>
     </dgm:pt>
     <dgm:pt modelId="{85A71A1A-078D-4F23-AB1B-9F29CC1B0721}" type="pres">
-      <dgm:prSet presAssocID="{CE956EEA-CA1F-43F4-B135-E441AE8CFC86}" presName="connTx" presStyleLbl="parChTrans1D2" presStyleIdx="4" presStyleCnt="5"/>
+      <dgm:prSet presAssocID="{CE956EEA-CA1F-43F4-B135-E441AE8CFC86}" presName="connTx" presStyleLbl="parChTrans1D2" presStyleIdx="4" presStyleCnt="7"/>
       <dgm:spPr/>
     </dgm:pt>
     <dgm:pt modelId="{ABD766D7-6CDE-4463-B085-85A5CC4E51A0}" type="pres">
@@ -6557,7 +6687,7 @@
       <dgm:spPr/>
     </dgm:pt>
     <dgm:pt modelId="{EF49A9DB-AED3-4C1C-9C1A-6487D238FF60}" type="pres">
-      <dgm:prSet presAssocID="{B8CC19AF-CBA0-4D40-A12B-9D0C9AC96741}" presName="LevelTwoTextNode" presStyleLbl="node2" presStyleIdx="4" presStyleCnt="5">
+      <dgm:prSet presAssocID="{B8CC19AF-CBA0-4D40-A12B-9D0C9AC96741}" presName="LevelTwoTextNode" presStyleLbl="node2" presStyleIdx="4" presStyleCnt="7" custScaleX="114820">
         <dgm:presLayoutVars>
           <dgm:chPref val="3"/>
         </dgm:presLayoutVars>
@@ -6568,18 +6698,89 @@
       <dgm:prSet presAssocID="{B8CC19AF-CBA0-4D40-A12B-9D0C9AC96741}" presName="level3hierChild" presStyleCnt="0"/>
       <dgm:spPr/>
     </dgm:pt>
+    <dgm:pt modelId="{6E6F3BA0-6C10-43B0-8A79-95AA483CE633}" type="pres">
+      <dgm:prSet presAssocID="{B5763AE2-1134-4B67-9EB9-323E7ACD6CD3}" presName="root1" presStyleCnt="0"/>
+      <dgm:spPr/>
+    </dgm:pt>
+    <dgm:pt modelId="{3E57150E-E5F7-4B97-A64A-2D90F99E4700}" type="pres">
+      <dgm:prSet presAssocID="{B5763AE2-1134-4B67-9EB9-323E7ACD6CD3}" presName="LevelOneTextNode" presStyleLbl="node0" presStyleIdx="2" presStyleCnt="3" custScaleX="119116">
+        <dgm:presLayoutVars>
+          <dgm:chPref val="3"/>
+        </dgm:presLayoutVars>
+      </dgm:prSet>
+      <dgm:spPr/>
+    </dgm:pt>
+    <dgm:pt modelId="{BA68115F-EA90-4B5C-AE20-7FCB75D890BD}" type="pres">
+      <dgm:prSet presAssocID="{B5763AE2-1134-4B67-9EB9-323E7ACD6CD3}" presName="level2hierChild" presStyleCnt="0"/>
+      <dgm:spPr/>
+    </dgm:pt>
+    <dgm:pt modelId="{7F909729-4427-4226-B558-989C7B40D670}" type="pres">
+      <dgm:prSet presAssocID="{769C54F0-38BA-417E-A52D-63B918D02982}" presName="conn2-1" presStyleLbl="parChTrans1D2" presStyleIdx="5" presStyleCnt="7"/>
+      <dgm:spPr/>
+    </dgm:pt>
+    <dgm:pt modelId="{7F9D1519-7B75-4CBF-9743-32AA481F0727}" type="pres">
+      <dgm:prSet presAssocID="{769C54F0-38BA-417E-A52D-63B918D02982}" presName="connTx" presStyleLbl="parChTrans1D2" presStyleIdx="5" presStyleCnt="7"/>
+      <dgm:spPr/>
+    </dgm:pt>
+    <dgm:pt modelId="{49A0BE33-4B1B-41B7-A066-0CC0808E0480}" type="pres">
+      <dgm:prSet presAssocID="{A0B5271F-30E6-474C-B554-83F4DA6A2DA8}" presName="root2" presStyleCnt="0"/>
+      <dgm:spPr/>
+    </dgm:pt>
+    <dgm:pt modelId="{664EEAFC-A430-4928-9927-0595E02838A2}" type="pres">
+      <dgm:prSet presAssocID="{A0B5271F-30E6-474C-B554-83F4DA6A2DA8}" presName="LevelTwoTextNode" presStyleLbl="node2" presStyleIdx="5" presStyleCnt="7" custScaleX="114820">
+        <dgm:presLayoutVars>
+          <dgm:chPref val="3"/>
+        </dgm:presLayoutVars>
+      </dgm:prSet>
+      <dgm:spPr/>
+    </dgm:pt>
+    <dgm:pt modelId="{AB18397A-E8DD-4869-9C1C-A67EA9C1D9D9}" type="pres">
+      <dgm:prSet presAssocID="{A0B5271F-30E6-474C-B554-83F4DA6A2DA8}" presName="level3hierChild" presStyleCnt="0"/>
+      <dgm:spPr/>
+    </dgm:pt>
+    <dgm:pt modelId="{A89A3089-8C46-4338-BF73-120FD8D26F94}" type="pres">
+      <dgm:prSet presAssocID="{12311264-C44B-4886-9BAA-807093E01297}" presName="conn2-1" presStyleLbl="parChTrans1D2" presStyleIdx="6" presStyleCnt="7"/>
+      <dgm:spPr/>
+    </dgm:pt>
+    <dgm:pt modelId="{4A3C97A6-ED2D-4965-A602-F2F65B1CC6CD}" type="pres">
+      <dgm:prSet presAssocID="{12311264-C44B-4886-9BAA-807093E01297}" presName="connTx" presStyleLbl="parChTrans1D2" presStyleIdx="6" presStyleCnt="7"/>
+      <dgm:spPr/>
+    </dgm:pt>
+    <dgm:pt modelId="{BCD6E762-C02F-478F-B1BC-995C8E24ADE1}" type="pres">
+      <dgm:prSet presAssocID="{05FC2DDD-8716-4BD0-AD0F-B5E4C40D798F}" presName="root2" presStyleCnt="0"/>
+      <dgm:spPr/>
+    </dgm:pt>
+    <dgm:pt modelId="{660AFEAB-3701-4D14-890E-67426F843685}" type="pres">
+      <dgm:prSet presAssocID="{05FC2DDD-8716-4BD0-AD0F-B5E4C40D798F}" presName="LevelTwoTextNode" presStyleLbl="node2" presStyleIdx="6" presStyleCnt="7" custScaleX="114820">
+        <dgm:presLayoutVars>
+          <dgm:chPref val="3"/>
+        </dgm:presLayoutVars>
+      </dgm:prSet>
+      <dgm:spPr/>
+    </dgm:pt>
+    <dgm:pt modelId="{8AC600EF-EB47-4726-AA2C-E29303C9B3E8}" type="pres">
+      <dgm:prSet presAssocID="{05FC2DDD-8716-4BD0-AD0F-B5E4C40D798F}" presName="level3hierChild" presStyleCnt="0"/>
+      <dgm:spPr/>
+    </dgm:pt>
   </dgm:ptLst>
   <dgm:cxnLst>
     <dgm:cxn modelId="{6AAD7503-44C6-455E-B446-594860E65848}" type="presOf" srcId="{2907D13E-4EC4-40B0-8467-CB918CC07E49}" destId="{70384AF9-2469-40A9-9592-5AACE7175084}" srcOrd="0" destOrd="0" presId="urn:microsoft.com/office/officeart/2005/8/layout/hierarchy2"/>
     <dgm:cxn modelId="{02AD7A06-F4AD-40D3-BDBA-D98E06227214}" type="presOf" srcId="{4F1BF590-A880-4004-B6C4-E584CD568217}" destId="{CE107DA2-9886-4CA8-9509-32D5C5A0C9EE}" srcOrd="1" destOrd="0" presId="urn:microsoft.com/office/officeart/2005/8/layout/hierarchy2"/>
     <dgm:cxn modelId="{D6500B11-D685-40FC-9E3B-EA742C850D36}" type="presOf" srcId="{4D036AE4-4B9D-45F3-A25E-2A63FE945EC7}" destId="{19FE825B-36EF-486E-B9CD-C79C9C40DA50}" srcOrd="0" destOrd="0" presId="urn:microsoft.com/office/officeart/2005/8/layout/hierarchy2"/>
+    <dgm:cxn modelId="{FD27DC1B-8046-4DF8-A5EF-DB73519C4115}" type="presOf" srcId="{769C54F0-38BA-417E-A52D-63B918D02982}" destId="{7F909729-4427-4226-B558-989C7B40D670}" srcOrd="0" destOrd="0" presId="urn:microsoft.com/office/officeart/2005/8/layout/hierarchy2"/>
+    <dgm:cxn modelId="{55438A21-2BD8-479A-B056-F9C7D205D99C}" type="presOf" srcId="{A0B5271F-30E6-474C-B554-83F4DA6A2DA8}" destId="{664EEAFC-A430-4928-9927-0595E02838A2}" srcOrd="0" destOrd="0" presId="urn:microsoft.com/office/officeart/2005/8/layout/hierarchy2"/>
     <dgm:cxn modelId="{0C22CD24-4052-495B-A715-4030A4B1D7AA}" type="presOf" srcId="{B23A9C8E-A442-49A0-A1DD-08F87571E8AC}" destId="{03804EE7-7231-465D-9CF9-5BDB01DAAE5F}" srcOrd="0" destOrd="0" presId="urn:microsoft.com/office/officeart/2005/8/layout/hierarchy2"/>
     <dgm:cxn modelId="{18030928-31F3-4C51-AF16-16B84ECAC317}" type="presOf" srcId="{9656E24A-AA75-4BC7-A736-A1C2E45C2F71}" destId="{16C270DC-FC70-4DC8-BE00-ED4A04DD2D3C}" srcOrd="0" destOrd="0" presId="urn:microsoft.com/office/officeart/2005/8/layout/hierarchy2"/>
     <dgm:cxn modelId="{82AF0D3E-EF95-4FA5-B7E9-353DD7EAF34F}" srcId="{16BD56DA-A5C3-4D71-964E-DFA3747BDC42}" destId="{AE29E6A4-23C2-460F-9A0E-F9A5B88CBC27}" srcOrd="0" destOrd="0" parTransId="{B23A9C8E-A442-49A0-A1DD-08F87571E8AC}" sibTransId="{862847C8-5DAF-44E6-A073-670968E2BB41}"/>
+    <dgm:cxn modelId="{7D9B025B-C6E0-4DEC-BDA7-D5A64D037B8F}" srcId="{B5763AE2-1134-4B67-9EB9-323E7ACD6CD3}" destId="{05FC2DDD-8716-4BD0-AD0F-B5E4C40D798F}" srcOrd="1" destOrd="0" parTransId="{12311264-C44B-4886-9BAA-807093E01297}" sibTransId="{918DF07B-9215-435A-BE5C-E7287899028E}"/>
+    <dgm:cxn modelId="{CE0BF65B-4B4E-4778-95F3-3C90A6CECEC6}" type="presOf" srcId="{12311264-C44B-4886-9BAA-807093E01297}" destId="{A89A3089-8C46-4338-BF73-120FD8D26F94}" srcOrd="0" destOrd="0" presId="urn:microsoft.com/office/officeart/2005/8/layout/hierarchy2"/>
     <dgm:cxn modelId="{9FD48D62-95EE-429D-BF75-38BE94EF217A}" type="presOf" srcId="{B8CC19AF-CBA0-4D40-A12B-9D0C9AC96741}" destId="{EF49A9DB-AED3-4C1C-9C1A-6487D238FF60}" srcOrd="0" destOrd="0" presId="urn:microsoft.com/office/officeart/2005/8/layout/hierarchy2"/>
+    <dgm:cxn modelId="{00887563-94F6-429B-B489-12878D509643}" type="presOf" srcId="{769C54F0-38BA-417E-A52D-63B918D02982}" destId="{7F9D1519-7B75-4CBF-9743-32AA481F0727}" srcOrd="1" destOrd="0" presId="urn:microsoft.com/office/officeart/2005/8/layout/hierarchy2"/>
     <dgm:cxn modelId="{FC32FE6B-92C8-427B-85FA-54D95700C0E3}" type="presOf" srcId="{8E10D32D-78A1-497D-96FC-A39F14B7A9BB}" destId="{8078EAE0-B9E9-4666-A80C-92EEDD5AE56A}" srcOrd="0" destOrd="0" presId="urn:microsoft.com/office/officeart/2005/8/layout/hierarchy2"/>
     <dgm:cxn modelId="{B3BC0F6E-C044-4523-A7EC-1E1DA44D00B4}" srcId="{9656E24A-AA75-4BC7-A736-A1C2E45C2F71}" destId="{A0D9DD9E-E6B9-4610-A095-23DE648E060D}" srcOrd="0" destOrd="0" parTransId="{8E10D32D-78A1-497D-96FC-A39F14B7A9BB}" sibTransId="{B7834B51-C5BB-4809-8D61-06BC369AF978}"/>
     <dgm:cxn modelId="{9899B652-7C91-49DF-8D61-EA3825F37F86}" type="presOf" srcId="{16BD56DA-A5C3-4D71-964E-DFA3747BDC42}" destId="{2CF7012E-B466-46F9-9A90-1DBC0E5D9CED}" srcOrd="0" destOrd="0" presId="urn:microsoft.com/office/officeart/2005/8/layout/hierarchy2"/>
+    <dgm:cxn modelId="{9BE17E5A-1ADC-41EC-82FD-51308520919B}" type="presOf" srcId="{05FC2DDD-8716-4BD0-AD0F-B5E4C40D798F}" destId="{660AFEAB-3701-4D14-890E-67426F843685}" srcOrd="0" destOrd="0" presId="urn:microsoft.com/office/officeart/2005/8/layout/hierarchy2"/>
+    <dgm:cxn modelId="{66F28E7E-9E37-4B57-9168-98A4525AB375}" type="presOf" srcId="{B5763AE2-1134-4B67-9EB9-323E7ACD6CD3}" destId="{3E57150E-E5F7-4B97-A64A-2D90F99E4700}" srcOrd="0" destOrd="0" presId="urn:microsoft.com/office/officeart/2005/8/layout/hierarchy2"/>
     <dgm:cxn modelId="{CC065580-15D1-4BFE-946B-1EDFB563AA3B}" srcId="{9656E24A-AA75-4BC7-A736-A1C2E45C2F71}" destId="{B8CC19AF-CBA0-4D40-A12B-9D0C9AC96741}" srcOrd="1" destOrd="0" parTransId="{CE956EEA-CA1F-43F4-B135-E441AE8CFC86}" sibTransId="{7AB4DE73-5CEF-47BB-B67D-E648FC8A72D2}"/>
     <dgm:cxn modelId="{D39AB983-B94A-40E4-BC91-45D8A9C5C0D2}" type="presOf" srcId="{AE29E6A4-23C2-460F-9A0E-F9A5B88CBC27}" destId="{C9B846E9-182A-45CC-B7A4-0378FD67C97D}" srcOrd="0" destOrd="0" presId="urn:microsoft.com/office/officeart/2005/8/layout/hierarchy2"/>
     <dgm:cxn modelId="{8D37F689-8D9D-4A74-B2BE-BED7347E3F90}" type="presOf" srcId="{930FC926-DD4E-44E2-86E3-77E580EA3391}" destId="{833BD415-9A15-4B32-BD5B-6E53EA4F08F6}" srcOrd="0" destOrd="0" presId="urn:microsoft.com/office/officeart/2005/8/layout/hierarchy2"/>
@@ -6587,9 +6788,12 @@
     <dgm:cxn modelId="{CBB95390-3135-4EEC-AA50-2E2E8FAB2B66}" type="presOf" srcId="{B23A9C8E-A442-49A0-A1DD-08F87571E8AC}" destId="{3517C650-F6E9-46CA-AAA7-BBA8801DD7D8}" srcOrd="1" destOrd="0" presId="urn:microsoft.com/office/officeart/2005/8/layout/hierarchy2"/>
     <dgm:cxn modelId="{C5DE1D94-4105-42C8-B034-EBA9F8E0FCAC}" srcId="{2907D13E-4EC4-40B0-8467-CB918CC07E49}" destId="{16BD56DA-A5C3-4D71-964E-DFA3747BDC42}" srcOrd="0" destOrd="0" parTransId="{61158453-6ADD-4BD9-AA4B-C8B1162DBC6F}" sibTransId="{248657BB-DDC4-475C-BA26-DE403D8C5C56}"/>
     <dgm:cxn modelId="{5C98B0A7-5DF0-4F50-8FE4-F1AD5FB5E844}" srcId="{2907D13E-4EC4-40B0-8467-CB918CC07E49}" destId="{9656E24A-AA75-4BC7-A736-A1C2E45C2F71}" srcOrd="1" destOrd="0" parTransId="{ABDEFC09-D774-4314-8ECF-37421F79CCC4}" sibTransId="{0AC125C2-F76A-48DA-B830-B861A5E8A874}"/>
+    <dgm:cxn modelId="{7CE802B4-E63A-4FE4-A1AF-ADCDED9EAD3D}" srcId="{2907D13E-4EC4-40B0-8467-CB918CC07E49}" destId="{B5763AE2-1134-4B67-9EB9-323E7ACD6CD3}" srcOrd="2" destOrd="0" parTransId="{D0F23480-9490-4F67-BC54-EAA1CF892EE6}" sibTransId="{7AB8DE81-1752-4A53-8DD5-66CA6C433B26}"/>
+    <dgm:cxn modelId="{2417FAC1-1DD0-4AEA-AB97-A44F3C5582E8}" type="presOf" srcId="{12311264-C44B-4886-9BAA-807093E01297}" destId="{4A3C97A6-ED2D-4965-A602-F2F65B1CC6CD}" srcOrd="1" destOrd="0" presId="urn:microsoft.com/office/officeart/2005/8/layout/hierarchy2"/>
     <dgm:cxn modelId="{42AD5ACA-2E57-4391-A3AB-99D701AB3158}" type="presOf" srcId="{FF6B6338-0E4D-4241-B4C0-A52ACF53BEE1}" destId="{0D292D21-634A-4B03-A8E6-8F3938B6771C}" srcOrd="1" destOrd="0" presId="urn:microsoft.com/office/officeart/2005/8/layout/hierarchy2"/>
     <dgm:cxn modelId="{918076D2-D527-4967-BB96-FEA83B97B00C}" type="presOf" srcId="{A0D9DD9E-E6B9-4610-A095-23DE648E060D}" destId="{F845306D-465B-4847-8FB2-7367739F041A}" srcOrd="0" destOrd="0" presId="urn:microsoft.com/office/officeart/2005/8/layout/hierarchy2"/>
     <dgm:cxn modelId="{0441E1D2-9C7D-4248-A53B-B333E4CCCD71}" type="presOf" srcId="{FF6B6338-0E4D-4241-B4C0-A52ACF53BEE1}" destId="{035EE4C2-BC1C-48EA-B14F-97015996176E}" srcOrd="0" destOrd="0" presId="urn:microsoft.com/office/officeart/2005/8/layout/hierarchy2"/>
+    <dgm:cxn modelId="{07001DD5-4487-46BA-A0D0-82C6E0CC001F}" srcId="{B5763AE2-1134-4B67-9EB9-323E7ACD6CD3}" destId="{A0B5271F-30E6-474C-B554-83F4DA6A2DA8}" srcOrd="0" destOrd="0" parTransId="{769C54F0-38BA-417E-A52D-63B918D02982}" sibTransId="{09913088-1E5F-484E-99A8-4A817EA398A8}"/>
     <dgm:cxn modelId="{B378BFDB-F911-46ED-BBD7-0182CD3497E9}" srcId="{16BD56DA-A5C3-4D71-964E-DFA3747BDC42}" destId="{930FC926-DD4E-44E2-86E3-77E580EA3391}" srcOrd="2" destOrd="0" parTransId="{4F1BF590-A880-4004-B6C4-E584CD568217}" sibTransId="{E62F2F42-9444-4B07-8673-89578B3C0BC1}"/>
     <dgm:cxn modelId="{1067EBE9-ED73-4D66-B848-FC638D35CFAF}" type="presOf" srcId="{4F1BF590-A880-4004-B6C4-E584CD568217}" destId="{4BB8F76F-A742-4AA0-80B5-EEE513516A6F}" srcOrd="0" destOrd="0" presId="urn:microsoft.com/office/officeart/2005/8/layout/hierarchy2"/>
     <dgm:cxn modelId="{532600F2-0E12-4F0D-8751-F6E5046D1BE7}" type="presOf" srcId="{8E10D32D-78A1-497D-96FC-A39F14B7A9BB}" destId="{2B16BAE9-E20A-46E5-883F-CECDB4ADCFB6}" srcOrd="1" destOrd="0" presId="urn:microsoft.com/office/officeart/2005/8/layout/hierarchy2"/>
@@ -6626,6 +6830,19 @@
     <dgm:cxn modelId="{A24EFC07-E558-4248-9B4E-C75D3F3F9369}" type="presParOf" srcId="{5B10BBC3-1EB1-4E45-86F6-9EF060358B96}" destId="{ABD766D7-6CDE-4463-B085-85A5CC4E51A0}" srcOrd="3" destOrd="0" presId="urn:microsoft.com/office/officeart/2005/8/layout/hierarchy2"/>
     <dgm:cxn modelId="{37F25378-1852-4DCC-9A38-DE8E0EA479D5}" type="presParOf" srcId="{ABD766D7-6CDE-4463-B085-85A5CC4E51A0}" destId="{EF49A9DB-AED3-4C1C-9C1A-6487D238FF60}" srcOrd="0" destOrd="0" presId="urn:microsoft.com/office/officeart/2005/8/layout/hierarchy2"/>
     <dgm:cxn modelId="{13949D2B-57AA-400D-9960-5797774EB62F}" type="presParOf" srcId="{ABD766D7-6CDE-4463-B085-85A5CC4E51A0}" destId="{316228FC-0555-4AD1-B509-182B32753AC3}" srcOrd="1" destOrd="0" presId="urn:microsoft.com/office/officeart/2005/8/layout/hierarchy2"/>
+    <dgm:cxn modelId="{CE34E5FA-B3DD-4234-9016-697A6F7BA370}" type="presParOf" srcId="{70384AF9-2469-40A9-9592-5AACE7175084}" destId="{6E6F3BA0-6C10-43B0-8A79-95AA483CE633}" srcOrd="2" destOrd="0" presId="urn:microsoft.com/office/officeart/2005/8/layout/hierarchy2"/>
+    <dgm:cxn modelId="{F28A5317-702A-425B-B228-64A287CF1E82}" type="presParOf" srcId="{6E6F3BA0-6C10-43B0-8A79-95AA483CE633}" destId="{3E57150E-E5F7-4B97-A64A-2D90F99E4700}" srcOrd="0" destOrd="0" presId="urn:microsoft.com/office/officeart/2005/8/layout/hierarchy2"/>
+    <dgm:cxn modelId="{0113A424-0004-4AE9-9111-477FD4C304D7}" type="presParOf" srcId="{6E6F3BA0-6C10-43B0-8A79-95AA483CE633}" destId="{BA68115F-EA90-4B5C-AE20-7FCB75D890BD}" srcOrd="1" destOrd="0" presId="urn:microsoft.com/office/officeart/2005/8/layout/hierarchy2"/>
+    <dgm:cxn modelId="{F3263051-0E9B-42F5-949A-6377123A8CCF}" type="presParOf" srcId="{BA68115F-EA90-4B5C-AE20-7FCB75D890BD}" destId="{7F909729-4427-4226-B558-989C7B40D670}" srcOrd="0" destOrd="0" presId="urn:microsoft.com/office/officeart/2005/8/layout/hierarchy2"/>
+    <dgm:cxn modelId="{8D2E74FE-E211-4D00-AEC6-5B63B193E486}" type="presParOf" srcId="{7F909729-4427-4226-B558-989C7B40D670}" destId="{7F9D1519-7B75-4CBF-9743-32AA481F0727}" srcOrd="0" destOrd="0" presId="urn:microsoft.com/office/officeart/2005/8/layout/hierarchy2"/>
+    <dgm:cxn modelId="{8B70AA5E-A403-4B7A-BD03-90831F3D52D7}" type="presParOf" srcId="{BA68115F-EA90-4B5C-AE20-7FCB75D890BD}" destId="{49A0BE33-4B1B-41B7-A066-0CC0808E0480}" srcOrd="1" destOrd="0" presId="urn:microsoft.com/office/officeart/2005/8/layout/hierarchy2"/>
+    <dgm:cxn modelId="{2916D521-3A65-4993-9501-EB9A51B95B6B}" type="presParOf" srcId="{49A0BE33-4B1B-41B7-A066-0CC0808E0480}" destId="{664EEAFC-A430-4928-9927-0595E02838A2}" srcOrd="0" destOrd="0" presId="urn:microsoft.com/office/officeart/2005/8/layout/hierarchy2"/>
+    <dgm:cxn modelId="{58D8F3AF-3C6A-4107-A589-D2A6103972C4}" type="presParOf" srcId="{49A0BE33-4B1B-41B7-A066-0CC0808E0480}" destId="{AB18397A-E8DD-4869-9C1C-A67EA9C1D9D9}" srcOrd="1" destOrd="0" presId="urn:microsoft.com/office/officeart/2005/8/layout/hierarchy2"/>
+    <dgm:cxn modelId="{96C1316A-82C3-4291-A900-5DE05831DA20}" type="presParOf" srcId="{BA68115F-EA90-4B5C-AE20-7FCB75D890BD}" destId="{A89A3089-8C46-4338-BF73-120FD8D26F94}" srcOrd="2" destOrd="0" presId="urn:microsoft.com/office/officeart/2005/8/layout/hierarchy2"/>
+    <dgm:cxn modelId="{51B877F1-5F2A-4F05-8165-DC6DE4C74044}" type="presParOf" srcId="{A89A3089-8C46-4338-BF73-120FD8D26F94}" destId="{4A3C97A6-ED2D-4965-A602-F2F65B1CC6CD}" srcOrd="0" destOrd="0" presId="urn:microsoft.com/office/officeart/2005/8/layout/hierarchy2"/>
+    <dgm:cxn modelId="{3655F4A3-2829-429C-9BB0-A72FE27A748F}" type="presParOf" srcId="{BA68115F-EA90-4B5C-AE20-7FCB75D890BD}" destId="{BCD6E762-C02F-478F-B1BC-995C8E24ADE1}" srcOrd="3" destOrd="0" presId="urn:microsoft.com/office/officeart/2005/8/layout/hierarchy2"/>
+    <dgm:cxn modelId="{6F250D16-7E07-4D78-84B3-396CC892B57D}" type="presParOf" srcId="{BCD6E762-C02F-478F-B1BC-995C8E24ADE1}" destId="{660AFEAB-3701-4D14-890E-67426F843685}" srcOrd="0" destOrd="0" presId="urn:microsoft.com/office/officeart/2005/8/layout/hierarchy2"/>
+    <dgm:cxn modelId="{D74410C1-6900-4980-A001-D1653CC94E8C}" type="presParOf" srcId="{BCD6E762-C02F-478F-B1BC-995C8E24ADE1}" destId="{8AC600EF-EB47-4726-AA2C-E29303C9B3E8}" srcOrd="1" destOrd="0" presId="urn:microsoft.com/office/officeart/2005/8/layout/hierarchy2"/>
   </dgm:cxnLst>
   <dgm:bg/>
   <dgm:whole/>
@@ -9188,8 +9405,8 @@
       </dsp:nvSpPr>
       <dsp:spPr>
         <a:xfrm>
-          <a:off x="1010441" y="1325088"/>
-          <a:ext cx="2301216" cy="1150608"/>
+          <a:off x="1540566" y="982621"/>
+          <a:ext cx="1940508" cy="814545"/>
         </a:xfrm>
         <a:prstGeom prst="roundRect">
           <a:avLst>
@@ -9273,8 +9490,8 @@
         </a:p>
       </dsp:txBody>
       <dsp:txXfrm>
-        <a:off x="1044141" y="1358788"/>
-        <a:ext cx="2233816" cy="1083208"/>
+        <a:off x="1564423" y="1006478"/>
+        <a:ext cx="1892794" cy="766831"/>
       </dsp:txXfrm>
     </dsp:sp>
     <dsp:sp modelId="{03804EE7-7231-465D-9CF9-5BDB01DAAE5F}">
@@ -9283,9 +9500,9 @@
         <dsp:cNvSpPr/>
       </dsp:nvSpPr>
       <dsp:spPr>
-        <a:xfrm rot="18289469">
-          <a:off x="2965961" y="1222730"/>
-          <a:ext cx="1611878" cy="32124"/>
+        <a:xfrm rot="18222979">
+          <a:off x="3219919" y="890280"/>
+          <a:ext cx="1173948" cy="22741"/>
         </a:xfrm>
         <a:custGeom>
           <a:avLst/>
@@ -9296,10 +9513,10 @@
           <a:pathLst>
             <a:path>
               <a:moveTo>
-                <a:pt x="0" y="16062"/>
+                <a:pt x="0" y="11370"/>
               </a:moveTo>
               <a:lnTo>
-                <a:pt x="1611878" y="16062"/>
+                <a:pt x="1173948" y="11370"/>
               </a:lnTo>
             </a:path>
           </a:pathLst>
@@ -9356,8 +9573,8 @@
         </a:p>
       </dsp:txBody>
       <dsp:txXfrm>
-        <a:off x="3731603" y="1198495"/>
-        <a:ext cx="80593" cy="80593"/>
+        <a:off x="3777544" y="872302"/>
+        <a:ext cx="58697" cy="58697"/>
       </dsp:txXfrm>
     </dsp:sp>
     <dsp:sp modelId="{C9B846E9-182A-45CC-B7A4-0378FD67C97D}">
@@ -9367,8 +9584,8 @@
       </dsp:nvSpPr>
       <dsp:spPr>
         <a:xfrm>
-          <a:off x="4232143" y="1888"/>
-          <a:ext cx="2301216" cy="1150608"/>
+          <a:off x="4132711" y="6135"/>
+          <a:ext cx="1870522" cy="814545"/>
         </a:xfrm>
         <a:prstGeom prst="roundRect">
           <a:avLst>
@@ -9444,8 +9661,8 @@
         </a:p>
       </dsp:txBody>
       <dsp:txXfrm>
-        <a:off x="4265843" y="35588"/>
-        <a:ext cx="2233816" cy="1083208"/>
+        <a:off x="4156568" y="29992"/>
+        <a:ext cx="1822808" cy="766831"/>
       </dsp:txXfrm>
     </dsp:sp>
     <dsp:sp modelId="{035EE4C2-BC1C-48EA-B14F-97015996176E}">
@@ -9454,9 +9671,9 @@
         <dsp:cNvSpPr/>
       </dsp:nvSpPr>
       <dsp:spPr>
-        <a:xfrm>
-          <a:off x="3311657" y="1884330"/>
-          <a:ext cx="920486" cy="32124"/>
+        <a:xfrm rot="21390514">
+          <a:off x="3480469" y="1358644"/>
+          <a:ext cx="652848" cy="22741"/>
         </a:xfrm>
         <a:custGeom>
           <a:avLst/>
@@ -9467,10 +9684,10 @@
           <a:pathLst>
             <a:path>
               <a:moveTo>
-                <a:pt x="0" y="16062"/>
+                <a:pt x="0" y="11370"/>
               </a:moveTo>
               <a:lnTo>
-                <a:pt x="920486" y="16062"/>
+                <a:pt x="652848" y="11370"/>
               </a:lnTo>
             </a:path>
           </a:pathLst>
@@ -9527,8 +9744,8 @@
         </a:p>
       </dsp:txBody>
       <dsp:txXfrm>
-        <a:off x="3748888" y="1877380"/>
-        <a:ext cx="46024" cy="46024"/>
+        <a:off x="3790572" y="1353694"/>
+        <a:ext cx="32642" cy="32642"/>
       </dsp:txXfrm>
     </dsp:sp>
     <dsp:sp modelId="{19FE825B-36EF-486E-B9CD-C79C9C40DA50}">
@@ -9538,8 +9755,8 @@
       </dsp:nvSpPr>
       <dsp:spPr>
         <a:xfrm>
-          <a:off x="4232143" y="1325088"/>
-          <a:ext cx="2301216" cy="1150608"/>
+          <a:off x="4132711" y="942863"/>
+          <a:ext cx="1870522" cy="814545"/>
         </a:xfrm>
         <a:prstGeom prst="roundRect">
           <a:avLst>
@@ -9615,8 +9832,8 @@
         </a:p>
       </dsp:txBody>
       <dsp:txXfrm>
-        <a:off x="4265843" y="1358788"/>
-        <a:ext cx="2233816" cy="1083208"/>
+        <a:off x="4156568" y="966720"/>
+        <a:ext cx="1822808" cy="766831"/>
       </dsp:txXfrm>
     </dsp:sp>
     <dsp:sp modelId="{4BB8F76F-A742-4AA0-80B5-EEE513516A6F}">
@@ -9625,9 +9842,9 @@
         <dsp:cNvSpPr/>
       </dsp:nvSpPr>
       <dsp:spPr>
-        <a:xfrm rot="3310531">
-          <a:off x="2965961" y="2545929"/>
-          <a:ext cx="1611878" cy="32124"/>
+        <a:xfrm rot="3240125">
+          <a:off x="3252550" y="1827008"/>
+          <a:ext cx="1108686" cy="22741"/>
         </a:xfrm>
         <a:custGeom>
           <a:avLst/>
@@ -9638,10 +9855,10 @@
           <a:pathLst>
             <a:path>
               <a:moveTo>
-                <a:pt x="0" y="16062"/>
+                <a:pt x="0" y="11370"/>
               </a:moveTo>
               <a:lnTo>
-                <a:pt x="1611878" y="16062"/>
+                <a:pt x="1108686" y="11370"/>
               </a:lnTo>
             </a:path>
           </a:pathLst>
@@ -9698,8 +9915,8 @@
         </a:p>
       </dsp:txBody>
       <dsp:txXfrm>
-        <a:off x="3731603" y="2521694"/>
-        <a:ext cx="80593" cy="80593"/>
+        <a:off x="3779176" y="1810661"/>
+        <a:ext cx="55434" cy="55434"/>
       </dsp:txXfrm>
     </dsp:sp>
     <dsp:sp modelId="{833BD415-9A15-4B32-BD5B-6E53EA4F08F6}">
@@ -9709,8 +9926,8 @@
       </dsp:nvSpPr>
       <dsp:spPr>
         <a:xfrm>
-          <a:off x="4232143" y="2648287"/>
-          <a:ext cx="2301216" cy="1150608"/>
+          <a:off x="4132711" y="1879590"/>
+          <a:ext cx="1870522" cy="814545"/>
         </a:xfrm>
         <a:prstGeom prst="roundRect">
           <a:avLst>
@@ -9786,8 +10003,8 @@
         </a:p>
       </dsp:txBody>
       <dsp:txXfrm>
-        <a:off x="4265843" y="2681987"/>
-        <a:ext cx="2233816" cy="1083208"/>
+        <a:off x="4156568" y="1903447"/>
+        <a:ext cx="1822808" cy="766831"/>
       </dsp:txXfrm>
     </dsp:sp>
     <dsp:sp modelId="{16C270DC-FC70-4DC8-BE00-ED4A04DD2D3C}">
@@ -9797,8 +10014,8 @@
       </dsp:nvSpPr>
       <dsp:spPr>
         <a:xfrm>
-          <a:off x="1010441" y="4633086"/>
-          <a:ext cx="2301216" cy="1150608"/>
+          <a:off x="1540566" y="3284682"/>
+          <a:ext cx="1940508" cy="814545"/>
         </a:xfrm>
         <a:prstGeom prst="roundRect">
           <a:avLst>
@@ -9874,8 +10091,8 @@
         </a:p>
       </dsp:txBody>
       <dsp:txXfrm>
-        <a:off x="1044141" y="4666786"/>
-        <a:ext cx="2233816" cy="1083208"/>
+        <a:off x="1564423" y="3308539"/>
+        <a:ext cx="1892794" cy="766831"/>
       </dsp:txXfrm>
     </dsp:sp>
     <dsp:sp modelId="{8078EAE0-B9E9-4666-A80C-92EEDD5AE56A}">
@@ -9885,8 +10102,8 @@
       </dsp:nvSpPr>
       <dsp:spPr>
         <a:xfrm rot="19457599">
-          <a:off x="3205109" y="4861528"/>
-          <a:ext cx="1133582" cy="32124"/>
+          <a:off x="3405646" y="3446402"/>
+          <a:ext cx="802492" cy="22741"/>
         </a:xfrm>
         <a:custGeom>
           <a:avLst/>
@@ -9897,10 +10114,10 @@
           <a:pathLst>
             <a:path>
               <a:moveTo>
-                <a:pt x="0" y="16062"/>
+                <a:pt x="0" y="11370"/>
               </a:moveTo>
               <a:lnTo>
-                <a:pt x="1133582" y="16062"/>
+                <a:pt x="802492" y="11370"/>
               </a:lnTo>
             </a:path>
           </a:pathLst>
@@ -9957,8 +10174,8 @@
         </a:p>
       </dsp:txBody>
       <dsp:txXfrm>
-        <a:off x="3743560" y="4849251"/>
-        <a:ext cx="56679" cy="56679"/>
+        <a:off x="3786831" y="3437711"/>
+        <a:ext cx="40124" cy="40124"/>
       </dsp:txXfrm>
     </dsp:sp>
     <dsp:sp modelId="{F845306D-465B-4847-8FB2-7367739F041A}">
@@ -9968,8 +10185,8 @@
       </dsp:nvSpPr>
       <dsp:spPr>
         <a:xfrm>
-          <a:off x="4232143" y="3971486"/>
-          <a:ext cx="2301216" cy="1150608"/>
+          <a:off x="4132711" y="2816318"/>
+          <a:ext cx="1870522" cy="814545"/>
         </a:xfrm>
         <a:prstGeom prst="roundRect">
           <a:avLst>
@@ -10045,8 +10262,8 @@
         </a:p>
       </dsp:txBody>
       <dsp:txXfrm>
-        <a:off x="4265843" y="4005186"/>
-        <a:ext cx="2233816" cy="1083208"/>
+        <a:off x="4156568" y="2840175"/>
+        <a:ext cx="1822808" cy="766831"/>
       </dsp:txXfrm>
     </dsp:sp>
     <dsp:sp modelId="{0F8C6668-F8A5-4BC4-82D3-174290CAA838}">
@@ -10056,8 +10273,8 @@
       </dsp:nvSpPr>
       <dsp:spPr>
         <a:xfrm rot="2142401">
-          <a:off x="3205109" y="5523128"/>
-          <a:ext cx="1133582" cy="32124"/>
+          <a:off x="3405646" y="3914766"/>
+          <a:ext cx="802492" cy="22741"/>
         </a:xfrm>
         <a:custGeom>
           <a:avLst/>
@@ -10068,10 +10285,10 @@
           <a:pathLst>
             <a:path>
               <a:moveTo>
-                <a:pt x="0" y="16062"/>
+                <a:pt x="0" y="11370"/>
               </a:moveTo>
               <a:lnTo>
-                <a:pt x="1133582" y="16062"/>
+                <a:pt x="802492" y="11370"/>
               </a:lnTo>
             </a:path>
           </a:pathLst>
@@ -10128,8 +10345,8 @@
         </a:p>
       </dsp:txBody>
       <dsp:txXfrm>
-        <a:off x="3743560" y="5510850"/>
-        <a:ext cx="56679" cy="56679"/>
+        <a:off x="3786831" y="3906074"/>
+        <a:ext cx="40124" cy="40124"/>
       </dsp:txXfrm>
     </dsp:sp>
     <dsp:sp modelId="{EF49A9DB-AED3-4C1C-9C1A-6487D238FF60}">
@@ -10139,8 +10356,8 @@
       </dsp:nvSpPr>
       <dsp:spPr>
         <a:xfrm>
-          <a:off x="4232143" y="5294686"/>
-          <a:ext cx="2301216" cy="1150608"/>
+          <a:off x="4132711" y="3753046"/>
+          <a:ext cx="1870522" cy="814545"/>
         </a:xfrm>
         <a:prstGeom prst="roundRect">
           <a:avLst>
@@ -10216,8 +10433,425 @@
         </a:p>
       </dsp:txBody>
       <dsp:txXfrm>
-        <a:off x="4265843" y="5328386"/>
-        <a:ext cx="2233816" cy="1083208"/>
+        <a:off x="4156568" y="3776903"/>
+        <a:ext cx="1822808" cy="766831"/>
+      </dsp:txXfrm>
+    </dsp:sp>
+    <dsp:sp modelId="{3E57150E-E5F7-4B97-A64A-2D90F99E4700}">
+      <dsp:nvSpPr>
+        <dsp:cNvPr id="0" name=""/>
+        <dsp:cNvSpPr/>
+      </dsp:nvSpPr>
+      <dsp:spPr>
+        <a:xfrm>
+          <a:off x="1540566" y="5158137"/>
+          <a:ext cx="1940508" cy="814545"/>
+        </a:xfrm>
+        <a:prstGeom prst="roundRect">
+          <a:avLst>
+            <a:gd name="adj" fmla="val 10000"/>
+          </a:avLst>
+        </a:prstGeom>
+        <a:solidFill>
+          <a:schemeClr val="accent2">
+            <a:hueOff val="0"/>
+            <a:satOff val="0"/>
+            <a:lumOff val="0"/>
+            <a:alphaOff val="0"/>
+          </a:schemeClr>
+        </a:solidFill>
+        <a:ln w="15875" cap="flat" cmpd="sng" algn="ctr">
+          <a:solidFill>
+            <a:schemeClr val="lt1">
+              <a:hueOff val="0"/>
+              <a:satOff val="0"/>
+              <a:lumOff val="0"/>
+              <a:alphaOff val="0"/>
+            </a:schemeClr>
+          </a:solidFill>
+          <a:prstDash val="solid"/>
+        </a:ln>
+        <a:effectLst/>
+      </dsp:spPr>
+      <dsp:style>
+        <a:lnRef idx="2">
+          <a:scrgbClr r="0" g="0" b="0"/>
+        </a:lnRef>
+        <a:fillRef idx="1">
+          <a:scrgbClr r="0" g="0" b="0"/>
+        </a:fillRef>
+        <a:effectRef idx="0">
+          <a:scrgbClr r="0" g="0" b="0"/>
+        </a:effectRef>
+        <a:fontRef idx="minor">
+          <a:schemeClr val="lt1"/>
+        </a:fontRef>
+      </dsp:style>
+      <dsp:txBody>
+        <a:bodyPr spcFirstLastPara="0" vert="horz" wrap="square" lIns="11430" tIns="11430" rIns="11430" bIns="11430" numCol="1" spcCol="1270" anchor="ctr" anchorCtr="0">
+          <a:noAutofit/>
+        </a:bodyPr>
+        <a:lstStyle/>
+        <a:p>
+          <a:pPr marL="0" lvl="0" indent="0" algn="ctr" defTabSz="800100">
+            <a:lnSpc>
+              <a:spcPct val="90000"/>
+            </a:lnSpc>
+            <a:spcBef>
+              <a:spcPct val="0"/>
+            </a:spcBef>
+            <a:spcAft>
+              <a:spcPct val="35000"/>
+            </a:spcAft>
+            <a:buNone/>
+          </a:pPr>
+          <a:r>
+            <a:rPr lang="en-US" sz="1800" kern="1200" dirty="0">
+              <a:solidFill>
+                <a:schemeClr val="tx1"/>
+              </a:solidFill>
+            </a:rPr>
+            <a:t>Extra</a:t>
+          </a:r>
+        </a:p>
+      </dsp:txBody>
+      <dsp:txXfrm>
+        <a:off x="1564423" y="5181994"/>
+        <a:ext cx="1892794" cy="766831"/>
+      </dsp:txXfrm>
+    </dsp:sp>
+    <dsp:sp modelId="{7F909729-4427-4226-B558-989C7B40D670}">
+      <dsp:nvSpPr>
+        <dsp:cNvPr id="0" name=""/>
+        <dsp:cNvSpPr/>
+      </dsp:nvSpPr>
+      <dsp:spPr>
+        <a:xfrm rot="19457599">
+          <a:off x="3405646" y="5319857"/>
+          <a:ext cx="802492" cy="22741"/>
+        </a:xfrm>
+        <a:custGeom>
+          <a:avLst/>
+          <a:gdLst/>
+          <a:ahLst/>
+          <a:cxnLst/>
+          <a:rect l="0" t="0" r="0" b="0"/>
+          <a:pathLst>
+            <a:path>
+              <a:moveTo>
+                <a:pt x="0" y="11370"/>
+              </a:moveTo>
+              <a:lnTo>
+                <a:pt x="802492" y="11370"/>
+              </a:lnTo>
+            </a:path>
+          </a:pathLst>
+        </a:custGeom>
+        <a:noFill/>
+        <a:ln w="15875" cap="flat" cmpd="sng" algn="ctr">
+          <a:solidFill>
+            <a:schemeClr val="accent4">
+              <a:hueOff val="0"/>
+              <a:satOff val="0"/>
+              <a:lumOff val="0"/>
+              <a:alphaOff val="0"/>
+            </a:schemeClr>
+          </a:solidFill>
+          <a:prstDash val="solid"/>
+        </a:ln>
+        <a:effectLst/>
+      </dsp:spPr>
+      <dsp:style>
+        <a:lnRef idx="2">
+          <a:scrgbClr r="0" g="0" b="0"/>
+        </a:lnRef>
+        <a:fillRef idx="0">
+          <a:scrgbClr r="0" g="0" b="0"/>
+        </a:fillRef>
+        <a:effectRef idx="0">
+          <a:scrgbClr r="0" g="0" b="0"/>
+        </a:effectRef>
+        <a:fontRef idx="minor"/>
+      </dsp:style>
+      <dsp:txBody>
+        <a:bodyPr spcFirstLastPara="0" vert="horz" wrap="square" lIns="12700" tIns="0" rIns="12700" bIns="0" numCol="1" spcCol="1270" anchor="ctr" anchorCtr="0">
+          <a:noAutofit/>
+        </a:bodyPr>
+        <a:lstStyle/>
+        <a:p>
+          <a:pPr marL="0" lvl="0" indent="0" algn="ctr" defTabSz="222250">
+            <a:lnSpc>
+              <a:spcPct val="90000"/>
+            </a:lnSpc>
+            <a:spcBef>
+              <a:spcPct val="0"/>
+            </a:spcBef>
+            <a:spcAft>
+              <a:spcPct val="35000"/>
+            </a:spcAft>
+            <a:buNone/>
+          </a:pPr>
+          <a:endParaRPr lang="it-IT" sz="500" kern="1200"/>
+        </a:p>
+      </dsp:txBody>
+      <dsp:txXfrm>
+        <a:off x="3786831" y="5311166"/>
+        <a:ext cx="40124" cy="40124"/>
+      </dsp:txXfrm>
+    </dsp:sp>
+    <dsp:sp modelId="{664EEAFC-A430-4928-9927-0595E02838A2}">
+      <dsp:nvSpPr>
+        <dsp:cNvPr id="0" name=""/>
+        <dsp:cNvSpPr/>
+      </dsp:nvSpPr>
+      <dsp:spPr>
+        <a:xfrm>
+          <a:off x="4132711" y="4689773"/>
+          <a:ext cx="1870522" cy="814545"/>
+        </a:xfrm>
+        <a:prstGeom prst="roundRect">
+          <a:avLst>
+            <a:gd name="adj" fmla="val 10000"/>
+          </a:avLst>
+        </a:prstGeom>
+        <a:solidFill>
+          <a:schemeClr val="accent4">
+            <a:hueOff val="0"/>
+            <a:satOff val="0"/>
+            <a:lumOff val="0"/>
+            <a:alphaOff val="0"/>
+          </a:schemeClr>
+        </a:solidFill>
+        <a:ln w="15875" cap="flat" cmpd="sng" algn="ctr">
+          <a:solidFill>
+            <a:schemeClr val="lt1">
+              <a:hueOff val="0"/>
+              <a:satOff val="0"/>
+              <a:lumOff val="0"/>
+              <a:alphaOff val="0"/>
+            </a:schemeClr>
+          </a:solidFill>
+          <a:prstDash val="solid"/>
+        </a:ln>
+        <a:effectLst/>
+      </dsp:spPr>
+      <dsp:style>
+        <a:lnRef idx="2">
+          <a:scrgbClr r="0" g="0" b="0"/>
+        </a:lnRef>
+        <a:fillRef idx="1">
+          <a:scrgbClr r="0" g="0" b="0"/>
+        </a:fillRef>
+        <a:effectRef idx="0">
+          <a:scrgbClr r="0" g="0" b="0"/>
+        </a:effectRef>
+        <a:fontRef idx="minor">
+          <a:schemeClr val="lt1"/>
+        </a:fontRef>
+      </dsp:style>
+      <dsp:txBody>
+        <a:bodyPr spcFirstLastPara="0" vert="horz" wrap="square" lIns="11430" tIns="11430" rIns="11430" bIns="11430" numCol="1" spcCol="1270" anchor="ctr" anchorCtr="0">
+          <a:noAutofit/>
+        </a:bodyPr>
+        <a:lstStyle/>
+        <a:p>
+          <a:pPr marL="0" lvl="0" indent="0" algn="ctr" defTabSz="800100">
+            <a:lnSpc>
+              <a:spcPct val="90000"/>
+            </a:lnSpc>
+            <a:spcBef>
+              <a:spcPct val="0"/>
+            </a:spcBef>
+            <a:spcAft>
+              <a:spcPct val="35000"/>
+            </a:spcAft>
+            <a:buNone/>
+          </a:pPr>
+          <a:r>
+            <a:rPr lang="en-US" sz="1800" kern="1200" dirty="0" err="1">
+              <a:solidFill>
+                <a:schemeClr val="tx1"/>
+              </a:solidFill>
+            </a:rPr>
+            <a:t>Classifica</a:t>
+          </a:r>
+          <a:endParaRPr lang="en-US" sz="1800" kern="1200" dirty="0">
+            <a:solidFill>
+              <a:schemeClr val="tx1"/>
+            </a:solidFill>
+          </a:endParaRPr>
+        </a:p>
+      </dsp:txBody>
+      <dsp:txXfrm>
+        <a:off x="4156568" y="4713630"/>
+        <a:ext cx="1822808" cy="766831"/>
+      </dsp:txXfrm>
+    </dsp:sp>
+    <dsp:sp modelId="{A89A3089-8C46-4338-BF73-120FD8D26F94}">
+      <dsp:nvSpPr>
+        <dsp:cNvPr id="0" name=""/>
+        <dsp:cNvSpPr/>
+      </dsp:nvSpPr>
+      <dsp:spPr>
+        <a:xfrm rot="2142401">
+          <a:off x="3405646" y="5788221"/>
+          <a:ext cx="802492" cy="22741"/>
+        </a:xfrm>
+        <a:custGeom>
+          <a:avLst/>
+          <a:gdLst/>
+          <a:ahLst/>
+          <a:cxnLst/>
+          <a:rect l="0" t="0" r="0" b="0"/>
+          <a:pathLst>
+            <a:path>
+              <a:moveTo>
+                <a:pt x="0" y="11370"/>
+              </a:moveTo>
+              <a:lnTo>
+                <a:pt x="802492" y="11370"/>
+              </a:lnTo>
+            </a:path>
+          </a:pathLst>
+        </a:custGeom>
+        <a:noFill/>
+        <a:ln w="15875" cap="flat" cmpd="sng" algn="ctr">
+          <a:solidFill>
+            <a:schemeClr val="accent4">
+              <a:hueOff val="0"/>
+              <a:satOff val="0"/>
+              <a:lumOff val="0"/>
+              <a:alphaOff val="0"/>
+            </a:schemeClr>
+          </a:solidFill>
+          <a:prstDash val="solid"/>
+        </a:ln>
+        <a:effectLst/>
+      </dsp:spPr>
+      <dsp:style>
+        <a:lnRef idx="2">
+          <a:scrgbClr r="0" g="0" b="0"/>
+        </a:lnRef>
+        <a:fillRef idx="0">
+          <a:scrgbClr r="0" g="0" b="0"/>
+        </a:fillRef>
+        <a:effectRef idx="0">
+          <a:scrgbClr r="0" g="0" b="0"/>
+        </a:effectRef>
+        <a:fontRef idx="minor"/>
+      </dsp:style>
+      <dsp:txBody>
+        <a:bodyPr spcFirstLastPara="0" vert="horz" wrap="square" lIns="12700" tIns="0" rIns="12700" bIns="0" numCol="1" spcCol="1270" anchor="ctr" anchorCtr="0">
+          <a:noAutofit/>
+        </a:bodyPr>
+        <a:lstStyle/>
+        <a:p>
+          <a:pPr marL="0" lvl="0" indent="0" algn="ctr" defTabSz="222250">
+            <a:lnSpc>
+              <a:spcPct val="90000"/>
+            </a:lnSpc>
+            <a:spcBef>
+              <a:spcPct val="0"/>
+            </a:spcBef>
+            <a:spcAft>
+              <a:spcPct val="35000"/>
+            </a:spcAft>
+            <a:buNone/>
+          </a:pPr>
+          <a:endParaRPr lang="it-IT" sz="500" kern="1200"/>
+        </a:p>
+      </dsp:txBody>
+      <dsp:txXfrm>
+        <a:off x="3786831" y="5779530"/>
+        <a:ext cx="40124" cy="40124"/>
+      </dsp:txXfrm>
+    </dsp:sp>
+    <dsp:sp modelId="{660AFEAB-3701-4D14-890E-67426F843685}">
+      <dsp:nvSpPr>
+        <dsp:cNvPr id="0" name=""/>
+        <dsp:cNvSpPr/>
+      </dsp:nvSpPr>
+      <dsp:spPr>
+        <a:xfrm>
+          <a:off x="4132711" y="5626501"/>
+          <a:ext cx="1870522" cy="814545"/>
+        </a:xfrm>
+        <a:prstGeom prst="roundRect">
+          <a:avLst>
+            <a:gd name="adj" fmla="val 10000"/>
+          </a:avLst>
+        </a:prstGeom>
+        <a:solidFill>
+          <a:schemeClr val="accent4">
+            <a:hueOff val="0"/>
+            <a:satOff val="0"/>
+            <a:lumOff val="0"/>
+            <a:alphaOff val="0"/>
+          </a:schemeClr>
+        </a:solidFill>
+        <a:ln w="15875" cap="flat" cmpd="sng" algn="ctr">
+          <a:solidFill>
+            <a:schemeClr val="lt1">
+              <a:hueOff val="0"/>
+              <a:satOff val="0"/>
+              <a:lumOff val="0"/>
+              <a:alphaOff val="0"/>
+            </a:schemeClr>
+          </a:solidFill>
+          <a:prstDash val="solid"/>
+        </a:ln>
+        <a:effectLst/>
+      </dsp:spPr>
+      <dsp:style>
+        <a:lnRef idx="2">
+          <a:scrgbClr r="0" g="0" b="0"/>
+        </a:lnRef>
+        <a:fillRef idx="1">
+          <a:scrgbClr r="0" g="0" b="0"/>
+        </a:fillRef>
+        <a:effectRef idx="0">
+          <a:scrgbClr r="0" g="0" b="0"/>
+        </a:effectRef>
+        <a:fontRef idx="minor">
+          <a:schemeClr val="lt1"/>
+        </a:fontRef>
+      </dsp:style>
+      <dsp:txBody>
+        <a:bodyPr spcFirstLastPara="0" vert="horz" wrap="square" lIns="11430" tIns="11430" rIns="11430" bIns="11430" numCol="1" spcCol="1270" anchor="ctr" anchorCtr="0">
+          <a:noAutofit/>
+        </a:bodyPr>
+        <a:lstStyle/>
+        <a:p>
+          <a:pPr marL="0" lvl="0" indent="0" algn="ctr" defTabSz="800100">
+            <a:lnSpc>
+              <a:spcPct val="90000"/>
+            </a:lnSpc>
+            <a:spcBef>
+              <a:spcPct val="0"/>
+            </a:spcBef>
+            <a:spcAft>
+              <a:spcPct val="35000"/>
+            </a:spcAft>
+            <a:buNone/>
+          </a:pPr>
+          <a:r>
+            <a:rPr lang="en-US" sz="1800" kern="1200" dirty="0" err="1">
+              <a:solidFill>
+                <a:schemeClr val="tx1"/>
+              </a:solidFill>
+            </a:rPr>
+            <a:t>Obbiettivi</a:t>
+          </a:r>
+          <a:endParaRPr lang="en-US" sz="1800" kern="1200" dirty="0">
+            <a:solidFill>
+              <a:schemeClr val="tx1"/>
+            </a:solidFill>
+          </a:endParaRPr>
+        </a:p>
+      </dsp:txBody>
+      <dsp:txXfrm>
+        <a:off x="4156568" y="5650358"/>
+        <a:ext cx="1822808" cy="766831"/>
       </dsp:txXfrm>
     </dsp:sp>
   </dsp:spTree>
@@ -28210,7 +28844,7 @@
             <p:ph idx="1"/>
             <p:extLst>
               <p:ext uri="{D42A27DB-BD31-4B8C-83A1-F6EECF244321}">
-                <p14:modId xmlns:p14="http://schemas.microsoft.com/office/powerpoint/2010/main" val="2239481960"/>
+                <p14:modId xmlns:p14="http://schemas.microsoft.com/office/powerpoint/2010/main" val="3427349579"/>
               </p:ext>
             </p:extLst>
           </p:nvPr>
